--- a/slides/4_anomalia_campo_total.pptx
+++ b/slides/4_anomalia_campo_total.pptx
@@ -19,8 +19,12 @@
     <p:sldId id="317" r:id="rId13"/>
     <p:sldId id="318" r:id="rId14"/>
     <p:sldId id="319" r:id="rId15"/>
-    <p:sldId id="309" r:id="rId16"/>
-    <p:sldId id="302" r:id="rId17"/>
+    <p:sldId id="320" r:id="rId16"/>
+    <p:sldId id="321" r:id="rId17"/>
+    <p:sldId id="322" r:id="rId18"/>
+    <p:sldId id="323" r:id="rId19"/>
+    <p:sldId id="324" r:id="rId20"/>
+    <p:sldId id="302" r:id="rId21"/>
   </p:sldIdLst>
   <p:sldSz cx="9144000" cy="6858000" type="screen4x3"/>
   <p:notesSz cx="6858000" cy="9144000"/>
@@ -3939,13 +3943,10 @@
               <a:t>, que é líquido e contém ferro e </a:t>
             </a:r>
             <a:r>
-              <a:rPr lang="pt-BR" sz="2400" dirty="0" err="1" smtClean="0"/>
-              <a:t>niquel</a:t>
-            </a:r>
-            <a:r>
               <a:rPr lang="pt-BR" sz="2400" dirty="0" smtClean="0"/>
-              <a:t>.</a:t>
-            </a:r>
+              <a:t>níquel.</a:t>
+            </a:r>
+            <a:endParaRPr lang="pt-BR" sz="2400" dirty="0" smtClean="0"/>
           </a:p>
         </p:txBody>
       </p:sp>
@@ -4556,8 +4557,8 @@
         </p:nvSpPr>
         <p:spPr>
           <a:xfrm>
-            <a:off x="916761" y="797803"/>
-            <a:ext cx="7301017" cy="830997"/>
+            <a:off x="1550320" y="797803"/>
+            <a:ext cx="6033898" cy="1200329"/>
           </a:xfrm>
           <a:prstGeom prst="rect">
             <a:avLst/>
@@ -4577,12 +4578,49 @@
             </a:r>
             <a:r>
               <a:rPr lang="pt-BR" sz="2400" b="1" dirty="0" smtClean="0"/>
-              <a:t>campo principal</a:t>
-            </a:r>
+              <a:t>campo </a:t>
+            </a:r>
+            <a:r>
+              <a:rPr lang="pt-BR" sz="2400" b="1" dirty="0" smtClean="0"/>
+              <a:t>principal</a:t>
+            </a:r>
+            <a:endParaRPr lang="pt-BR" sz="2400" dirty="0" smtClean="0"/>
+          </a:p>
+          <a:p>
+            <a:pPr algn="ctr"/>
             <a:r>
               <a:rPr lang="pt-BR" sz="2400" dirty="0" smtClean="0"/>
-              <a:t>.</a:t>
-            </a:r>
+              <a:t>(</a:t>
+            </a:r>
+            <a:r>
+              <a:rPr lang="pt-BR" sz="2400" dirty="0" err="1" smtClean="0"/>
+              <a:t>Langel</a:t>
+            </a:r>
+            <a:r>
+              <a:rPr lang="pt-BR" sz="2400" dirty="0" smtClean="0"/>
+              <a:t> </a:t>
+            </a:r>
+            <a:r>
+              <a:rPr lang="pt-BR" sz="2400" dirty="0"/>
+              <a:t>e </a:t>
+            </a:r>
+            <a:r>
+              <a:rPr lang="pt-BR" sz="2400" dirty="0" err="1"/>
+              <a:t>Hinze</a:t>
+            </a:r>
+            <a:r>
+              <a:rPr lang="pt-BR" sz="2400" dirty="0"/>
+              <a:t>, 1998; </a:t>
+            </a:r>
+            <a:r>
+              <a:rPr lang="pt-BR" sz="2400" dirty="0" err="1"/>
+              <a:t>Hulot</a:t>
+            </a:r>
+            <a:r>
+              <a:rPr lang="pt-BR" sz="2400" dirty="0"/>
+              <a:t> et al., 2015).</a:t>
+            </a:r>
+            <a:endParaRPr lang="pt-BR" sz="2400" dirty="0" smtClean="0"/>
           </a:p>
         </p:txBody>
       </p:sp>
@@ -5223,8 +5261,8 @@
         </p:nvSpPr>
         <p:spPr>
           <a:xfrm>
-            <a:off x="916761" y="188640"/>
-            <a:ext cx="7301017" cy="1569660"/>
+            <a:off x="1248625" y="347172"/>
+            <a:ext cx="6637288" cy="1569660"/>
           </a:xfrm>
           <a:prstGeom prst="rect">
             <a:avLst/>
@@ -5569,10 +5607,18 @@
           <a:lstStyle/>
           <a:p>
             <a:r>
-              <a:rPr lang="pt-BR" dirty="0" smtClean="0"/>
+              <a:rPr lang="pt-BR" dirty="0" smtClean="0">
+                <a:solidFill>
+                  <a:srgbClr val="FF0000"/>
+                </a:solidFill>
+              </a:rPr>
               <a:t>Litosfera</a:t>
             </a:r>
-            <a:endParaRPr lang="pt-BR" dirty="0"/>
+            <a:endParaRPr lang="pt-BR" dirty="0">
+              <a:solidFill>
+                <a:srgbClr val="FF0000"/>
+              </a:solidFill>
+            </a:endParaRPr>
           </a:p>
         </p:txBody>
       </p:sp>
@@ -6014,8 +6060,8 @@
         </p:nvSpPr>
         <p:spPr>
           <a:xfrm>
-            <a:off x="916761" y="797803"/>
-            <a:ext cx="7301017" cy="1200329"/>
+            <a:off x="916761" y="332656"/>
+            <a:ext cx="7301017" cy="1938992"/>
           </a:xfrm>
           <a:prstGeom prst="rect">
             <a:avLst/>
@@ -6046,9 +6092,58 @@
               <a:t> </a:t>
             </a:r>
             <a:r>
+              <a:rPr lang="pt-BR" sz="2400" dirty="0"/>
+              <a:t>(</a:t>
+            </a:r>
+            <a:r>
+              <a:rPr lang="pt-BR" sz="2400" dirty="0" err="1"/>
+              <a:t>Langel</a:t>
+            </a:r>
+            <a:r>
+              <a:rPr lang="pt-BR" sz="2400" dirty="0"/>
+              <a:t> e </a:t>
+            </a:r>
+            <a:r>
+              <a:rPr lang="pt-BR" sz="2400" dirty="0" err="1"/>
+              <a:t>Hinze</a:t>
+            </a:r>
+            <a:r>
+              <a:rPr lang="pt-BR" sz="2400" dirty="0"/>
+              <a:t>, 1998; </a:t>
+            </a:r>
+            <a:r>
+              <a:rPr lang="pt-BR" sz="2400" dirty="0" err="1"/>
+              <a:t>Hulot</a:t>
+            </a:r>
+            <a:r>
+              <a:rPr lang="pt-BR" sz="2400" dirty="0"/>
+              <a:t> et al., 2015) e </a:t>
+            </a:r>
+            <a:r>
               <a:rPr lang="pt-BR" sz="2400" dirty="0" smtClean="0"/>
-              <a:t>e representa a principal componente do campo geomagnético para estudos de geofísica aplicada.</a:t>
-            </a:r>
+              <a:t>representa a principal componente do campo geomagnético para estudos de geofísica </a:t>
+            </a:r>
+            <a:r>
+              <a:rPr lang="pt-BR" sz="2400" dirty="0"/>
+              <a:t>aplicada (</a:t>
+            </a:r>
+            <a:r>
+              <a:rPr lang="pt-BR" sz="2400" dirty="0" err="1"/>
+              <a:t>Blakely</a:t>
+            </a:r>
+            <a:r>
+              <a:rPr lang="pt-BR" sz="2400" dirty="0"/>
+              <a:t>, 1996; </a:t>
+            </a:r>
+            <a:r>
+              <a:rPr lang="pt-BR" sz="2400" dirty="0" err="1"/>
+              <a:t>Nabighian</a:t>
+            </a:r>
+            <a:r>
+              <a:rPr lang="pt-BR" sz="2400" dirty="0"/>
+              <a:t> et al., 2005).</a:t>
+            </a:r>
+            <a:endParaRPr lang="pt-BR" sz="2400" dirty="0" smtClean="0"/>
           </a:p>
         </p:txBody>
       </p:sp>
@@ -6300,10 +6395,18 @@
           <a:lstStyle/>
           <a:p>
             <a:r>
-              <a:rPr lang="pt-BR" dirty="0" smtClean="0"/>
+              <a:rPr lang="pt-BR" dirty="0" smtClean="0">
+                <a:solidFill>
+                  <a:srgbClr val="FF0000"/>
+                </a:solidFill>
+              </a:rPr>
               <a:t>Litosfera</a:t>
             </a:r>
-            <a:endParaRPr lang="pt-BR" dirty="0"/>
+            <a:endParaRPr lang="pt-BR" dirty="0">
+              <a:solidFill>
+                <a:srgbClr val="FF0000"/>
+              </a:solidFill>
+            </a:endParaRPr>
           </a:p>
         </p:txBody>
       </p:sp>
@@ -6330,10 +6433,18 @@
           <a:lstStyle/>
           <a:p>
             <a:r>
-              <a:rPr lang="pt-BR" dirty="0" smtClean="0"/>
+              <a:rPr lang="pt-BR" dirty="0" smtClean="0">
+                <a:solidFill>
+                  <a:srgbClr val="FF0000"/>
+                </a:solidFill>
+              </a:rPr>
               <a:t>Núcleo externo</a:t>
             </a:r>
-            <a:endParaRPr lang="pt-BR" dirty="0"/>
+            <a:endParaRPr lang="pt-BR" dirty="0">
+              <a:solidFill>
+                <a:srgbClr val="FF0000"/>
+              </a:solidFill>
+            </a:endParaRPr>
           </a:p>
         </p:txBody>
       </p:sp>
@@ -6823,7 +6934,7 @@
         <p:spPr>
           <a:xfrm>
             <a:off x="1514110" y="347172"/>
-            <a:ext cx="6115780" cy="1569660"/>
+            <a:ext cx="6115780" cy="1938992"/>
           </a:xfrm>
           <a:prstGeom prst="rect">
             <a:avLst/>
@@ -6855,7 +6966,39 @@
             </a:r>
             <a:r>
               <a:rPr lang="pt-BR" sz="2400" dirty="0" smtClean="0"/>
-              <a:t> (</a:t>
+              <a:t> </a:t>
+            </a:r>
+            <a:r>
+              <a:rPr lang="pt-BR" sz="2400" dirty="0" smtClean="0"/>
+              <a:t>(</a:t>
+            </a:r>
+            <a:r>
+              <a:rPr lang="pt-BR" sz="2400" dirty="0" err="1"/>
+              <a:t>Langel</a:t>
+            </a:r>
+            <a:r>
+              <a:rPr lang="pt-BR" sz="2400" dirty="0"/>
+              <a:t> </a:t>
+            </a:r>
+            <a:r>
+              <a:rPr lang="pt-BR" sz="2400" dirty="0"/>
+              <a:t>e</a:t>
+            </a:r>
+            <a:r>
+              <a:rPr lang="pt-BR" sz="2400" dirty="0" smtClean="0"/>
+              <a:t> </a:t>
+            </a:r>
+            <a:r>
+              <a:rPr lang="pt-BR" sz="2400" dirty="0" err="1"/>
+              <a:t>Hinze</a:t>
+            </a:r>
+            <a:r>
+              <a:rPr lang="pt-BR" sz="2400" dirty="0"/>
+              <a:t>, </a:t>
+            </a:r>
+            <a:r>
+              <a:rPr lang="pt-BR" sz="2400" dirty="0" smtClean="0"/>
+              <a:t>1998; </a:t>
             </a:r>
             <a:r>
               <a:rPr lang="pt-BR" sz="2400" dirty="0" err="1" smtClean="0"/>
@@ -6863,7 +7006,11 @@
             </a:r>
             <a:r>
               <a:rPr lang="pt-BR" sz="2400" dirty="0" smtClean="0"/>
-              <a:t> et al., 2015). Já em geofísica aplicada, é denominada </a:t>
+              <a:t> </a:t>
+            </a:r>
+            <a:r>
+              <a:rPr lang="pt-BR" sz="2400" dirty="0" smtClean="0"/>
+              <a:t>et al., 2015). Já em geofísica aplicada, é denominada </a:t>
             </a:r>
             <a:r>
               <a:rPr lang="pt-BR" sz="2400" b="1" dirty="0" smtClean="0"/>
@@ -6879,7 +7026,23 @@
             </a:r>
             <a:r>
               <a:rPr lang="pt-BR" sz="2400" dirty="0" smtClean="0"/>
-              <a:t>, 1996).</a:t>
+              <a:t>, </a:t>
+            </a:r>
+            <a:r>
+              <a:rPr lang="pt-BR" sz="2400" dirty="0"/>
+              <a:t>1996; </a:t>
+            </a:r>
+            <a:r>
+              <a:rPr lang="pt-BR" sz="2400" dirty="0" err="1" smtClean="0"/>
+              <a:t>Nabighian</a:t>
+            </a:r>
+            <a:r>
+              <a:rPr lang="pt-BR" sz="2400" dirty="0" smtClean="0"/>
+              <a:t> et </a:t>
+            </a:r>
+            <a:r>
+              <a:rPr lang="pt-BR" sz="2400" dirty="0"/>
+              <a:t>al., 2005).</a:t>
             </a:r>
             <a:endParaRPr lang="pt-BR" sz="2400" dirty="0"/>
           </a:p>
@@ -6962,7 +7125,7 @@
       </p:grpSpPr>
       <p:pic>
         <p:nvPicPr>
-          <p:cNvPr id="1026" name="Picture 2"/>
+          <p:cNvPr id="17" name="Picture 2"/>
           <p:cNvPicPr>
             <a:picLocks noChangeAspect="1" noChangeArrowheads="1"/>
           </p:cNvPicPr>
@@ -7014,13 +7177,115 @@
       </p:pic>
       <p:sp>
         <p:nvSpPr>
+          <p:cNvPr id="15" name="Rosca 14"/>
+          <p:cNvSpPr/>
+          <p:nvPr/>
+        </p:nvSpPr>
+        <p:spPr>
+          <a:xfrm>
+            <a:off x="1067848" y="3689736"/>
+            <a:ext cx="2448272" cy="720080"/>
+          </a:xfrm>
+          <a:prstGeom prst="donut">
+            <a:avLst>
+              <a:gd name="adj" fmla="val 31630"/>
+            </a:avLst>
+          </a:prstGeom>
+          <a:solidFill>
+            <a:srgbClr val="00A761"/>
+          </a:solidFill>
+          <a:ln>
+            <a:solidFill>
+              <a:srgbClr val="00A761"/>
+            </a:solidFill>
+          </a:ln>
+        </p:spPr>
+        <p:style>
+          <a:lnRef idx="2">
+            <a:schemeClr val="accent1">
+              <a:shade val="50000"/>
+            </a:schemeClr>
+          </a:lnRef>
+          <a:fillRef idx="1">
+            <a:schemeClr val="accent1"/>
+          </a:fillRef>
+          <a:effectRef idx="0">
+            <a:schemeClr val="accent1"/>
+          </a:effectRef>
+          <a:fontRef idx="minor">
+            <a:schemeClr val="lt1"/>
+          </a:fontRef>
+        </p:style>
+        <p:txBody>
+          <a:bodyPr rtlCol="0" anchor="ctr"/>
+          <a:lstStyle/>
+          <a:p>
+            <a:pPr algn="ctr"/>
+            <a:endParaRPr lang="pt-BR">
+              <a:solidFill>
+                <a:schemeClr val="tx1"/>
+              </a:solidFill>
+            </a:endParaRPr>
+          </a:p>
+        </p:txBody>
+      </p:sp>
+      <p:sp>
+        <p:nvSpPr>
+          <p:cNvPr id="16" name="Retângulo 15"/>
+          <p:cNvSpPr/>
+          <p:nvPr/>
+        </p:nvSpPr>
+        <p:spPr>
+          <a:xfrm>
+            <a:off x="971600" y="4221088"/>
+            <a:ext cx="864096" cy="216024"/>
+          </a:xfrm>
+          <a:prstGeom prst="rect">
+            <a:avLst/>
+          </a:prstGeom>
+          <a:solidFill>
+            <a:srgbClr val="00A761"/>
+          </a:solidFill>
+          <a:ln>
+            <a:solidFill>
+              <a:srgbClr val="00A761"/>
+            </a:solidFill>
+          </a:ln>
+        </p:spPr>
+        <p:style>
+          <a:lnRef idx="2">
+            <a:schemeClr val="accent1">
+              <a:shade val="50000"/>
+            </a:schemeClr>
+          </a:lnRef>
+          <a:fillRef idx="1">
+            <a:schemeClr val="accent1"/>
+          </a:fillRef>
+          <a:effectRef idx="0">
+            <a:schemeClr val="accent1"/>
+          </a:effectRef>
+          <a:fontRef idx="minor">
+            <a:schemeClr val="lt1"/>
+          </a:fontRef>
+        </p:style>
+        <p:txBody>
+          <a:bodyPr rtlCol="0" anchor="ctr"/>
+          <a:lstStyle/>
+          <a:p>
+            <a:pPr algn="ctr"/>
+            <a:endParaRPr lang="pt-BR"/>
+          </a:p>
+        </p:txBody>
+      </p:sp>
+      <p:sp>
+        <p:nvSpPr>
           <p:cNvPr id="7" name="CaixaDeTexto 6"/>
           <p:cNvSpPr txBox="1"/>
           <p:nvPr/>
         </p:nvSpPr>
         <p:spPr>
           <a:xfrm>
-            <a:off x="5148064" y="1100361"/>
+            <a:off x="5148064" y="3116585"/>
             <a:ext cx="1800200" cy="369332"/>
           </a:xfrm>
           <a:prstGeom prst="rect">
@@ -7036,7 +7301,7 @@
           <a:p>
             <a:r>
               <a:rPr lang="pt-BR" dirty="0" smtClean="0"/>
-              <a:t>Magnetosfera</a:t>
+              <a:t>Litosfera</a:t>
             </a:r>
             <a:endParaRPr lang="pt-BR" dirty="0"/>
           </a:p>
@@ -7044,14 +7309,14 @@
       </p:sp>
       <p:sp>
         <p:nvSpPr>
-          <p:cNvPr id="8" name="CaixaDeTexto 7"/>
+          <p:cNvPr id="9" name="CaixaDeTexto 8"/>
           <p:cNvSpPr txBox="1"/>
           <p:nvPr/>
         </p:nvSpPr>
         <p:spPr>
           <a:xfrm>
-            <a:off x="5148064" y="2612529"/>
-            <a:ext cx="1800200" cy="369332"/>
+            <a:off x="5148064" y="4484737"/>
+            <a:ext cx="1654318" cy="369332"/>
           </a:xfrm>
           <a:prstGeom prst="rect">
             <a:avLst/>
@@ -7066,127 +7331,7 @@
           <a:p>
             <a:r>
               <a:rPr lang="pt-BR" dirty="0" smtClean="0"/>
-              <a:t>Ionosfera</a:t>
-            </a:r>
-            <a:endParaRPr lang="pt-BR" dirty="0"/>
-          </a:p>
-        </p:txBody>
-      </p:sp>
-      <p:sp>
-        <p:nvSpPr>
-          <p:cNvPr id="9" name="CaixaDeTexto 8"/>
-          <p:cNvSpPr txBox="1"/>
-          <p:nvPr/>
-        </p:nvSpPr>
-        <p:spPr>
-          <a:xfrm>
-            <a:off x="5148064" y="3116585"/>
-            <a:ext cx="1800200" cy="369332"/>
-          </a:xfrm>
-          <a:prstGeom prst="rect">
-            <a:avLst/>
-          </a:prstGeom>
-          <a:noFill/>
-        </p:spPr>
-        <p:txBody>
-          <a:bodyPr wrap="square" rtlCol="0">
-            <a:spAutoFit/>
-          </a:bodyPr>
-          <a:lstStyle/>
-          <a:p>
-            <a:r>
-              <a:rPr lang="pt-BR" dirty="0" smtClean="0"/>
-              <a:t>Litosfera</a:t>
-            </a:r>
-            <a:endParaRPr lang="pt-BR" dirty="0"/>
-          </a:p>
-        </p:txBody>
-      </p:sp>
-      <p:sp>
-        <p:nvSpPr>
-          <p:cNvPr id="10" name="CaixaDeTexto 9"/>
-          <p:cNvSpPr txBox="1"/>
-          <p:nvPr/>
-        </p:nvSpPr>
-        <p:spPr>
-          <a:xfrm>
-            <a:off x="5148064" y="3836665"/>
-            <a:ext cx="1800200" cy="369332"/>
-          </a:xfrm>
-          <a:prstGeom prst="rect">
-            <a:avLst/>
-          </a:prstGeom>
-          <a:noFill/>
-        </p:spPr>
-        <p:txBody>
-          <a:bodyPr wrap="square" rtlCol="0">
-            <a:spAutoFit/>
-          </a:bodyPr>
-          <a:lstStyle/>
-          <a:p>
-            <a:r>
-              <a:rPr lang="pt-BR" dirty="0" smtClean="0"/>
-              <a:t>Manto</a:t>
-            </a:r>
-            <a:endParaRPr lang="pt-BR" dirty="0"/>
-          </a:p>
-        </p:txBody>
-      </p:sp>
-      <p:sp>
-        <p:nvSpPr>
-          <p:cNvPr id="11" name="CaixaDeTexto 10"/>
-          <p:cNvSpPr txBox="1"/>
-          <p:nvPr/>
-        </p:nvSpPr>
-        <p:spPr>
-          <a:xfrm>
-            <a:off x="5148064" y="4484737"/>
-            <a:ext cx="1654318" cy="369332"/>
-          </a:xfrm>
-          <a:prstGeom prst="rect">
-            <a:avLst/>
-          </a:prstGeom>
-          <a:noFill/>
-        </p:spPr>
-        <p:txBody>
-          <a:bodyPr wrap="square" rtlCol="0">
-            <a:spAutoFit/>
-          </a:bodyPr>
-          <a:lstStyle/>
-          <a:p>
-            <a:r>
-              <a:rPr lang="pt-BR" dirty="0" smtClean="0"/>
               <a:t>Núcleo externo</a:t>
-            </a:r>
-            <a:endParaRPr lang="pt-BR" dirty="0"/>
-          </a:p>
-        </p:txBody>
-      </p:sp>
-      <p:sp>
-        <p:nvSpPr>
-          <p:cNvPr id="12" name="CaixaDeTexto 11"/>
-          <p:cNvSpPr txBox="1"/>
-          <p:nvPr/>
-        </p:nvSpPr>
-        <p:spPr>
-          <a:xfrm>
-            <a:off x="5148064" y="5195525"/>
-            <a:ext cx="1654318" cy="369332"/>
-          </a:xfrm>
-          <a:prstGeom prst="rect">
-            <a:avLst/>
-          </a:prstGeom>
-          <a:noFill/>
-        </p:spPr>
-        <p:txBody>
-          <a:bodyPr wrap="square" rtlCol="0">
-            <a:spAutoFit/>
-          </a:bodyPr>
-          <a:lstStyle/>
-          <a:p>
-            <a:r>
-              <a:rPr lang="pt-BR" dirty="0" smtClean="0"/>
-              <a:t>Núcleo interno</a:t>
             </a:r>
             <a:endParaRPr lang="pt-BR" dirty="0"/>
           </a:p>
@@ -7194,43 +7339,7 @@
       </p:sp>
       <p:cxnSp>
         <p:nvCxnSpPr>
-          <p:cNvPr id="13" name="Conector de seta reta 12"/>
-          <p:cNvCxnSpPr/>
-          <p:nvPr/>
-        </p:nvCxnSpPr>
-        <p:spPr>
-          <a:xfrm flipH="1">
-            <a:off x="2915816" y="5420841"/>
-            <a:ext cx="2160000" cy="0"/>
-          </a:xfrm>
-          <a:prstGeom prst="straightConnector1">
-            <a:avLst/>
-          </a:prstGeom>
-          <a:ln w="38100">
-            <a:solidFill>
-              <a:schemeClr val="tx1"/>
-            </a:solidFill>
-            <a:tailEnd type="arrow"/>
-          </a:ln>
-        </p:spPr>
-        <p:style>
-          <a:lnRef idx="1">
-            <a:schemeClr val="accent1"/>
-          </a:lnRef>
-          <a:fillRef idx="0">
-            <a:schemeClr val="accent1"/>
-          </a:fillRef>
-          <a:effectRef idx="0">
-            <a:schemeClr val="accent1"/>
-          </a:effectRef>
-          <a:fontRef idx="minor">
-            <a:schemeClr val="tx1"/>
-          </a:fontRef>
-        </p:style>
-      </p:cxnSp>
-      <p:cxnSp>
-        <p:nvCxnSpPr>
-          <p:cNvPr id="14" name="Conector de seta reta 13"/>
+          <p:cNvPr id="12" name="Conector de seta reta 11"/>
           <p:cNvCxnSpPr/>
           <p:nvPr/>
         </p:nvCxnSpPr>
@@ -7238,114 +7347,6 @@
           <a:xfrm flipH="1">
             <a:off x="2915816" y="4700761"/>
             <a:ext cx="2160000" cy="0"/>
-          </a:xfrm>
-          <a:prstGeom prst="straightConnector1">
-            <a:avLst/>
-          </a:prstGeom>
-          <a:ln w="38100">
-            <a:solidFill>
-              <a:schemeClr val="tx1"/>
-            </a:solidFill>
-            <a:tailEnd type="arrow"/>
-          </a:ln>
-        </p:spPr>
-        <p:style>
-          <a:lnRef idx="1">
-            <a:schemeClr val="accent1"/>
-          </a:lnRef>
-          <a:fillRef idx="0">
-            <a:schemeClr val="accent1"/>
-          </a:fillRef>
-          <a:effectRef idx="0">
-            <a:schemeClr val="accent1"/>
-          </a:effectRef>
-          <a:fontRef idx="minor">
-            <a:schemeClr val="tx1"/>
-          </a:fontRef>
-        </p:style>
-      </p:cxnSp>
-      <p:cxnSp>
-        <p:nvCxnSpPr>
-          <p:cNvPr id="15" name="Conector de seta reta 14"/>
-          <p:cNvCxnSpPr/>
-          <p:nvPr/>
-        </p:nvCxnSpPr>
-        <p:spPr>
-          <a:xfrm flipH="1">
-            <a:off x="2771800" y="4052689"/>
-            <a:ext cx="2268000" cy="0"/>
-          </a:xfrm>
-          <a:prstGeom prst="straightConnector1">
-            <a:avLst/>
-          </a:prstGeom>
-          <a:ln w="38100">
-            <a:solidFill>
-              <a:schemeClr val="tx1"/>
-            </a:solidFill>
-            <a:tailEnd type="arrow"/>
-          </a:ln>
-        </p:spPr>
-        <p:style>
-          <a:lnRef idx="1">
-            <a:schemeClr val="accent1"/>
-          </a:lnRef>
-          <a:fillRef idx="0">
-            <a:schemeClr val="accent1"/>
-          </a:fillRef>
-          <a:effectRef idx="0">
-            <a:schemeClr val="accent1"/>
-          </a:effectRef>
-          <a:fontRef idx="minor">
-            <a:schemeClr val="tx1"/>
-          </a:fontRef>
-        </p:style>
-      </p:cxnSp>
-      <p:cxnSp>
-        <p:nvCxnSpPr>
-          <p:cNvPr id="16" name="Conector de seta reta 15"/>
-          <p:cNvCxnSpPr/>
-          <p:nvPr/>
-        </p:nvCxnSpPr>
-        <p:spPr>
-          <a:xfrm flipH="1">
-            <a:off x="3059832" y="3332609"/>
-            <a:ext cx="1944000" cy="0"/>
-          </a:xfrm>
-          <a:prstGeom prst="straightConnector1">
-            <a:avLst/>
-          </a:prstGeom>
-          <a:ln w="38100">
-            <a:solidFill>
-              <a:schemeClr val="tx1"/>
-            </a:solidFill>
-            <a:tailEnd type="arrow"/>
-          </a:ln>
-        </p:spPr>
-        <p:style>
-          <a:lnRef idx="1">
-            <a:schemeClr val="accent1"/>
-          </a:lnRef>
-          <a:fillRef idx="0">
-            <a:schemeClr val="accent1"/>
-          </a:fillRef>
-          <a:effectRef idx="0">
-            <a:schemeClr val="accent1"/>
-          </a:effectRef>
-          <a:fontRef idx="minor">
-            <a:schemeClr val="tx1"/>
-          </a:fontRef>
-        </p:style>
-      </p:cxnSp>
-      <p:cxnSp>
-        <p:nvCxnSpPr>
-          <p:cNvPr id="17" name="Conector de seta reta 16"/>
-          <p:cNvCxnSpPr/>
-          <p:nvPr/>
-        </p:nvCxnSpPr>
-        <p:spPr>
-          <a:xfrm flipH="1">
-            <a:off x="2987824" y="2828553"/>
-            <a:ext cx="1980000" cy="0"/>
           </a:xfrm>
           <a:prstGeom prst="straightConnector1">
             <a:avLst/>
@@ -7380,8 +7381,8 @@
         </p:nvCxnSpPr>
         <p:spPr>
           <a:xfrm flipH="1">
-            <a:off x="3203848" y="1316385"/>
-            <a:ext cx="1872208" cy="0"/>
+            <a:off x="3059832" y="3332609"/>
+            <a:ext cx="1944000" cy="0"/>
           </a:xfrm>
           <a:prstGeom prst="straightConnector1">
             <a:avLst/>
@@ -7410,7 +7411,7 @@
       </p:cxnSp>
       <p:sp>
         <p:nvSpPr>
-          <p:cNvPr id="19" name="Retângulo 18"/>
+          <p:cNvPr id="20" name="Retângulo 19"/>
           <p:cNvSpPr/>
           <p:nvPr/>
         </p:nvSpPr>
@@ -7449,10 +7450,486 @@
           </a:p>
         </p:txBody>
       </p:sp>
+      <p:sp>
+        <p:nvSpPr>
+          <p:cNvPr id="2" name="CaixaDeTexto 1"/>
+          <p:cNvSpPr txBox="1"/>
+          <p:nvPr/>
+        </p:nvSpPr>
+        <p:spPr>
+          <a:xfrm>
+            <a:off x="5192025" y="4869160"/>
+            <a:ext cx="2548327" cy="338554"/>
+          </a:xfrm>
+          <a:prstGeom prst="rect">
+            <a:avLst/>
+          </a:prstGeom>
+          <a:noFill/>
+        </p:spPr>
+        <p:txBody>
+          <a:bodyPr wrap="square" rtlCol="0">
+            <a:spAutoFit/>
+          </a:bodyPr>
+          <a:lstStyle/>
+          <a:p>
+            <a:r>
+              <a:rPr lang="pt-BR" sz="1600" dirty="0" smtClean="0"/>
+              <a:t>Fonte: correntes elétricas</a:t>
+            </a:r>
+            <a:endParaRPr lang="pt-BR" sz="1600" dirty="0"/>
+          </a:p>
+        </p:txBody>
+      </p:sp>
+      <p:sp>
+        <p:nvSpPr>
+          <p:cNvPr id="13" name="CaixaDeTexto 12"/>
+          <p:cNvSpPr txBox="1"/>
+          <p:nvPr/>
+        </p:nvSpPr>
+        <p:spPr>
+          <a:xfrm>
+            <a:off x="5192025" y="5178678"/>
+            <a:ext cx="2548327" cy="338554"/>
+          </a:xfrm>
+          <a:prstGeom prst="rect">
+            <a:avLst/>
+          </a:prstGeom>
+          <a:noFill/>
+        </p:spPr>
+        <p:txBody>
+          <a:bodyPr wrap="square" rtlCol="0">
+            <a:spAutoFit/>
+          </a:bodyPr>
+          <a:lstStyle/>
+          <a:p>
+            <a:r>
+              <a:rPr lang="pt-BR" sz="1600" dirty="0" smtClean="0"/>
+              <a:t>Campo principal</a:t>
+            </a:r>
+            <a:endParaRPr lang="pt-BR" sz="1600" dirty="0"/>
+          </a:p>
+        </p:txBody>
+      </p:sp>
+      <p:sp>
+        <p:nvSpPr>
+          <p:cNvPr id="14" name="CaixaDeTexto 13"/>
+          <p:cNvSpPr txBox="1"/>
+          <p:nvPr/>
+        </p:nvSpPr>
+        <p:spPr>
+          <a:xfrm>
+            <a:off x="5192025" y="3429000"/>
+            <a:ext cx="2548327" cy="338554"/>
+          </a:xfrm>
+          <a:prstGeom prst="rect">
+            <a:avLst/>
+          </a:prstGeom>
+          <a:noFill/>
+        </p:spPr>
+        <p:txBody>
+          <a:bodyPr wrap="square" rtlCol="0">
+            <a:spAutoFit/>
+          </a:bodyPr>
+          <a:lstStyle/>
+          <a:p>
+            <a:r>
+              <a:rPr lang="pt-BR" sz="1600" dirty="0" smtClean="0"/>
+              <a:t>Fonte: rochas magnetizadas</a:t>
+            </a:r>
+            <a:endParaRPr lang="pt-BR" sz="1600" dirty="0"/>
+          </a:p>
+        </p:txBody>
+      </p:sp>
+      <p:sp>
+        <p:nvSpPr>
+          <p:cNvPr id="23" name="CaixaDeTexto 22"/>
+          <p:cNvSpPr txBox="1"/>
+          <p:nvPr/>
+        </p:nvSpPr>
+        <p:spPr>
+          <a:xfrm>
+            <a:off x="5191497" y="3738518"/>
+            <a:ext cx="1914595" cy="338554"/>
+          </a:xfrm>
+          <a:prstGeom prst="rect">
+            <a:avLst/>
+          </a:prstGeom>
+          <a:noFill/>
+        </p:spPr>
+        <p:txBody>
+          <a:bodyPr wrap="square" rtlCol="0">
+            <a:spAutoFit/>
+          </a:bodyPr>
+          <a:lstStyle/>
+          <a:p>
+            <a:r>
+              <a:rPr lang="pt-BR" sz="1600" dirty="0" smtClean="0"/>
+              <a:t>Campo </a:t>
+            </a:r>
+            <a:r>
+              <a:rPr lang="pt-BR" sz="1600" dirty="0" err="1" smtClean="0"/>
+              <a:t>crustal</a:t>
+            </a:r>
+            <a:endParaRPr lang="pt-BR" sz="1600" dirty="0"/>
+          </a:p>
+        </p:txBody>
+      </p:sp>
+      <p:sp>
+        <p:nvSpPr>
+          <p:cNvPr id="3" name="Chave direita 2"/>
+          <p:cNvSpPr/>
+          <p:nvPr/>
+        </p:nvSpPr>
+        <p:spPr>
+          <a:xfrm>
+            <a:off x="7480895" y="2924944"/>
+            <a:ext cx="288032" cy="2818184"/>
+          </a:xfrm>
+          <a:prstGeom prst="rightBrace">
+            <a:avLst/>
+          </a:prstGeom>
+          <a:ln w="28575">
+            <a:solidFill>
+              <a:schemeClr val="tx1"/>
+            </a:solidFill>
+          </a:ln>
+        </p:spPr>
+        <p:style>
+          <a:lnRef idx="1">
+            <a:schemeClr val="accent1"/>
+          </a:lnRef>
+          <a:fillRef idx="0">
+            <a:schemeClr val="accent1"/>
+          </a:fillRef>
+          <a:effectRef idx="0">
+            <a:schemeClr val="accent1"/>
+          </a:effectRef>
+          <a:fontRef idx="minor">
+            <a:schemeClr val="tx1"/>
+          </a:fontRef>
+        </p:style>
+        <p:txBody>
+          <a:bodyPr rtlCol="0" anchor="ctr"/>
+          <a:lstStyle/>
+          <a:p>
+            <a:pPr algn="ctr"/>
+            <a:endParaRPr lang="pt-BR"/>
+          </a:p>
+        </p:txBody>
+      </p:sp>
+      <p:sp>
+        <p:nvSpPr>
+          <p:cNvPr id="4" name="CaixaDeTexto 3"/>
+          <p:cNvSpPr txBox="1"/>
+          <p:nvPr/>
+        </p:nvSpPr>
+        <p:spPr>
+          <a:xfrm>
+            <a:off x="4788024" y="72187"/>
+            <a:ext cx="4177160" cy="2308324"/>
+          </a:xfrm>
+          <a:prstGeom prst="rect">
+            <a:avLst/>
+          </a:prstGeom>
+          <a:noFill/>
+        </p:spPr>
+        <p:txBody>
+          <a:bodyPr wrap="square" rtlCol="0">
+            <a:spAutoFit/>
+          </a:bodyPr>
+          <a:lstStyle/>
+          <a:p>
+            <a:pPr algn="ctr"/>
+            <a:r>
+              <a:rPr lang="pt-BR" sz="2400" dirty="0" smtClean="0"/>
+              <a:t>Outras fontes do campo geomagnético são correntes elétricas provenientes do movimento de partículas carregadas na </a:t>
+            </a:r>
+            <a:r>
+              <a:rPr lang="pt-BR" sz="2400" dirty="0" smtClean="0">
+                <a:solidFill>
+                  <a:srgbClr val="FF0000"/>
+                </a:solidFill>
+              </a:rPr>
+              <a:t>magnetosfera</a:t>
+            </a:r>
+            <a:r>
+              <a:rPr lang="pt-BR" sz="2400" dirty="0" smtClean="0"/>
+              <a:t> e </a:t>
+            </a:r>
+            <a:r>
+              <a:rPr lang="pt-BR" sz="2400" dirty="0" smtClean="0">
+                <a:solidFill>
+                  <a:srgbClr val="FF0000"/>
+                </a:solidFill>
+              </a:rPr>
+              <a:t>ionosfera</a:t>
+            </a:r>
+            <a:r>
+              <a:rPr lang="pt-BR" sz="2400" dirty="0" smtClean="0"/>
+              <a:t>.</a:t>
+            </a:r>
+            <a:endParaRPr lang="pt-BR" sz="2400" dirty="0"/>
+          </a:p>
+        </p:txBody>
+      </p:sp>
+      <p:sp>
+        <p:nvSpPr>
+          <p:cNvPr id="5" name="CaixaDeTexto 4"/>
+          <p:cNvSpPr txBox="1"/>
+          <p:nvPr/>
+        </p:nvSpPr>
+        <p:spPr>
+          <a:xfrm>
+            <a:off x="7821885" y="3740274"/>
+            <a:ext cx="1224136" cy="1200329"/>
+          </a:xfrm>
+          <a:prstGeom prst="rect">
+            <a:avLst/>
+          </a:prstGeom>
+          <a:noFill/>
+        </p:spPr>
+        <p:txBody>
+          <a:bodyPr wrap="square" rtlCol="0">
+            <a:spAutoFit/>
+          </a:bodyPr>
+          <a:lstStyle/>
+          <a:p>
+            <a:pPr algn="ctr"/>
+            <a:r>
+              <a:rPr lang="pt-BR" dirty="0" smtClean="0"/>
+              <a:t>Campo total</a:t>
+            </a:r>
+          </a:p>
+          <a:p>
+            <a:pPr algn="ctr"/>
+            <a:r>
+              <a:rPr lang="pt-BR" dirty="0" smtClean="0"/>
+              <a:t>(ou campo interno)</a:t>
+            </a:r>
+            <a:endParaRPr lang="pt-BR" dirty="0"/>
+          </a:p>
+        </p:txBody>
+      </p:sp>
+      <p:sp>
+        <p:nvSpPr>
+          <p:cNvPr id="30" name="CaixaDeTexto 29"/>
+          <p:cNvSpPr txBox="1"/>
+          <p:nvPr/>
+        </p:nvSpPr>
+        <p:spPr>
+          <a:xfrm>
+            <a:off x="167748" y="544034"/>
+            <a:ext cx="1800200" cy="369332"/>
+          </a:xfrm>
+          <a:prstGeom prst="rect">
+            <a:avLst/>
+          </a:prstGeom>
+          <a:noFill/>
+        </p:spPr>
+        <p:txBody>
+          <a:bodyPr wrap="square" rtlCol="0">
+            <a:spAutoFit/>
+          </a:bodyPr>
+          <a:lstStyle/>
+          <a:p>
+            <a:r>
+              <a:rPr lang="pt-BR" dirty="0" smtClean="0">
+                <a:solidFill>
+                  <a:srgbClr val="FF0000"/>
+                </a:solidFill>
+              </a:rPr>
+              <a:t>Ionosfera</a:t>
+            </a:r>
+            <a:endParaRPr lang="pt-BR" dirty="0">
+              <a:solidFill>
+                <a:srgbClr val="FF0000"/>
+              </a:solidFill>
+            </a:endParaRPr>
+          </a:p>
+        </p:txBody>
+      </p:sp>
+      <p:cxnSp>
+        <p:nvCxnSpPr>
+          <p:cNvPr id="31" name="Conector de seta reta 30"/>
+          <p:cNvCxnSpPr/>
+          <p:nvPr/>
+        </p:nvCxnSpPr>
+        <p:spPr>
+          <a:xfrm>
+            <a:off x="1193826" y="834389"/>
+            <a:ext cx="641870" cy="1730515"/>
+          </a:xfrm>
+          <a:prstGeom prst="straightConnector1">
+            <a:avLst/>
+          </a:prstGeom>
+          <a:ln w="38100">
+            <a:solidFill>
+              <a:schemeClr val="tx1"/>
+            </a:solidFill>
+            <a:tailEnd type="arrow"/>
+          </a:ln>
+        </p:spPr>
+        <p:style>
+          <a:lnRef idx="1">
+            <a:schemeClr val="accent1"/>
+          </a:lnRef>
+          <a:fillRef idx="0">
+            <a:schemeClr val="accent1"/>
+          </a:fillRef>
+          <a:effectRef idx="0">
+            <a:schemeClr val="accent1"/>
+          </a:effectRef>
+          <a:fontRef idx="minor">
+            <a:schemeClr val="tx1"/>
+          </a:fontRef>
+        </p:style>
+      </p:cxnSp>
+      <p:sp>
+        <p:nvSpPr>
+          <p:cNvPr id="32" name="CaixaDeTexto 31"/>
+          <p:cNvSpPr txBox="1"/>
+          <p:nvPr/>
+        </p:nvSpPr>
+        <p:spPr>
+          <a:xfrm>
+            <a:off x="2699792" y="567730"/>
+            <a:ext cx="1800200" cy="369332"/>
+          </a:xfrm>
+          <a:prstGeom prst="rect">
+            <a:avLst/>
+          </a:prstGeom>
+          <a:noFill/>
+        </p:spPr>
+        <p:txBody>
+          <a:bodyPr wrap="square" rtlCol="0">
+            <a:spAutoFit/>
+          </a:bodyPr>
+          <a:lstStyle/>
+          <a:p>
+            <a:r>
+              <a:rPr lang="pt-BR" dirty="0" smtClean="0">
+                <a:solidFill>
+                  <a:srgbClr val="FF0000"/>
+                </a:solidFill>
+              </a:rPr>
+              <a:t>Magnetosfera</a:t>
+            </a:r>
+            <a:endParaRPr lang="pt-BR" dirty="0">
+              <a:solidFill>
+                <a:srgbClr val="FF0000"/>
+              </a:solidFill>
+            </a:endParaRPr>
+          </a:p>
+        </p:txBody>
+      </p:sp>
+      <p:cxnSp>
+        <p:nvCxnSpPr>
+          <p:cNvPr id="33" name="Conector de seta reta 32"/>
+          <p:cNvCxnSpPr/>
+          <p:nvPr/>
+        </p:nvCxnSpPr>
+        <p:spPr>
+          <a:xfrm flipH="1">
+            <a:off x="2195737" y="834389"/>
+            <a:ext cx="576063" cy="290355"/>
+          </a:xfrm>
+          <a:prstGeom prst="straightConnector1">
+            <a:avLst/>
+          </a:prstGeom>
+          <a:ln w="38100">
+            <a:solidFill>
+              <a:schemeClr val="tx1"/>
+            </a:solidFill>
+            <a:tailEnd type="arrow"/>
+          </a:ln>
+        </p:spPr>
+        <p:style>
+          <a:lnRef idx="1">
+            <a:schemeClr val="accent1"/>
+          </a:lnRef>
+          <a:fillRef idx="0">
+            <a:schemeClr val="accent1"/>
+          </a:fillRef>
+          <a:effectRef idx="0">
+            <a:schemeClr val="accent1"/>
+          </a:effectRef>
+          <a:fontRef idx="minor">
+            <a:schemeClr val="tx1"/>
+          </a:fontRef>
+        </p:style>
+      </p:cxnSp>
+      <p:sp>
+        <p:nvSpPr>
+          <p:cNvPr id="34" name="CaixaDeTexto 33"/>
+          <p:cNvSpPr txBox="1"/>
+          <p:nvPr/>
+        </p:nvSpPr>
+        <p:spPr>
+          <a:xfrm>
+            <a:off x="35496" y="282134"/>
+            <a:ext cx="2316661" cy="338554"/>
+          </a:xfrm>
+          <a:prstGeom prst="rect">
+            <a:avLst/>
+          </a:prstGeom>
+          <a:noFill/>
+        </p:spPr>
+        <p:txBody>
+          <a:bodyPr wrap="square" rtlCol="0">
+            <a:spAutoFit/>
+          </a:bodyPr>
+          <a:lstStyle/>
+          <a:p>
+            <a:r>
+              <a:rPr lang="pt-BR" sz="1600" dirty="0" smtClean="0"/>
+              <a:t>Fonte: </a:t>
+            </a:r>
+            <a:r>
+              <a:rPr lang="pt-BR" sz="1600" dirty="0" smtClean="0"/>
+              <a:t>correntes elétricas</a:t>
+            </a:r>
+            <a:endParaRPr lang="pt-BR" sz="1600" dirty="0"/>
+          </a:p>
+        </p:txBody>
+      </p:sp>
+      <p:sp>
+        <p:nvSpPr>
+          <p:cNvPr id="35" name="CaixaDeTexto 34"/>
+          <p:cNvSpPr txBox="1"/>
+          <p:nvPr/>
+        </p:nvSpPr>
+        <p:spPr>
+          <a:xfrm>
+            <a:off x="2527729" y="279698"/>
+            <a:ext cx="2316661" cy="338554"/>
+          </a:xfrm>
+          <a:prstGeom prst="rect">
+            <a:avLst/>
+          </a:prstGeom>
+          <a:noFill/>
+        </p:spPr>
+        <p:txBody>
+          <a:bodyPr wrap="square" rtlCol="0">
+            <a:spAutoFit/>
+          </a:bodyPr>
+          <a:lstStyle/>
+          <a:p>
+            <a:r>
+              <a:rPr lang="pt-BR" sz="1600" dirty="0" smtClean="0"/>
+              <a:t>Fonte: </a:t>
+            </a:r>
+            <a:r>
+              <a:rPr lang="pt-BR" sz="1600" dirty="0" smtClean="0"/>
+              <a:t>correntes elétricas</a:t>
+            </a:r>
+            <a:endParaRPr lang="pt-BR" sz="1600" dirty="0"/>
+          </a:p>
+        </p:txBody>
+      </p:sp>
     </p:spTree>
     <p:extLst>
       <p:ext uri="{BB962C8B-B14F-4D97-AF65-F5344CB8AC3E}">
-        <p14:creationId xmlns:p14="http://schemas.microsoft.com/office/powerpoint/2010/main" val="3099889914"/>
+        <p14:creationId xmlns:p14="http://schemas.microsoft.com/office/powerpoint/2010/main" val="3803682182"/>
       </p:ext>
     </p:extLst>
   </p:cSld>
@@ -7486,24 +7963,185 @@
           <a:chExt cx="0" cy="0"/>
         </a:xfrm>
       </p:grpSpPr>
-      <p:sp>
-        <p:nvSpPr>
-          <p:cNvPr id="2" name="Título 1"/>
-          <p:cNvSpPr>
-            <a:spLocks noGrp="1"/>
-          </p:cNvSpPr>
-          <p:nvPr>
-            <p:ph type="title"/>
-          </p:nvPr>
-        </p:nvSpPr>
-        <p:spPr/>
-        <p:txBody>
-          <a:bodyPr/>
+      <p:pic>
+        <p:nvPicPr>
+          <p:cNvPr id="17" name="Picture 2"/>
+          <p:cNvPicPr>
+            <a:picLocks noChangeAspect="1" noChangeArrowheads="1"/>
+          </p:cNvPicPr>
+          <p:nvPr/>
+        </p:nvPicPr>
+        <p:blipFill rotWithShape="1">
+          <a:blip r:embed="rId2">
+            <a:extLst>
+              <a:ext uri="{28A0092B-C50C-407E-A947-70E740481C1C}">
+                <a14:useLocalDpi xmlns:a14="http://schemas.microsoft.com/office/drawing/2010/main" val="0"/>
+              </a:ext>
+            </a:extLst>
+          </a:blip>
+          <a:srcRect l="25921" t="13054" r="35526" b="10876"/>
+          <a:stretch/>
+        </p:blipFill>
+        <p:spPr bwMode="auto">
+          <a:xfrm>
+            <a:off x="251520" y="962264"/>
+            <a:ext cx="4104000" cy="4554968"/>
+          </a:xfrm>
+          <a:prstGeom prst="rect">
+            <a:avLst/>
+          </a:prstGeom>
+          <a:noFill/>
+          <a:ln>
+            <a:noFill/>
+          </a:ln>
+          <a:extLst>
+            <a:ext uri="{909E8E84-426E-40DD-AFC4-6F175D3DCCD1}">
+              <a14:hiddenFill xmlns:a14="http://schemas.microsoft.com/office/drawing/2010/main">
+                <a:solidFill>
+                  <a:schemeClr val="accent1"/>
+                </a:solidFill>
+              </a14:hiddenFill>
+            </a:ext>
+            <a:ext uri="{91240B29-F687-4F45-9708-019B960494DF}">
+              <a14:hiddenLine xmlns:a14="http://schemas.microsoft.com/office/drawing/2010/main" w="9525">
+                <a:solidFill>
+                  <a:schemeClr val="tx1"/>
+                </a:solidFill>
+                <a:miter lim="800000"/>
+                <a:headEnd/>
+                <a:tailEnd/>
+              </a14:hiddenLine>
+            </a:ext>
+          </a:extLst>
+        </p:spPr>
+      </p:pic>
+      <p:sp>
+        <p:nvSpPr>
+          <p:cNvPr id="15" name="Rosca 14"/>
+          <p:cNvSpPr/>
+          <p:nvPr/>
+        </p:nvSpPr>
+        <p:spPr>
+          <a:xfrm>
+            <a:off x="1067848" y="3689736"/>
+            <a:ext cx="2448272" cy="720080"/>
+          </a:xfrm>
+          <a:prstGeom prst="donut">
+            <a:avLst>
+              <a:gd name="adj" fmla="val 31630"/>
+            </a:avLst>
+          </a:prstGeom>
+          <a:solidFill>
+            <a:srgbClr val="00A761"/>
+          </a:solidFill>
+          <a:ln>
+            <a:solidFill>
+              <a:srgbClr val="00A761"/>
+            </a:solidFill>
+          </a:ln>
+        </p:spPr>
+        <p:style>
+          <a:lnRef idx="2">
+            <a:schemeClr val="accent1">
+              <a:shade val="50000"/>
+            </a:schemeClr>
+          </a:lnRef>
+          <a:fillRef idx="1">
+            <a:schemeClr val="accent1"/>
+          </a:fillRef>
+          <a:effectRef idx="0">
+            <a:schemeClr val="accent1"/>
+          </a:effectRef>
+          <a:fontRef idx="minor">
+            <a:schemeClr val="lt1"/>
+          </a:fontRef>
+        </p:style>
+        <p:txBody>
+          <a:bodyPr rtlCol="0" anchor="ctr"/>
+          <a:lstStyle/>
+          <a:p>
+            <a:pPr algn="ctr"/>
+            <a:endParaRPr lang="pt-BR">
+              <a:solidFill>
+                <a:schemeClr val="tx1"/>
+              </a:solidFill>
+            </a:endParaRPr>
+          </a:p>
+        </p:txBody>
+      </p:sp>
+      <p:sp>
+        <p:nvSpPr>
+          <p:cNvPr id="16" name="Retângulo 15"/>
+          <p:cNvSpPr/>
+          <p:nvPr/>
+        </p:nvSpPr>
+        <p:spPr>
+          <a:xfrm>
+            <a:off x="971600" y="4221088"/>
+            <a:ext cx="864096" cy="216024"/>
+          </a:xfrm>
+          <a:prstGeom prst="rect">
+            <a:avLst/>
+          </a:prstGeom>
+          <a:solidFill>
+            <a:srgbClr val="00A761"/>
+          </a:solidFill>
+          <a:ln>
+            <a:solidFill>
+              <a:srgbClr val="00A761"/>
+            </a:solidFill>
+          </a:ln>
+        </p:spPr>
+        <p:style>
+          <a:lnRef idx="2">
+            <a:schemeClr val="accent1">
+              <a:shade val="50000"/>
+            </a:schemeClr>
+          </a:lnRef>
+          <a:fillRef idx="1">
+            <a:schemeClr val="accent1"/>
+          </a:fillRef>
+          <a:effectRef idx="0">
+            <a:schemeClr val="accent1"/>
+          </a:effectRef>
+          <a:fontRef idx="minor">
+            <a:schemeClr val="lt1"/>
+          </a:fontRef>
+        </p:style>
+        <p:txBody>
+          <a:bodyPr rtlCol="0" anchor="ctr"/>
+          <a:lstStyle/>
+          <a:p>
+            <a:pPr algn="ctr"/>
+            <a:endParaRPr lang="pt-BR"/>
+          </a:p>
+        </p:txBody>
+      </p:sp>
+      <p:sp>
+        <p:nvSpPr>
+          <p:cNvPr id="7" name="CaixaDeTexto 6"/>
+          <p:cNvSpPr txBox="1"/>
+          <p:nvPr/>
+        </p:nvSpPr>
+        <p:spPr>
+          <a:xfrm>
+            <a:off x="5148064" y="3116585"/>
+            <a:ext cx="1800200" cy="369332"/>
+          </a:xfrm>
+          <a:prstGeom prst="rect">
+            <a:avLst/>
+          </a:prstGeom>
+          <a:noFill/>
+        </p:spPr>
+        <p:txBody>
+          <a:bodyPr wrap="square" rtlCol="0">
+            <a:spAutoFit/>
+          </a:bodyPr>
           <a:lstStyle/>
           <a:p>
             <a:r>
               <a:rPr lang="pt-BR" dirty="0" smtClean="0"/>
-              <a:t>Referências</a:t>
+              <a:t>Litosfera</a:t>
             </a:r>
             <a:endParaRPr lang="pt-BR" dirty="0"/>
           </a:p>
@@ -7511,265 +8149,3291 @@
       </p:sp>
       <p:sp>
         <p:nvSpPr>
-          <p:cNvPr id="3" name="Espaço Reservado para Conteúdo 2"/>
-          <p:cNvSpPr>
-            <a:spLocks noGrp="1"/>
-          </p:cNvSpPr>
-          <p:nvPr>
-            <p:ph idx="1"/>
-          </p:nvPr>
-        </p:nvSpPr>
-        <p:spPr/>
-        <p:txBody>
-          <a:bodyPr>
-            <a:normAutofit fontScale="77500" lnSpcReduction="20000"/>
+          <p:cNvPr id="9" name="CaixaDeTexto 8"/>
+          <p:cNvSpPr txBox="1"/>
+          <p:nvPr/>
+        </p:nvSpPr>
+        <p:spPr>
+          <a:xfrm>
+            <a:off x="5148064" y="4484737"/>
+            <a:ext cx="1654318" cy="369332"/>
+          </a:xfrm>
+          <a:prstGeom prst="rect">
+            <a:avLst/>
+          </a:prstGeom>
+          <a:noFill/>
+        </p:spPr>
+        <p:txBody>
+          <a:bodyPr wrap="square" rtlCol="0">
+            <a:spAutoFit/>
           </a:bodyPr>
           <a:lstStyle/>
           <a:p>
             <a:r>
-              <a:rPr lang="en-US" dirty="0"/>
-              <a:t>Blakely, R. J., 1996, Potential theory in gravity and magnetic applications: </a:t>
-            </a:r>
-            <a:r>
-              <a:rPr lang="en-US" dirty="0" smtClean="0"/>
-              <a:t>Cambridge </a:t>
-            </a:r>
-            <a:r>
-              <a:rPr lang="pt-BR" dirty="0" err="1" smtClean="0"/>
-              <a:t>University</a:t>
-            </a:r>
-            <a:r>
               <a:rPr lang="pt-BR" dirty="0" smtClean="0"/>
-              <a:t> </a:t>
-            </a:r>
-            <a:r>
-              <a:rPr lang="pt-BR" dirty="0"/>
-              <a:t>Press.</a:t>
-            </a:r>
-            <a:endParaRPr lang="en-US" dirty="0" smtClean="0"/>
-          </a:p>
-          <a:p>
-            <a:r>
-              <a:rPr lang="en-US" dirty="0" err="1" smtClean="0"/>
+              <a:t>Núcleo externo</a:t>
+            </a:r>
+            <a:endParaRPr lang="pt-BR" dirty="0"/>
+          </a:p>
+        </p:txBody>
+      </p:sp>
+      <p:cxnSp>
+        <p:nvCxnSpPr>
+          <p:cNvPr id="12" name="Conector de seta reta 11"/>
+          <p:cNvCxnSpPr/>
+          <p:nvPr/>
+        </p:nvCxnSpPr>
+        <p:spPr>
+          <a:xfrm flipH="1">
+            <a:off x="2915816" y="4700761"/>
+            <a:ext cx="2160000" cy="0"/>
+          </a:xfrm>
+          <a:prstGeom prst="straightConnector1">
+            <a:avLst/>
+          </a:prstGeom>
+          <a:ln w="38100">
+            <a:solidFill>
+              <a:schemeClr val="tx1"/>
+            </a:solidFill>
+            <a:tailEnd type="arrow"/>
+          </a:ln>
+        </p:spPr>
+        <p:style>
+          <a:lnRef idx="1">
+            <a:schemeClr val="accent1"/>
+          </a:lnRef>
+          <a:fillRef idx="0">
+            <a:schemeClr val="accent1"/>
+          </a:fillRef>
+          <a:effectRef idx="0">
+            <a:schemeClr val="accent1"/>
+          </a:effectRef>
+          <a:fontRef idx="minor">
+            <a:schemeClr val="tx1"/>
+          </a:fontRef>
+        </p:style>
+      </p:cxnSp>
+      <p:cxnSp>
+        <p:nvCxnSpPr>
+          <p:cNvPr id="18" name="Conector de seta reta 17"/>
+          <p:cNvCxnSpPr/>
+          <p:nvPr/>
+        </p:nvCxnSpPr>
+        <p:spPr>
+          <a:xfrm flipH="1">
+            <a:off x="3059832" y="3332609"/>
+            <a:ext cx="1944000" cy="0"/>
+          </a:xfrm>
+          <a:prstGeom prst="straightConnector1">
+            <a:avLst/>
+          </a:prstGeom>
+          <a:ln w="38100">
+            <a:solidFill>
+              <a:schemeClr val="tx1"/>
+            </a:solidFill>
+            <a:tailEnd type="arrow"/>
+          </a:ln>
+        </p:spPr>
+        <p:style>
+          <a:lnRef idx="1">
+            <a:schemeClr val="accent1"/>
+          </a:lnRef>
+          <a:fillRef idx="0">
+            <a:schemeClr val="accent1"/>
+          </a:fillRef>
+          <a:effectRef idx="0">
+            <a:schemeClr val="accent1"/>
+          </a:effectRef>
+          <a:fontRef idx="minor">
+            <a:schemeClr val="tx1"/>
+          </a:fontRef>
+        </p:style>
+      </p:cxnSp>
+      <p:sp>
+        <p:nvSpPr>
+          <p:cNvPr id="20" name="Retângulo 19"/>
+          <p:cNvSpPr/>
+          <p:nvPr/>
+        </p:nvSpPr>
+        <p:spPr>
+          <a:xfrm>
+            <a:off x="92472" y="5589240"/>
+            <a:ext cx="2601161" cy="307777"/>
+          </a:xfrm>
+          <a:prstGeom prst="rect">
+            <a:avLst/>
+          </a:prstGeom>
+        </p:spPr>
+        <p:txBody>
+          <a:bodyPr wrap="none">
+            <a:spAutoFit/>
+          </a:bodyPr>
+          <a:lstStyle/>
+          <a:p>
+            <a:r>
+              <a:rPr lang="en-US" sz="1400" dirty="0" err="1" smtClean="0"/>
+              <a:t>Modificado</a:t>
+            </a:r>
+            <a:r>
+              <a:rPr lang="en-US" sz="1400" dirty="0" smtClean="0"/>
+              <a:t> de </a:t>
+            </a:r>
+            <a:r>
+              <a:rPr lang="en-US" sz="1400" dirty="0" err="1" smtClean="0"/>
               <a:t>Hulot</a:t>
             </a:r>
             <a:r>
-              <a:rPr lang="en-US" dirty="0"/>
-              <a:t>, G., </a:t>
-            </a:r>
-            <a:r>
-              <a:rPr lang="en-US" dirty="0" smtClean="0"/>
-              <a:t>Sabaka, T., Olsen, N., e Fournier, A., </a:t>
-            </a:r>
-            <a:r>
-              <a:rPr lang="en-US" dirty="0"/>
-              <a:t>2015, 5.02 - the present and </a:t>
-            </a:r>
-            <a:r>
-              <a:rPr lang="en-US" dirty="0" smtClean="0"/>
-              <a:t>future geomagnetic field</a:t>
-            </a:r>
-            <a:r>
-              <a:rPr lang="en-US" dirty="0"/>
-              <a:t>, </a:t>
-            </a:r>
-            <a:r>
-              <a:rPr lang="en-US" i="1" dirty="0"/>
-              <a:t>in</a:t>
-            </a:r>
-            <a:r>
-              <a:rPr lang="en-US" dirty="0"/>
-              <a:t> Treatise on Geophysics, second edition ed.: Elsevier, </a:t>
-            </a:r>
-            <a:r>
-              <a:rPr lang="en-US" dirty="0" smtClean="0"/>
-              <a:t>33-78. </a:t>
-            </a:r>
-            <a:r>
-              <a:rPr lang="en-US" dirty="0" err="1" smtClean="0"/>
-              <a:t>doi</a:t>
-            </a:r>
-            <a:r>
-              <a:rPr lang="en-US" dirty="0" smtClean="0"/>
-              <a:t>: </a:t>
-            </a:r>
+              <a:rPr lang="en-US" sz="1400" dirty="0" smtClean="0"/>
+              <a:t> et al. (2015)</a:t>
+            </a:r>
+            <a:endParaRPr lang="pt-BR" sz="1400" dirty="0"/>
+          </a:p>
+        </p:txBody>
+      </p:sp>
+      <p:sp>
+        <p:nvSpPr>
+          <p:cNvPr id="2" name="CaixaDeTexto 1"/>
+          <p:cNvSpPr txBox="1"/>
+          <p:nvPr/>
+        </p:nvSpPr>
+        <p:spPr>
+          <a:xfrm>
+            <a:off x="5192025" y="4869160"/>
+            <a:ext cx="2548327" cy="338554"/>
+          </a:xfrm>
+          <a:prstGeom prst="rect">
+            <a:avLst/>
+          </a:prstGeom>
+          <a:noFill/>
+        </p:spPr>
+        <p:txBody>
+          <a:bodyPr wrap="square" rtlCol="0">
+            <a:spAutoFit/>
+          </a:bodyPr>
+          <a:lstStyle/>
+          <a:p>
+            <a:r>
+              <a:rPr lang="pt-BR" sz="1600" dirty="0" smtClean="0"/>
+              <a:t>Fonte: correntes elétricas</a:t>
+            </a:r>
+            <a:endParaRPr lang="pt-BR" sz="1600" dirty="0"/>
+          </a:p>
+        </p:txBody>
+      </p:sp>
+      <p:sp>
+        <p:nvSpPr>
+          <p:cNvPr id="13" name="CaixaDeTexto 12"/>
+          <p:cNvSpPr txBox="1"/>
+          <p:nvPr/>
+        </p:nvSpPr>
+        <p:spPr>
+          <a:xfrm>
+            <a:off x="5192025" y="5178678"/>
+            <a:ext cx="2548327" cy="338554"/>
+          </a:xfrm>
+          <a:prstGeom prst="rect">
+            <a:avLst/>
+          </a:prstGeom>
+          <a:noFill/>
+        </p:spPr>
+        <p:txBody>
+          <a:bodyPr wrap="square" rtlCol="0">
+            <a:spAutoFit/>
+          </a:bodyPr>
+          <a:lstStyle/>
+          <a:p>
+            <a:r>
+              <a:rPr lang="pt-BR" sz="1600" dirty="0" smtClean="0"/>
+              <a:t>Campo principal</a:t>
+            </a:r>
+            <a:endParaRPr lang="pt-BR" sz="1600" dirty="0"/>
+          </a:p>
+        </p:txBody>
+      </p:sp>
+      <p:sp>
+        <p:nvSpPr>
+          <p:cNvPr id="14" name="CaixaDeTexto 13"/>
+          <p:cNvSpPr txBox="1"/>
+          <p:nvPr/>
+        </p:nvSpPr>
+        <p:spPr>
+          <a:xfrm>
+            <a:off x="5192025" y="3429000"/>
+            <a:ext cx="2548327" cy="338554"/>
+          </a:xfrm>
+          <a:prstGeom prst="rect">
+            <a:avLst/>
+          </a:prstGeom>
+          <a:noFill/>
+        </p:spPr>
+        <p:txBody>
+          <a:bodyPr wrap="square" rtlCol="0">
+            <a:spAutoFit/>
+          </a:bodyPr>
+          <a:lstStyle/>
+          <a:p>
+            <a:r>
+              <a:rPr lang="pt-BR" sz="1600" dirty="0" smtClean="0"/>
+              <a:t>Fonte: rochas magnetizadas</a:t>
+            </a:r>
+            <a:endParaRPr lang="pt-BR" sz="1600" dirty="0"/>
+          </a:p>
+        </p:txBody>
+      </p:sp>
+      <p:sp>
+        <p:nvSpPr>
+          <p:cNvPr id="23" name="CaixaDeTexto 22"/>
+          <p:cNvSpPr txBox="1"/>
+          <p:nvPr/>
+        </p:nvSpPr>
+        <p:spPr>
+          <a:xfrm>
+            <a:off x="5191497" y="3738518"/>
+            <a:ext cx="1914595" cy="338554"/>
+          </a:xfrm>
+          <a:prstGeom prst="rect">
+            <a:avLst/>
+          </a:prstGeom>
+          <a:noFill/>
+        </p:spPr>
+        <p:txBody>
+          <a:bodyPr wrap="square" rtlCol="0">
+            <a:spAutoFit/>
+          </a:bodyPr>
+          <a:lstStyle/>
+          <a:p>
+            <a:r>
+              <a:rPr lang="pt-BR" sz="1600" dirty="0" smtClean="0"/>
+              <a:t>Campo </a:t>
+            </a:r>
+            <a:r>
+              <a:rPr lang="pt-BR" sz="1600" dirty="0" err="1" smtClean="0"/>
+              <a:t>crustal</a:t>
+            </a:r>
+            <a:endParaRPr lang="pt-BR" sz="1600" dirty="0"/>
+          </a:p>
+        </p:txBody>
+      </p:sp>
+      <p:sp>
+        <p:nvSpPr>
+          <p:cNvPr id="3" name="Chave direita 2"/>
+          <p:cNvSpPr/>
+          <p:nvPr/>
+        </p:nvSpPr>
+        <p:spPr>
+          <a:xfrm>
+            <a:off x="7480895" y="2924944"/>
+            <a:ext cx="288032" cy="2818184"/>
+          </a:xfrm>
+          <a:prstGeom prst="rightBrace">
+            <a:avLst/>
+          </a:prstGeom>
+          <a:ln w="28575">
+            <a:solidFill>
+              <a:schemeClr val="tx1"/>
+            </a:solidFill>
+          </a:ln>
+        </p:spPr>
+        <p:style>
+          <a:lnRef idx="1">
+            <a:schemeClr val="accent1"/>
+          </a:lnRef>
+          <a:fillRef idx="0">
+            <a:schemeClr val="accent1"/>
+          </a:fillRef>
+          <a:effectRef idx="0">
+            <a:schemeClr val="accent1"/>
+          </a:effectRef>
+          <a:fontRef idx="minor">
+            <a:schemeClr val="tx1"/>
+          </a:fontRef>
+        </p:style>
+        <p:txBody>
+          <a:bodyPr rtlCol="0" anchor="ctr"/>
+          <a:lstStyle/>
+          <a:p>
+            <a:pPr algn="ctr"/>
+            <a:endParaRPr lang="pt-BR"/>
+          </a:p>
+        </p:txBody>
+      </p:sp>
+      <p:sp>
+        <p:nvSpPr>
+          <p:cNvPr id="5" name="CaixaDeTexto 4"/>
+          <p:cNvSpPr txBox="1"/>
+          <p:nvPr/>
+        </p:nvSpPr>
+        <p:spPr>
+          <a:xfrm>
+            <a:off x="7821885" y="3740274"/>
+            <a:ext cx="1224136" cy="1200329"/>
+          </a:xfrm>
+          <a:prstGeom prst="rect">
+            <a:avLst/>
+          </a:prstGeom>
+          <a:noFill/>
+        </p:spPr>
+        <p:txBody>
+          <a:bodyPr wrap="square" rtlCol="0">
+            <a:spAutoFit/>
+          </a:bodyPr>
+          <a:lstStyle/>
+          <a:p>
+            <a:pPr algn="ctr"/>
             <a:r>
               <a:rPr lang="pt-BR" dirty="0" smtClean="0"/>
-              <a:t>10.1016/B978-0-444-53802-4.00096-8.</a:t>
-            </a:r>
-            <a:endParaRPr lang="en-US" dirty="0" smtClean="0"/>
-          </a:p>
-          <a:p>
-            <a:r>
-              <a:rPr lang="en-US" dirty="0" err="1" smtClean="0"/>
+              <a:t>Campo total</a:t>
+            </a:r>
+          </a:p>
+          <a:p>
+            <a:pPr algn="ctr"/>
+            <a:r>
+              <a:rPr lang="pt-BR" dirty="0" smtClean="0"/>
+              <a:t>(ou campo interno)</a:t>
+            </a:r>
+            <a:endParaRPr lang="pt-BR" dirty="0"/>
+          </a:p>
+        </p:txBody>
+      </p:sp>
+      <p:sp>
+        <p:nvSpPr>
+          <p:cNvPr id="22" name="CaixaDeTexto 21"/>
+          <p:cNvSpPr txBox="1"/>
+          <p:nvPr/>
+        </p:nvSpPr>
+        <p:spPr>
+          <a:xfrm>
+            <a:off x="167748" y="544034"/>
+            <a:ext cx="1800200" cy="369332"/>
+          </a:xfrm>
+          <a:prstGeom prst="rect">
+            <a:avLst/>
+          </a:prstGeom>
+          <a:noFill/>
+        </p:spPr>
+        <p:txBody>
+          <a:bodyPr wrap="square" rtlCol="0">
+            <a:spAutoFit/>
+          </a:bodyPr>
+          <a:lstStyle/>
+          <a:p>
+            <a:r>
+              <a:rPr lang="pt-BR" dirty="0" smtClean="0">
+                <a:solidFill>
+                  <a:srgbClr val="FF0000"/>
+                </a:solidFill>
+              </a:rPr>
+              <a:t>Ionosfera</a:t>
+            </a:r>
+            <a:endParaRPr lang="pt-BR" dirty="0">
+              <a:solidFill>
+                <a:srgbClr val="FF0000"/>
+              </a:solidFill>
+            </a:endParaRPr>
+          </a:p>
+        </p:txBody>
+      </p:sp>
+      <p:cxnSp>
+        <p:nvCxnSpPr>
+          <p:cNvPr id="24" name="Conector de seta reta 23"/>
+          <p:cNvCxnSpPr/>
+          <p:nvPr/>
+        </p:nvCxnSpPr>
+        <p:spPr>
+          <a:xfrm>
+            <a:off x="1193826" y="834389"/>
+            <a:ext cx="641870" cy="1730515"/>
+          </a:xfrm>
+          <a:prstGeom prst="straightConnector1">
+            <a:avLst/>
+          </a:prstGeom>
+          <a:ln w="38100">
+            <a:solidFill>
+              <a:schemeClr val="tx1"/>
+            </a:solidFill>
+            <a:tailEnd type="arrow"/>
+          </a:ln>
+        </p:spPr>
+        <p:style>
+          <a:lnRef idx="1">
+            <a:schemeClr val="accent1"/>
+          </a:lnRef>
+          <a:fillRef idx="0">
+            <a:schemeClr val="accent1"/>
+          </a:fillRef>
+          <a:effectRef idx="0">
+            <a:schemeClr val="accent1"/>
+          </a:effectRef>
+          <a:fontRef idx="minor">
+            <a:schemeClr val="tx1"/>
+          </a:fontRef>
+        </p:style>
+      </p:cxnSp>
+      <p:sp>
+        <p:nvSpPr>
+          <p:cNvPr id="27" name="CaixaDeTexto 26"/>
+          <p:cNvSpPr txBox="1"/>
+          <p:nvPr/>
+        </p:nvSpPr>
+        <p:spPr>
+          <a:xfrm>
+            <a:off x="4788024" y="72187"/>
+            <a:ext cx="4177160" cy="2308324"/>
+          </a:xfrm>
+          <a:prstGeom prst="rect">
+            <a:avLst/>
+          </a:prstGeom>
+          <a:noFill/>
+        </p:spPr>
+        <p:txBody>
+          <a:bodyPr wrap="square" rtlCol="0">
+            <a:spAutoFit/>
+          </a:bodyPr>
+          <a:lstStyle/>
+          <a:p>
+            <a:pPr algn="ctr"/>
+            <a:r>
+              <a:rPr lang="pt-BR" sz="2400" dirty="0" smtClean="0"/>
+              <a:t>Os campos produzidos por estas fontes são denominados, respectivamente, </a:t>
+            </a:r>
+            <a:r>
+              <a:rPr lang="pt-BR" sz="2400" b="1" dirty="0" smtClean="0"/>
+              <a:t>campo </a:t>
+            </a:r>
+            <a:r>
+              <a:rPr lang="pt-BR" sz="2400" b="1" dirty="0" err="1" smtClean="0"/>
+              <a:t>magnetosférico</a:t>
+            </a:r>
+            <a:r>
+              <a:rPr lang="pt-BR" sz="2400" dirty="0" smtClean="0"/>
+              <a:t> e </a:t>
+            </a:r>
+            <a:r>
+              <a:rPr lang="pt-BR" sz="2400" b="1" dirty="0" smtClean="0"/>
+              <a:t>campo ionosférico </a:t>
+            </a:r>
+            <a:r>
+              <a:rPr lang="pt-BR" sz="2400" dirty="0" smtClean="0"/>
+              <a:t>(</a:t>
+            </a:r>
+            <a:r>
+              <a:rPr lang="pt-BR" sz="2400" dirty="0" err="1"/>
               <a:t>Langel</a:t>
             </a:r>
             <a:r>
-              <a:rPr lang="en-US" dirty="0"/>
-              <a:t>, R. A., </a:t>
-            </a:r>
-            <a:r>
-              <a:rPr lang="en-US" dirty="0" smtClean="0"/>
-              <a:t>e </a:t>
-            </a:r>
-            <a:r>
-              <a:rPr lang="en-US" dirty="0" err="1" smtClean="0"/>
+              <a:rPr lang="pt-BR" sz="2400" dirty="0"/>
+              <a:t> e </a:t>
+            </a:r>
+            <a:r>
+              <a:rPr lang="pt-BR" sz="2400" dirty="0" err="1"/>
               <a:t>Hinze</a:t>
             </a:r>
             <a:r>
-              <a:rPr lang="en-US" dirty="0" smtClean="0"/>
-              <a:t>, W. J., </a:t>
-            </a:r>
-            <a:r>
-              <a:rPr lang="en-US" dirty="0"/>
-              <a:t>1998, The magnetic </a:t>
-            </a:r>
-            <a:r>
-              <a:rPr lang="en-US" dirty="0" err="1"/>
-              <a:t>eld</a:t>
-            </a:r>
-            <a:r>
-              <a:rPr lang="en-US" dirty="0"/>
-              <a:t> of the earth's lithosphere: </a:t>
-            </a:r>
-            <a:r>
-              <a:rPr lang="en-US" dirty="0" smtClean="0"/>
-              <a:t>The satellite </a:t>
-            </a:r>
-            <a:r>
-              <a:rPr lang="en-US" dirty="0"/>
-              <a:t>perspective: Cambridge University </a:t>
-            </a:r>
-            <a:r>
-              <a:rPr lang="en-US" dirty="0" smtClean="0"/>
-              <a:t>Press.</a:t>
-            </a:r>
-          </a:p>
-          <a:p>
-            <a:r>
-              <a:rPr lang="pt-BR" dirty="0" err="1"/>
-              <a:t>Nabighian</a:t>
-            </a:r>
-            <a:r>
-              <a:rPr lang="pt-BR" dirty="0"/>
-              <a:t>, M. N., </a:t>
-            </a:r>
-            <a:r>
-              <a:rPr lang="pt-BR" dirty="0" err="1" smtClean="0"/>
-              <a:t>Grauch</a:t>
-            </a:r>
-            <a:r>
-              <a:rPr lang="pt-BR" dirty="0" smtClean="0"/>
-              <a:t>, </a:t>
-            </a:r>
-            <a:r>
-              <a:rPr lang="pt-BR" dirty="0"/>
-              <a:t>V. J. S.</a:t>
-            </a:r>
-            <a:r>
-              <a:rPr lang="pt-BR" dirty="0" smtClean="0"/>
-              <a:t>, Hansen, </a:t>
-            </a:r>
-            <a:r>
-              <a:rPr lang="pt-BR" dirty="0"/>
-              <a:t>R. O.</a:t>
-            </a:r>
-            <a:r>
-              <a:rPr lang="pt-BR" dirty="0" smtClean="0"/>
-              <a:t>, </a:t>
-            </a:r>
-            <a:r>
-              <a:rPr lang="pt-BR" dirty="0" err="1" smtClean="0"/>
-              <a:t>LaFehr</a:t>
-            </a:r>
-            <a:r>
-              <a:rPr lang="pt-BR" dirty="0" smtClean="0"/>
-              <a:t>, </a:t>
-            </a:r>
-            <a:r>
-              <a:rPr lang="pt-BR" dirty="0"/>
-              <a:t>T. R.</a:t>
-            </a:r>
-            <a:r>
-              <a:rPr lang="pt-BR" dirty="0" smtClean="0"/>
-              <a:t>, Li, </a:t>
-            </a:r>
-            <a:r>
-              <a:rPr lang="pt-BR" dirty="0"/>
-              <a:t>Y.</a:t>
-            </a:r>
-            <a:r>
-              <a:rPr lang="pt-BR" dirty="0" smtClean="0"/>
-              <a:t>, </a:t>
-            </a:r>
-            <a:r>
-              <a:rPr lang="pt-BR" dirty="0" err="1" smtClean="0"/>
-              <a:t>Peirce</a:t>
-            </a:r>
-            <a:r>
-              <a:rPr lang="pt-BR" dirty="0" smtClean="0"/>
-              <a:t>, </a:t>
-            </a:r>
-            <a:r>
-              <a:rPr lang="pt-BR" dirty="0"/>
-              <a:t>J. W.</a:t>
-            </a:r>
-            <a:r>
-              <a:rPr lang="pt-BR" dirty="0" smtClean="0"/>
-              <a:t>, </a:t>
-            </a:r>
-            <a:r>
-              <a:rPr lang="en-US" dirty="0" smtClean="0"/>
-              <a:t>Phillips, </a:t>
-            </a:r>
-            <a:r>
-              <a:rPr lang="pt-BR" dirty="0"/>
-              <a:t>J. D.</a:t>
-            </a:r>
-            <a:r>
-              <a:rPr lang="en-US" dirty="0" smtClean="0"/>
-              <a:t>, e Ruder, </a:t>
-            </a:r>
-            <a:r>
-              <a:rPr lang="en-US" dirty="0"/>
-              <a:t>M. E</a:t>
-            </a:r>
-            <a:r>
-              <a:rPr lang="en-US" dirty="0" smtClean="0"/>
-              <a:t>., 2005, </a:t>
-            </a:r>
-            <a:r>
-              <a:rPr lang="en-US" dirty="0"/>
-              <a:t>The historical development of the magnetic method </a:t>
-            </a:r>
-            <a:r>
-              <a:rPr lang="en-US" dirty="0" smtClean="0"/>
-              <a:t>in </a:t>
-            </a:r>
-            <a:r>
-              <a:rPr lang="pt-BR" dirty="0" err="1" smtClean="0"/>
-              <a:t>exploration</a:t>
-            </a:r>
-            <a:r>
-              <a:rPr lang="pt-BR" dirty="0"/>
-              <a:t>: GEOPHYSICS, 70, </a:t>
-            </a:r>
-            <a:r>
-              <a:rPr lang="pt-BR" dirty="0" smtClean="0"/>
-              <a:t>33ND-61ND</a:t>
-            </a:r>
-            <a:r>
-              <a:rPr lang="pt-BR" dirty="0"/>
-              <a:t>.</a:t>
-            </a:r>
-            <a:endParaRPr lang="pt-BR" dirty="0"/>
+              <a:rPr lang="pt-BR" sz="2400" dirty="0"/>
+              <a:t>, 1998; </a:t>
+            </a:r>
+            <a:r>
+              <a:rPr lang="pt-BR" sz="2400" dirty="0" err="1"/>
+              <a:t>Hulot</a:t>
+            </a:r>
+            <a:r>
+              <a:rPr lang="pt-BR" sz="2400" dirty="0"/>
+              <a:t> et al., 2015</a:t>
+            </a:r>
+            <a:r>
+              <a:rPr lang="pt-BR" sz="2400" dirty="0" smtClean="0"/>
+              <a:t>).</a:t>
+            </a:r>
+            <a:endParaRPr lang="pt-BR" sz="2400" dirty="0"/>
+          </a:p>
+        </p:txBody>
+      </p:sp>
+      <p:sp>
+        <p:nvSpPr>
+          <p:cNvPr id="28" name="CaixaDeTexto 27"/>
+          <p:cNvSpPr txBox="1"/>
+          <p:nvPr/>
+        </p:nvSpPr>
+        <p:spPr>
+          <a:xfrm>
+            <a:off x="2699792" y="567730"/>
+            <a:ext cx="1800200" cy="369332"/>
+          </a:xfrm>
+          <a:prstGeom prst="rect">
+            <a:avLst/>
+          </a:prstGeom>
+          <a:noFill/>
+        </p:spPr>
+        <p:txBody>
+          <a:bodyPr wrap="square" rtlCol="0">
+            <a:spAutoFit/>
+          </a:bodyPr>
+          <a:lstStyle/>
+          <a:p>
+            <a:r>
+              <a:rPr lang="pt-BR" dirty="0" smtClean="0">
+                <a:solidFill>
+                  <a:srgbClr val="FF0000"/>
+                </a:solidFill>
+              </a:rPr>
+              <a:t>Magnetosfera</a:t>
+            </a:r>
+            <a:endParaRPr lang="pt-BR" dirty="0">
+              <a:solidFill>
+                <a:srgbClr val="FF0000"/>
+              </a:solidFill>
+            </a:endParaRPr>
+          </a:p>
+        </p:txBody>
+      </p:sp>
+      <p:cxnSp>
+        <p:nvCxnSpPr>
+          <p:cNvPr id="29" name="Conector de seta reta 28"/>
+          <p:cNvCxnSpPr/>
+          <p:nvPr/>
+        </p:nvCxnSpPr>
+        <p:spPr>
+          <a:xfrm flipH="1">
+            <a:off x="2195737" y="834389"/>
+            <a:ext cx="576063" cy="290355"/>
+          </a:xfrm>
+          <a:prstGeom prst="straightConnector1">
+            <a:avLst/>
+          </a:prstGeom>
+          <a:ln w="38100">
+            <a:solidFill>
+              <a:schemeClr val="tx1"/>
+            </a:solidFill>
+            <a:tailEnd type="arrow"/>
+          </a:ln>
+        </p:spPr>
+        <p:style>
+          <a:lnRef idx="1">
+            <a:schemeClr val="accent1"/>
+          </a:lnRef>
+          <a:fillRef idx="0">
+            <a:schemeClr val="accent1"/>
+          </a:fillRef>
+          <a:effectRef idx="0">
+            <a:schemeClr val="accent1"/>
+          </a:effectRef>
+          <a:fontRef idx="minor">
+            <a:schemeClr val="tx1"/>
+          </a:fontRef>
+        </p:style>
+      </p:cxnSp>
+      <p:sp>
+        <p:nvSpPr>
+          <p:cNvPr id="30" name="CaixaDeTexto 29"/>
+          <p:cNvSpPr txBox="1"/>
+          <p:nvPr/>
+        </p:nvSpPr>
+        <p:spPr>
+          <a:xfrm>
+            <a:off x="35496" y="282134"/>
+            <a:ext cx="2316661" cy="338554"/>
+          </a:xfrm>
+          <a:prstGeom prst="rect">
+            <a:avLst/>
+          </a:prstGeom>
+          <a:noFill/>
+        </p:spPr>
+        <p:txBody>
+          <a:bodyPr wrap="square" rtlCol="0">
+            <a:spAutoFit/>
+          </a:bodyPr>
+          <a:lstStyle/>
+          <a:p>
+            <a:r>
+              <a:rPr lang="pt-BR" sz="1600" dirty="0" smtClean="0"/>
+              <a:t>Fonte: </a:t>
+            </a:r>
+            <a:r>
+              <a:rPr lang="pt-BR" sz="1600" dirty="0" smtClean="0"/>
+              <a:t>correntes elétricas</a:t>
+            </a:r>
+            <a:endParaRPr lang="pt-BR" sz="1600" dirty="0"/>
+          </a:p>
+        </p:txBody>
+      </p:sp>
+      <p:sp>
+        <p:nvSpPr>
+          <p:cNvPr id="31" name="CaixaDeTexto 30"/>
+          <p:cNvSpPr txBox="1"/>
+          <p:nvPr/>
+        </p:nvSpPr>
+        <p:spPr>
+          <a:xfrm>
+            <a:off x="35496" y="-5898"/>
+            <a:ext cx="2548327" cy="338554"/>
+          </a:xfrm>
+          <a:prstGeom prst="rect">
+            <a:avLst/>
+          </a:prstGeom>
+          <a:noFill/>
+        </p:spPr>
+        <p:txBody>
+          <a:bodyPr wrap="square" rtlCol="0">
+            <a:spAutoFit/>
+          </a:bodyPr>
+          <a:lstStyle/>
+          <a:p>
+            <a:r>
+              <a:rPr lang="pt-BR" sz="1600" dirty="0" smtClean="0"/>
+              <a:t>Campo </a:t>
+            </a:r>
+            <a:r>
+              <a:rPr lang="pt-BR" sz="1600" dirty="0" smtClean="0"/>
+              <a:t>ionosférico</a:t>
+            </a:r>
+            <a:endParaRPr lang="pt-BR" sz="1600" dirty="0"/>
+          </a:p>
+        </p:txBody>
+      </p:sp>
+      <p:sp>
+        <p:nvSpPr>
+          <p:cNvPr id="33" name="CaixaDeTexto 32"/>
+          <p:cNvSpPr txBox="1"/>
+          <p:nvPr/>
+        </p:nvSpPr>
+        <p:spPr>
+          <a:xfrm>
+            <a:off x="2527729" y="279698"/>
+            <a:ext cx="2316661" cy="338554"/>
+          </a:xfrm>
+          <a:prstGeom prst="rect">
+            <a:avLst/>
+          </a:prstGeom>
+          <a:noFill/>
+        </p:spPr>
+        <p:txBody>
+          <a:bodyPr wrap="square" rtlCol="0">
+            <a:spAutoFit/>
+          </a:bodyPr>
+          <a:lstStyle/>
+          <a:p>
+            <a:r>
+              <a:rPr lang="pt-BR" sz="1600" dirty="0" smtClean="0"/>
+              <a:t>Fonte: </a:t>
+            </a:r>
+            <a:r>
+              <a:rPr lang="pt-BR" sz="1600" dirty="0" smtClean="0"/>
+              <a:t>correntes elétricas</a:t>
+            </a:r>
+            <a:endParaRPr lang="pt-BR" sz="1600" dirty="0"/>
+          </a:p>
+        </p:txBody>
+      </p:sp>
+      <p:sp>
+        <p:nvSpPr>
+          <p:cNvPr id="34" name="CaixaDeTexto 33"/>
+          <p:cNvSpPr txBox="1"/>
+          <p:nvPr/>
+        </p:nvSpPr>
+        <p:spPr>
+          <a:xfrm>
+            <a:off x="2527729" y="-8334"/>
+            <a:ext cx="2548327" cy="338554"/>
+          </a:xfrm>
+          <a:prstGeom prst="rect">
+            <a:avLst/>
+          </a:prstGeom>
+          <a:noFill/>
+        </p:spPr>
+        <p:txBody>
+          <a:bodyPr wrap="square" rtlCol="0">
+            <a:spAutoFit/>
+          </a:bodyPr>
+          <a:lstStyle/>
+          <a:p>
+            <a:r>
+              <a:rPr lang="pt-BR" sz="1600" dirty="0" smtClean="0"/>
+              <a:t>Campo </a:t>
+            </a:r>
+            <a:r>
+              <a:rPr lang="pt-BR" sz="1600" dirty="0" smtClean="0"/>
+              <a:t>ionosférico</a:t>
+            </a:r>
+            <a:endParaRPr lang="pt-BR" sz="1600" dirty="0"/>
           </a:p>
         </p:txBody>
       </p:sp>
     </p:spTree>
     <p:extLst>
       <p:ext uri="{BB962C8B-B14F-4D97-AF65-F5344CB8AC3E}">
-        <p14:creationId xmlns:p14="http://schemas.microsoft.com/office/powerpoint/2010/main" val="3103732197"/>
+        <p14:creationId xmlns:p14="http://schemas.microsoft.com/office/powerpoint/2010/main" val="2209352562"/>
+      </p:ext>
+    </p:extLst>
+  </p:cSld>
+  <p:clrMapOvr>
+    <a:masterClrMapping/>
+  </p:clrMapOvr>
+  <p:timing>
+    <p:tnLst>
+      <p:par>
+        <p:cTn id="1" dur="indefinite" restart="never" nodeType="tmRoot"/>
+      </p:par>
+    </p:tnLst>
+  </p:timing>
+</p:sld>
+</file>
+
+<file path=ppt/slides/slide17.xml><?xml version="1.0" encoding="utf-8"?>
+<p:sld xmlns:a="http://schemas.openxmlformats.org/drawingml/2006/main" xmlns:r="http://schemas.openxmlformats.org/officeDocument/2006/relationships" xmlns:p="http://schemas.openxmlformats.org/presentationml/2006/main">
+  <p:cSld>
+    <p:spTree>
+      <p:nvGrpSpPr>
+        <p:cNvPr id="1" name=""/>
+        <p:cNvGrpSpPr/>
+        <p:nvPr/>
+      </p:nvGrpSpPr>
+      <p:grpSpPr>
+        <a:xfrm>
+          <a:off x="0" y="0"/>
+          <a:ext cx="0" cy="0"/>
+          <a:chOff x="0" y="0"/>
+          <a:chExt cx="0" cy="0"/>
+        </a:xfrm>
+      </p:grpSpPr>
+      <p:pic>
+        <p:nvPicPr>
+          <p:cNvPr id="17" name="Picture 2"/>
+          <p:cNvPicPr>
+            <a:picLocks noChangeAspect="1" noChangeArrowheads="1"/>
+          </p:cNvPicPr>
+          <p:nvPr/>
+        </p:nvPicPr>
+        <p:blipFill rotWithShape="1">
+          <a:blip r:embed="rId2">
+            <a:extLst>
+              <a:ext uri="{28A0092B-C50C-407E-A947-70E740481C1C}">
+                <a14:useLocalDpi xmlns:a14="http://schemas.microsoft.com/office/drawing/2010/main" val="0"/>
+              </a:ext>
+            </a:extLst>
+          </a:blip>
+          <a:srcRect l="25921" t="13054" r="35526" b="10876"/>
+          <a:stretch/>
+        </p:blipFill>
+        <p:spPr bwMode="auto">
+          <a:xfrm>
+            <a:off x="251520" y="962264"/>
+            <a:ext cx="4104000" cy="4554968"/>
+          </a:xfrm>
+          <a:prstGeom prst="rect">
+            <a:avLst/>
+          </a:prstGeom>
+          <a:noFill/>
+          <a:ln>
+            <a:noFill/>
+          </a:ln>
+          <a:extLst>
+            <a:ext uri="{909E8E84-426E-40DD-AFC4-6F175D3DCCD1}">
+              <a14:hiddenFill xmlns:a14="http://schemas.microsoft.com/office/drawing/2010/main">
+                <a:solidFill>
+                  <a:schemeClr val="accent1"/>
+                </a:solidFill>
+              </a14:hiddenFill>
+            </a:ext>
+            <a:ext uri="{91240B29-F687-4F45-9708-019B960494DF}">
+              <a14:hiddenLine xmlns:a14="http://schemas.microsoft.com/office/drawing/2010/main" w="9525">
+                <a:solidFill>
+                  <a:schemeClr val="tx1"/>
+                </a:solidFill>
+                <a:miter lim="800000"/>
+                <a:headEnd/>
+                <a:tailEnd/>
+              </a14:hiddenLine>
+            </a:ext>
+          </a:extLst>
+        </p:spPr>
+      </p:pic>
+      <p:sp>
+        <p:nvSpPr>
+          <p:cNvPr id="15" name="Rosca 14"/>
+          <p:cNvSpPr/>
+          <p:nvPr/>
+        </p:nvSpPr>
+        <p:spPr>
+          <a:xfrm>
+            <a:off x="1067848" y="3689736"/>
+            <a:ext cx="2448272" cy="720080"/>
+          </a:xfrm>
+          <a:prstGeom prst="donut">
+            <a:avLst>
+              <a:gd name="adj" fmla="val 31630"/>
+            </a:avLst>
+          </a:prstGeom>
+          <a:solidFill>
+            <a:srgbClr val="00A761"/>
+          </a:solidFill>
+          <a:ln>
+            <a:solidFill>
+              <a:srgbClr val="00A761"/>
+            </a:solidFill>
+          </a:ln>
+        </p:spPr>
+        <p:style>
+          <a:lnRef idx="2">
+            <a:schemeClr val="accent1">
+              <a:shade val="50000"/>
+            </a:schemeClr>
+          </a:lnRef>
+          <a:fillRef idx="1">
+            <a:schemeClr val="accent1"/>
+          </a:fillRef>
+          <a:effectRef idx="0">
+            <a:schemeClr val="accent1"/>
+          </a:effectRef>
+          <a:fontRef idx="minor">
+            <a:schemeClr val="lt1"/>
+          </a:fontRef>
+        </p:style>
+        <p:txBody>
+          <a:bodyPr rtlCol="0" anchor="ctr"/>
+          <a:lstStyle/>
+          <a:p>
+            <a:pPr algn="ctr"/>
+            <a:endParaRPr lang="pt-BR">
+              <a:solidFill>
+                <a:schemeClr val="tx1"/>
+              </a:solidFill>
+            </a:endParaRPr>
+          </a:p>
+        </p:txBody>
+      </p:sp>
+      <p:sp>
+        <p:nvSpPr>
+          <p:cNvPr id="16" name="Retângulo 15"/>
+          <p:cNvSpPr/>
+          <p:nvPr/>
+        </p:nvSpPr>
+        <p:spPr>
+          <a:xfrm>
+            <a:off x="971600" y="4221088"/>
+            <a:ext cx="864096" cy="216024"/>
+          </a:xfrm>
+          <a:prstGeom prst="rect">
+            <a:avLst/>
+          </a:prstGeom>
+          <a:solidFill>
+            <a:srgbClr val="00A761"/>
+          </a:solidFill>
+          <a:ln>
+            <a:solidFill>
+              <a:srgbClr val="00A761"/>
+            </a:solidFill>
+          </a:ln>
+        </p:spPr>
+        <p:style>
+          <a:lnRef idx="2">
+            <a:schemeClr val="accent1">
+              <a:shade val="50000"/>
+            </a:schemeClr>
+          </a:lnRef>
+          <a:fillRef idx="1">
+            <a:schemeClr val="accent1"/>
+          </a:fillRef>
+          <a:effectRef idx="0">
+            <a:schemeClr val="accent1"/>
+          </a:effectRef>
+          <a:fontRef idx="minor">
+            <a:schemeClr val="lt1"/>
+          </a:fontRef>
+        </p:style>
+        <p:txBody>
+          <a:bodyPr rtlCol="0" anchor="ctr"/>
+          <a:lstStyle/>
+          <a:p>
+            <a:pPr algn="ctr"/>
+            <a:endParaRPr lang="pt-BR"/>
+          </a:p>
+        </p:txBody>
+      </p:sp>
+      <p:sp>
+        <p:nvSpPr>
+          <p:cNvPr id="7" name="CaixaDeTexto 6"/>
+          <p:cNvSpPr txBox="1"/>
+          <p:nvPr/>
+        </p:nvSpPr>
+        <p:spPr>
+          <a:xfrm>
+            <a:off x="5148064" y="3116585"/>
+            <a:ext cx="1800200" cy="369332"/>
+          </a:xfrm>
+          <a:prstGeom prst="rect">
+            <a:avLst/>
+          </a:prstGeom>
+          <a:noFill/>
+        </p:spPr>
+        <p:txBody>
+          <a:bodyPr wrap="square" rtlCol="0">
+            <a:spAutoFit/>
+          </a:bodyPr>
+          <a:lstStyle/>
+          <a:p>
+            <a:r>
+              <a:rPr lang="pt-BR" dirty="0" smtClean="0"/>
+              <a:t>Litosfera</a:t>
+            </a:r>
+            <a:endParaRPr lang="pt-BR" dirty="0"/>
+          </a:p>
+        </p:txBody>
+      </p:sp>
+      <p:sp>
+        <p:nvSpPr>
+          <p:cNvPr id="9" name="CaixaDeTexto 8"/>
+          <p:cNvSpPr txBox="1"/>
+          <p:nvPr/>
+        </p:nvSpPr>
+        <p:spPr>
+          <a:xfrm>
+            <a:off x="5148064" y="4484737"/>
+            <a:ext cx="1654318" cy="369332"/>
+          </a:xfrm>
+          <a:prstGeom prst="rect">
+            <a:avLst/>
+          </a:prstGeom>
+          <a:noFill/>
+        </p:spPr>
+        <p:txBody>
+          <a:bodyPr wrap="square" rtlCol="0">
+            <a:spAutoFit/>
+          </a:bodyPr>
+          <a:lstStyle/>
+          <a:p>
+            <a:r>
+              <a:rPr lang="pt-BR" dirty="0" smtClean="0"/>
+              <a:t>Núcleo externo</a:t>
+            </a:r>
+            <a:endParaRPr lang="pt-BR" dirty="0"/>
+          </a:p>
+        </p:txBody>
+      </p:sp>
+      <p:cxnSp>
+        <p:nvCxnSpPr>
+          <p:cNvPr id="12" name="Conector de seta reta 11"/>
+          <p:cNvCxnSpPr/>
+          <p:nvPr/>
+        </p:nvCxnSpPr>
+        <p:spPr>
+          <a:xfrm flipH="1">
+            <a:off x="2915816" y="4700761"/>
+            <a:ext cx="2160000" cy="0"/>
+          </a:xfrm>
+          <a:prstGeom prst="straightConnector1">
+            <a:avLst/>
+          </a:prstGeom>
+          <a:ln w="38100">
+            <a:solidFill>
+              <a:schemeClr val="tx1"/>
+            </a:solidFill>
+            <a:tailEnd type="arrow"/>
+          </a:ln>
+        </p:spPr>
+        <p:style>
+          <a:lnRef idx="1">
+            <a:schemeClr val="accent1"/>
+          </a:lnRef>
+          <a:fillRef idx="0">
+            <a:schemeClr val="accent1"/>
+          </a:fillRef>
+          <a:effectRef idx="0">
+            <a:schemeClr val="accent1"/>
+          </a:effectRef>
+          <a:fontRef idx="minor">
+            <a:schemeClr val="tx1"/>
+          </a:fontRef>
+        </p:style>
+      </p:cxnSp>
+      <p:cxnSp>
+        <p:nvCxnSpPr>
+          <p:cNvPr id="18" name="Conector de seta reta 17"/>
+          <p:cNvCxnSpPr/>
+          <p:nvPr/>
+        </p:nvCxnSpPr>
+        <p:spPr>
+          <a:xfrm flipH="1">
+            <a:off x="3059832" y="3332609"/>
+            <a:ext cx="1944000" cy="0"/>
+          </a:xfrm>
+          <a:prstGeom prst="straightConnector1">
+            <a:avLst/>
+          </a:prstGeom>
+          <a:ln w="38100">
+            <a:solidFill>
+              <a:schemeClr val="tx1"/>
+            </a:solidFill>
+            <a:tailEnd type="arrow"/>
+          </a:ln>
+        </p:spPr>
+        <p:style>
+          <a:lnRef idx="1">
+            <a:schemeClr val="accent1"/>
+          </a:lnRef>
+          <a:fillRef idx="0">
+            <a:schemeClr val="accent1"/>
+          </a:fillRef>
+          <a:effectRef idx="0">
+            <a:schemeClr val="accent1"/>
+          </a:effectRef>
+          <a:fontRef idx="minor">
+            <a:schemeClr val="tx1"/>
+          </a:fontRef>
+        </p:style>
+      </p:cxnSp>
+      <p:sp>
+        <p:nvSpPr>
+          <p:cNvPr id="20" name="Retângulo 19"/>
+          <p:cNvSpPr/>
+          <p:nvPr/>
+        </p:nvSpPr>
+        <p:spPr>
+          <a:xfrm>
+            <a:off x="92472" y="5589240"/>
+            <a:ext cx="2601161" cy="307777"/>
+          </a:xfrm>
+          <a:prstGeom prst="rect">
+            <a:avLst/>
+          </a:prstGeom>
+        </p:spPr>
+        <p:txBody>
+          <a:bodyPr wrap="none">
+            <a:spAutoFit/>
+          </a:bodyPr>
+          <a:lstStyle/>
+          <a:p>
+            <a:r>
+              <a:rPr lang="en-US" sz="1400" dirty="0" err="1" smtClean="0"/>
+              <a:t>Modificado</a:t>
+            </a:r>
+            <a:r>
+              <a:rPr lang="en-US" sz="1400" dirty="0" smtClean="0"/>
+              <a:t> de </a:t>
+            </a:r>
+            <a:r>
+              <a:rPr lang="en-US" sz="1400" dirty="0" err="1" smtClean="0"/>
+              <a:t>Hulot</a:t>
+            </a:r>
+            <a:r>
+              <a:rPr lang="en-US" sz="1400" dirty="0" smtClean="0"/>
+              <a:t> et al. (2015)</a:t>
+            </a:r>
+            <a:endParaRPr lang="pt-BR" sz="1400" dirty="0"/>
+          </a:p>
+        </p:txBody>
+      </p:sp>
+      <p:sp>
+        <p:nvSpPr>
+          <p:cNvPr id="2" name="CaixaDeTexto 1"/>
+          <p:cNvSpPr txBox="1"/>
+          <p:nvPr/>
+        </p:nvSpPr>
+        <p:spPr>
+          <a:xfrm>
+            <a:off x="5192025" y="4869160"/>
+            <a:ext cx="2548327" cy="338554"/>
+          </a:xfrm>
+          <a:prstGeom prst="rect">
+            <a:avLst/>
+          </a:prstGeom>
+          <a:noFill/>
+        </p:spPr>
+        <p:txBody>
+          <a:bodyPr wrap="square" rtlCol="0">
+            <a:spAutoFit/>
+          </a:bodyPr>
+          <a:lstStyle/>
+          <a:p>
+            <a:r>
+              <a:rPr lang="pt-BR" sz="1600" dirty="0" smtClean="0"/>
+              <a:t>Fonte: correntes elétricas</a:t>
+            </a:r>
+            <a:endParaRPr lang="pt-BR" sz="1600" dirty="0"/>
+          </a:p>
+        </p:txBody>
+      </p:sp>
+      <p:sp>
+        <p:nvSpPr>
+          <p:cNvPr id="13" name="CaixaDeTexto 12"/>
+          <p:cNvSpPr txBox="1"/>
+          <p:nvPr/>
+        </p:nvSpPr>
+        <p:spPr>
+          <a:xfrm>
+            <a:off x="5192025" y="5178678"/>
+            <a:ext cx="2548327" cy="338554"/>
+          </a:xfrm>
+          <a:prstGeom prst="rect">
+            <a:avLst/>
+          </a:prstGeom>
+          <a:noFill/>
+        </p:spPr>
+        <p:txBody>
+          <a:bodyPr wrap="square" rtlCol="0">
+            <a:spAutoFit/>
+          </a:bodyPr>
+          <a:lstStyle/>
+          <a:p>
+            <a:r>
+              <a:rPr lang="pt-BR" sz="1600" dirty="0" smtClean="0"/>
+              <a:t>Campo principal</a:t>
+            </a:r>
+            <a:endParaRPr lang="pt-BR" sz="1600" dirty="0"/>
+          </a:p>
+        </p:txBody>
+      </p:sp>
+      <p:sp>
+        <p:nvSpPr>
+          <p:cNvPr id="14" name="CaixaDeTexto 13"/>
+          <p:cNvSpPr txBox="1"/>
+          <p:nvPr/>
+        </p:nvSpPr>
+        <p:spPr>
+          <a:xfrm>
+            <a:off x="5192025" y="3429000"/>
+            <a:ext cx="2548327" cy="338554"/>
+          </a:xfrm>
+          <a:prstGeom prst="rect">
+            <a:avLst/>
+          </a:prstGeom>
+          <a:noFill/>
+        </p:spPr>
+        <p:txBody>
+          <a:bodyPr wrap="square" rtlCol="0">
+            <a:spAutoFit/>
+          </a:bodyPr>
+          <a:lstStyle/>
+          <a:p>
+            <a:r>
+              <a:rPr lang="pt-BR" sz="1600" dirty="0" smtClean="0"/>
+              <a:t>Fonte: rochas magnetizadas</a:t>
+            </a:r>
+            <a:endParaRPr lang="pt-BR" sz="1600" dirty="0"/>
+          </a:p>
+        </p:txBody>
+      </p:sp>
+      <p:sp>
+        <p:nvSpPr>
+          <p:cNvPr id="23" name="CaixaDeTexto 22"/>
+          <p:cNvSpPr txBox="1"/>
+          <p:nvPr/>
+        </p:nvSpPr>
+        <p:spPr>
+          <a:xfrm>
+            <a:off x="5191497" y="3738518"/>
+            <a:ext cx="1914595" cy="338554"/>
+          </a:xfrm>
+          <a:prstGeom prst="rect">
+            <a:avLst/>
+          </a:prstGeom>
+          <a:noFill/>
+        </p:spPr>
+        <p:txBody>
+          <a:bodyPr wrap="square" rtlCol="0">
+            <a:spAutoFit/>
+          </a:bodyPr>
+          <a:lstStyle/>
+          <a:p>
+            <a:r>
+              <a:rPr lang="pt-BR" sz="1600" dirty="0" smtClean="0"/>
+              <a:t>Campo </a:t>
+            </a:r>
+            <a:r>
+              <a:rPr lang="pt-BR" sz="1600" dirty="0" err="1" smtClean="0"/>
+              <a:t>crustal</a:t>
+            </a:r>
+            <a:endParaRPr lang="pt-BR" sz="1600" dirty="0"/>
+          </a:p>
+        </p:txBody>
+      </p:sp>
+      <p:sp>
+        <p:nvSpPr>
+          <p:cNvPr id="3" name="Chave direita 2"/>
+          <p:cNvSpPr/>
+          <p:nvPr/>
+        </p:nvSpPr>
+        <p:spPr>
+          <a:xfrm>
+            <a:off x="7480895" y="2924944"/>
+            <a:ext cx="288032" cy="2818184"/>
+          </a:xfrm>
+          <a:prstGeom prst="rightBrace">
+            <a:avLst/>
+          </a:prstGeom>
+          <a:ln w="28575">
+            <a:solidFill>
+              <a:schemeClr val="tx1"/>
+            </a:solidFill>
+          </a:ln>
+        </p:spPr>
+        <p:style>
+          <a:lnRef idx="1">
+            <a:schemeClr val="accent1"/>
+          </a:lnRef>
+          <a:fillRef idx="0">
+            <a:schemeClr val="accent1"/>
+          </a:fillRef>
+          <a:effectRef idx="0">
+            <a:schemeClr val="accent1"/>
+          </a:effectRef>
+          <a:fontRef idx="minor">
+            <a:schemeClr val="tx1"/>
+          </a:fontRef>
+        </p:style>
+        <p:txBody>
+          <a:bodyPr rtlCol="0" anchor="ctr"/>
+          <a:lstStyle/>
+          <a:p>
+            <a:pPr algn="ctr"/>
+            <a:endParaRPr lang="pt-BR"/>
+          </a:p>
+        </p:txBody>
+      </p:sp>
+      <p:sp>
+        <p:nvSpPr>
+          <p:cNvPr id="5" name="CaixaDeTexto 4"/>
+          <p:cNvSpPr txBox="1"/>
+          <p:nvPr/>
+        </p:nvSpPr>
+        <p:spPr>
+          <a:xfrm>
+            <a:off x="7821885" y="3740274"/>
+            <a:ext cx="1224136" cy="1200329"/>
+          </a:xfrm>
+          <a:prstGeom prst="rect">
+            <a:avLst/>
+          </a:prstGeom>
+          <a:noFill/>
+        </p:spPr>
+        <p:txBody>
+          <a:bodyPr wrap="square" rtlCol="0">
+            <a:spAutoFit/>
+          </a:bodyPr>
+          <a:lstStyle/>
+          <a:p>
+            <a:pPr algn="ctr"/>
+            <a:r>
+              <a:rPr lang="pt-BR" dirty="0" smtClean="0"/>
+              <a:t>Campo total</a:t>
+            </a:r>
+          </a:p>
+          <a:p>
+            <a:pPr algn="ctr"/>
+            <a:r>
+              <a:rPr lang="pt-BR" dirty="0" smtClean="0"/>
+              <a:t>(ou campo interno)</a:t>
+            </a:r>
+            <a:endParaRPr lang="pt-BR" dirty="0"/>
+          </a:p>
+        </p:txBody>
+      </p:sp>
+      <p:sp>
+        <p:nvSpPr>
+          <p:cNvPr id="27" name="CaixaDeTexto 26"/>
+          <p:cNvSpPr txBox="1"/>
+          <p:nvPr/>
+        </p:nvSpPr>
+        <p:spPr>
+          <a:xfrm>
+            <a:off x="4788024" y="481896"/>
+            <a:ext cx="4177160" cy="1938992"/>
+          </a:xfrm>
+          <a:prstGeom prst="rect">
+            <a:avLst/>
+          </a:prstGeom>
+          <a:noFill/>
+        </p:spPr>
+        <p:txBody>
+          <a:bodyPr wrap="square" rtlCol="0">
+            <a:spAutoFit/>
+          </a:bodyPr>
+          <a:lstStyle/>
+          <a:p>
+            <a:pPr algn="ctr"/>
+            <a:r>
+              <a:rPr lang="pt-BR" sz="2400" dirty="0" smtClean="0"/>
+              <a:t>Embora os processos físicos que controlam os sistemas de correntes elétricas nestas duas regiões sejam distintos, eles estão acoplados.</a:t>
+            </a:r>
+            <a:endParaRPr lang="pt-BR" sz="2400" dirty="0"/>
+          </a:p>
+        </p:txBody>
+      </p:sp>
+      <p:sp>
+        <p:nvSpPr>
+          <p:cNvPr id="26" name="CaixaDeTexto 25"/>
+          <p:cNvSpPr txBox="1"/>
+          <p:nvPr/>
+        </p:nvSpPr>
+        <p:spPr>
+          <a:xfrm>
+            <a:off x="167748" y="544034"/>
+            <a:ext cx="1800200" cy="369332"/>
+          </a:xfrm>
+          <a:prstGeom prst="rect">
+            <a:avLst/>
+          </a:prstGeom>
+          <a:noFill/>
+        </p:spPr>
+        <p:txBody>
+          <a:bodyPr wrap="square" rtlCol="0">
+            <a:spAutoFit/>
+          </a:bodyPr>
+          <a:lstStyle/>
+          <a:p>
+            <a:r>
+              <a:rPr lang="pt-BR" dirty="0" smtClean="0">
+                <a:solidFill>
+                  <a:srgbClr val="FF0000"/>
+                </a:solidFill>
+              </a:rPr>
+              <a:t>Ionosfera</a:t>
+            </a:r>
+            <a:endParaRPr lang="pt-BR" dirty="0">
+              <a:solidFill>
+                <a:srgbClr val="FF0000"/>
+              </a:solidFill>
+            </a:endParaRPr>
+          </a:p>
+        </p:txBody>
+      </p:sp>
+      <p:cxnSp>
+        <p:nvCxnSpPr>
+          <p:cNvPr id="28" name="Conector de seta reta 27"/>
+          <p:cNvCxnSpPr/>
+          <p:nvPr/>
+        </p:nvCxnSpPr>
+        <p:spPr>
+          <a:xfrm>
+            <a:off x="1193826" y="834389"/>
+            <a:ext cx="641870" cy="1730515"/>
+          </a:xfrm>
+          <a:prstGeom prst="straightConnector1">
+            <a:avLst/>
+          </a:prstGeom>
+          <a:ln w="38100">
+            <a:solidFill>
+              <a:schemeClr val="tx1"/>
+            </a:solidFill>
+            <a:tailEnd type="arrow"/>
+          </a:ln>
+        </p:spPr>
+        <p:style>
+          <a:lnRef idx="1">
+            <a:schemeClr val="accent1"/>
+          </a:lnRef>
+          <a:fillRef idx="0">
+            <a:schemeClr val="accent1"/>
+          </a:fillRef>
+          <a:effectRef idx="0">
+            <a:schemeClr val="accent1"/>
+          </a:effectRef>
+          <a:fontRef idx="minor">
+            <a:schemeClr val="tx1"/>
+          </a:fontRef>
+        </p:style>
+      </p:cxnSp>
+      <p:sp>
+        <p:nvSpPr>
+          <p:cNvPr id="29" name="CaixaDeTexto 28"/>
+          <p:cNvSpPr txBox="1"/>
+          <p:nvPr/>
+        </p:nvSpPr>
+        <p:spPr>
+          <a:xfrm>
+            <a:off x="2699792" y="567730"/>
+            <a:ext cx="1800200" cy="369332"/>
+          </a:xfrm>
+          <a:prstGeom prst="rect">
+            <a:avLst/>
+          </a:prstGeom>
+          <a:noFill/>
+        </p:spPr>
+        <p:txBody>
+          <a:bodyPr wrap="square" rtlCol="0">
+            <a:spAutoFit/>
+          </a:bodyPr>
+          <a:lstStyle/>
+          <a:p>
+            <a:r>
+              <a:rPr lang="pt-BR" dirty="0" smtClean="0">
+                <a:solidFill>
+                  <a:srgbClr val="FF0000"/>
+                </a:solidFill>
+              </a:rPr>
+              <a:t>Magnetosfera</a:t>
+            </a:r>
+            <a:endParaRPr lang="pt-BR" dirty="0">
+              <a:solidFill>
+                <a:srgbClr val="FF0000"/>
+              </a:solidFill>
+            </a:endParaRPr>
+          </a:p>
+        </p:txBody>
+      </p:sp>
+      <p:cxnSp>
+        <p:nvCxnSpPr>
+          <p:cNvPr id="30" name="Conector de seta reta 29"/>
+          <p:cNvCxnSpPr/>
+          <p:nvPr/>
+        </p:nvCxnSpPr>
+        <p:spPr>
+          <a:xfrm flipH="1">
+            <a:off x="2195737" y="834389"/>
+            <a:ext cx="576063" cy="290355"/>
+          </a:xfrm>
+          <a:prstGeom prst="straightConnector1">
+            <a:avLst/>
+          </a:prstGeom>
+          <a:ln w="38100">
+            <a:solidFill>
+              <a:schemeClr val="tx1"/>
+            </a:solidFill>
+            <a:tailEnd type="arrow"/>
+          </a:ln>
+        </p:spPr>
+        <p:style>
+          <a:lnRef idx="1">
+            <a:schemeClr val="accent1"/>
+          </a:lnRef>
+          <a:fillRef idx="0">
+            <a:schemeClr val="accent1"/>
+          </a:fillRef>
+          <a:effectRef idx="0">
+            <a:schemeClr val="accent1"/>
+          </a:effectRef>
+          <a:fontRef idx="minor">
+            <a:schemeClr val="tx1"/>
+          </a:fontRef>
+        </p:style>
+      </p:cxnSp>
+      <p:sp>
+        <p:nvSpPr>
+          <p:cNvPr id="31" name="CaixaDeTexto 30"/>
+          <p:cNvSpPr txBox="1"/>
+          <p:nvPr/>
+        </p:nvSpPr>
+        <p:spPr>
+          <a:xfrm>
+            <a:off x="35496" y="282134"/>
+            <a:ext cx="2316661" cy="338554"/>
+          </a:xfrm>
+          <a:prstGeom prst="rect">
+            <a:avLst/>
+          </a:prstGeom>
+          <a:noFill/>
+        </p:spPr>
+        <p:txBody>
+          <a:bodyPr wrap="square" rtlCol="0">
+            <a:spAutoFit/>
+          </a:bodyPr>
+          <a:lstStyle/>
+          <a:p>
+            <a:r>
+              <a:rPr lang="pt-BR" sz="1600" dirty="0" smtClean="0"/>
+              <a:t>Fonte: </a:t>
+            </a:r>
+            <a:r>
+              <a:rPr lang="pt-BR" sz="1600" dirty="0" smtClean="0"/>
+              <a:t>correntes elétricas</a:t>
+            </a:r>
+            <a:endParaRPr lang="pt-BR" sz="1600" dirty="0"/>
+          </a:p>
+        </p:txBody>
+      </p:sp>
+      <p:sp>
+        <p:nvSpPr>
+          <p:cNvPr id="32" name="CaixaDeTexto 31"/>
+          <p:cNvSpPr txBox="1"/>
+          <p:nvPr/>
+        </p:nvSpPr>
+        <p:spPr>
+          <a:xfrm>
+            <a:off x="2527729" y="279698"/>
+            <a:ext cx="2316661" cy="338554"/>
+          </a:xfrm>
+          <a:prstGeom prst="rect">
+            <a:avLst/>
+          </a:prstGeom>
+          <a:noFill/>
+        </p:spPr>
+        <p:txBody>
+          <a:bodyPr wrap="square" rtlCol="0">
+            <a:spAutoFit/>
+          </a:bodyPr>
+          <a:lstStyle/>
+          <a:p>
+            <a:r>
+              <a:rPr lang="pt-BR" sz="1600" dirty="0" smtClean="0"/>
+              <a:t>Fonte: </a:t>
+            </a:r>
+            <a:r>
+              <a:rPr lang="pt-BR" sz="1600" dirty="0" smtClean="0"/>
+              <a:t>correntes elétricas</a:t>
+            </a:r>
+            <a:endParaRPr lang="pt-BR" sz="1600" dirty="0"/>
+          </a:p>
+        </p:txBody>
+      </p:sp>
+    </p:spTree>
+    <p:extLst>
+      <p:ext uri="{BB962C8B-B14F-4D97-AF65-F5344CB8AC3E}">
+        <p14:creationId xmlns:p14="http://schemas.microsoft.com/office/powerpoint/2010/main" val="953121943"/>
+      </p:ext>
+    </p:extLst>
+  </p:cSld>
+  <p:clrMapOvr>
+    <a:masterClrMapping/>
+  </p:clrMapOvr>
+  <p:timing>
+    <p:tnLst>
+      <p:par>
+        <p:cTn id="1" dur="indefinite" restart="never" nodeType="tmRoot"/>
+      </p:par>
+    </p:tnLst>
+  </p:timing>
+</p:sld>
+</file>
+
+<file path=ppt/slides/slide18.xml><?xml version="1.0" encoding="utf-8"?>
+<p:sld xmlns:a="http://schemas.openxmlformats.org/drawingml/2006/main" xmlns:r="http://schemas.openxmlformats.org/officeDocument/2006/relationships" xmlns:p="http://schemas.openxmlformats.org/presentationml/2006/main">
+  <p:cSld>
+    <p:spTree>
+      <p:nvGrpSpPr>
+        <p:cNvPr id="1" name=""/>
+        <p:cNvGrpSpPr/>
+        <p:nvPr/>
+      </p:nvGrpSpPr>
+      <p:grpSpPr>
+        <a:xfrm>
+          <a:off x="0" y="0"/>
+          <a:ext cx="0" cy="0"/>
+          <a:chOff x="0" y="0"/>
+          <a:chExt cx="0" cy="0"/>
+        </a:xfrm>
+      </p:grpSpPr>
+      <p:pic>
+        <p:nvPicPr>
+          <p:cNvPr id="17" name="Picture 2"/>
+          <p:cNvPicPr>
+            <a:picLocks noChangeAspect="1" noChangeArrowheads="1"/>
+          </p:cNvPicPr>
+          <p:nvPr/>
+        </p:nvPicPr>
+        <p:blipFill rotWithShape="1">
+          <a:blip r:embed="rId2">
+            <a:extLst>
+              <a:ext uri="{28A0092B-C50C-407E-A947-70E740481C1C}">
+                <a14:useLocalDpi xmlns:a14="http://schemas.microsoft.com/office/drawing/2010/main" val="0"/>
+              </a:ext>
+            </a:extLst>
+          </a:blip>
+          <a:srcRect l="25921" t="13054" r="35526" b="10876"/>
+          <a:stretch/>
+        </p:blipFill>
+        <p:spPr bwMode="auto">
+          <a:xfrm>
+            <a:off x="251520" y="962264"/>
+            <a:ext cx="4104000" cy="4554968"/>
+          </a:xfrm>
+          <a:prstGeom prst="rect">
+            <a:avLst/>
+          </a:prstGeom>
+          <a:noFill/>
+          <a:ln>
+            <a:noFill/>
+          </a:ln>
+          <a:extLst>
+            <a:ext uri="{909E8E84-426E-40DD-AFC4-6F175D3DCCD1}">
+              <a14:hiddenFill xmlns:a14="http://schemas.microsoft.com/office/drawing/2010/main">
+                <a:solidFill>
+                  <a:schemeClr val="accent1"/>
+                </a:solidFill>
+              </a14:hiddenFill>
+            </a:ext>
+            <a:ext uri="{91240B29-F687-4F45-9708-019B960494DF}">
+              <a14:hiddenLine xmlns:a14="http://schemas.microsoft.com/office/drawing/2010/main" w="9525">
+                <a:solidFill>
+                  <a:schemeClr val="tx1"/>
+                </a:solidFill>
+                <a:miter lim="800000"/>
+                <a:headEnd/>
+                <a:tailEnd/>
+              </a14:hiddenLine>
+            </a:ext>
+          </a:extLst>
+        </p:spPr>
+      </p:pic>
+      <p:sp>
+        <p:nvSpPr>
+          <p:cNvPr id="15" name="Rosca 14"/>
+          <p:cNvSpPr/>
+          <p:nvPr/>
+        </p:nvSpPr>
+        <p:spPr>
+          <a:xfrm>
+            <a:off x="1067848" y="3689736"/>
+            <a:ext cx="2448272" cy="720080"/>
+          </a:xfrm>
+          <a:prstGeom prst="donut">
+            <a:avLst>
+              <a:gd name="adj" fmla="val 31630"/>
+            </a:avLst>
+          </a:prstGeom>
+          <a:solidFill>
+            <a:srgbClr val="00A761"/>
+          </a:solidFill>
+          <a:ln>
+            <a:solidFill>
+              <a:srgbClr val="00A761"/>
+            </a:solidFill>
+          </a:ln>
+        </p:spPr>
+        <p:style>
+          <a:lnRef idx="2">
+            <a:schemeClr val="accent1">
+              <a:shade val="50000"/>
+            </a:schemeClr>
+          </a:lnRef>
+          <a:fillRef idx="1">
+            <a:schemeClr val="accent1"/>
+          </a:fillRef>
+          <a:effectRef idx="0">
+            <a:schemeClr val="accent1"/>
+          </a:effectRef>
+          <a:fontRef idx="minor">
+            <a:schemeClr val="lt1"/>
+          </a:fontRef>
+        </p:style>
+        <p:txBody>
+          <a:bodyPr rtlCol="0" anchor="ctr"/>
+          <a:lstStyle/>
+          <a:p>
+            <a:pPr algn="ctr"/>
+            <a:endParaRPr lang="pt-BR">
+              <a:solidFill>
+                <a:schemeClr val="tx1"/>
+              </a:solidFill>
+            </a:endParaRPr>
+          </a:p>
+        </p:txBody>
+      </p:sp>
+      <p:sp>
+        <p:nvSpPr>
+          <p:cNvPr id="16" name="Retângulo 15"/>
+          <p:cNvSpPr/>
+          <p:nvPr/>
+        </p:nvSpPr>
+        <p:spPr>
+          <a:xfrm>
+            <a:off x="971600" y="4221088"/>
+            <a:ext cx="864096" cy="216024"/>
+          </a:xfrm>
+          <a:prstGeom prst="rect">
+            <a:avLst/>
+          </a:prstGeom>
+          <a:solidFill>
+            <a:srgbClr val="00A761"/>
+          </a:solidFill>
+          <a:ln>
+            <a:solidFill>
+              <a:srgbClr val="00A761"/>
+            </a:solidFill>
+          </a:ln>
+        </p:spPr>
+        <p:style>
+          <a:lnRef idx="2">
+            <a:schemeClr val="accent1">
+              <a:shade val="50000"/>
+            </a:schemeClr>
+          </a:lnRef>
+          <a:fillRef idx="1">
+            <a:schemeClr val="accent1"/>
+          </a:fillRef>
+          <a:effectRef idx="0">
+            <a:schemeClr val="accent1"/>
+          </a:effectRef>
+          <a:fontRef idx="minor">
+            <a:schemeClr val="lt1"/>
+          </a:fontRef>
+        </p:style>
+        <p:txBody>
+          <a:bodyPr rtlCol="0" anchor="ctr"/>
+          <a:lstStyle/>
+          <a:p>
+            <a:pPr algn="ctr"/>
+            <a:endParaRPr lang="pt-BR"/>
+          </a:p>
+        </p:txBody>
+      </p:sp>
+      <p:sp>
+        <p:nvSpPr>
+          <p:cNvPr id="7" name="CaixaDeTexto 6"/>
+          <p:cNvSpPr txBox="1"/>
+          <p:nvPr/>
+        </p:nvSpPr>
+        <p:spPr>
+          <a:xfrm>
+            <a:off x="5148064" y="3116585"/>
+            <a:ext cx="1800200" cy="369332"/>
+          </a:xfrm>
+          <a:prstGeom prst="rect">
+            <a:avLst/>
+          </a:prstGeom>
+          <a:noFill/>
+        </p:spPr>
+        <p:txBody>
+          <a:bodyPr wrap="square" rtlCol="0">
+            <a:spAutoFit/>
+          </a:bodyPr>
+          <a:lstStyle/>
+          <a:p>
+            <a:r>
+              <a:rPr lang="pt-BR" dirty="0" smtClean="0"/>
+              <a:t>Litosfera</a:t>
+            </a:r>
+            <a:endParaRPr lang="pt-BR" dirty="0"/>
+          </a:p>
+        </p:txBody>
+      </p:sp>
+      <p:sp>
+        <p:nvSpPr>
+          <p:cNvPr id="9" name="CaixaDeTexto 8"/>
+          <p:cNvSpPr txBox="1"/>
+          <p:nvPr/>
+        </p:nvSpPr>
+        <p:spPr>
+          <a:xfrm>
+            <a:off x="5148064" y="4484737"/>
+            <a:ext cx="1654318" cy="369332"/>
+          </a:xfrm>
+          <a:prstGeom prst="rect">
+            <a:avLst/>
+          </a:prstGeom>
+          <a:noFill/>
+        </p:spPr>
+        <p:txBody>
+          <a:bodyPr wrap="square" rtlCol="0">
+            <a:spAutoFit/>
+          </a:bodyPr>
+          <a:lstStyle/>
+          <a:p>
+            <a:r>
+              <a:rPr lang="pt-BR" dirty="0" smtClean="0"/>
+              <a:t>Núcleo externo</a:t>
+            </a:r>
+            <a:endParaRPr lang="pt-BR" dirty="0"/>
+          </a:p>
+        </p:txBody>
+      </p:sp>
+      <p:cxnSp>
+        <p:nvCxnSpPr>
+          <p:cNvPr id="12" name="Conector de seta reta 11"/>
+          <p:cNvCxnSpPr/>
+          <p:nvPr/>
+        </p:nvCxnSpPr>
+        <p:spPr>
+          <a:xfrm flipH="1">
+            <a:off x="2915816" y="4700761"/>
+            <a:ext cx="2160000" cy="0"/>
+          </a:xfrm>
+          <a:prstGeom prst="straightConnector1">
+            <a:avLst/>
+          </a:prstGeom>
+          <a:ln w="38100">
+            <a:solidFill>
+              <a:schemeClr val="tx1"/>
+            </a:solidFill>
+            <a:tailEnd type="arrow"/>
+          </a:ln>
+        </p:spPr>
+        <p:style>
+          <a:lnRef idx="1">
+            <a:schemeClr val="accent1"/>
+          </a:lnRef>
+          <a:fillRef idx="0">
+            <a:schemeClr val="accent1"/>
+          </a:fillRef>
+          <a:effectRef idx="0">
+            <a:schemeClr val="accent1"/>
+          </a:effectRef>
+          <a:fontRef idx="minor">
+            <a:schemeClr val="tx1"/>
+          </a:fontRef>
+        </p:style>
+      </p:cxnSp>
+      <p:cxnSp>
+        <p:nvCxnSpPr>
+          <p:cNvPr id="18" name="Conector de seta reta 17"/>
+          <p:cNvCxnSpPr/>
+          <p:nvPr/>
+        </p:nvCxnSpPr>
+        <p:spPr>
+          <a:xfrm flipH="1">
+            <a:off x="3059832" y="3332609"/>
+            <a:ext cx="1944000" cy="0"/>
+          </a:xfrm>
+          <a:prstGeom prst="straightConnector1">
+            <a:avLst/>
+          </a:prstGeom>
+          <a:ln w="38100">
+            <a:solidFill>
+              <a:schemeClr val="tx1"/>
+            </a:solidFill>
+            <a:tailEnd type="arrow"/>
+          </a:ln>
+        </p:spPr>
+        <p:style>
+          <a:lnRef idx="1">
+            <a:schemeClr val="accent1"/>
+          </a:lnRef>
+          <a:fillRef idx="0">
+            <a:schemeClr val="accent1"/>
+          </a:fillRef>
+          <a:effectRef idx="0">
+            <a:schemeClr val="accent1"/>
+          </a:effectRef>
+          <a:fontRef idx="minor">
+            <a:schemeClr val="tx1"/>
+          </a:fontRef>
+        </p:style>
+      </p:cxnSp>
+      <p:sp>
+        <p:nvSpPr>
+          <p:cNvPr id="20" name="Retângulo 19"/>
+          <p:cNvSpPr/>
+          <p:nvPr/>
+        </p:nvSpPr>
+        <p:spPr>
+          <a:xfrm>
+            <a:off x="92472" y="5589240"/>
+            <a:ext cx="2601161" cy="307777"/>
+          </a:xfrm>
+          <a:prstGeom prst="rect">
+            <a:avLst/>
+          </a:prstGeom>
+        </p:spPr>
+        <p:txBody>
+          <a:bodyPr wrap="none">
+            <a:spAutoFit/>
+          </a:bodyPr>
+          <a:lstStyle/>
+          <a:p>
+            <a:r>
+              <a:rPr lang="en-US" sz="1400" dirty="0" err="1" smtClean="0"/>
+              <a:t>Modificado</a:t>
+            </a:r>
+            <a:r>
+              <a:rPr lang="en-US" sz="1400" dirty="0" smtClean="0"/>
+              <a:t> de </a:t>
+            </a:r>
+            <a:r>
+              <a:rPr lang="en-US" sz="1400" dirty="0" err="1" smtClean="0"/>
+              <a:t>Hulot</a:t>
+            </a:r>
+            <a:r>
+              <a:rPr lang="en-US" sz="1400" dirty="0" smtClean="0"/>
+              <a:t> et al. (2015)</a:t>
+            </a:r>
+            <a:endParaRPr lang="pt-BR" sz="1400" dirty="0"/>
+          </a:p>
+        </p:txBody>
+      </p:sp>
+      <p:sp>
+        <p:nvSpPr>
+          <p:cNvPr id="2" name="CaixaDeTexto 1"/>
+          <p:cNvSpPr txBox="1"/>
+          <p:nvPr/>
+        </p:nvSpPr>
+        <p:spPr>
+          <a:xfrm>
+            <a:off x="5192025" y="4869160"/>
+            <a:ext cx="2548327" cy="338554"/>
+          </a:xfrm>
+          <a:prstGeom prst="rect">
+            <a:avLst/>
+          </a:prstGeom>
+          <a:noFill/>
+        </p:spPr>
+        <p:txBody>
+          <a:bodyPr wrap="square" rtlCol="0">
+            <a:spAutoFit/>
+          </a:bodyPr>
+          <a:lstStyle/>
+          <a:p>
+            <a:r>
+              <a:rPr lang="pt-BR" sz="1600" dirty="0" smtClean="0"/>
+              <a:t>Fonte: correntes elétricas</a:t>
+            </a:r>
+            <a:endParaRPr lang="pt-BR" sz="1600" dirty="0"/>
+          </a:p>
+        </p:txBody>
+      </p:sp>
+      <p:sp>
+        <p:nvSpPr>
+          <p:cNvPr id="13" name="CaixaDeTexto 12"/>
+          <p:cNvSpPr txBox="1"/>
+          <p:nvPr/>
+        </p:nvSpPr>
+        <p:spPr>
+          <a:xfrm>
+            <a:off x="5192025" y="5178678"/>
+            <a:ext cx="2548327" cy="338554"/>
+          </a:xfrm>
+          <a:prstGeom prst="rect">
+            <a:avLst/>
+          </a:prstGeom>
+          <a:noFill/>
+        </p:spPr>
+        <p:txBody>
+          <a:bodyPr wrap="square" rtlCol="0">
+            <a:spAutoFit/>
+          </a:bodyPr>
+          <a:lstStyle/>
+          <a:p>
+            <a:r>
+              <a:rPr lang="pt-BR" sz="1600" dirty="0" smtClean="0"/>
+              <a:t>Campo principal</a:t>
+            </a:r>
+            <a:endParaRPr lang="pt-BR" sz="1600" dirty="0"/>
+          </a:p>
+        </p:txBody>
+      </p:sp>
+      <p:sp>
+        <p:nvSpPr>
+          <p:cNvPr id="14" name="CaixaDeTexto 13"/>
+          <p:cNvSpPr txBox="1"/>
+          <p:nvPr/>
+        </p:nvSpPr>
+        <p:spPr>
+          <a:xfrm>
+            <a:off x="5192025" y="3429000"/>
+            <a:ext cx="2548327" cy="338554"/>
+          </a:xfrm>
+          <a:prstGeom prst="rect">
+            <a:avLst/>
+          </a:prstGeom>
+          <a:noFill/>
+        </p:spPr>
+        <p:txBody>
+          <a:bodyPr wrap="square" rtlCol="0">
+            <a:spAutoFit/>
+          </a:bodyPr>
+          <a:lstStyle/>
+          <a:p>
+            <a:r>
+              <a:rPr lang="pt-BR" sz="1600" dirty="0" smtClean="0"/>
+              <a:t>Fonte: rochas magnetizadas</a:t>
+            </a:r>
+            <a:endParaRPr lang="pt-BR" sz="1600" dirty="0"/>
+          </a:p>
+        </p:txBody>
+      </p:sp>
+      <p:sp>
+        <p:nvSpPr>
+          <p:cNvPr id="23" name="CaixaDeTexto 22"/>
+          <p:cNvSpPr txBox="1"/>
+          <p:nvPr/>
+        </p:nvSpPr>
+        <p:spPr>
+          <a:xfrm>
+            <a:off x="5191497" y="3738518"/>
+            <a:ext cx="1914595" cy="338554"/>
+          </a:xfrm>
+          <a:prstGeom prst="rect">
+            <a:avLst/>
+          </a:prstGeom>
+          <a:noFill/>
+        </p:spPr>
+        <p:txBody>
+          <a:bodyPr wrap="square" rtlCol="0">
+            <a:spAutoFit/>
+          </a:bodyPr>
+          <a:lstStyle/>
+          <a:p>
+            <a:r>
+              <a:rPr lang="pt-BR" sz="1600" dirty="0" smtClean="0"/>
+              <a:t>Campo </a:t>
+            </a:r>
+            <a:r>
+              <a:rPr lang="pt-BR" sz="1600" dirty="0" err="1" smtClean="0"/>
+              <a:t>crustal</a:t>
+            </a:r>
+            <a:endParaRPr lang="pt-BR" sz="1600" dirty="0"/>
+          </a:p>
+        </p:txBody>
+      </p:sp>
+      <p:sp>
+        <p:nvSpPr>
+          <p:cNvPr id="3" name="Chave direita 2"/>
+          <p:cNvSpPr/>
+          <p:nvPr/>
+        </p:nvSpPr>
+        <p:spPr>
+          <a:xfrm>
+            <a:off x="7480895" y="2924944"/>
+            <a:ext cx="288032" cy="2818184"/>
+          </a:xfrm>
+          <a:prstGeom prst="rightBrace">
+            <a:avLst/>
+          </a:prstGeom>
+          <a:ln w="28575">
+            <a:solidFill>
+              <a:schemeClr val="tx1"/>
+            </a:solidFill>
+          </a:ln>
+        </p:spPr>
+        <p:style>
+          <a:lnRef idx="1">
+            <a:schemeClr val="accent1"/>
+          </a:lnRef>
+          <a:fillRef idx="0">
+            <a:schemeClr val="accent1"/>
+          </a:fillRef>
+          <a:effectRef idx="0">
+            <a:schemeClr val="accent1"/>
+          </a:effectRef>
+          <a:fontRef idx="minor">
+            <a:schemeClr val="tx1"/>
+          </a:fontRef>
+        </p:style>
+        <p:txBody>
+          <a:bodyPr rtlCol="0" anchor="ctr"/>
+          <a:lstStyle/>
+          <a:p>
+            <a:pPr algn="ctr"/>
+            <a:endParaRPr lang="pt-BR"/>
+          </a:p>
+        </p:txBody>
+      </p:sp>
+      <p:sp>
+        <p:nvSpPr>
+          <p:cNvPr id="5" name="CaixaDeTexto 4"/>
+          <p:cNvSpPr txBox="1"/>
+          <p:nvPr/>
+        </p:nvSpPr>
+        <p:spPr>
+          <a:xfrm>
+            <a:off x="7821885" y="3740274"/>
+            <a:ext cx="1224136" cy="1200329"/>
+          </a:xfrm>
+          <a:prstGeom prst="rect">
+            <a:avLst/>
+          </a:prstGeom>
+          <a:noFill/>
+        </p:spPr>
+        <p:txBody>
+          <a:bodyPr wrap="square" rtlCol="0">
+            <a:spAutoFit/>
+          </a:bodyPr>
+          <a:lstStyle/>
+          <a:p>
+            <a:pPr algn="ctr"/>
+            <a:r>
+              <a:rPr lang="pt-BR" dirty="0" smtClean="0"/>
+              <a:t>Campo total</a:t>
+            </a:r>
+          </a:p>
+          <a:p>
+            <a:pPr algn="ctr"/>
+            <a:r>
+              <a:rPr lang="pt-BR" dirty="0" smtClean="0"/>
+              <a:t>(ou campo interno)</a:t>
+            </a:r>
+            <a:endParaRPr lang="pt-BR" dirty="0"/>
+          </a:p>
+        </p:txBody>
+      </p:sp>
+      <p:sp>
+        <p:nvSpPr>
+          <p:cNvPr id="26" name="CaixaDeTexto 25"/>
+          <p:cNvSpPr txBox="1"/>
+          <p:nvPr/>
+        </p:nvSpPr>
+        <p:spPr>
+          <a:xfrm>
+            <a:off x="167748" y="544034"/>
+            <a:ext cx="1800200" cy="369332"/>
+          </a:xfrm>
+          <a:prstGeom prst="rect">
+            <a:avLst/>
+          </a:prstGeom>
+          <a:noFill/>
+        </p:spPr>
+        <p:txBody>
+          <a:bodyPr wrap="square" rtlCol="0">
+            <a:spAutoFit/>
+          </a:bodyPr>
+          <a:lstStyle/>
+          <a:p>
+            <a:r>
+              <a:rPr lang="pt-BR" dirty="0" smtClean="0">
+                <a:solidFill>
+                  <a:srgbClr val="FF0000"/>
+                </a:solidFill>
+              </a:rPr>
+              <a:t>Ionosfera</a:t>
+            </a:r>
+            <a:endParaRPr lang="pt-BR" dirty="0">
+              <a:solidFill>
+                <a:srgbClr val="FF0000"/>
+              </a:solidFill>
+            </a:endParaRPr>
+          </a:p>
+        </p:txBody>
+      </p:sp>
+      <p:cxnSp>
+        <p:nvCxnSpPr>
+          <p:cNvPr id="28" name="Conector de seta reta 27"/>
+          <p:cNvCxnSpPr/>
+          <p:nvPr/>
+        </p:nvCxnSpPr>
+        <p:spPr>
+          <a:xfrm>
+            <a:off x="1193826" y="834389"/>
+            <a:ext cx="641870" cy="1730515"/>
+          </a:xfrm>
+          <a:prstGeom prst="straightConnector1">
+            <a:avLst/>
+          </a:prstGeom>
+          <a:ln w="38100">
+            <a:solidFill>
+              <a:schemeClr val="tx1"/>
+            </a:solidFill>
+            <a:tailEnd type="arrow"/>
+          </a:ln>
+        </p:spPr>
+        <p:style>
+          <a:lnRef idx="1">
+            <a:schemeClr val="accent1"/>
+          </a:lnRef>
+          <a:fillRef idx="0">
+            <a:schemeClr val="accent1"/>
+          </a:fillRef>
+          <a:effectRef idx="0">
+            <a:schemeClr val="accent1"/>
+          </a:effectRef>
+          <a:fontRef idx="minor">
+            <a:schemeClr val="tx1"/>
+          </a:fontRef>
+        </p:style>
+      </p:cxnSp>
+      <p:sp>
+        <p:nvSpPr>
+          <p:cNvPr id="29" name="CaixaDeTexto 28"/>
+          <p:cNvSpPr txBox="1"/>
+          <p:nvPr/>
+        </p:nvSpPr>
+        <p:spPr>
+          <a:xfrm>
+            <a:off x="2699792" y="567730"/>
+            <a:ext cx="1800200" cy="369332"/>
+          </a:xfrm>
+          <a:prstGeom prst="rect">
+            <a:avLst/>
+          </a:prstGeom>
+          <a:noFill/>
+        </p:spPr>
+        <p:txBody>
+          <a:bodyPr wrap="square" rtlCol="0">
+            <a:spAutoFit/>
+          </a:bodyPr>
+          <a:lstStyle/>
+          <a:p>
+            <a:r>
+              <a:rPr lang="pt-BR" dirty="0" smtClean="0">
+                <a:solidFill>
+                  <a:srgbClr val="FF0000"/>
+                </a:solidFill>
+              </a:rPr>
+              <a:t>Magnetosfera</a:t>
+            </a:r>
+            <a:endParaRPr lang="pt-BR" dirty="0">
+              <a:solidFill>
+                <a:srgbClr val="FF0000"/>
+              </a:solidFill>
+            </a:endParaRPr>
+          </a:p>
+        </p:txBody>
+      </p:sp>
+      <p:cxnSp>
+        <p:nvCxnSpPr>
+          <p:cNvPr id="30" name="Conector de seta reta 29"/>
+          <p:cNvCxnSpPr/>
+          <p:nvPr/>
+        </p:nvCxnSpPr>
+        <p:spPr>
+          <a:xfrm flipH="1">
+            <a:off x="2195737" y="834389"/>
+            <a:ext cx="576063" cy="290355"/>
+          </a:xfrm>
+          <a:prstGeom prst="straightConnector1">
+            <a:avLst/>
+          </a:prstGeom>
+          <a:ln w="38100">
+            <a:solidFill>
+              <a:schemeClr val="tx1"/>
+            </a:solidFill>
+            <a:tailEnd type="arrow"/>
+          </a:ln>
+        </p:spPr>
+        <p:style>
+          <a:lnRef idx="1">
+            <a:schemeClr val="accent1"/>
+          </a:lnRef>
+          <a:fillRef idx="0">
+            <a:schemeClr val="accent1"/>
+          </a:fillRef>
+          <a:effectRef idx="0">
+            <a:schemeClr val="accent1"/>
+          </a:effectRef>
+          <a:fontRef idx="minor">
+            <a:schemeClr val="tx1"/>
+          </a:fontRef>
+        </p:style>
+      </p:cxnSp>
+      <p:sp>
+        <p:nvSpPr>
+          <p:cNvPr id="31" name="CaixaDeTexto 30"/>
+          <p:cNvSpPr txBox="1"/>
+          <p:nvPr/>
+        </p:nvSpPr>
+        <p:spPr>
+          <a:xfrm>
+            <a:off x="35496" y="282134"/>
+            <a:ext cx="2316661" cy="338554"/>
+          </a:xfrm>
+          <a:prstGeom prst="rect">
+            <a:avLst/>
+          </a:prstGeom>
+          <a:noFill/>
+        </p:spPr>
+        <p:txBody>
+          <a:bodyPr wrap="square" rtlCol="0">
+            <a:spAutoFit/>
+          </a:bodyPr>
+          <a:lstStyle/>
+          <a:p>
+            <a:r>
+              <a:rPr lang="pt-BR" sz="1600" dirty="0" smtClean="0"/>
+              <a:t>Fonte: </a:t>
+            </a:r>
+            <a:r>
+              <a:rPr lang="pt-BR" sz="1600" dirty="0" smtClean="0"/>
+              <a:t>correntes elétricas</a:t>
+            </a:r>
+            <a:endParaRPr lang="pt-BR" sz="1600" dirty="0"/>
+          </a:p>
+        </p:txBody>
+      </p:sp>
+      <p:sp>
+        <p:nvSpPr>
+          <p:cNvPr id="32" name="CaixaDeTexto 31"/>
+          <p:cNvSpPr txBox="1"/>
+          <p:nvPr/>
+        </p:nvSpPr>
+        <p:spPr>
+          <a:xfrm>
+            <a:off x="2527729" y="279698"/>
+            <a:ext cx="2316661" cy="338554"/>
+          </a:xfrm>
+          <a:prstGeom prst="rect">
+            <a:avLst/>
+          </a:prstGeom>
+          <a:noFill/>
+        </p:spPr>
+        <p:txBody>
+          <a:bodyPr wrap="square" rtlCol="0">
+            <a:spAutoFit/>
+          </a:bodyPr>
+          <a:lstStyle/>
+          <a:p>
+            <a:r>
+              <a:rPr lang="pt-BR" sz="1600" dirty="0" smtClean="0"/>
+              <a:t>Fonte: </a:t>
+            </a:r>
+            <a:r>
+              <a:rPr lang="pt-BR" sz="1600" dirty="0" smtClean="0"/>
+              <a:t>correntes elétricas</a:t>
+            </a:r>
+            <a:endParaRPr lang="pt-BR" sz="1600" dirty="0"/>
+          </a:p>
+        </p:txBody>
+      </p:sp>
+      <p:sp>
+        <p:nvSpPr>
+          <p:cNvPr id="25" name="CaixaDeTexto 24"/>
+          <p:cNvSpPr txBox="1"/>
+          <p:nvPr/>
+        </p:nvSpPr>
+        <p:spPr>
+          <a:xfrm>
+            <a:off x="4788024" y="481896"/>
+            <a:ext cx="4177160" cy="1938992"/>
+          </a:xfrm>
+          <a:prstGeom prst="rect">
+            <a:avLst/>
+          </a:prstGeom>
+          <a:noFill/>
+        </p:spPr>
+        <p:txBody>
+          <a:bodyPr wrap="square" rtlCol="0">
+            <a:spAutoFit/>
+          </a:bodyPr>
+          <a:lstStyle/>
+          <a:p>
+            <a:pPr algn="ctr"/>
+            <a:r>
+              <a:rPr lang="pt-BR" sz="2400" dirty="0" smtClean="0"/>
+              <a:t>As variações temporais destes campos vão de frações de segundo até dias e as variações da amplitude vão de dezenas at</a:t>
+            </a:r>
+            <a:r>
+              <a:rPr lang="pt-BR" sz="2400" dirty="0" smtClean="0"/>
+              <a:t>é milhares</a:t>
+            </a:r>
+            <a:r>
+              <a:rPr lang="pt-BR" sz="2400" dirty="0" smtClean="0"/>
+              <a:t> de </a:t>
+            </a:r>
+            <a:r>
+              <a:rPr lang="pt-BR" sz="2400" dirty="0" err="1" smtClean="0"/>
+              <a:t>nanotesla</a:t>
+            </a:r>
+            <a:endParaRPr lang="pt-BR" sz="2400" dirty="0"/>
+          </a:p>
+        </p:txBody>
+      </p:sp>
+    </p:spTree>
+    <p:extLst>
+      <p:ext uri="{BB962C8B-B14F-4D97-AF65-F5344CB8AC3E}">
+        <p14:creationId xmlns:p14="http://schemas.microsoft.com/office/powerpoint/2010/main" val="393487669"/>
+      </p:ext>
+    </p:extLst>
+  </p:cSld>
+  <p:clrMapOvr>
+    <a:masterClrMapping/>
+  </p:clrMapOvr>
+  <p:timing>
+    <p:tnLst>
+      <p:par>
+        <p:cTn id="1" dur="indefinite" restart="never" nodeType="tmRoot"/>
+      </p:par>
+    </p:tnLst>
+  </p:timing>
+</p:sld>
+</file>
+
+<file path=ppt/slides/slide19.xml><?xml version="1.0" encoding="utf-8"?>
+<p:sld xmlns:a="http://schemas.openxmlformats.org/drawingml/2006/main" xmlns:r="http://schemas.openxmlformats.org/officeDocument/2006/relationships" xmlns:p="http://schemas.openxmlformats.org/presentationml/2006/main">
+  <p:cSld>
+    <p:spTree>
+      <p:nvGrpSpPr>
+        <p:cNvPr id="1" name=""/>
+        <p:cNvGrpSpPr/>
+        <p:nvPr/>
+      </p:nvGrpSpPr>
+      <p:grpSpPr>
+        <a:xfrm>
+          <a:off x="0" y="0"/>
+          <a:ext cx="0" cy="0"/>
+          <a:chOff x="0" y="0"/>
+          <a:chExt cx="0" cy="0"/>
+        </a:xfrm>
+      </p:grpSpPr>
+      <p:pic>
+        <p:nvPicPr>
+          <p:cNvPr id="17" name="Picture 2"/>
+          <p:cNvPicPr>
+            <a:picLocks noChangeAspect="1" noChangeArrowheads="1"/>
+          </p:cNvPicPr>
+          <p:nvPr/>
+        </p:nvPicPr>
+        <p:blipFill rotWithShape="1">
+          <a:blip r:embed="rId2">
+            <a:extLst>
+              <a:ext uri="{28A0092B-C50C-407E-A947-70E740481C1C}">
+                <a14:useLocalDpi xmlns:a14="http://schemas.microsoft.com/office/drawing/2010/main" val="0"/>
+              </a:ext>
+            </a:extLst>
+          </a:blip>
+          <a:srcRect l="25921" t="13054" r="35526" b="10876"/>
+          <a:stretch/>
+        </p:blipFill>
+        <p:spPr bwMode="auto">
+          <a:xfrm>
+            <a:off x="251520" y="962264"/>
+            <a:ext cx="4104000" cy="4554968"/>
+          </a:xfrm>
+          <a:prstGeom prst="rect">
+            <a:avLst/>
+          </a:prstGeom>
+          <a:noFill/>
+          <a:ln>
+            <a:noFill/>
+          </a:ln>
+          <a:extLst>
+            <a:ext uri="{909E8E84-426E-40DD-AFC4-6F175D3DCCD1}">
+              <a14:hiddenFill xmlns:a14="http://schemas.microsoft.com/office/drawing/2010/main">
+                <a:solidFill>
+                  <a:schemeClr val="accent1"/>
+                </a:solidFill>
+              </a14:hiddenFill>
+            </a:ext>
+            <a:ext uri="{91240B29-F687-4F45-9708-019B960494DF}">
+              <a14:hiddenLine xmlns:a14="http://schemas.microsoft.com/office/drawing/2010/main" w="9525">
+                <a:solidFill>
+                  <a:schemeClr val="tx1"/>
+                </a:solidFill>
+                <a:miter lim="800000"/>
+                <a:headEnd/>
+                <a:tailEnd/>
+              </a14:hiddenLine>
+            </a:ext>
+          </a:extLst>
+        </p:spPr>
+      </p:pic>
+      <p:sp>
+        <p:nvSpPr>
+          <p:cNvPr id="15" name="Rosca 14"/>
+          <p:cNvSpPr/>
+          <p:nvPr/>
+        </p:nvSpPr>
+        <p:spPr>
+          <a:xfrm>
+            <a:off x="1067848" y="3689736"/>
+            <a:ext cx="2448272" cy="720080"/>
+          </a:xfrm>
+          <a:prstGeom prst="donut">
+            <a:avLst>
+              <a:gd name="adj" fmla="val 31630"/>
+            </a:avLst>
+          </a:prstGeom>
+          <a:solidFill>
+            <a:srgbClr val="00A761"/>
+          </a:solidFill>
+          <a:ln>
+            <a:solidFill>
+              <a:srgbClr val="00A761"/>
+            </a:solidFill>
+          </a:ln>
+        </p:spPr>
+        <p:style>
+          <a:lnRef idx="2">
+            <a:schemeClr val="accent1">
+              <a:shade val="50000"/>
+            </a:schemeClr>
+          </a:lnRef>
+          <a:fillRef idx="1">
+            <a:schemeClr val="accent1"/>
+          </a:fillRef>
+          <a:effectRef idx="0">
+            <a:schemeClr val="accent1"/>
+          </a:effectRef>
+          <a:fontRef idx="minor">
+            <a:schemeClr val="lt1"/>
+          </a:fontRef>
+        </p:style>
+        <p:txBody>
+          <a:bodyPr rtlCol="0" anchor="ctr"/>
+          <a:lstStyle/>
+          <a:p>
+            <a:pPr algn="ctr"/>
+            <a:endParaRPr lang="pt-BR">
+              <a:solidFill>
+                <a:schemeClr val="tx1"/>
+              </a:solidFill>
+            </a:endParaRPr>
+          </a:p>
+        </p:txBody>
+      </p:sp>
+      <p:sp>
+        <p:nvSpPr>
+          <p:cNvPr id="16" name="Retângulo 15"/>
+          <p:cNvSpPr/>
+          <p:nvPr/>
+        </p:nvSpPr>
+        <p:spPr>
+          <a:xfrm>
+            <a:off x="971600" y="4221088"/>
+            <a:ext cx="864096" cy="216024"/>
+          </a:xfrm>
+          <a:prstGeom prst="rect">
+            <a:avLst/>
+          </a:prstGeom>
+          <a:solidFill>
+            <a:srgbClr val="00A761"/>
+          </a:solidFill>
+          <a:ln>
+            <a:solidFill>
+              <a:srgbClr val="00A761"/>
+            </a:solidFill>
+          </a:ln>
+        </p:spPr>
+        <p:style>
+          <a:lnRef idx="2">
+            <a:schemeClr val="accent1">
+              <a:shade val="50000"/>
+            </a:schemeClr>
+          </a:lnRef>
+          <a:fillRef idx="1">
+            <a:schemeClr val="accent1"/>
+          </a:fillRef>
+          <a:effectRef idx="0">
+            <a:schemeClr val="accent1"/>
+          </a:effectRef>
+          <a:fontRef idx="minor">
+            <a:schemeClr val="lt1"/>
+          </a:fontRef>
+        </p:style>
+        <p:txBody>
+          <a:bodyPr rtlCol="0" anchor="ctr"/>
+          <a:lstStyle/>
+          <a:p>
+            <a:pPr algn="ctr"/>
+            <a:endParaRPr lang="pt-BR"/>
+          </a:p>
+        </p:txBody>
+      </p:sp>
+      <p:sp>
+        <p:nvSpPr>
+          <p:cNvPr id="7" name="CaixaDeTexto 6"/>
+          <p:cNvSpPr txBox="1"/>
+          <p:nvPr/>
+        </p:nvSpPr>
+        <p:spPr>
+          <a:xfrm>
+            <a:off x="5148064" y="3116585"/>
+            <a:ext cx="1800200" cy="369332"/>
+          </a:xfrm>
+          <a:prstGeom prst="rect">
+            <a:avLst/>
+          </a:prstGeom>
+          <a:noFill/>
+        </p:spPr>
+        <p:txBody>
+          <a:bodyPr wrap="square" rtlCol="0">
+            <a:spAutoFit/>
+          </a:bodyPr>
+          <a:lstStyle/>
+          <a:p>
+            <a:r>
+              <a:rPr lang="pt-BR" dirty="0" smtClean="0"/>
+              <a:t>Litosfera</a:t>
+            </a:r>
+            <a:endParaRPr lang="pt-BR" dirty="0"/>
+          </a:p>
+        </p:txBody>
+      </p:sp>
+      <p:sp>
+        <p:nvSpPr>
+          <p:cNvPr id="9" name="CaixaDeTexto 8"/>
+          <p:cNvSpPr txBox="1"/>
+          <p:nvPr/>
+        </p:nvSpPr>
+        <p:spPr>
+          <a:xfrm>
+            <a:off x="5148064" y="4484737"/>
+            <a:ext cx="1654318" cy="369332"/>
+          </a:xfrm>
+          <a:prstGeom prst="rect">
+            <a:avLst/>
+          </a:prstGeom>
+          <a:noFill/>
+        </p:spPr>
+        <p:txBody>
+          <a:bodyPr wrap="square" rtlCol="0">
+            <a:spAutoFit/>
+          </a:bodyPr>
+          <a:lstStyle/>
+          <a:p>
+            <a:r>
+              <a:rPr lang="pt-BR" dirty="0" smtClean="0"/>
+              <a:t>Núcleo externo</a:t>
+            </a:r>
+            <a:endParaRPr lang="pt-BR" dirty="0"/>
+          </a:p>
+        </p:txBody>
+      </p:sp>
+      <p:cxnSp>
+        <p:nvCxnSpPr>
+          <p:cNvPr id="12" name="Conector de seta reta 11"/>
+          <p:cNvCxnSpPr/>
+          <p:nvPr/>
+        </p:nvCxnSpPr>
+        <p:spPr>
+          <a:xfrm flipH="1">
+            <a:off x="2915816" y="4700761"/>
+            <a:ext cx="2160000" cy="0"/>
+          </a:xfrm>
+          <a:prstGeom prst="straightConnector1">
+            <a:avLst/>
+          </a:prstGeom>
+          <a:ln w="38100">
+            <a:solidFill>
+              <a:schemeClr val="tx1"/>
+            </a:solidFill>
+            <a:tailEnd type="arrow"/>
+          </a:ln>
+        </p:spPr>
+        <p:style>
+          <a:lnRef idx="1">
+            <a:schemeClr val="accent1"/>
+          </a:lnRef>
+          <a:fillRef idx="0">
+            <a:schemeClr val="accent1"/>
+          </a:fillRef>
+          <a:effectRef idx="0">
+            <a:schemeClr val="accent1"/>
+          </a:effectRef>
+          <a:fontRef idx="minor">
+            <a:schemeClr val="tx1"/>
+          </a:fontRef>
+        </p:style>
+      </p:cxnSp>
+      <p:cxnSp>
+        <p:nvCxnSpPr>
+          <p:cNvPr id="18" name="Conector de seta reta 17"/>
+          <p:cNvCxnSpPr/>
+          <p:nvPr/>
+        </p:nvCxnSpPr>
+        <p:spPr>
+          <a:xfrm flipH="1">
+            <a:off x="3059832" y="3332609"/>
+            <a:ext cx="1944000" cy="0"/>
+          </a:xfrm>
+          <a:prstGeom prst="straightConnector1">
+            <a:avLst/>
+          </a:prstGeom>
+          <a:ln w="38100">
+            <a:solidFill>
+              <a:schemeClr val="tx1"/>
+            </a:solidFill>
+            <a:tailEnd type="arrow"/>
+          </a:ln>
+        </p:spPr>
+        <p:style>
+          <a:lnRef idx="1">
+            <a:schemeClr val="accent1"/>
+          </a:lnRef>
+          <a:fillRef idx="0">
+            <a:schemeClr val="accent1"/>
+          </a:fillRef>
+          <a:effectRef idx="0">
+            <a:schemeClr val="accent1"/>
+          </a:effectRef>
+          <a:fontRef idx="minor">
+            <a:schemeClr val="tx1"/>
+          </a:fontRef>
+        </p:style>
+      </p:cxnSp>
+      <p:sp>
+        <p:nvSpPr>
+          <p:cNvPr id="20" name="Retângulo 19"/>
+          <p:cNvSpPr/>
+          <p:nvPr/>
+        </p:nvSpPr>
+        <p:spPr>
+          <a:xfrm>
+            <a:off x="92472" y="5589240"/>
+            <a:ext cx="2601161" cy="307777"/>
+          </a:xfrm>
+          <a:prstGeom prst="rect">
+            <a:avLst/>
+          </a:prstGeom>
+        </p:spPr>
+        <p:txBody>
+          <a:bodyPr wrap="none">
+            <a:spAutoFit/>
+          </a:bodyPr>
+          <a:lstStyle/>
+          <a:p>
+            <a:r>
+              <a:rPr lang="en-US" sz="1400" dirty="0" err="1" smtClean="0"/>
+              <a:t>Modificado</a:t>
+            </a:r>
+            <a:r>
+              <a:rPr lang="en-US" sz="1400" dirty="0" smtClean="0"/>
+              <a:t> de </a:t>
+            </a:r>
+            <a:r>
+              <a:rPr lang="en-US" sz="1400" dirty="0" err="1" smtClean="0"/>
+              <a:t>Hulot</a:t>
+            </a:r>
+            <a:r>
+              <a:rPr lang="en-US" sz="1400" dirty="0" smtClean="0"/>
+              <a:t> et al. (2015)</a:t>
+            </a:r>
+            <a:endParaRPr lang="pt-BR" sz="1400" dirty="0"/>
+          </a:p>
+        </p:txBody>
+      </p:sp>
+      <p:sp>
+        <p:nvSpPr>
+          <p:cNvPr id="2" name="CaixaDeTexto 1"/>
+          <p:cNvSpPr txBox="1"/>
+          <p:nvPr/>
+        </p:nvSpPr>
+        <p:spPr>
+          <a:xfrm>
+            <a:off x="5192025" y="4869160"/>
+            <a:ext cx="2548327" cy="338554"/>
+          </a:xfrm>
+          <a:prstGeom prst="rect">
+            <a:avLst/>
+          </a:prstGeom>
+          <a:noFill/>
+        </p:spPr>
+        <p:txBody>
+          <a:bodyPr wrap="square" rtlCol="0">
+            <a:spAutoFit/>
+          </a:bodyPr>
+          <a:lstStyle/>
+          <a:p>
+            <a:r>
+              <a:rPr lang="pt-BR" sz="1600" dirty="0" smtClean="0"/>
+              <a:t>Fonte: correntes elétricas</a:t>
+            </a:r>
+            <a:endParaRPr lang="pt-BR" sz="1600" dirty="0"/>
+          </a:p>
+        </p:txBody>
+      </p:sp>
+      <p:sp>
+        <p:nvSpPr>
+          <p:cNvPr id="13" name="CaixaDeTexto 12"/>
+          <p:cNvSpPr txBox="1"/>
+          <p:nvPr/>
+        </p:nvSpPr>
+        <p:spPr>
+          <a:xfrm>
+            <a:off x="5192025" y="5178678"/>
+            <a:ext cx="2548327" cy="338554"/>
+          </a:xfrm>
+          <a:prstGeom prst="rect">
+            <a:avLst/>
+          </a:prstGeom>
+          <a:noFill/>
+        </p:spPr>
+        <p:txBody>
+          <a:bodyPr wrap="square" rtlCol="0">
+            <a:spAutoFit/>
+          </a:bodyPr>
+          <a:lstStyle/>
+          <a:p>
+            <a:r>
+              <a:rPr lang="pt-BR" sz="1600" dirty="0" smtClean="0"/>
+              <a:t>Campo principal</a:t>
+            </a:r>
+            <a:endParaRPr lang="pt-BR" sz="1600" dirty="0"/>
+          </a:p>
+        </p:txBody>
+      </p:sp>
+      <p:sp>
+        <p:nvSpPr>
+          <p:cNvPr id="14" name="CaixaDeTexto 13"/>
+          <p:cNvSpPr txBox="1"/>
+          <p:nvPr/>
+        </p:nvSpPr>
+        <p:spPr>
+          <a:xfrm>
+            <a:off x="5192025" y="3429000"/>
+            <a:ext cx="2548327" cy="338554"/>
+          </a:xfrm>
+          <a:prstGeom prst="rect">
+            <a:avLst/>
+          </a:prstGeom>
+          <a:noFill/>
+        </p:spPr>
+        <p:txBody>
+          <a:bodyPr wrap="square" rtlCol="0">
+            <a:spAutoFit/>
+          </a:bodyPr>
+          <a:lstStyle/>
+          <a:p>
+            <a:r>
+              <a:rPr lang="pt-BR" sz="1600" dirty="0" smtClean="0"/>
+              <a:t>Fonte: rochas magnetizadas</a:t>
+            </a:r>
+            <a:endParaRPr lang="pt-BR" sz="1600" dirty="0"/>
+          </a:p>
+        </p:txBody>
+      </p:sp>
+      <p:sp>
+        <p:nvSpPr>
+          <p:cNvPr id="23" name="CaixaDeTexto 22"/>
+          <p:cNvSpPr txBox="1"/>
+          <p:nvPr/>
+        </p:nvSpPr>
+        <p:spPr>
+          <a:xfrm>
+            <a:off x="5191497" y="3738518"/>
+            <a:ext cx="1914595" cy="338554"/>
+          </a:xfrm>
+          <a:prstGeom prst="rect">
+            <a:avLst/>
+          </a:prstGeom>
+          <a:noFill/>
+        </p:spPr>
+        <p:txBody>
+          <a:bodyPr wrap="square" rtlCol="0">
+            <a:spAutoFit/>
+          </a:bodyPr>
+          <a:lstStyle/>
+          <a:p>
+            <a:r>
+              <a:rPr lang="pt-BR" sz="1600" dirty="0" smtClean="0"/>
+              <a:t>Campo </a:t>
+            </a:r>
+            <a:r>
+              <a:rPr lang="pt-BR" sz="1600" dirty="0" err="1" smtClean="0"/>
+              <a:t>crustal</a:t>
+            </a:r>
+            <a:endParaRPr lang="pt-BR" sz="1600" dirty="0"/>
+          </a:p>
+        </p:txBody>
+      </p:sp>
+      <p:sp>
+        <p:nvSpPr>
+          <p:cNvPr id="3" name="Chave direita 2"/>
+          <p:cNvSpPr/>
+          <p:nvPr/>
+        </p:nvSpPr>
+        <p:spPr>
+          <a:xfrm>
+            <a:off x="7480895" y="2924944"/>
+            <a:ext cx="288032" cy="2818184"/>
+          </a:xfrm>
+          <a:prstGeom prst="rightBrace">
+            <a:avLst/>
+          </a:prstGeom>
+          <a:ln w="28575">
+            <a:solidFill>
+              <a:schemeClr val="tx1"/>
+            </a:solidFill>
+          </a:ln>
+        </p:spPr>
+        <p:style>
+          <a:lnRef idx="1">
+            <a:schemeClr val="accent1"/>
+          </a:lnRef>
+          <a:fillRef idx="0">
+            <a:schemeClr val="accent1"/>
+          </a:fillRef>
+          <a:effectRef idx="0">
+            <a:schemeClr val="accent1"/>
+          </a:effectRef>
+          <a:fontRef idx="minor">
+            <a:schemeClr val="tx1"/>
+          </a:fontRef>
+        </p:style>
+        <p:txBody>
+          <a:bodyPr rtlCol="0" anchor="ctr"/>
+          <a:lstStyle/>
+          <a:p>
+            <a:pPr algn="ctr"/>
+            <a:endParaRPr lang="pt-BR"/>
+          </a:p>
+        </p:txBody>
+      </p:sp>
+      <p:sp>
+        <p:nvSpPr>
+          <p:cNvPr id="5" name="CaixaDeTexto 4"/>
+          <p:cNvSpPr txBox="1"/>
+          <p:nvPr/>
+        </p:nvSpPr>
+        <p:spPr>
+          <a:xfrm>
+            <a:off x="7821885" y="3740274"/>
+            <a:ext cx="1224136" cy="1200329"/>
+          </a:xfrm>
+          <a:prstGeom prst="rect">
+            <a:avLst/>
+          </a:prstGeom>
+          <a:noFill/>
+        </p:spPr>
+        <p:txBody>
+          <a:bodyPr wrap="square" rtlCol="0">
+            <a:spAutoFit/>
+          </a:bodyPr>
+          <a:lstStyle/>
+          <a:p>
+            <a:pPr algn="ctr"/>
+            <a:r>
+              <a:rPr lang="pt-BR" dirty="0" smtClean="0"/>
+              <a:t>Campo total</a:t>
+            </a:r>
+          </a:p>
+          <a:p>
+            <a:pPr algn="ctr"/>
+            <a:r>
+              <a:rPr lang="pt-BR" dirty="0" smtClean="0"/>
+              <a:t>(ou campo interno)</a:t>
+            </a:r>
+            <a:endParaRPr lang="pt-BR" dirty="0"/>
+          </a:p>
+        </p:txBody>
+      </p:sp>
+      <p:sp>
+        <p:nvSpPr>
+          <p:cNvPr id="26" name="CaixaDeTexto 25"/>
+          <p:cNvSpPr txBox="1"/>
+          <p:nvPr/>
+        </p:nvSpPr>
+        <p:spPr>
+          <a:xfrm>
+            <a:off x="167748" y="544034"/>
+            <a:ext cx="1800200" cy="369332"/>
+          </a:xfrm>
+          <a:prstGeom prst="rect">
+            <a:avLst/>
+          </a:prstGeom>
+          <a:noFill/>
+        </p:spPr>
+        <p:txBody>
+          <a:bodyPr wrap="square" rtlCol="0">
+            <a:spAutoFit/>
+          </a:bodyPr>
+          <a:lstStyle/>
+          <a:p>
+            <a:r>
+              <a:rPr lang="pt-BR" dirty="0" smtClean="0">
+                <a:solidFill>
+                  <a:srgbClr val="FF0000"/>
+                </a:solidFill>
+              </a:rPr>
+              <a:t>Ionosfera</a:t>
+            </a:r>
+            <a:endParaRPr lang="pt-BR" dirty="0">
+              <a:solidFill>
+                <a:srgbClr val="FF0000"/>
+              </a:solidFill>
+            </a:endParaRPr>
+          </a:p>
+        </p:txBody>
+      </p:sp>
+      <p:cxnSp>
+        <p:nvCxnSpPr>
+          <p:cNvPr id="28" name="Conector de seta reta 27"/>
+          <p:cNvCxnSpPr/>
+          <p:nvPr/>
+        </p:nvCxnSpPr>
+        <p:spPr>
+          <a:xfrm>
+            <a:off x="1193826" y="834389"/>
+            <a:ext cx="641870" cy="1730515"/>
+          </a:xfrm>
+          <a:prstGeom prst="straightConnector1">
+            <a:avLst/>
+          </a:prstGeom>
+          <a:ln w="38100">
+            <a:solidFill>
+              <a:schemeClr val="tx1"/>
+            </a:solidFill>
+            <a:tailEnd type="arrow"/>
+          </a:ln>
+        </p:spPr>
+        <p:style>
+          <a:lnRef idx="1">
+            <a:schemeClr val="accent1"/>
+          </a:lnRef>
+          <a:fillRef idx="0">
+            <a:schemeClr val="accent1"/>
+          </a:fillRef>
+          <a:effectRef idx="0">
+            <a:schemeClr val="accent1"/>
+          </a:effectRef>
+          <a:fontRef idx="minor">
+            <a:schemeClr val="tx1"/>
+          </a:fontRef>
+        </p:style>
+      </p:cxnSp>
+      <p:sp>
+        <p:nvSpPr>
+          <p:cNvPr id="29" name="CaixaDeTexto 28"/>
+          <p:cNvSpPr txBox="1"/>
+          <p:nvPr/>
+        </p:nvSpPr>
+        <p:spPr>
+          <a:xfrm>
+            <a:off x="2699792" y="567730"/>
+            <a:ext cx="1800200" cy="369332"/>
+          </a:xfrm>
+          <a:prstGeom prst="rect">
+            <a:avLst/>
+          </a:prstGeom>
+          <a:noFill/>
+        </p:spPr>
+        <p:txBody>
+          <a:bodyPr wrap="square" rtlCol="0">
+            <a:spAutoFit/>
+          </a:bodyPr>
+          <a:lstStyle/>
+          <a:p>
+            <a:r>
+              <a:rPr lang="pt-BR" dirty="0" smtClean="0">
+                <a:solidFill>
+                  <a:srgbClr val="FF0000"/>
+                </a:solidFill>
+              </a:rPr>
+              <a:t>Magnetosfera</a:t>
+            </a:r>
+            <a:endParaRPr lang="pt-BR" dirty="0">
+              <a:solidFill>
+                <a:srgbClr val="FF0000"/>
+              </a:solidFill>
+            </a:endParaRPr>
+          </a:p>
+        </p:txBody>
+      </p:sp>
+      <p:cxnSp>
+        <p:nvCxnSpPr>
+          <p:cNvPr id="30" name="Conector de seta reta 29"/>
+          <p:cNvCxnSpPr/>
+          <p:nvPr/>
+        </p:nvCxnSpPr>
+        <p:spPr>
+          <a:xfrm flipH="1">
+            <a:off x="2195737" y="834389"/>
+            <a:ext cx="576063" cy="290355"/>
+          </a:xfrm>
+          <a:prstGeom prst="straightConnector1">
+            <a:avLst/>
+          </a:prstGeom>
+          <a:ln w="38100">
+            <a:solidFill>
+              <a:schemeClr val="tx1"/>
+            </a:solidFill>
+            <a:tailEnd type="arrow"/>
+          </a:ln>
+        </p:spPr>
+        <p:style>
+          <a:lnRef idx="1">
+            <a:schemeClr val="accent1"/>
+          </a:lnRef>
+          <a:fillRef idx="0">
+            <a:schemeClr val="accent1"/>
+          </a:fillRef>
+          <a:effectRef idx="0">
+            <a:schemeClr val="accent1"/>
+          </a:effectRef>
+          <a:fontRef idx="minor">
+            <a:schemeClr val="tx1"/>
+          </a:fontRef>
+        </p:style>
+      </p:cxnSp>
+      <p:sp>
+        <p:nvSpPr>
+          <p:cNvPr id="31" name="CaixaDeTexto 30"/>
+          <p:cNvSpPr txBox="1"/>
+          <p:nvPr/>
+        </p:nvSpPr>
+        <p:spPr>
+          <a:xfrm>
+            <a:off x="35496" y="282134"/>
+            <a:ext cx="2316661" cy="338554"/>
+          </a:xfrm>
+          <a:prstGeom prst="rect">
+            <a:avLst/>
+          </a:prstGeom>
+          <a:noFill/>
+        </p:spPr>
+        <p:txBody>
+          <a:bodyPr wrap="square" rtlCol="0">
+            <a:spAutoFit/>
+          </a:bodyPr>
+          <a:lstStyle/>
+          <a:p>
+            <a:r>
+              <a:rPr lang="pt-BR" sz="1600" dirty="0" smtClean="0"/>
+              <a:t>Fonte: </a:t>
+            </a:r>
+            <a:r>
+              <a:rPr lang="pt-BR" sz="1600" dirty="0" smtClean="0"/>
+              <a:t>correntes elétricas</a:t>
+            </a:r>
+            <a:endParaRPr lang="pt-BR" sz="1600" dirty="0"/>
+          </a:p>
+        </p:txBody>
+      </p:sp>
+      <p:sp>
+        <p:nvSpPr>
+          <p:cNvPr id="32" name="CaixaDeTexto 31"/>
+          <p:cNvSpPr txBox="1"/>
+          <p:nvPr/>
+        </p:nvSpPr>
+        <p:spPr>
+          <a:xfrm>
+            <a:off x="2527729" y="279698"/>
+            <a:ext cx="2316661" cy="338554"/>
+          </a:xfrm>
+          <a:prstGeom prst="rect">
+            <a:avLst/>
+          </a:prstGeom>
+          <a:noFill/>
+        </p:spPr>
+        <p:txBody>
+          <a:bodyPr wrap="square" rtlCol="0">
+            <a:spAutoFit/>
+          </a:bodyPr>
+          <a:lstStyle/>
+          <a:p>
+            <a:r>
+              <a:rPr lang="pt-BR" sz="1600" dirty="0" smtClean="0"/>
+              <a:t>Fonte: </a:t>
+            </a:r>
+            <a:r>
+              <a:rPr lang="pt-BR" sz="1600" dirty="0" smtClean="0"/>
+              <a:t>correntes elétricas</a:t>
+            </a:r>
+            <a:endParaRPr lang="pt-BR" sz="1600" dirty="0"/>
+          </a:p>
+        </p:txBody>
+      </p:sp>
+      <p:sp>
+        <p:nvSpPr>
+          <p:cNvPr id="25" name="CaixaDeTexto 24"/>
+          <p:cNvSpPr txBox="1"/>
+          <p:nvPr/>
+        </p:nvSpPr>
+        <p:spPr>
+          <a:xfrm>
+            <a:off x="6444208" y="121856"/>
+            <a:ext cx="2547764" cy="1938992"/>
+          </a:xfrm>
+          <a:prstGeom prst="rect">
+            <a:avLst/>
+          </a:prstGeom>
+          <a:noFill/>
+        </p:spPr>
+        <p:txBody>
+          <a:bodyPr wrap="square" rtlCol="0">
+            <a:spAutoFit/>
+          </a:bodyPr>
+          <a:lstStyle/>
+          <a:p>
+            <a:pPr algn="ctr"/>
+            <a:r>
+              <a:rPr lang="pt-BR" sz="2000" dirty="0" smtClean="0"/>
+              <a:t>O campo resultante produzido por estas fontes é denominado </a:t>
+            </a:r>
+            <a:r>
+              <a:rPr lang="pt-BR" sz="2000" b="1" dirty="0" smtClean="0"/>
+              <a:t>campo externo</a:t>
+            </a:r>
+            <a:r>
+              <a:rPr lang="pt-BR" sz="2000" dirty="0"/>
+              <a:t> (</a:t>
+            </a:r>
+            <a:r>
+              <a:rPr lang="pt-BR" sz="2000" dirty="0" err="1"/>
+              <a:t>Langel</a:t>
+            </a:r>
+            <a:r>
+              <a:rPr lang="pt-BR" sz="2000" dirty="0"/>
+              <a:t> e </a:t>
+            </a:r>
+            <a:r>
+              <a:rPr lang="pt-BR" sz="2000" dirty="0" err="1"/>
+              <a:t>Hinze</a:t>
+            </a:r>
+            <a:r>
+              <a:rPr lang="pt-BR" sz="2000" dirty="0"/>
+              <a:t>, 1998; </a:t>
+            </a:r>
+            <a:r>
+              <a:rPr lang="pt-BR" sz="2000" dirty="0" err="1"/>
+              <a:t>Hulot</a:t>
+            </a:r>
+            <a:r>
+              <a:rPr lang="pt-BR" sz="2000" dirty="0"/>
+              <a:t> et al., 2015).</a:t>
+            </a:r>
+            <a:endParaRPr lang="pt-BR" sz="2000" dirty="0"/>
+          </a:p>
+        </p:txBody>
+      </p:sp>
+      <p:sp>
+        <p:nvSpPr>
+          <p:cNvPr id="24" name="Chave direita 23"/>
+          <p:cNvSpPr/>
+          <p:nvPr/>
+        </p:nvSpPr>
+        <p:spPr>
+          <a:xfrm>
+            <a:off x="4715800" y="106760"/>
+            <a:ext cx="288032" cy="2818184"/>
+          </a:xfrm>
+          <a:prstGeom prst="rightBrace">
+            <a:avLst/>
+          </a:prstGeom>
+          <a:ln w="28575">
+            <a:solidFill>
+              <a:schemeClr val="tx1"/>
+            </a:solidFill>
+          </a:ln>
+        </p:spPr>
+        <p:style>
+          <a:lnRef idx="1">
+            <a:schemeClr val="accent1"/>
+          </a:lnRef>
+          <a:fillRef idx="0">
+            <a:schemeClr val="accent1"/>
+          </a:fillRef>
+          <a:effectRef idx="0">
+            <a:schemeClr val="accent1"/>
+          </a:effectRef>
+          <a:fontRef idx="minor">
+            <a:schemeClr val="tx1"/>
+          </a:fontRef>
+        </p:style>
+        <p:txBody>
+          <a:bodyPr rtlCol="0" anchor="ctr"/>
+          <a:lstStyle/>
+          <a:p>
+            <a:pPr algn="ctr"/>
+            <a:endParaRPr lang="pt-BR"/>
+          </a:p>
+        </p:txBody>
+      </p:sp>
+      <p:sp>
+        <p:nvSpPr>
+          <p:cNvPr id="4" name="Retângulo 3"/>
+          <p:cNvSpPr/>
+          <p:nvPr/>
+        </p:nvSpPr>
+        <p:spPr>
+          <a:xfrm>
+            <a:off x="5148064" y="1198493"/>
+            <a:ext cx="910377" cy="646331"/>
+          </a:xfrm>
+          <a:prstGeom prst="rect">
+            <a:avLst/>
+          </a:prstGeom>
+        </p:spPr>
+        <p:txBody>
+          <a:bodyPr wrap="none">
+            <a:spAutoFit/>
+          </a:bodyPr>
+          <a:lstStyle/>
+          <a:p>
+            <a:pPr algn="ctr"/>
+            <a:r>
+              <a:rPr lang="pt-BR" dirty="0" smtClean="0"/>
+              <a:t>Campo</a:t>
+            </a:r>
+          </a:p>
+          <a:p>
+            <a:pPr algn="ctr"/>
+            <a:r>
+              <a:rPr lang="pt-BR" dirty="0" smtClean="0"/>
+              <a:t>externo</a:t>
+            </a:r>
+            <a:endParaRPr lang="pt-BR" dirty="0"/>
+          </a:p>
+        </p:txBody>
+      </p:sp>
+    </p:spTree>
+    <p:extLst>
+      <p:ext uri="{BB962C8B-B14F-4D97-AF65-F5344CB8AC3E}">
+        <p14:creationId xmlns:p14="http://schemas.microsoft.com/office/powerpoint/2010/main" val="1270300713"/>
       </p:ext>
     </p:extLst>
   </p:cSld>
@@ -8016,6 +11680,322 @@
     <p:extLst>
       <p:ext uri="{BB962C8B-B14F-4D97-AF65-F5344CB8AC3E}">
         <p14:creationId xmlns:p14="http://schemas.microsoft.com/office/powerpoint/2010/main" val="1264794643"/>
+      </p:ext>
+    </p:extLst>
+  </p:cSld>
+  <p:clrMapOvr>
+    <a:masterClrMapping/>
+  </p:clrMapOvr>
+  <p:timing>
+    <p:tnLst>
+      <p:par>
+        <p:cTn id="1" dur="indefinite" restart="never" nodeType="tmRoot"/>
+      </p:par>
+    </p:tnLst>
+  </p:timing>
+</p:sld>
+</file>
+
+<file path=ppt/slides/slide20.xml><?xml version="1.0" encoding="utf-8"?>
+<p:sld xmlns:a="http://schemas.openxmlformats.org/drawingml/2006/main" xmlns:r="http://schemas.openxmlformats.org/officeDocument/2006/relationships" xmlns:p="http://schemas.openxmlformats.org/presentationml/2006/main">
+  <p:cSld>
+    <p:spTree>
+      <p:nvGrpSpPr>
+        <p:cNvPr id="1" name=""/>
+        <p:cNvGrpSpPr/>
+        <p:nvPr/>
+      </p:nvGrpSpPr>
+      <p:grpSpPr>
+        <a:xfrm>
+          <a:off x="0" y="0"/>
+          <a:ext cx="0" cy="0"/>
+          <a:chOff x="0" y="0"/>
+          <a:chExt cx="0" cy="0"/>
+        </a:xfrm>
+      </p:grpSpPr>
+      <p:sp>
+        <p:nvSpPr>
+          <p:cNvPr id="2" name="Título 1"/>
+          <p:cNvSpPr>
+            <a:spLocks noGrp="1"/>
+          </p:cNvSpPr>
+          <p:nvPr>
+            <p:ph type="title"/>
+          </p:nvPr>
+        </p:nvSpPr>
+        <p:spPr/>
+        <p:txBody>
+          <a:bodyPr/>
+          <a:lstStyle/>
+          <a:p>
+            <a:r>
+              <a:rPr lang="pt-BR" dirty="0" smtClean="0"/>
+              <a:t>Referências</a:t>
+            </a:r>
+            <a:endParaRPr lang="pt-BR" dirty="0"/>
+          </a:p>
+        </p:txBody>
+      </p:sp>
+      <p:sp>
+        <p:nvSpPr>
+          <p:cNvPr id="3" name="Espaço Reservado para Conteúdo 2"/>
+          <p:cNvSpPr>
+            <a:spLocks noGrp="1"/>
+          </p:cNvSpPr>
+          <p:nvPr>
+            <p:ph idx="1"/>
+          </p:nvPr>
+        </p:nvSpPr>
+        <p:spPr/>
+        <p:txBody>
+          <a:bodyPr>
+            <a:normAutofit fontScale="77500" lnSpcReduction="20000"/>
+          </a:bodyPr>
+          <a:lstStyle/>
+          <a:p>
+            <a:r>
+              <a:rPr lang="en-US" dirty="0"/>
+              <a:t>Blakely, R. J., 1996, Potential theory in gravity and magnetic applications: </a:t>
+            </a:r>
+            <a:r>
+              <a:rPr lang="en-US" dirty="0" smtClean="0"/>
+              <a:t>Cambridge </a:t>
+            </a:r>
+            <a:r>
+              <a:rPr lang="pt-BR" dirty="0" err="1" smtClean="0"/>
+              <a:t>University</a:t>
+            </a:r>
+            <a:r>
+              <a:rPr lang="pt-BR" dirty="0" smtClean="0"/>
+              <a:t> </a:t>
+            </a:r>
+            <a:r>
+              <a:rPr lang="pt-BR" dirty="0"/>
+              <a:t>Press.</a:t>
+            </a:r>
+            <a:endParaRPr lang="en-US" dirty="0" smtClean="0"/>
+          </a:p>
+          <a:p>
+            <a:r>
+              <a:rPr lang="en-US" dirty="0" err="1" smtClean="0"/>
+              <a:t>Hulot</a:t>
+            </a:r>
+            <a:r>
+              <a:rPr lang="en-US" dirty="0"/>
+              <a:t>, G., </a:t>
+            </a:r>
+            <a:r>
+              <a:rPr lang="en-US" dirty="0" smtClean="0"/>
+              <a:t>Sabaka, T., Olsen, N., e Fournier, A., </a:t>
+            </a:r>
+            <a:r>
+              <a:rPr lang="en-US" dirty="0"/>
+              <a:t>2015, 5.02 - the present and </a:t>
+            </a:r>
+            <a:r>
+              <a:rPr lang="en-US" dirty="0" smtClean="0"/>
+              <a:t>future geomagnetic field</a:t>
+            </a:r>
+            <a:r>
+              <a:rPr lang="en-US" dirty="0"/>
+              <a:t>, </a:t>
+            </a:r>
+            <a:r>
+              <a:rPr lang="en-US" i="1" dirty="0"/>
+              <a:t>in</a:t>
+            </a:r>
+            <a:r>
+              <a:rPr lang="en-US" dirty="0"/>
+              <a:t> Treatise on Geophysics, second edition ed.: Elsevier, </a:t>
+            </a:r>
+            <a:r>
+              <a:rPr lang="en-US" dirty="0" smtClean="0"/>
+              <a:t>33-78. </a:t>
+            </a:r>
+            <a:r>
+              <a:rPr lang="en-US" dirty="0" err="1" smtClean="0"/>
+              <a:t>doi</a:t>
+            </a:r>
+            <a:r>
+              <a:rPr lang="en-US" dirty="0" smtClean="0"/>
+              <a:t>: </a:t>
+            </a:r>
+            <a:r>
+              <a:rPr lang="pt-BR" dirty="0" smtClean="0"/>
+              <a:t>10.1016/B978-0-444-53802-4.00096-8.</a:t>
+            </a:r>
+            <a:endParaRPr lang="en-US" dirty="0" smtClean="0"/>
+          </a:p>
+          <a:p>
+            <a:r>
+              <a:rPr lang="en-US" dirty="0" err="1" smtClean="0"/>
+              <a:t>Langel</a:t>
+            </a:r>
+            <a:r>
+              <a:rPr lang="en-US" dirty="0"/>
+              <a:t>, R. A., </a:t>
+            </a:r>
+            <a:r>
+              <a:rPr lang="en-US" dirty="0" smtClean="0"/>
+              <a:t>e </a:t>
+            </a:r>
+            <a:r>
+              <a:rPr lang="en-US" dirty="0" err="1" smtClean="0"/>
+              <a:t>Hinze</a:t>
+            </a:r>
+            <a:r>
+              <a:rPr lang="en-US" dirty="0" smtClean="0"/>
+              <a:t>, W. J., </a:t>
+            </a:r>
+            <a:r>
+              <a:rPr lang="en-US" dirty="0"/>
+              <a:t>1998, The magnetic </a:t>
+            </a:r>
+            <a:r>
+              <a:rPr lang="en-US" dirty="0" err="1"/>
+              <a:t>eld</a:t>
+            </a:r>
+            <a:r>
+              <a:rPr lang="en-US" dirty="0"/>
+              <a:t> of the earth's lithosphere: </a:t>
+            </a:r>
+            <a:r>
+              <a:rPr lang="en-US" dirty="0" smtClean="0"/>
+              <a:t>The satellite </a:t>
+            </a:r>
+            <a:r>
+              <a:rPr lang="en-US" dirty="0"/>
+              <a:t>perspective: Cambridge University </a:t>
+            </a:r>
+            <a:r>
+              <a:rPr lang="en-US" dirty="0" smtClean="0"/>
+              <a:t>Press.</a:t>
+            </a:r>
+          </a:p>
+          <a:p>
+            <a:r>
+              <a:rPr lang="pt-BR" dirty="0" err="1"/>
+              <a:t>Nabighian</a:t>
+            </a:r>
+            <a:r>
+              <a:rPr lang="pt-BR" dirty="0"/>
+              <a:t>, M. N., </a:t>
+            </a:r>
+            <a:r>
+              <a:rPr lang="pt-BR" dirty="0" err="1" smtClean="0"/>
+              <a:t>Grauch</a:t>
+            </a:r>
+            <a:r>
+              <a:rPr lang="pt-BR" dirty="0" smtClean="0"/>
+              <a:t>, </a:t>
+            </a:r>
+            <a:r>
+              <a:rPr lang="pt-BR" dirty="0"/>
+              <a:t>V. J. S.</a:t>
+            </a:r>
+            <a:r>
+              <a:rPr lang="pt-BR" dirty="0" smtClean="0"/>
+              <a:t>, Hansen, </a:t>
+            </a:r>
+            <a:r>
+              <a:rPr lang="pt-BR" dirty="0"/>
+              <a:t>R. O.</a:t>
+            </a:r>
+            <a:r>
+              <a:rPr lang="pt-BR" dirty="0" smtClean="0"/>
+              <a:t>, </a:t>
+            </a:r>
+            <a:r>
+              <a:rPr lang="pt-BR" dirty="0" err="1" smtClean="0"/>
+              <a:t>LaFehr</a:t>
+            </a:r>
+            <a:r>
+              <a:rPr lang="pt-BR" dirty="0" smtClean="0"/>
+              <a:t>, </a:t>
+            </a:r>
+            <a:r>
+              <a:rPr lang="pt-BR" dirty="0"/>
+              <a:t>T. R.</a:t>
+            </a:r>
+            <a:r>
+              <a:rPr lang="pt-BR" dirty="0" smtClean="0"/>
+              <a:t>, Li, </a:t>
+            </a:r>
+            <a:r>
+              <a:rPr lang="pt-BR" dirty="0"/>
+              <a:t>Y.</a:t>
+            </a:r>
+            <a:r>
+              <a:rPr lang="pt-BR" dirty="0" smtClean="0"/>
+              <a:t>, </a:t>
+            </a:r>
+            <a:r>
+              <a:rPr lang="pt-BR" dirty="0" err="1" smtClean="0"/>
+              <a:t>Peirce</a:t>
+            </a:r>
+            <a:r>
+              <a:rPr lang="pt-BR" dirty="0" smtClean="0"/>
+              <a:t>, </a:t>
+            </a:r>
+            <a:r>
+              <a:rPr lang="pt-BR" dirty="0"/>
+              <a:t>J. W.</a:t>
+            </a:r>
+            <a:r>
+              <a:rPr lang="pt-BR" dirty="0" smtClean="0"/>
+              <a:t>, </a:t>
+            </a:r>
+            <a:r>
+              <a:rPr lang="en-US" dirty="0" smtClean="0"/>
+              <a:t>Phillips, </a:t>
+            </a:r>
+            <a:r>
+              <a:rPr lang="pt-BR" dirty="0"/>
+              <a:t>J. D.</a:t>
+            </a:r>
+            <a:r>
+              <a:rPr lang="en-US" dirty="0" smtClean="0"/>
+              <a:t>, e Ruder, </a:t>
+            </a:r>
+            <a:r>
+              <a:rPr lang="en-US" dirty="0"/>
+              <a:t>M. E</a:t>
+            </a:r>
+            <a:r>
+              <a:rPr lang="en-US" dirty="0" smtClean="0"/>
+              <a:t>., 2005, </a:t>
+            </a:r>
+            <a:r>
+              <a:rPr lang="en-US" dirty="0"/>
+              <a:t>The historical development of the magnetic method </a:t>
+            </a:r>
+            <a:r>
+              <a:rPr lang="en-US" dirty="0" smtClean="0"/>
+              <a:t>in </a:t>
+            </a:r>
+            <a:r>
+              <a:rPr lang="pt-BR" dirty="0" err="1" smtClean="0"/>
+              <a:t>exploration</a:t>
+            </a:r>
+            <a:r>
+              <a:rPr lang="pt-BR" dirty="0"/>
+              <a:t>: GEOPHYSICS, 70, </a:t>
+            </a:r>
+            <a:r>
+              <a:rPr lang="pt-BR" dirty="0" smtClean="0"/>
+              <a:t>33ND-61ND</a:t>
+            </a:r>
+            <a:r>
+              <a:rPr lang="pt-BR" dirty="0"/>
+              <a:t>.</a:t>
+            </a:r>
+          </a:p>
+        </p:txBody>
+      </p:sp>
+    </p:spTree>
+    <p:extLst>
+      <p:ext uri="{BB962C8B-B14F-4D97-AF65-F5344CB8AC3E}">
+        <p14:creationId xmlns:p14="http://schemas.microsoft.com/office/powerpoint/2010/main" val="3103732197"/>
       </p:ext>
     </p:extLst>
   </p:cSld>

--- a/slides/4_anomalia_campo_total.pptx
+++ b/slides/4_anomalia_campo_total.pptx
@@ -16,15 +16,21 @@
     <p:sldId id="312" r:id="rId10"/>
     <p:sldId id="314" r:id="rId11"/>
     <p:sldId id="316" r:id="rId12"/>
-    <p:sldId id="317" r:id="rId13"/>
-    <p:sldId id="318" r:id="rId14"/>
-    <p:sldId id="319" r:id="rId15"/>
-    <p:sldId id="320" r:id="rId16"/>
-    <p:sldId id="321" r:id="rId17"/>
-    <p:sldId id="322" r:id="rId18"/>
-    <p:sldId id="323" r:id="rId19"/>
-    <p:sldId id="324" r:id="rId20"/>
-    <p:sldId id="302" r:id="rId21"/>
+    <p:sldId id="325" r:id="rId13"/>
+    <p:sldId id="317" r:id="rId14"/>
+    <p:sldId id="318" r:id="rId15"/>
+    <p:sldId id="319" r:id="rId16"/>
+    <p:sldId id="320" r:id="rId17"/>
+    <p:sldId id="321" r:id="rId18"/>
+    <p:sldId id="322" r:id="rId19"/>
+    <p:sldId id="323" r:id="rId20"/>
+    <p:sldId id="326" r:id="rId21"/>
+    <p:sldId id="324" r:id="rId22"/>
+    <p:sldId id="327" r:id="rId23"/>
+    <p:sldId id="328" r:id="rId24"/>
+    <p:sldId id="329" r:id="rId25"/>
+    <p:sldId id="330" r:id="rId26"/>
+    <p:sldId id="302" r:id="rId27"/>
   </p:sldIdLst>
   <p:sldSz cx="9144000" cy="6858000" type="screen4x3"/>
   <p:notesSz cx="6858000" cy="9144000"/>
@@ -307,7 +313,7 @@
           <a:p>
             <a:fld id="{5832CE90-33BF-47EA-B2DE-97CF0EE02F19}" type="datetimeFigureOut">
               <a:rPr lang="pt-BR" smtClean="0"/>
-              <a:t>13/10/2016</a:t>
+              <a:t>14/10/2016</a:t>
             </a:fld>
             <a:endParaRPr lang="pt-BR"/>
           </a:p>
@@ -477,7 +483,7 @@
           <a:p>
             <a:fld id="{5832CE90-33BF-47EA-B2DE-97CF0EE02F19}" type="datetimeFigureOut">
               <a:rPr lang="pt-BR" smtClean="0"/>
-              <a:t>13/10/2016</a:t>
+              <a:t>14/10/2016</a:t>
             </a:fld>
             <a:endParaRPr lang="pt-BR"/>
           </a:p>
@@ -657,7 +663,7 @@
           <a:p>
             <a:fld id="{5832CE90-33BF-47EA-B2DE-97CF0EE02F19}" type="datetimeFigureOut">
               <a:rPr lang="pt-BR" smtClean="0"/>
-              <a:t>13/10/2016</a:t>
+              <a:t>14/10/2016</a:t>
             </a:fld>
             <a:endParaRPr lang="pt-BR"/>
           </a:p>
@@ -827,7 +833,7 @@
           <a:p>
             <a:fld id="{5832CE90-33BF-47EA-B2DE-97CF0EE02F19}" type="datetimeFigureOut">
               <a:rPr lang="pt-BR" smtClean="0"/>
-              <a:t>13/10/2016</a:t>
+              <a:t>14/10/2016</a:t>
             </a:fld>
             <a:endParaRPr lang="pt-BR"/>
           </a:p>
@@ -1073,7 +1079,7 @@
           <a:p>
             <a:fld id="{5832CE90-33BF-47EA-B2DE-97CF0EE02F19}" type="datetimeFigureOut">
               <a:rPr lang="pt-BR" smtClean="0"/>
-              <a:t>13/10/2016</a:t>
+              <a:t>14/10/2016</a:t>
             </a:fld>
             <a:endParaRPr lang="pt-BR"/>
           </a:p>
@@ -1361,7 +1367,7 @@
           <a:p>
             <a:fld id="{5832CE90-33BF-47EA-B2DE-97CF0EE02F19}" type="datetimeFigureOut">
               <a:rPr lang="pt-BR" smtClean="0"/>
-              <a:t>13/10/2016</a:t>
+              <a:t>14/10/2016</a:t>
             </a:fld>
             <a:endParaRPr lang="pt-BR"/>
           </a:p>
@@ -1783,7 +1789,7 @@
           <a:p>
             <a:fld id="{5832CE90-33BF-47EA-B2DE-97CF0EE02F19}" type="datetimeFigureOut">
               <a:rPr lang="pt-BR" smtClean="0"/>
-              <a:t>13/10/2016</a:t>
+              <a:t>14/10/2016</a:t>
             </a:fld>
             <a:endParaRPr lang="pt-BR"/>
           </a:p>
@@ -1901,7 +1907,7 @@
           <a:p>
             <a:fld id="{5832CE90-33BF-47EA-B2DE-97CF0EE02F19}" type="datetimeFigureOut">
               <a:rPr lang="pt-BR" smtClean="0"/>
-              <a:t>13/10/2016</a:t>
+              <a:t>14/10/2016</a:t>
             </a:fld>
             <a:endParaRPr lang="pt-BR"/>
           </a:p>
@@ -1996,7 +2002,7 @@
           <a:p>
             <a:fld id="{5832CE90-33BF-47EA-B2DE-97CF0EE02F19}" type="datetimeFigureOut">
               <a:rPr lang="pt-BR" smtClean="0"/>
-              <a:t>13/10/2016</a:t>
+              <a:t>14/10/2016</a:t>
             </a:fld>
             <a:endParaRPr lang="pt-BR"/>
           </a:p>
@@ -2273,7 +2279,7 @@
           <a:p>
             <a:fld id="{5832CE90-33BF-47EA-B2DE-97CF0EE02F19}" type="datetimeFigureOut">
               <a:rPr lang="pt-BR" smtClean="0"/>
-              <a:t>13/10/2016</a:t>
+              <a:t>14/10/2016</a:t>
             </a:fld>
             <a:endParaRPr lang="pt-BR"/>
           </a:p>
@@ -2526,7 +2532,7 @@
           <a:p>
             <a:fld id="{5832CE90-33BF-47EA-B2DE-97CF0EE02F19}" type="datetimeFigureOut">
               <a:rPr lang="pt-BR" smtClean="0"/>
-              <a:t>13/10/2016</a:t>
+              <a:t>14/10/2016</a:t>
             </a:fld>
             <a:endParaRPr lang="pt-BR"/>
           </a:p>
@@ -2739,7 +2745,7 @@
           <a:p>
             <a:fld id="{5832CE90-33BF-47EA-B2DE-97CF0EE02F19}" type="datetimeFigureOut">
               <a:rPr lang="pt-BR" smtClean="0"/>
-              <a:t>13/10/2016</a:t>
+              <a:t>14/10/2016</a:t>
             </a:fld>
             <a:endParaRPr lang="pt-BR"/>
           </a:p>
@@ -3940,13 +3946,8 @@
             </a:r>
             <a:r>
               <a:rPr lang="pt-BR" sz="2400" dirty="0" smtClean="0"/>
-              <a:t>, que é líquido e contém ferro e </a:t>
-            </a:r>
-            <a:r>
-              <a:rPr lang="pt-BR" sz="2400" dirty="0" smtClean="0"/>
-              <a:t>níquel.</a:t>
-            </a:r>
-            <a:endParaRPr lang="pt-BR" sz="2400" dirty="0" smtClean="0"/>
+              <a:t>, que é líquido e contém ferro e níquel.</a:t>
+            </a:r>
           </a:p>
         </p:txBody>
       </p:sp>
@@ -4578,11 +4579,7 @@
             </a:r>
             <a:r>
               <a:rPr lang="pt-BR" sz="2400" b="1" dirty="0" smtClean="0"/>
-              <a:t>campo </a:t>
-            </a:r>
-            <a:r>
-              <a:rPr lang="pt-BR" sz="2400" b="1" dirty="0" smtClean="0"/>
-              <a:t>principal</a:t>
+              <a:t>campo principal</a:t>
             </a:r>
             <a:endParaRPr lang="pt-BR" sz="2400" dirty="0" smtClean="0"/>
           </a:p>
@@ -4898,48 +4895,48 @@
           <a:lstStyle/>
           <a:p>
             <a:r>
+              <a:rPr lang="pt-BR" dirty="0" smtClean="0"/>
+              <a:t>Litosfera</a:t>
+            </a:r>
+            <a:endParaRPr lang="pt-BR" dirty="0"/>
+          </a:p>
+        </p:txBody>
+      </p:sp>
+      <p:sp>
+        <p:nvSpPr>
+          <p:cNvPr id="9" name="CaixaDeTexto 8"/>
+          <p:cNvSpPr txBox="1"/>
+          <p:nvPr/>
+        </p:nvSpPr>
+        <p:spPr>
+          <a:xfrm>
+            <a:off x="5148064" y="4484737"/>
+            <a:ext cx="1654318" cy="369332"/>
+          </a:xfrm>
+          <a:prstGeom prst="rect">
+            <a:avLst/>
+          </a:prstGeom>
+          <a:noFill/>
+        </p:spPr>
+        <p:txBody>
+          <a:bodyPr wrap="square" rtlCol="0">
+            <a:spAutoFit/>
+          </a:bodyPr>
+          <a:lstStyle/>
+          <a:p>
+            <a:r>
               <a:rPr lang="pt-BR" dirty="0" smtClean="0">
                 <a:solidFill>
                   <a:srgbClr val="FF0000"/>
                 </a:solidFill>
               </a:rPr>
-              <a:t>Litosfera</a:t>
+              <a:t>Núcleo externo</a:t>
             </a:r>
             <a:endParaRPr lang="pt-BR" dirty="0">
               <a:solidFill>
                 <a:srgbClr val="FF0000"/>
               </a:solidFill>
             </a:endParaRPr>
-          </a:p>
-        </p:txBody>
-      </p:sp>
-      <p:sp>
-        <p:nvSpPr>
-          <p:cNvPr id="9" name="CaixaDeTexto 8"/>
-          <p:cNvSpPr txBox="1"/>
-          <p:nvPr/>
-        </p:nvSpPr>
-        <p:spPr>
-          <a:xfrm>
-            <a:off x="5148064" y="4484737"/>
-            <a:ext cx="1654318" cy="369332"/>
-          </a:xfrm>
-          <a:prstGeom prst="rect">
-            <a:avLst/>
-          </a:prstGeom>
-          <a:noFill/>
-        </p:spPr>
-        <p:txBody>
-          <a:bodyPr wrap="square" rtlCol="0">
-            <a:spAutoFit/>
-          </a:bodyPr>
-          <a:lstStyle/>
-          <a:p>
-            <a:r>
-              <a:rPr lang="pt-BR" dirty="0" smtClean="0"/>
-              <a:t>Núcleo externo</a:t>
-            </a:r>
-            <a:endParaRPr lang="pt-BR" dirty="0"/>
           </a:p>
         </p:txBody>
       </p:sp>
@@ -5261,8 +5258,8 @@
         </p:nvSpPr>
         <p:spPr>
           <a:xfrm>
-            <a:off x="1248625" y="347172"/>
-            <a:ext cx="6637288" cy="1569660"/>
+            <a:off x="1248625" y="332656"/>
+            <a:ext cx="6637288" cy="2308324"/>
           </a:xfrm>
           <a:prstGeom prst="rect">
             <a:avLst/>
@@ -5278,28 +5275,53 @@
             <a:pPr algn="ctr"/>
             <a:r>
               <a:rPr lang="pt-BR" sz="2400" dirty="0" smtClean="0"/>
-              <a:t>As fontes presentes na </a:t>
-            </a:r>
-            <a:r>
-              <a:rPr lang="pt-BR" sz="2400" dirty="0" smtClean="0">
-                <a:solidFill>
-                  <a:srgbClr val="FF0000"/>
-                </a:solidFill>
-              </a:rPr>
-              <a:t>litosfera</a:t>
+              <a:t>Este campo é predominantemente dipolar (já </a:t>
+            </a:r>
+            <a:r>
+              <a:rPr lang="pt-BR" sz="2400" dirty="0" err="1" smtClean="0"/>
+              <a:t>já</a:t>
             </a:r>
             <a:r>
               <a:rPr lang="pt-BR" sz="2400" dirty="0" smtClean="0"/>
-              <a:t> são </a:t>
-            </a:r>
-            <a:r>
-              <a:rPr lang="pt-BR" sz="2400" b="1" dirty="0" smtClean="0"/>
-              <a:t>rochas magnetizadas</a:t>
+              <a:t> veremos o que isso quer dizer), suas variações temporais são da ordem de anos e sua amplitude varia de ≈22 600 </a:t>
+            </a:r>
+            <a:r>
+              <a:rPr lang="pt-BR" sz="2400" dirty="0" err="1" smtClean="0"/>
+              <a:t>nT</a:t>
             </a:r>
             <a:r>
               <a:rPr lang="pt-BR" sz="2400" dirty="0" smtClean="0"/>
-              <a:t>. Estas rochas se mantém magnetizadas porque estão abaixo de suas respectivas temperaturas de Curie. </a:t>
-            </a:r>
+              <a:t>,  sobre a anomalia magnética do Atlântico Sul, até ≈66 670 </a:t>
+            </a:r>
+            <a:r>
+              <a:rPr lang="pt-BR" sz="2400" dirty="0" err="1" smtClean="0"/>
+              <a:t>nT</a:t>
+            </a:r>
+            <a:r>
+              <a:rPr lang="pt-BR" sz="2400" dirty="0" smtClean="0"/>
+              <a:t>, próximo ao </a:t>
+            </a:r>
+            <a:r>
+              <a:rPr lang="pt-BR" sz="2400" dirty="0" err="1" smtClean="0"/>
+              <a:t>pólo</a:t>
+            </a:r>
+            <a:r>
+              <a:rPr lang="pt-BR" sz="2400" dirty="0" smtClean="0"/>
+              <a:t> sul (</a:t>
+            </a:r>
+            <a:r>
+              <a:rPr lang="pt-BR" sz="2400" dirty="0" err="1"/>
+              <a:t>Hulot</a:t>
+            </a:r>
+            <a:r>
+              <a:rPr lang="pt-BR" sz="2400" dirty="0"/>
+              <a:t> et al., 2015</a:t>
+            </a:r>
+            <a:r>
+              <a:rPr lang="pt-BR" sz="2400" dirty="0" smtClean="0"/>
+              <a:t>).</a:t>
+            </a:r>
+            <a:endParaRPr lang="pt-BR" sz="2400" dirty="0" smtClean="0"/>
           </a:p>
         </p:txBody>
       </p:sp>
@@ -5358,36 +5380,6 @@
             <a:r>
               <a:rPr lang="pt-BR" sz="1600" dirty="0" smtClean="0"/>
               <a:t>Campo principal</a:t>
-            </a:r>
-            <a:endParaRPr lang="pt-BR" sz="1600" dirty="0"/>
-          </a:p>
-        </p:txBody>
-      </p:sp>
-      <p:sp>
-        <p:nvSpPr>
-          <p:cNvPr id="14" name="CaixaDeTexto 13"/>
-          <p:cNvSpPr txBox="1"/>
-          <p:nvPr/>
-        </p:nvSpPr>
-        <p:spPr>
-          <a:xfrm>
-            <a:off x="5192025" y="3429000"/>
-            <a:ext cx="2548327" cy="338554"/>
-          </a:xfrm>
-          <a:prstGeom prst="rect">
-            <a:avLst/>
-          </a:prstGeom>
-          <a:noFill/>
-        </p:spPr>
-        <p:txBody>
-          <a:bodyPr wrap="square" rtlCol="0">
-            <a:spAutoFit/>
-          </a:bodyPr>
-          <a:lstStyle/>
-          <a:p>
-            <a:r>
-              <a:rPr lang="pt-BR" sz="1600" dirty="0" smtClean="0"/>
-              <a:t>Fonte: rochas magnetizadas</a:t>
             </a:r>
             <a:endParaRPr lang="pt-BR" sz="1600" dirty="0"/>
           </a:p>
@@ -5396,7 +5388,7 @@
     </p:spTree>
     <p:extLst>
       <p:ext uri="{BB962C8B-B14F-4D97-AF65-F5344CB8AC3E}">
-        <p14:creationId xmlns:p14="http://schemas.microsoft.com/office/powerpoint/2010/main" val="1409781839"/>
+        <p14:creationId xmlns:p14="http://schemas.microsoft.com/office/powerpoint/2010/main" val="1095112336"/>
       </p:ext>
     </p:extLst>
   </p:cSld>
@@ -5964,6 +5956,56 @@
       </p:sp>
       <p:sp>
         <p:nvSpPr>
+          <p:cNvPr id="21" name="CaixaDeTexto 20"/>
+          <p:cNvSpPr txBox="1"/>
+          <p:nvPr/>
+        </p:nvSpPr>
+        <p:spPr>
+          <a:xfrm>
+            <a:off x="1248625" y="347172"/>
+            <a:ext cx="6637288" cy="1569660"/>
+          </a:xfrm>
+          <a:prstGeom prst="rect">
+            <a:avLst/>
+          </a:prstGeom>
+          <a:noFill/>
+        </p:spPr>
+        <p:txBody>
+          <a:bodyPr wrap="square" rtlCol="0">
+            <a:spAutoFit/>
+          </a:bodyPr>
+          <a:lstStyle/>
+          <a:p>
+            <a:pPr algn="ctr"/>
+            <a:r>
+              <a:rPr lang="pt-BR" sz="2400" dirty="0" smtClean="0"/>
+              <a:t>As fontes presentes na </a:t>
+            </a:r>
+            <a:r>
+              <a:rPr lang="pt-BR" sz="2400" dirty="0" smtClean="0">
+                <a:solidFill>
+                  <a:srgbClr val="FF0000"/>
+                </a:solidFill>
+              </a:rPr>
+              <a:t>litosfera</a:t>
+            </a:r>
+            <a:r>
+              <a:rPr lang="pt-BR" sz="2400" dirty="0" smtClean="0"/>
+              <a:t> são </a:t>
+            </a:r>
+            <a:r>
+              <a:rPr lang="pt-BR" sz="2400" b="1" dirty="0" smtClean="0"/>
+              <a:t>rochas magnetizadas</a:t>
+            </a:r>
+            <a:r>
+              <a:rPr lang="pt-BR" sz="2400" dirty="0" smtClean="0"/>
+              <a:t>. Estas rochas se mantém magnetizadas porque estão abaixo de suas respectivas temperaturas de Curie. </a:t>
+            </a:r>
+          </a:p>
+        </p:txBody>
+      </p:sp>
+      <p:sp>
+        <p:nvSpPr>
           <p:cNvPr id="2" name="CaixaDeTexto 1"/>
           <p:cNvSpPr txBox="1"/>
           <p:nvPr/>
@@ -6047,135 +6089,6 @@
             <a:r>
               <a:rPr lang="pt-BR" sz="1600" dirty="0" smtClean="0"/>
               <a:t>Fonte: rochas magnetizadas</a:t>
-            </a:r>
-            <a:endParaRPr lang="pt-BR" sz="1600" dirty="0"/>
-          </a:p>
-        </p:txBody>
-      </p:sp>
-      <p:sp>
-        <p:nvSpPr>
-          <p:cNvPr id="22" name="CaixaDeTexto 21"/>
-          <p:cNvSpPr txBox="1"/>
-          <p:nvPr/>
-        </p:nvSpPr>
-        <p:spPr>
-          <a:xfrm>
-            <a:off x="916761" y="332656"/>
-            <a:ext cx="7301017" cy="1938992"/>
-          </a:xfrm>
-          <a:prstGeom prst="rect">
-            <a:avLst/>
-          </a:prstGeom>
-          <a:noFill/>
-        </p:spPr>
-        <p:txBody>
-          <a:bodyPr wrap="square" rtlCol="0">
-            <a:spAutoFit/>
-          </a:bodyPr>
-          <a:lstStyle/>
-          <a:p>
-            <a:pPr algn="ctr"/>
-            <a:r>
-              <a:rPr lang="pt-BR" sz="2400" dirty="0" smtClean="0"/>
-              <a:t>O campo produzido por estas fontes é denominado </a:t>
-            </a:r>
-            <a:r>
-              <a:rPr lang="pt-BR" sz="2400" b="1" dirty="0" smtClean="0"/>
-              <a:t>campo </a:t>
-            </a:r>
-            <a:r>
-              <a:rPr lang="pt-BR" sz="2400" b="1" dirty="0" err="1" smtClean="0"/>
-              <a:t>crustal</a:t>
-            </a:r>
-            <a:r>
-              <a:rPr lang="pt-BR" sz="2400" dirty="0"/>
-              <a:t> </a:t>
-            </a:r>
-            <a:r>
-              <a:rPr lang="pt-BR" sz="2400" dirty="0"/>
-              <a:t>(</a:t>
-            </a:r>
-            <a:r>
-              <a:rPr lang="pt-BR" sz="2400" dirty="0" err="1"/>
-              <a:t>Langel</a:t>
-            </a:r>
-            <a:r>
-              <a:rPr lang="pt-BR" sz="2400" dirty="0"/>
-              <a:t> e </a:t>
-            </a:r>
-            <a:r>
-              <a:rPr lang="pt-BR" sz="2400" dirty="0" err="1"/>
-              <a:t>Hinze</a:t>
-            </a:r>
-            <a:r>
-              <a:rPr lang="pt-BR" sz="2400" dirty="0"/>
-              <a:t>, 1998; </a:t>
-            </a:r>
-            <a:r>
-              <a:rPr lang="pt-BR" sz="2400" dirty="0" err="1"/>
-              <a:t>Hulot</a:t>
-            </a:r>
-            <a:r>
-              <a:rPr lang="pt-BR" sz="2400" dirty="0"/>
-              <a:t> et al., 2015) e </a:t>
-            </a:r>
-            <a:r>
-              <a:rPr lang="pt-BR" sz="2400" dirty="0" smtClean="0"/>
-              <a:t>representa a principal componente do campo geomagnético para estudos de geofísica </a:t>
-            </a:r>
-            <a:r>
-              <a:rPr lang="pt-BR" sz="2400" dirty="0"/>
-              <a:t>aplicada (</a:t>
-            </a:r>
-            <a:r>
-              <a:rPr lang="pt-BR" sz="2400" dirty="0" err="1"/>
-              <a:t>Blakely</a:t>
-            </a:r>
-            <a:r>
-              <a:rPr lang="pt-BR" sz="2400" dirty="0"/>
-              <a:t>, 1996; </a:t>
-            </a:r>
-            <a:r>
-              <a:rPr lang="pt-BR" sz="2400" dirty="0" err="1"/>
-              <a:t>Nabighian</a:t>
-            </a:r>
-            <a:r>
-              <a:rPr lang="pt-BR" sz="2400" dirty="0"/>
-              <a:t> et al., 2005).</a:t>
-            </a:r>
-            <a:endParaRPr lang="pt-BR" sz="2400" dirty="0" smtClean="0"/>
-          </a:p>
-        </p:txBody>
-      </p:sp>
-      <p:sp>
-        <p:nvSpPr>
-          <p:cNvPr id="23" name="CaixaDeTexto 22"/>
-          <p:cNvSpPr txBox="1"/>
-          <p:nvPr/>
-        </p:nvSpPr>
-        <p:spPr>
-          <a:xfrm>
-            <a:off x="5191497" y="3738518"/>
-            <a:ext cx="1914595" cy="338554"/>
-          </a:xfrm>
-          <a:prstGeom prst="rect">
-            <a:avLst/>
-          </a:prstGeom>
-          <a:noFill/>
-        </p:spPr>
-        <p:txBody>
-          <a:bodyPr wrap="square" rtlCol="0">
-            <a:spAutoFit/>
-          </a:bodyPr>
-          <a:lstStyle/>
-          <a:p>
-            <a:r>
-              <a:rPr lang="pt-BR" sz="1600" dirty="0" smtClean="0"/>
-              <a:t>Campo </a:t>
-            </a:r>
-            <a:r>
-              <a:rPr lang="pt-BR" sz="1600" dirty="0" err="1" smtClean="0"/>
-              <a:t>crustal</a:t>
             </a:r>
             <a:endParaRPr lang="pt-BR" sz="1600" dirty="0"/>
           </a:p>
@@ -6184,7 +6097,7 @@
     </p:spTree>
     <p:extLst>
       <p:ext uri="{BB962C8B-B14F-4D97-AF65-F5344CB8AC3E}">
-        <p14:creationId xmlns:p14="http://schemas.microsoft.com/office/powerpoint/2010/main" val="3595087389"/>
+        <p14:creationId xmlns:p14="http://schemas.microsoft.com/office/powerpoint/2010/main" val="1409781839"/>
       </p:ext>
     </p:extLst>
   </p:cSld>
@@ -6433,18 +6346,10 @@
           <a:lstStyle/>
           <a:p>
             <a:r>
-              <a:rPr lang="pt-BR" dirty="0" smtClean="0">
-                <a:solidFill>
-                  <a:srgbClr val="FF0000"/>
-                </a:solidFill>
-              </a:rPr>
+              <a:rPr lang="pt-BR" dirty="0" smtClean="0"/>
               <a:t>Núcleo externo</a:t>
             </a:r>
-            <a:endParaRPr lang="pt-BR" dirty="0">
-              <a:solidFill>
-                <a:srgbClr val="FF0000"/>
-              </a:solidFill>
-            </a:endParaRPr>
+            <a:endParaRPr lang="pt-BR" dirty="0"/>
           </a:p>
         </p:txBody>
       </p:sp>
@@ -6850,6 +6755,97 @@
       </p:sp>
       <p:sp>
         <p:nvSpPr>
+          <p:cNvPr id="22" name="CaixaDeTexto 21"/>
+          <p:cNvSpPr txBox="1"/>
+          <p:nvPr/>
+        </p:nvSpPr>
+        <p:spPr>
+          <a:xfrm>
+            <a:off x="916761" y="332656"/>
+            <a:ext cx="7301017" cy="1938992"/>
+          </a:xfrm>
+          <a:prstGeom prst="rect">
+            <a:avLst/>
+          </a:prstGeom>
+          <a:noFill/>
+        </p:spPr>
+        <p:txBody>
+          <a:bodyPr wrap="square" rtlCol="0">
+            <a:spAutoFit/>
+          </a:bodyPr>
+          <a:lstStyle/>
+          <a:p>
+            <a:pPr algn="ctr"/>
+            <a:r>
+              <a:rPr lang="pt-BR" sz="2400" dirty="0" smtClean="0"/>
+              <a:t>O campo produzido por estas fontes é denominado </a:t>
+            </a:r>
+            <a:r>
+              <a:rPr lang="pt-BR" sz="2400" b="1" dirty="0" smtClean="0"/>
+              <a:t>campo </a:t>
+            </a:r>
+            <a:r>
+              <a:rPr lang="pt-BR" sz="2400" b="1" dirty="0" err="1" smtClean="0"/>
+              <a:t>crustal</a:t>
+            </a:r>
+            <a:r>
+              <a:rPr lang="pt-BR" sz="2400" dirty="0"/>
+              <a:t> (</a:t>
+            </a:r>
+            <a:r>
+              <a:rPr lang="pt-BR" sz="2400" dirty="0" err="1"/>
+              <a:t>Langel</a:t>
+            </a:r>
+            <a:r>
+              <a:rPr lang="pt-BR" sz="2400" dirty="0"/>
+              <a:t> e </a:t>
+            </a:r>
+            <a:r>
+              <a:rPr lang="pt-BR" sz="2400" dirty="0" err="1"/>
+              <a:t>Hinze</a:t>
+            </a:r>
+            <a:r>
+              <a:rPr lang="pt-BR" sz="2400" dirty="0"/>
+              <a:t>, 1998; </a:t>
+            </a:r>
+            <a:r>
+              <a:rPr lang="pt-BR" sz="2400" dirty="0" err="1"/>
+              <a:t>Hulot</a:t>
+            </a:r>
+            <a:r>
+              <a:rPr lang="pt-BR" sz="2400" dirty="0"/>
+              <a:t> et al., 2015) e </a:t>
+            </a:r>
+            <a:r>
+              <a:rPr lang="pt-BR" sz="2400" dirty="0" smtClean="0"/>
+              <a:t>representa a principal componente do campo geomagnético para estudos de geofísica </a:t>
+            </a:r>
+            <a:r>
+              <a:rPr lang="pt-BR" sz="2400" dirty="0"/>
+              <a:t>aplicada (</a:t>
+            </a:r>
+            <a:r>
+              <a:rPr lang="pt-BR" sz="2400" dirty="0" err="1"/>
+              <a:t>Blakely</a:t>
+            </a:r>
+            <a:r>
+              <a:rPr lang="pt-BR" sz="2400" dirty="0"/>
+              <a:t>, 1996; </a:t>
+            </a:r>
+            <a:r>
+              <a:rPr lang="pt-BR" sz="2400" dirty="0" err="1"/>
+              <a:t>Nabighian</a:t>
+            </a:r>
+            <a:r>
+              <a:rPr lang="pt-BR" sz="2400" dirty="0"/>
+              <a:t> et al., 2005).</a:t>
+            </a:r>
+            <a:endParaRPr lang="pt-BR" sz="2400" dirty="0" smtClean="0"/>
+          </a:p>
+        </p:txBody>
+      </p:sp>
+      <p:sp>
+        <p:nvSpPr>
           <p:cNvPr id="23" name="CaixaDeTexto 22"/>
           <p:cNvSpPr txBox="1"/>
           <p:nvPr/>
@@ -6879,217 +6875,13 @@
               <a:t>crustal</a:t>
             </a:r>
             <a:endParaRPr lang="pt-BR" sz="1600" dirty="0"/>
-          </a:p>
-        </p:txBody>
-      </p:sp>
-      <p:sp>
-        <p:nvSpPr>
-          <p:cNvPr id="3" name="Chave direita 2"/>
-          <p:cNvSpPr/>
-          <p:nvPr/>
-        </p:nvSpPr>
-        <p:spPr>
-          <a:xfrm>
-            <a:off x="7480895" y="2924944"/>
-            <a:ext cx="288032" cy="2818184"/>
-          </a:xfrm>
-          <a:prstGeom prst="rightBrace">
-            <a:avLst/>
-          </a:prstGeom>
-          <a:ln w="28575">
-            <a:solidFill>
-              <a:schemeClr val="tx1"/>
-            </a:solidFill>
-          </a:ln>
-        </p:spPr>
-        <p:style>
-          <a:lnRef idx="1">
-            <a:schemeClr val="accent1"/>
-          </a:lnRef>
-          <a:fillRef idx="0">
-            <a:schemeClr val="accent1"/>
-          </a:fillRef>
-          <a:effectRef idx="0">
-            <a:schemeClr val="accent1"/>
-          </a:effectRef>
-          <a:fontRef idx="minor">
-            <a:schemeClr val="tx1"/>
-          </a:fontRef>
-        </p:style>
-        <p:txBody>
-          <a:bodyPr rtlCol="0" anchor="ctr"/>
-          <a:lstStyle/>
-          <a:p>
-            <a:pPr algn="ctr"/>
-            <a:endParaRPr lang="pt-BR"/>
-          </a:p>
-        </p:txBody>
-      </p:sp>
-      <p:sp>
-        <p:nvSpPr>
-          <p:cNvPr id="4" name="CaixaDeTexto 3"/>
-          <p:cNvSpPr txBox="1"/>
-          <p:nvPr/>
-        </p:nvSpPr>
-        <p:spPr>
-          <a:xfrm>
-            <a:off x="1514110" y="347172"/>
-            <a:ext cx="6115780" cy="1938992"/>
-          </a:xfrm>
-          <a:prstGeom prst="rect">
-            <a:avLst/>
-          </a:prstGeom>
-          <a:noFill/>
-        </p:spPr>
-        <p:txBody>
-          <a:bodyPr wrap="square" rtlCol="0">
-            <a:spAutoFit/>
-          </a:bodyPr>
-          <a:lstStyle/>
-          <a:p>
-            <a:pPr algn="ctr"/>
-            <a:r>
-              <a:rPr lang="pt-BR" sz="2400" dirty="0" smtClean="0"/>
-              <a:t>Em geomagnetismo, a soma dos campos </a:t>
-            </a:r>
-            <a:r>
-              <a:rPr lang="pt-BR" sz="2400" dirty="0" err="1" smtClean="0"/>
-              <a:t>crustal</a:t>
-            </a:r>
-            <a:r>
-              <a:rPr lang="pt-BR" sz="2400" dirty="0" smtClean="0"/>
-              <a:t> e principal é denominada </a:t>
-            </a:r>
-            <a:r>
-              <a:rPr lang="pt-BR" sz="2400" b="1" dirty="0" smtClean="0"/>
-              <a:t>campo interno</a:t>
-            </a:r>
-            <a:r>
-              <a:rPr lang="pt-BR" sz="2400" dirty="0" smtClean="0"/>
-              <a:t> </a:t>
-            </a:r>
-            <a:r>
-              <a:rPr lang="pt-BR" sz="2400" dirty="0" smtClean="0"/>
-              <a:t>(</a:t>
-            </a:r>
-            <a:r>
-              <a:rPr lang="pt-BR" sz="2400" dirty="0" err="1"/>
-              <a:t>Langel</a:t>
-            </a:r>
-            <a:r>
-              <a:rPr lang="pt-BR" sz="2400" dirty="0"/>
-              <a:t> </a:t>
-            </a:r>
-            <a:r>
-              <a:rPr lang="pt-BR" sz="2400" dirty="0"/>
-              <a:t>e</a:t>
-            </a:r>
-            <a:r>
-              <a:rPr lang="pt-BR" sz="2400" dirty="0" smtClean="0"/>
-              <a:t> </a:t>
-            </a:r>
-            <a:r>
-              <a:rPr lang="pt-BR" sz="2400" dirty="0" err="1"/>
-              <a:t>Hinze</a:t>
-            </a:r>
-            <a:r>
-              <a:rPr lang="pt-BR" sz="2400" dirty="0"/>
-              <a:t>, </a:t>
-            </a:r>
-            <a:r>
-              <a:rPr lang="pt-BR" sz="2400" dirty="0" smtClean="0"/>
-              <a:t>1998; </a:t>
-            </a:r>
-            <a:r>
-              <a:rPr lang="pt-BR" sz="2400" dirty="0" err="1" smtClean="0"/>
-              <a:t>Hulot</a:t>
-            </a:r>
-            <a:r>
-              <a:rPr lang="pt-BR" sz="2400" dirty="0" smtClean="0"/>
-              <a:t> </a:t>
-            </a:r>
-            <a:r>
-              <a:rPr lang="pt-BR" sz="2400" dirty="0" smtClean="0"/>
-              <a:t>et al., 2015). Já em geofísica aplicada, é denominada </a:t>
-            </a:r>
-            <a:r>
-              <a:rPr lang="pt-BR" sz="2400" b="1" dirty="0" smtClean="0"/>
-              <a:t>campo total</a:t>
-            </a:r>
-            <a:r>
-              <a:rPr lang="pt-BR" sz="2400" dirty="0" smtClean="0"/>
-              <a:t> (</a:t>
-            </a:r>
-            <a:r>
-              <a:rPr lang="pt-BR" sz="2400" dirty="0" err="1" smtClean="0"/>
-              <a:t>Blakely</a:t>
-            </a:r>
-            <a:r>
-              <a:rPr lang="pt-BR" sz="2400" dirty="0" smtClean="0"/>
-              <a:t>, </a:t>
-            </a:r>
-            <a:r>
-              <a:rPr lang="pt-BR" sz="2400" dirty="0"/>
-              <a:t>1996; </a:t>
-            </a:r>
-            <a:r>
-              <a:rPr lang="pt-BR" sz="2400" dirty="0" err="1" smtClean="0"/>
-              <a:t>Nabighian</a:t>
-            </a:r>
-            <a:r>
-              <a:rPr lang="pt-BR" sz="2400" dirty="0" smtClean="0"/>
-              <a:t> et </a:t>
-            </a:r>
-            <a:r>
-              <a:rPr lang="pt-BR" sz="2400" dirty="0"/>
-              <a:t>al., 2005).</a:t>
-            </a:r>
-            <a:endParaRPr lang="pt-BR" sz="2400" dirty="0"/>
-          </a:p>
-        </p:txBody>
-      </p:sp>
-      <p:sp>
-        <p:nvSpPr>
-          <p:cNvPr id="5" name="CaixaDeTexto 4"/>
-          <p:cNvSpPr txBox="1"/>
-          <p:nvPr/>
-        </p:nvSpPr>
-        <p:spPr>
-          <a:xfrm>
-            <a:off x="7821885" y="3740274"/>
-            <a:ext cx="1224136" cy="1200329"/>
-          </a:xfrm>
-          <a:prstGeom prst="rect">
-            <a:avLst/>
-          </a:prstGeom>
-          <a:noFill/>
-        </p:spPr>
-        <p:txBody>
-          <a:bodyPr wrap="square" rtlCol="0">
-            <a:spAutoFit/>
-          </a:bodyPr>
-          <a:lstStyle/>
-          <a:p>
-            <a:pPr algn="ctr"/>
-            <a:r>
-              <a:rPr lang="pt-BR" dirty="0" smtClean="0"/>
-              <a:t>Campo total</a:t>
-            </a:r>
-          </a:p>
-          <a:p>
-            <a:pPr algn="ctr"/>
-            <a:r>
-              <a:rPr lang="pt-BR" dirty="0" smtClean="0"/>
-              <a:t>(ou campo interno)</a:t>
-            </a:r>
-            <a:endParaRPr lang="pt-BR" dirty="0"/>
           </a:p>
         </p:txBody>
       </p:sp>
     </p:spTree>
     <p:extLst>
       <p:ext uri="{BB962C8B-B14F-4D97-AF65-F5344CB8AC3E}">
-        <p14:creationId xmlns:p14="http://schemas.microsoft.com/office/powerpoint/2010/main" val="4075523892"/>
+        <p14:creationId xmlns:p14="http://schemas.microsoft.com/office/powerpoint/2010/main" val="3595087389"/>
       </p:ext>
     </p:extLst>
   </p:cSld>
@@ -7300,10 +7092,18 @@
           <a:lstStyle/>
           <a:p>
             <a:r>
-              <a:rPr lang="pt-BR" dirty="0" smtClean="0"/>
+              <a:rPr lang="pt-BR" dirty="0" smtClean="0">
+                <a:solidFill>
+                  <a:srgbClr val="FF0000"/>
+                </a:solidFill>
+              </a:rPr>
               <a:t>Litosfera</a:t>
             </a:r>
-            <a:endParaRPr lang="pt-BR" dirty="0"/>
+            <a:endParaRPr lang="pt-BR" dirty="0">
+              <a:solidFill>
+                <a:srgbClr val="FF0000"/>
+              </a:solidFill>
+            </a:endParaRPr>
           </a:p>
         </p:txBody>
       </p:sp>
@@ -7330,10 +7130,18 @@
           <a:lstStyle/>
           <a:p>
             <a:r>
-              <a:rPr lang="pt-BR" dirty="0" smtClean="0"/>
+              <a:rPr lang="pt-BR" dirty="0" smtClean="0">
+                <a:solidFill>
+                  <a:srgbClr val="FF0000"/>
+                </a:solidFill>
+              </a:rPr>
               <a:t>Núcleo externo</a:t>
             </a:r>
-            <a:endParaRPr lang="pt-BR" dirty="0"/>
+            <a:endParaRPr lang="pt-BR" dirty="0">
+              <a:solidFill>
+                <a:srgbClr val="FF0000"/>
+              </a:solidFill>
+            </a:endParaRPr>
           </a:p>
         </p:txBody>
       </p:sp>
@@ -7373,6 +7181,203 @@
           </a:fontRef>
         </p:style>
       </p:cxnSp>
+      <p:sp>
+        <p:nvSpPr>
+          <p:cNvPr id="19" name="Forma livre 18"/>
+          <p:cNvSpPr/>
+          <p:nvPr/>
+        </p:nvSpPr>
+        <p:spPr>
+          <a:xfrm>
+            <a:off x="245660" y="955343"/>
+            <a:ext cx="4121624" cy="2750024"/>
+          </a:xfrm>
+          <a:custGeom>
+            <a:avLst/>
+            <a:gdLst>
+              <a:gd name="connsiteX0" fmla="*/ 0 w 4121624"/>
+              <a:gd name="connsiteY0" fmla="*/ 2743200 h 2750024"/>
+              <a:gd name="connsiteX1" fmla="*/ 259307 w 4121624"/>
+              <a:gd name="connsiteY1" fmla="*/ 2518012 h 2750024"/>
+              <a:gd name="connsiteX2" fmla="*/ 511791 w 4121624"/>
+              <a:gd name="connsiteY2" fmla="*/ 2354239 h 2750024"/>
+              <a:gd name="connsiteX3" fmla="*/ 832513 w 4121624"/>
+              <a:gd name="connsiteY3" fmla="*/ 2204114 h 2750024"/>
+              <a:gd name="connsiteX4" fmla="*/ 1139588 w 4121624"/>
+              <a:gd name="connsiteY4" fmla="*/ 2101756 h 2750024"/>
+              <a:gd name="connsiteX5" fmla="*/ 1583140 w 4121624"/>
+              <a:gd name="connsiteY5" fmla="*/ 2013045 h 2750024"/>
+              <a:gd name="connsiteX6" fmla="*/ 1958453 w 4121624"/>
+              <a:gd name="connsiteY6" fmla="*/ 1972102 h 2750024"/>
+              <a:gd name="connsiteX7" fmla="*/ 2272352 w 4121624"/>
+              <a:gd name="connsiteY7" fmla="*/ 1978926 h 2750024"/>
+              <a:gd name="connsiteX8" fmla="*/ 2770495 w 4121624"/>
+              <a:gd name="connsiteY8" fmla="*/ 2060812 h 2750024"/>
+              <a:gd name="connsiteX9" fmla="*/ 3111689 w 4121624"/>
+              <a:gd name="connsiteY9" fmla="*/ 2163170 h 2750024"/>
+              <a:gd name="connsiteX10" fmla="*/ 3459707 w 4121624"/>
+              <a:gd name="connsiteY10" fmla="*/ 2313296 h 2750024"/>
+              <a:gd name="connsiteX11" fmla="*/ 3794077 w 4121624"/>
+              <a:gd name="connsiteY11" fmla="*/ 2545308 h 2750024"/>
+              <a:gd name="connsiteX12" fmla="*/ 3985146 w 4121624"/>
+              <a:gd name="connsiteY12" fmla="*/ 2688609 h 2750024"/>
+              <a:gd name="connsiteX13" fmla="*/ 4107976 w 4121624"/>
+              <a:gd name="connsiteY13" fmla="*/ 2750024 h 2750024"/>
+              <a:gd name="connsiteX14" fmla="*/ 4121624 w 4121624"/>
+              <a:gd name="connsiteY14" fmla="*/ 0 h 2750024"/>
+              <a:gd name="connsiteX15" fmla="*/ 0 w 4121624"/>
+              <a:gd name="connsiteY15" fmla="*/ 6824 h 2750024"/>
+              <a:gd name="connsiteX16" fmla="*/ 0 w 4121624"/>
+              <a:gd name="connsiteY16" fmla="*/ 2743200 h 2750024"/>
+            </a:gdLst>
+            <a:ahLst/>
+            <a:cxnLst>
+              <a:cxn ang="0">
+                <a:pos x="connsiteX0" y="connsiteY0"/>
+              </a:cxn>
+              <a:cxn ang="0">
+                <a:pos x="connsiteX1" y="connsiteY1"/>
+              </a:cxn>
+              <a:cxn ang="0">
+                <a:pos x="connsiteX2" y="connsiteY2"/>
+              </a:cxn>
+              <a:cxn ang="0">
+                <a:pos x="connsiteX3" y="connsiteY3"/>
+              </a:cxn>
+              <a:cxn ang="0">
+                <a:pos x="connsiteX4" y="connsiteY4"/>
+              </a:cxn>
+              <a:cxn ang="0">
+                <a:pos x="connsiteX5" y="connsiteY5"/>
+              </a:cxn>
+              <a:cxn ang="0">
+                <a:pos x="connsiteX6" y="connsiteY6"/>
+              </a:cxn>
+              <a:cxn ang="0">
+                <a:pos x="connsiteX7" y="connsiteY7"/>
+              </a:cxn>
+              <a:cxn ang="0">
+                <a:pos x="connsiteX8" y="connsiteY8"/>
+              </a:cxn>
+              <a:cxn ang="0">
+                <a:pos x="connsiteX9" y="connsiteY9"/>
+              </a:cxn>
+              <a:cxn ang="0">
+                <a:pos x="connsiteX10" y="connsiteY10"/>
+              </a:cxn>
+              <a:cxn ang="0">
+                <a:pos x="connsiteX11" y="connsiteY11"/>
+              </a:cxn>
+              <a:cxn ang="0">
+                <a:pos x="connsiteX12" y="connsiteY12"/>
+              </a:cxn>
+              <a:cxn ang="0">
+                <a:pos x="connsiteX13" y="connsiteY13"/>
+              </a:cxn>
+              <a:cxn ang="0">
+                <a:pos x="connsiteX14" y="connsiteY14"/>
+              </a:cxn>
+              <a:cxn ang="0">
+                <a:pos x="connsiteX15" y="connsiteY15"/>
+              </a:cxn>
+              <a:cxn ang="0">
+                <a:pos x="connsiteX16" y="connsiteY16"/>
+              </a:cxn>
+            </a:cxnLst>
+            <a:rect l="l" t="t" r="r" b="b"/>
+            <a:pathLst>
+              <a:path w="4121624" h="2750024">
+                <a:moveTo>
+                  <a:pt x="0" y="2743200"/>
+                </a:moveTo>
+                <a:lnTo>
+                  <a:pt x="259307" y="2518012"/>
+                </a:lnTo>
+                <a:lnTo>
+                  <a:pt x="511791" y="2354239"/>
+                </a:lnTo>
+                <a:lnTo>
+                  <a:pt x="832513" y="2204114"/>
+                </a:lnTo>
+                <a:lnTo>
+                  <a:pt x="1139588" y="2101756"/>
+                </a:lnTo>
+                <a:lnTo>
+                  <a:pt x="1583140" y="2013045"/>
+                </a:lnTo>
+                <a:lnTo>
+                  <a:pt x="1958453" y="1972102"/>
+                </a:lnTo>
+                <a:lnTo>
+                  <a:pt x="2272352" y="1978926"/>
+                </a:lnTo>
+                <a:lnTo>
+                  <a:pt x="2770495" y="2060812"/>
+                </a:lnTo>
+                <a:lnTo>
+                  <a:pt x="3111689" y="2163170"/>
+                </a:lnTo>
+                <a:lnTo>
+                  <a:pt x="3459707" y="2313296"/>
+                </a:lnTo>
+                <a:lnTo>
+                  <a:pt x="3794077" y="2545308"/>
+                </a:lnTo>
+                <a:lnTo>
+                  <a:pt x="3985146" y="2688609"/>
+                </a:lnTo>
+                <a:lnTo>
+                  <a:pt x="4107976" y="2750024"/>
+                </a:lnTo>
+                <a:cubicBezTo>
+                  <a:pt x="4112525" y="1833349"/>
+                  <a:pt x="4117075" y="916675"/>
+                  <a:pt x="4121624" y="0"/>
+                </a:cubicBezTo>
+                <a:lnTo>
+                  <a:pt x="0" y="6824"/>
+                </a:lnTo>
+                <a:lnTo>
+                  <a:pt x="0" y="2743200"/>
+                </a:lnTo>
+                <a:close/>
+              </a:path>
+            </a:pathLst>
+          </a:custGeom>
+          <a:solidFill>
+            <a:schemeClr val="bg1"/>
+          </a:solidFill>
+          <a:ln w="76200">
+            <a:solidFill>
+              <a:schemeClr val="bg1"/>
+            </a:solidFill>
+          </a:ln>
+        </p:spPr>
+        <p:style>
+          <a:lnRef idx="2">
+            <a:schemeClr val="accent1">
+              <a:shade val="50000"/>
+            </a:schemeClr>
+          </a:lnRef>
+          <a:fillRef idx="1">
+            <a:schemeClr val="accent1"/>
+          </a:fillRef>
+          <a:effectRef idx="0">
+            <a:schemeClr val="accent1"/>
+          </a:effectRef>
+          <a:fontRef idx="minor">
+            <a:schemeClr val="lt1"/>
+          </a:fontRef>
+        </p:style>
+        <p:txBody>
+          <a:bodyPr rtlCol="0" anchor="ctr"/>
+          <a:lstStyle/>
+          <a:p>
+            <a:pPr algn="ctr"/>
+            <a:endParaRPr lang="pt-BR"/>
+          </a:p>
+        </p:txBody>
+      </p:sp>
       <p:cxnSp>
         <p:nvCxnSpPr>
           <p:cNvPr id="18" name="Conector de seta reta 17"/>
@@ -7625,8 +7630,8 @@
         </p:nvSpPr>
         <p:spPr>
           <a:xfrm>
-            <a:off x="4788024" y="72187"/>
-            <a:ext cx="4177160" cy="2308324"/>
+            <a:off x="1514110" y="347172"/>
+            <a:ext cx="6115780" cy="1938992"/>
           </a:xfrm>
           <a:prstGeom prst="rect">
             <a:avLst/>
@@ -7642,33 +7647,88 @@
             <a:pPr algn="ctr"/>
             <a:r>
               <a:rPr lang="pt-BR" sz="2400" dirty="0" smtClean="0"/>
-              <a:t>Outras fontes do campo geomagnético são correntes elétricas provenientes do movimento de partículas carregadas na </a:t>
-            </a:r>
-            <a:r>
-              <a:rPr lang="pt-BR" sz="2400" dirty="0" smtClean="0">
-                <a:solidFill>
-                  <a:srgbClr val="FF0000"/>
-                </a:solidFill>
-              </a:rPr>
-              <a:t>magnetosfera</a:t>
+              <a:t>Em geomagnetismo, a soma dos campos </a:t>
+            </a:r>
+            <a:r>
+              <a:rPr lang="pt-BR" sz="2400" dirty="0" err="1" smtClean="0"/>
+              <a:t>crustal</a:t>
             </a:r>
             <a:r>
               <a:rPr lang="pt-BR" sz="2400" dirty="0" smtClean="0"/>
-              <a:t> e </a:t>
-            </a:r>
-            <a:r>
-              <a:rPr lang="pt-BR" sz="2400" dirty="0" smtClean="0">
-                <a:solidFill>
-                  <a:srgbClr val="FF0000"/>
-                </a:solidFill>
-              </a:rPr>
-              <a:t>ionosfera</a:t>
+              <a:t> e principal é denominada </a:t>
+            </a:r>
+            <a:r>
+              <a:rPr lang="pt-BR" sz="2400" b="1" dirty="0" smtClean="0"/>
+              <a:t>campo interno</a:t>
             </a:r>
             <a:r>
               <a:rPr lang="pt-BR" sz="2400" dirty="0" smtClean="0"/>
-              <a:t>.</a:t>
-            </a:r>
-            <a:endParaRPr lang="pt-BR" sz="2400" dirty="0"/>
+              <a:t> (</a:t>
+            </a:r>
+            <a:r>
+              <a:rPr lang="pt-BR" sz="2400" dirty="0" err="1"/>
+              <a:t>Langel</a:t>
+            </a:r>
+            <a:r>
+              <a:rPr lang="pt-BR" sz="2400" dirty="0"/>
+              <a:t> e</a:t>
+            </a:r>
+            <a:r>
+              <a:rPr lang="pt-BR" sz="2400" dirty="0" smtClean="0"/>
+              <a:t> </a:t>
+            </a:r>
+            <a:r>
+              <a:rPr lang="pt-BR" sz="2400" dirty="0" err="1"/>
+              <a:t>Hinze</a:t>
+            </a:r>
+            <a:r>
+              <a:rPr lang="pt-BR" sz="2400" dirty="0"/>
+              <a:t>, </a:t>
+            </a:r>
+            <a:r>
+              <a:rPr lang="pt-BR" sz="2400" dirty="0" smtClean="0"/>
+              <a:t>1998; </a:t>
+            </a:r>
+            <a:r>
+              <a:rPr lang="pt-BR" sz="2400" dirty="0" err="1" smtClean="0"/>
+              <a:t>Hulot</a:t>
+            </a:r>
+            <a:r>
+              <a:rPr lang="pt-BR" sz="2400" dirty="0" smtClean="0"/>
+              <a:t> et al., 2015). Já em geofísica aplicada, é denominada </a:t>
+            </a:r>
+            <a:r>
+              <a:rPr lang="pt-BR" sz="2400" b="1" dirty="0" smtClean="0"/>
+              <a:t>campo total</a:t>
+            </a:r>
+            <a:r>
+              <a:rPr lang="pt-BR" sz="2400" dirty="0" smtClean="0"/>
+              <a:t> (</a:t>
+            </a:r>
+            <a:r>
+              <a:rPr lang="pt-BR" sz="2400" dirty="0" err="1" smtClean="0"/>
+              <a:t>Blakely</a:t>
+            </a:r>
+            <a:r>
+              <a:rPr lang="pt-BR" sz="2400" dirty="0" smtClean="0"/>
+              <a:t>, </a:t>
+            </a:r>
+            <a:r>
+              <a:rPr lang="pt-BR" sz="2400" dirty="0"/>
+              <a:t>1996; </a:t>
+            </a:r>
+            <a:r>
+              <a:rPr lang="pt-BR" sz="2400" dirty="0" err="1" smtClean="0"/>
+              <a:t>Nabighian</a:t>
+            </a:r>
+            <a:r>
+              <a:rPr lang="pt-BR" sz="2400" dirty="0" smtClean="0"/>
+              <a:t> et </a:t>
+            </a:r>
+            <a:r>
+              <a:rPr lang="pt-BR" sz="2400" dirty="0"/>
+              <a:t>al., 2005).</a:t>
+            </a:r>
           </a:p>
         </p:txBody>
       </p:sp>
@@ -7707,229 +7767,13 @@
               <a:t>(ou campo interno)</a:t>
             </a:r>
             <a:endParaRPr lang="pt-BR" dirty="0"/>
-          </a:p>
-        </p:txBody>
-      </p:sp>
-      <p:sp>
-        <p:nvSpPr>
-          <p:cNvPr id="30" name="CaixaDeTexto 29"/>
-          <p:cNvSpPr txBox="1"/>
-          <p:nvPr/>
-        </p:nvSpPr>
-        <p:spPr>
-          <a:xfrm>
-            <a:off x="167748" y="544034"/>
-            <a:ext cx="1800200" cy="369332"/>
-          </a:xfrm>
-          <a:prstGeom prst="rect">
-            <a:avLst/>
-          </a:prstGeom>
-          <a:noFill/>
-        </p:spPr>
-        <p:txBody>
-          <a:bodyPr wrap="square" rtlCol="0">
-            <a:spAutoFit/>
-          </a:bodyPr>
-          <a:lstStyle/>
-          <a:p>
-            <a:r>
-              <a:rPr lang="pt-BR" dirty="0" smtClean="0">
-                <a:solidFill>
-                  <a:srgbClr val="FF0000"/>
-                </a:solidFill>
-              </a:rPr>
-              <a:t>Ionosfera</a:t>
-            </a:r>
-            <a:endParaRPr lang="pt-BR" dirty="0">
-              <a:solidFill>
-                <a:srgbClr val="FF0000"/>
-              </a:solidFill>
-            </a:endParaRPr>
-          </a:p>
-        </p:txBody>
-      </p:sp>
-      <p:cxnSp>
-        <p:nvCxnSpPr>
-          <p:cNvPr id="31" name="Conector de seta reta 30"/>
-          <p:cNvCxnSpPr/>
-          <p:nvPr/>
-        </p:nvCxnSpPr>
-        <p:spPr>
-          <a:xfrm>
-            <a:off x="1193826" y="834389"/>
-            <a:ext cx="641870" cy="1730515"/>
-          </a:xfrm>
-          <a:prstGeom prst="straightConnector1">
-            <a:avLst/>
-          </a:prstGeom>
-          <a:ln w="38100">
-            <a:solidFill>
-              <a:schemeClr val="tx1"/>
-            </a:solidFill>
-            <a:tailEnd type="arrow"/>
-          </a:ln>
-        </p:spPr>
-        <p:style>
-          <a:lnRef idx="1">
-            <a:schemeClr val="accent1"/>
-          </a:lnRef>
-          <a:fillRef idx="0">
-            <a:schemeClr val="accent1"/>
-          </a:fillRef>
-          <a:effectRef idx="0">
-            <a:schemeClr val="accent1"/>
-          </a:effectRef>
-          <a:fontRef idx="minor">
-            <a:schemeClr val="tx1"/>
-          </a:fontRef>
-        </p:style>
-      </p:cxnSp>
-      <p:sp>
-        <p:nvSpPr>
-          <p:cNvPr id="32" name="CaixaDeTexto 31"/>
-          <p:cNvSpPr txBox="1"/>
-          <p:nvPr/>
-        </p:nvSpPr>
-        <p:spPr>
-          <a:xfrm>
-            <a:off x="2699792" y="567730"/>
-            <a:ext cx="1800200" cy="369332"/>
-          </a:xfrm>
-          <a:prstGeom prst="rect">
-            <a:avLst/>
-          </a:prstGeom>
-          <a:noFill/>
-        </p:spPr>
-        <p:txBody>
-          <a:bodyPr wrap="square" rtlCol="0">
-            <a:spAutoFit/>
-          </a:bodyPr>
-          <a:lstStyle/>
-          <a:p>
-            <a:r>
-              <a:rPr lang="pt-BR" dirty="0" smtClean="0">
-                <a:solidFill>
-                  <a:srgbClr val="FF0000"/>
-                </a:solidFill>
-              </a:rPr>
-              <a:t>Magnetosfera</a:t>
-            </a:r>
-            <a:endParaRPr lang="pt-BR" dirty="0">
-              <a:solidFill>
-                <a:srgbClr val="FF0000"/>
-              </a:solidFill>
-            </a:endParaRPr>
-          </a:p>
-        </p:txBody>
-      </p:sp>
-      <p:cxnSp>
-        <p:nvCxnSpPr>
-          <p:cNvPr id="33" name="Conector de seta reta 32"/>
-          <p:cNvCxnSpPr/>
-          <p:nvPr/>
-        </p:nvCxnSpPr>
-        <p:spPr>
-          <a:xfrm flipH="1">
-            <a:off x="2195737" y="834389"/>
-            <a:ext cx="576063" cy="290355"/>
-          </a:xfrm>
-          <a:prstGeom prst="straightConnector1">
-            <a:avLst/>
-          </a:prstGeom>
-          <a:ln w="38100">
-            <a:solidFill>
-              <a:schemeClr val="tx1"/>
-            </a:solidFill>
-            <a:tailEnd type="arrow"/>
-          </a:ln>
-        </p:spPr>
-        <p:style>
-          <a:lnRef idx="1">
-            <a:schemeClr val="accent1"/>
-          </a:lnRef>
-          <a:fillRef idx="0">
-            <a:schemeClr val="accent1"/>
-          </a:fillRef>
-          <a:effectRef idx="0">
-            <a:schemeClr val="accent1"/>
-          </a:effectRef>
-          <a:fontRef idx="minor">
-            <a:schemeClr val="tx1"/>
-          </a:fontRef>
-        </p:style>
-      </p:cxnSp>
-      <p:sp>
-        <p:nvSpPr>
-          <p:cNvPr id="34" name="CaixaDeTexto 33"/>
-          <p:cNvSpPr txBox="1"/>
-          <p:nvPr/>
-        </p:nvSpPr>
-        <p:spPr>
-          <a:xfrm>
-            <a:off x="35496" y="282134"/>
-            <a:ext cx="2316661" cy="338554"/>
-          </a:xfrm>
-          <a:prstGeom prst="rect">
-            <a:avLst/>
-          </a:prstGeom>
-          <a:noFill/>
-        </p:spPr>
-        <p:txBody>
-          <a:bodyPr wrap="square" rtlCol="0">
-            <a:spAutoFit/>
-          </a:bodyPr>
-          <a:lstStyle/>
-          <a:p>
-            <a:r>
-              <a:rPr lang="pt-BR" sz="1600" dirty="0" smtClean="0"/>
-              <a:t>Fonte: </a:t>
-            </a:r>
-            <a:r>
-              <a:rPr lang="pt-BR" sz="1600" dirty="0" smtClean="0"/>
-              <a:t>correntes elétricas</a:t>
-            </a:r>
-            <a:endParaRPr lang="pt-BR" sz="1600" dirty="0"/>
-          </a:p>
-        </p:txBody>
-      </p:sp>
-      <p:sp>
-        <p:nvSpPr>
-          <p:cNvPr id="35" name="CaixaDeTexto 34"/>
-          <p:cNvSpPr txBox="1"/>
-          <p:nvPr/>
-        </p:nvSpPr>
-        <p:spPr>
-          <a:xfrm>
-            <a:off x="2527729" y="279698"/>
-            <a:ext cx="2316661" cy="338554"/>
-          </a:xfrm>
-          <a:prstGeom prst="rect">
-            <a:avLst/>
-          </a:prstGeom>
-          <a:noFill/>
-        </p:spPr>
-        <p:txBody>
-          <a:bodyPr wrap="square" rtlCol="0">
-            <a:spAutoFit/>
-          </a:bodyPr>
-          <a:lstStyle/>
-          <a:p>
-            <a:r>
-              <a:rPr lang="pt-BR" sz="1600" dirty="0" smtClean="0"/>
-              <a:t>Fonte: </a:t>
-            </a:r>
-            <a:r>
-              <a:rPr lang="pt-BR" sz="1600" dirty="0" smtClean="0"/>
-              <a:t>correntes elétricas</a:t>
-            </a:r>
-            <a:endParaRPr lang="pt-BR" sz="1600" dirty="0"/>
           </a:p>
         </p:txBody>
       </p:sp>
     </p:spTree>
     <p:extLst>
       <p:ext uri="{BB962C8B-B14F-4D97-AF65-F5344CB8AC3E}">
-        <p14:creationId xmlns:p14="http://schemas.microsoft.com/office/powerpoint/2010/main" val="3803682182"/>
+        <p14:creationId xmlns:p14="http://schemas.microsoft.com/office/powerpoint/2010/main" val="4075523892"/>
       </p:ext>
     </p:extLst>
   </p:cSld>
@@ -8459,6 +8303,61 @@
       </p:sp>
       <p:sp>
         <p:nvSpPr>
+          <p:cNvPr id="4" name="CaixaDeTexto 3"/>
+          <p:cNvSpPr txBox="1"/>
+          <p:nvPr/>
+        </p:nvSpPr>
+        <p:spPr>
+          <a:xfrm>
+            <a:off x="4788024" y="72187"/>
+            <a:ext cx="4177160" cy="2308324"/>
+          </a:xfrm>
+          <a:prstGeom prst="rect">
+            <a:avLst/>
+          </a:prstGeom>
+          <a:noFill/>
+        </p:spPr>
+        <p:txBody>
+          <a:bodyPr wrap="square" rtlCol="0">
+            <a:spAutoFit/>
+          </a:bodyPr>
+          <a:lstStyle/>
+          <a:p>
+            <a:pPr algn="ctr"/>
+            <a:r>
+              <a:rPr lang="pt-BR" sz="2400" dirty="0" smtClean="0"/>
+              <a:t>Outras fontes do campo geomagnético são correntes elétricas provenientes do movimento de partículas carregadas na </a:t>
+            </a:r>
+            <a:r>
+              <a:rPr lang="pt-BR" sz="2400" dirty="0" smtClean="0">
+                <a:solidFill>
+                  <a:srgbClr val="FF0000"/>
+                </a:solidFill>
+              </a:rPr>
+              <a:t>magnetosfera</a:t>
+            </a:r>
+            <a:r>
+              <a:rPr lang="pt-BR" sz="2400" dirty="0" smtClean="0"/>
+              <a:t> e </a:t>
+            </a:r>
+            <a:r>
+              <a:rPr lang="pt-BR" sz="2400" dirty="0" smtClean="0">
+                <a:solidFill>
+                  <a:srgbClr val="FF0000"/>
+                </a:solidFill>
+              </a:rPr>
+              <a:t>ionosfera</a:t>
+            </a:r>
+            <a:r>
+              <a:rPr lang="pt-BR" sz="2400" dirty="0" smtClean="0"/>
+              <a:t>.</a:t>
+            </a:r>
+            <a:endParaRPr lang="pt-BR" sz="2400" dirty="0"/>
+          </a:p>
+        </p:txBody>
+      </p:sp>
+      <p:sp>
+        <p:nvSpPr>
           <p:cNvPr id="5" name="CaixaDeTexto 4"/>
           <p:cNvSpPr txBox="1"/>
           <p:nvPr/>
@@ -8497,7 +8396,7 @@
       </p:sp>
       <p:sp>
         <p:nvSpPr>
-          <p:cNvPr id="22" name="CaixaDeTexto 21"/>
+          <p:cNvPr id="30" name="CaixaDeTexto 29"/>
           <p:cNvSpPr txBox="1"/>
           <p:nvPr/>
         </p:nvSpPr>
@@ -8535,7 +8434,7 @@
       </p:sp>
       <p:cxnSp>
         <p:nvCxnSpPr>
-          <p:cNvPr id="24" name="Conector de seta reta 23"/>
+          <p:cNvPr id="31" name="Conector de seta reta 30"/>
           <p:cNvCxnSpPr/>
           <p:nvPr/>
         </p:nvCxnSpPr>
@@ -8571,86 +8470,7 @@
       </p:cxnSp>
       <p:sp>
         <p:nvSpPr>
-          <p:cNvPr id="27" name="CaixaDeTexto 26"/>
-          <p:cNvSpPr txBox="1"/>
-          <p:nvPr/>
-        </p:nvSpPr>
-        <p:spPr>
-          <a:xfrm>
-            <a:off x="4788024" y="72187"/>
-            <a:ext cx="4177160" cy="2308324"/>
-          </a:xfrm>
-          <a:prstGeom prst="rect">
-            <a:avLst/>
-          </a:prstGeom>
-          <a:noFill/>
-        </p:spPr>
-        <p:txBody>
-          <a:bodyPr wrap="square" rtlCol="0">
-            <a:spAutoFit/>
-          </a:bodyPr>
-          <a:lstStyle/>
-          <a:p>
-            <a:pPr algn="ctr"/>
-            <a:r>
-              <a:rPr lang="pt-BR" sz="2400" dirty="0" smtClean="0"/>
-              <a:t>Os campos produzidos por estas fontes são denominados, respectivamente, </a:t>
-            </a:r>
-            <a:r>
-              <a:rPr lang="pt-BR" sz="2400" b="1" dirty="0" smtClean="0"/>
-              <a:t>campo </a:t>
-            </a:r>
-            <a:r>
-              <a:rPr lang="pt-BR" sz="2400" b="1" dirty="0" err="1" smtClean="0"/>
-              <a:t>magnetosférico</a:t>
-            </a:r>
-            <a:r>
-              <a:rPr lang="pt-BR" sz="2400" dirty="0" smtClean="0"/>
-              <a:t> e </a:t>
-            </a:r>
-            <a:r>
-              <a:rPr lang="pt-BR" sz="2400" b="1" dirty="0" smtClean="0"/>
-              <a:t>campo ionosférico </a:t>
-            </a:r>
-            <a:r>
-              <a:rPr lang="pt-BR" sz="2400" dirty="0" smtClean="0"/>
-              <a:t>(</a:t>
-            </a:r>
-            <a:r>
-              <a:rPr lang="pt-BR" sz="2400" dirty="0" err="1"/>
-              <a:t>Langel</a:t>
-            </a:r>
-            <a:r>
-              <a:rPr lang="pt-BR" sz="2400" dirty="0"/>
-              <a:t> e </a:t>
-            </a:r>
-            <a:r>
-              <a:rPr lang="pt-BR" sz="2400" dirty="0" err="1"/>
-              <a:t>Hinze</a:t>
-            </a:r>
-            <a:r>
-              <a:rPr lang="pt-BR" sz="2400" dirty="0"/>
-              <a:t>, 1998; </a:t>
-            </a:r>
-            <a:r>
-              <a:rPr lang="pt-BR" sz="2400" dirty="0" err="1"/>
-              <a:t>Hulot</a:t>
-            </a:r>
-            <a:r>
-              <a:rPr lang="pt-BR" sz="2400" dirty="0"/>
-              <a:t> et al., 2015</a:t>
-            </a:r>
-            <a:r>
-              <a:rPr lang="pt-BR" sz="2400" dirty="0" smtClean="0"/>
-              <a:t>).</a:t>
-            </a:r>
-            <a:endParaRPr lang="pt-BR" sz="2400" dirty="0"/>
-          </a:p>
-        </p:txBody>
-      </p:sp>
-      <p:sp>
-        <p:nvSpPr>
-          <p:cNvPr id="28" name="CaixaDeTexto 27"/>
+          <p:cNvPr id="32" name="CaixaDeTexto 31"/>
           <p:cNvSpPr txBox="1"/>
           <p:nvPr/>
         </p:nvSpPr>
@@ -8688,7 +8508,7 @@
       </p:sp>
       <p:cxnSp>
         <p:nvCxnSpPr>
-          <p:cNvPr id="29" name="Conector de seta reta 28"/>
+          <p:cNvPr id="33" name="Conector de seta reta 32"/>
           <p:cNvCxnSpPr/>
           <p:nvPr/>
         </p:nvCxnSpPr>
@@ -8724,7 +8544,7 @@
       </p:cxnSp>
       <p:sp>
         <p:nvSpPr>
-          <p:cNvPr id="30" name="CaixaDeTexto 29"/>
+          <p:cNvPr id="34" name="CaixaDeTexto 33"/>
           <p:cNvSpPr txBox="1"/>
           <p:nvPr/>
         </p:nvSpPr>
@@ -8746,11 +8566,7 @@
           <a:p>
             <a:r>
               <a:rPr lang="pt-BR" sz="1600" dirty="0" smtClean="0"/>
-              <a:t>Fonte: </a:t>
-            </a:r>
-            <a:r>
-              <a:rPr lang="pt-BR" sz="1600" dirty="0" smtClean="0"/>
-              <a:t>correntes elétricas</a:t>
+              <a:t>Fonte: correntes elétricas</a:t>
             </a:r>
             <a:endParaRPr lang="pt-BR" sz="1600" dirty="0"/>
           </a:p>
@@ -8758,41 +8574,7 @@
       </p:sp>
       <p:sp>
         <p:nvSpPr>
-          <p:cNvPr id="31" name="CaixaDeTexto 30"/>
-          <p:cNvSpPr txBox="1"/>
-          <p:nvPr/>
-        </p:nvSpPr>
-        <p:spPr>
-          <a:xfrm>
-            <a:off x="35496" y="-5898"/>
-            <a:ext cx="2548327" cy="338554"/>
-          </a:xfrm>
-          <a:prstGeom prst="rect">
-            <a:avLst/>
-          </a:prstGeom>
-          <a:noFill/>
-        </p:spPr>
-        <p:txBody>
-          <a:bodyPr wrap="square" rtlCol="0">
-            <a:spAutoFit/>
-          </a:bodyPr>
-          <a:lstStyle/>
-          <a:p>
-            <a:r>
-              <a:rPr lang="pt-BR" sz="1600" dirty="0" smtClean="0"/>
-              <a:t>Campo </a:t>
-            </a:r>
-            <a:r>
-              <a:rPr lang="pt-BR" sz="1600" dirty="0" smtClean="0"/>
-              <a:t>ionosférico</a:t>
-            </a:r>
-            <a:endParaRPr lang="pt-BR" sz="1600" dirty="0"/>
-          </a:p>
-        </p:txBody>
-      </p:sp>
-      <p:sp>
-        <p:nvSpPr>
-          <p:cNvPr id="33" name="CaixaDeTexto 32"/>
+          <p:cNvPr id="35" name="CaixaDeTexto 34"/>
           <p:cNvSpPr txBox="1"/>
           <p:nvPr/>
         </p:nvSpPr>
@@ -8814,45 +8596,7 @@
           <a:p>
             <a:r>
               <a:rPr lang="pt-BR" sz="1600" dirty="0" smtClean="0"/>
-              <a:t>Fonte: </a:t>
-            </a:r>
-            <a:r>
-              <a:rPr lang="pt-BR" sz="1600" dirty="0" smtClean="0"/>
-              <a:t>correntes elétricas</a:t>
-            </a:r>
-            <a:endParaRPr lang="pt-BR" sz="1600" dirty="0"/>
-          </a:p>
-        </p:txBody>
-      </p:sp>
-      <p:sp>
-        <p:nvSpPr>
-          <p:cNvPr id="34" name="CaixaDeTexto 33"/>
-          <p:cNvSpPr txBox="1"/>
-          <p:nvPr/>
-        </p:nvSpPr>
-        <p:spPr>
-          <a:xfrm>
-            <a:off x="2527729" y="-8334"/>
-            <a:ext cx="2548327" cy="338554"/>
-          </a:xfrm>
-          <a:prstGeom prst="rect">
-            <a:avLst/>
-          </a:prstGeom>
-          <a:noFill/>
-        </p:spPr>
-        <p:txBody>
-          <a:bodyPr wrap="square" rtlCol="0">
-            <a:spAutoFit/>
-          </a:bodyPr>
-          <a:lstStyle/>
-          <a:p>
-            <a:r>
-              <a:rPr lang="pt-BR" sz="1600" dirty="0" smtClean="0"/>
-              <a:t>Campo </a:t>
-            </a:r>
-            <a:r>
-              <a:rPr lang="pt-BR" sz="1600" dirty="0" smtClean="0"/>
-              <a:t>ionosférico</a:t>
+              <a:t>Fonte: correntes elétricas</a:t>
             </a:r>
             <a:endParaRPr lang="pt-BR" sz="1600" dirty="0"/>
           </a:p>
@@ -8861,7 +8605,7 @@
     </p:spTree>
     <p:extLst>
       <p:ext uri="{BB962C8B-B14F-4D97-AF65-F5344CB8AC3E}">
-        <p14:creationId xmlns:p14="http://schemas.microsoft.com/office/powerpoint/2010/main" val="2209352562"/>
+        <p14:creationId xmlns:p14="http://schemas.microsoft.com/office/powerpoint/2010/main" val="3803682182"/>
       </p:ext>
     </p:extLst>
   </p:cSld>
@@ -9429,38 +9173,7 @@
       </p:sp>
       <p:sp>
         <p:nvSpPr>
-          <p:cNvPr id="27" name="CaixaDeTexto 26"/>
-          <p:cNvSpPr txBox="1"/>
-          <p:nvPr/>
-        </p:nvSpPr>
-        <p:spPr>
-          <a:xfrm>
-            <a:off x="4788024" y="481896"/>
-            <a:ext cx="4177160" cy="1938992"/>
-          </a:xfrm>
-          <a:prstGeom prst="rect">
-            <a:avLst/>
-          </a:prstGeom>
-          <a:noFill/>
-        </p:spPr>
-        <p:txBody>
-          <a:bodyPr wrap="square" rtlCol="0">
-            <a:spAutoFit/>
-          </a:bodyPr>
-          <a:lstStyle/>
-          <a:p>
-            <a:pPr algn="ctr"/>
-            <a:r>
-              <a:rPr lang="pt-BR" sz="2400" dirty="0" smtClean="0"/>
-              <a:t>Embora os processos físicos que controlam os sistemas de correntes elétricas nestas duas regiões sejam distintos, eles estão acoplados.</a:t>
-            </a:r>
-            <a:endParaRPr lang="pt-BR" sz="2400" dirty="0"/>
-          </a:p>
-        </p:txBody>
-      </p:sp>
-      <p:sp>
-        <p:nvSpPr>
-          <p:cNvPr id="26" name="CaixaDeTexto 25"/>
+          <p:cNvPr id="22" name="CaixaDeTexto 21"/>
           <p:cNvSpPr txBox="1"/>
           <p:nvPr/>
         </p:nvSpPr>
@@ -9498,7 +9211,7 @@
       </p:sp>
       <p:cxnSp>
         <p:nvCxnSpPr>
-          <p:cNvPr id="28" name="Conector de seta reta 27"/>
+          <p:cNvPr id="24" name="Conector de seta reta 23"/>
           <p:cNvCxnSpPr/>
           <p:nvPr/>
         </p:nvCxnSpPr>
@@ -9534,7 +9247,86 @@
       </p:cxnSp>
       <p:sp>
         <p:nvSpPr>
-          <p:cNvPr id="29" name="CaixaDeTexto 28"/>
+          <p:cNvPr id="27" name="CaixaDeTexto 26"/>
+          <p:cNvSpPr txBox="1"/>
+          <p:nvPr/>
+        </p:nvSpPr>
+        <p:spPr>
+          <a:xfrm>
+            <a:off x="4788024" y="72187"/>
+            <a:ext cx="4177160" cy="2308324"/>
+          </a:xfrm>
+          <a:prstGeom prst="rect">
+            <a:avLst/>
+          </a:prstGeom>
+          <a:noFill/>
+        </p:spPr>
+        <p:txBody>
+          <a:bodyPr wrap="square" rtlCol="0">
+            <a:spAutoFit/>
+          </a:bodyPr>
+          <a:lstStyle/>
+          <a:p>
+            <a:pPr algn="ctr"/>
+            <a:r>
+              <a:rPr lang="pt-BR" sz="2400" dirty="0" smtClean="0"/>
+              <a:t>Os campos produzidos por estas fontes são denominados, respectivamente, </a:t>
+            </a:r>
+            <a:r>
+              <a:rPr lang="pt-BR" sz="2400" b="1" dirty="0" smtClean="0"/>
+              <a:t>campo </a:t>
+            </a:r>
+            <a:r>
+              <a:rPr lang="pt-BR" sz="2400" b="1" dirty="0" err="1" smtClean="0"/>
+              <a:t>magnetosférico</a:t>
+            </a:r>
+            <a:r>
+              <a:rPr lang="pt-BR" sz="2400" dirty="0" smtClean="0"/>
+              <a:t> e </a:t>
+            </a:r>
+            <a:r>
+              <a:rPr lang="pt-BR" sz="2400" b="1" dirty="0" smtClean="0"/>
+              <a:t>campo ionosférico </a:t>
+            </a:r>
+            <a:r>
+              <a:rPr lang="pt-BR" sz="2400" dirty="0" smtClean="0"/>
+              <a:t>(</a:t>
+            </a:r>
+            <a:r>
+              <a:rPr lang="pt-BR" sz="2400" dirty="0" err="1"/>
+              <a:t>Langel</a:t>
+            </a:r>
+            <a:r>
+              <a:rPr lang="pt-BR" sz="2400" dirty="0"/>
+              <a:t> e </a:t>
+            </a:r>
+            <a:r>
+              <a:rPr lang="pt-BR" sz="2400" dirty="0" err="1"/>
+              <a:t>Hinze</a:t>
+            </a:r>
+            <a:r>
+              <a:rPr lang="pt-BR" sz="2400" dirty="0"/>
+              <a:t>, 1998; </a:t>
+            </a:r>
+            <a:r>
+              <a:rPr lang="pt-BR" sz="2400" dirty="0" err="1"/>
+              <a:t>Hulot</a:t>
+            </a:r>
+            <a:r>
+              <a:rPr lang="pt-BR" sz="2400" dirty="0"/>
+              <a:t> et al., 2015</a:t>
+            </a:r>
+            <a:r>
+              <a:rPr lang="pt-BR" sz="2400" dirty="0" smtClean="0"/>
+              <a:t>).</a:t>
+            </a:r>
+            <a:endParaRPr lang="pt-BR" sz="2400" dirty="0"/>
+          </a:p>
+        </p:txBody>
+      </p:sp>
+      <p:sp>
+        <p:nvSpPr>
+          <p:cNvPr id="28" name="CaixaDeTexto 27"/>
           <p:cNvSpPr txBox="1"/>
           <p:nvPr/>
         </p:nvSpPr>
@@ -9572,7 +9364,7 @@
       </p:sp>
       <p:cxnSp>
         <p:nvCxnSpPr>
-          <p:cNvPr id="30" name="Conector de seta reta 29"/>
+          <p:cNvPr id="29" name="Conector de seta reta 28"/>
           <p:cNvCxnSpPr/>
           <p:nvPr/>
         </p:nvCxnSpPr>
@@ -9608,14 +9400,44 @@
       </p:cxnSp>
       <p:sp>
         <p:nvSpPr>
+          <p:cNvPr id="30" name="CaixaDeTexto 29"/>
+          <p:cNvSpPr txBox="1"/>
+          <p:nvPr/>
+        </p:nvSpPr>
+        <p:spPr>
+          <a:xfrm>
+            <a:off x="35496" y="282134"/>
+            <a:ext cx="2316661" cy="338554"/>
+          </a:xfrm>
+          <a:prstGeom prst="rect">
+            <a:avLst/>
+          </a:prstGeom>
+          <a:noFill/>
+        </p:spPr>
+        <p:txBody>
+          <a:bodyPr wrap="square" rtlCol="0">
+            <a:spAutoFit/>
+          </a:bodyPr>
+          <a:lstStyle/>
+          <a:p>
+            <a:r>
+              <a:rPr lang="pt-BR" sz="1600" dirty="0" smtClean="0"/>
+              <a:t>Fonte: correntes elétricas</a:t>
+            </a:r>
+            <a:endParaRPr lang="pt-BR" sz="1600" dirty="0"/>
+          </a:p>
+        </p:txBody>
+      </p:sp>
+      <p:sp>
+        <p:nvSpPr>
           <p:cNvPr id="31" name="CaixaDeTexto 30"/>
           <p:cNvSpPr txBox="1"/>
           <p:nvPr/>
         </p:nvSpPr>
         <p:spPr>
           <a:xfrm>
-            <a:off x="35496" y="282134"/>
-            <a:ext cx="2316661" cy="338554"/>
+            <a:off x="35496" y="-5898"/>
+            <a:ext cx="2548327" cy="338554"/>
           </a:xfrm>
           <a:prstGeom prst="rect">
             <a:avLst/>
@@ -9630,11 +9452,7 @@
           <a:p>
             <a:r>
               <a:rPr lang="pt-BR" sz="1600" dirty="0" smtClean="0"/>
-              <a:t>Fonte: </a:t>
-            </a:r>
-            <a:r>
-              <a:rPr lang="pt-BR" sz="1600" dirty="0" smtClean="0"/>
-              <a:t>correntes elétricas</a:t>
+              <a:t>Campo ionosférico</a:t>
             </a:r>
             <a:endParaRPr lang="pt-BR" sz="1600" dirty="0"/>
           </a:p>
@@ -9642,7 +9460,7 @@
       </p:sp>
       <p:sp>
         <p:nvSpPr>
-          <p:cNvPr id="32" name="CaixaDeTexto 31"/>
+          <p:cNvPr id="33" name="CaixaDeTexto 32"/>
           <p:cNvSpPr txBox="1"/>
           <p:nvPr/>
         </p:nvSpPr>
@@ -9664,11 +9482,37 @@
           <a:p>
             <a:r>
               <a:rPr lang="pt-BR" sz="1600" dirty="0" smtClean="0"/>
-              <a:t>Fonte: </a:t>
-            </a:r>
+              <a:t>Fonte: correntes elétricas</a:t>
+            </a:r>
+            <a:endParaRPr lang="pt-BR" sz="1600" dirty="0"/>
+          </a:p>
+        </p:txBody>
+      </p:sp>
+      <p:sp>
+        <p:nvSpPr>
+          <p:cNvPr id="34" name="CaixaDeTexto 33"/>
+          <p:cNvSpPr txBox="1"/>
+          <p:nvPr/>
+        </p:nvSpPr>
+        <p:spPr>
+          <a:xfrm>
+            <a:off x="2527729" y="-8334"/>
+            <a:ext cx="2548327" cy="338554"/>
+          </a:xfrm>
+          <a:prstGeom prst="rect">
+            <a:avLst/>
+          </a:prstGeom>
+          <a:noFill/>
+        </p:spPr>
+        <p:txBody>
+          <a:bodyPr wrap="square" rtlCol="0">
+            <a:spAutoFit/>
+          </a:bodyPr>
+          <a:lstStyle/>
+          <a:p>
             <a:r>
               <a:rPr lang="pt-BR" sz="1600" dirty="0" smtClean="0"/>
-              <a:t>correntes elétricas</a:t>
+              <a:t>Campo ionosférico</a:t>
             </a:r>
             <a:endParaRPr lang="pt-BR" sz="1600" dirty="0"/>
           </a:p>
@@ -9677,7 +9521,7 @@
     </p:spTree>
     <p:extLst>
       <p:ext uri="{BB962C8B-B14F-4D97-AF65-F5344CB8AC3E}">
-        <p14:creationId xmlns:p14="http://schemas.microsoft.com/office/powerpoint/2010/main" val="953121943"/>
+        <p14:creationId xmlns:p14="http://schemas.microsoft.com/office/powerpoint/2010/main" val="2209352562"/>
       </p:ext>
     </p:extLst>
   </p:cSld>
@@ -10245,6 +10089,37 @@
       </p:sp>
       <p:sp>
         <p:nvSpPr>
+          <p:cNvPr id="27" name="CaixaDeTexto 26"/>
+          <p:cNvSpPr txBox="1"/>
+          <p:nvPr/>
+        </p:nvSpPr>
+        <p:spPr>
+          <a:xfrm>
+            <a:off x="4788024" y="481896"/>
+            <a:ext cx="4177160" cy="1938992"/>
+          </a:xfrm>
+          <a:prstGeom prst="rect">
+            <a:avLst/>
+          </a:prstGeom>
+          <a:noFill/>
+        </p:spPr>
+        <p:txBody>
+          <a:bodyPr wrap="square" rtlCol="0">
+            <a:spAutoFit/>
+          </a:bodyPr>
+          <a:lstStyle/>
+          <a:p>
+            <a:pPr algn="ctr"/>
+            <a:r>
+              <a:rPr lang="pt-BR" sz="2400" dirty="0" smtClean="0"/>
+              <a:t>Embora os processos físicos que controlam os sistemas de correntes elétricas nestas duas regiões sejam distintos, eles estão acoplados.</a:t>
+            </a:r>
+            <a:endParaRPr lang="pt-BR" sz="2400" dirty="0"/>
+          </a:p>
+        </p:txBody>
+      </p:sp>
+      <p:sp>
+        <p:nvSpPr>
           <p:cNvPr id="26" name="CaixaDeTexto 25"/>
           <p:cNvSpPr txBox="1"/>
           <p:nvPr/>
@@ -10415,11 +10290,7 @@
           <a:p>
             <a:r>
               <a:rPr lang="pt-BR" sz="1600" dirty="0" smtClean="0"/>
-              <a:t>Fonte: </a:t>
-            </a:r>
-            <a:r>
-              <a:rPr lang="pt-BR" sz="1600" dirty="0" smtClean="0"/>
-              <a:t>correntes elétricas</a:t>
+              <a:t>Fonte: correntes elétricas</a:t>
             </a:r>
             <a:endParaRPr lang="pt-BR" sz="1600" dirty="0"/>
           </a:p>
@@ -10449,63 +10320,16 @@
           <a:p>
             <a:r>
               <a:rPr lang="pt-BR" sz="1600" dirty="0" smtClean="0"/>
-              <a:t>Fonte: </a:t>
-            </a:r>
-            <a:r>
-              <a:rPr lang="pt-BR" sz="1600" dirty="0" smtClean="0"/>
-              <a:t>correntes elétricas</a:t>
+              <a:t>Fonte: correntes elétricas</a:t>
             </a:r>
             <a:endParaRPr lang="pt-BR" sz="1600" dirty="0"/>
-          </a:p>
-        </p:txBody>
-      </p:sp>
-      <p:sp>
-        <p:nvSpPr>
-          <p:cNvPr id="25" name="CaixaDeTexto 24"/>
-          <p:cNvSpPr txBox="1"/>
-          <p:nvPr/>
-        </p:nvSpPr>
-        <p:spPr>
-          <a:xfrm>
-            <a:off x="4788024" y="481896"/>
-            <a:ext cx="4177160" cy="1938992"/>
-          </a:xfrm>
-          <a:prstGeom prst="rect">
-            <a:avLst/>
-          </a:prstGeom>
-          <a:noFill/>
-        </p:spPr>
-        <p:txBody>
-          <a:bodyPr wrap="square" rtlCol="0">
-            <a:spAutoFit/>
-          </a:bodyPr>
-          <a:lstStyle/>
-          <a:p>
-            <a:pPr algn="ctr"/>
-            <a:r>
-              <a:rPr lang="pt-BR" sz="2400" dirty="0" smtClean="0"/>
-              <a:t>As variações temporais destes campos vão de frações de segundo até dias e as variações da amplitude vão de dezenas at</a:t>
-            </a:r>
-            <a:r>
-              <a:rPr lang="pt-BR" sz="2400" dirty="0" smtClean="0"/>
-              <a:t>é milhares</a:t>
-            </a:r>
-            <a:r>
-              <a:rPr lang="pt-BR" sz="2400" dirty="0" smtClean="0"/>
-              <a:t> de </a:t>
-            </a:r>
-            <a:r>
-              <a:rPr lang="pt-BR" sz="2400" dirty="0" err="1" smtClean="0"/>
-              <a:t>nanotesla</a:t>
-            </a:r>
-            <a:endParaRPr lang="pt-BR" sz="2400" dirty="0"/>
           </a:p>
         </p:txBody>
       </p:sp>
     </p:spTree>
     <p:extLst>
       <p:ext uri="{BB962C8B-B14F-4D97-AF65-F5344CB8AC3E}">
-        <p14:creationId xmlns:p14="http://schemas.microsoft.com/office/powerpoint/2010/main" val="393487669"/>
+        <p14:creationId xmlns:p14="http://schemas.microsoft.com/office/powerpoint/2010/main" val="953121943"/>
       </p:ext>
     </p:extLst>
   </p:cSld>
@@ -11243,11 +11067,7 @@
           <a:p>
             <a:r>
               <a:rPr lang="pt-BR" sz="1600" dirty="0" smtClean="0"/>
-              <a:t>Fonte: </a:t>
-            </a:r>
-            <a:r>
-              <a:rPr lang="pt-BR" sz="1600" dirty="0" smtClean="0"/>
-              <a:t>correntes elétricas</a:t>
+              <a:t>Fonte: correntes elétricas</a:t>
             </a:r>
             <a:endParaRPr lang="pt-BR" sz="1600" dirty="0"/>
           </a:p>
@@ -11277,11 +11097,7 @@
           <a:p>
             <a:r>
               <a:rPr lang="pt-BR" sz="1600" dirty="0" smtClean="0"/>
-              <a:t>Fonte: </a:t>
-            </a:r>
-            <a:r>
-              <a:rPr lang="pt-BR" sz="1600" dirty="0" smtClean="0"/>
-              <a:t>correntes elétricas</a:t>
+              <a:t>Fonte: correntes elétricas</a:t>
             </a:r>
             <a:endParaRPr lang="pt-BR" sz="1600" dirty="0"/>
           </a:p>
@@ -11295,8 +11111,8 @@
         </p:nvSpPr>
         <p:spPr>
           <a:xfrm>
-            <a:off x="6444208" y="121856"/>
-            <a:ext cx="2547764" cy="1938992"/>
+            <a:off x="4788024" y="481896"/>
+            <a:ext cx="4177160" cy="1938992"/>
           </a:xfrm>
           <a:prstGeom prst="rect">
             <a:avLst/>
@@ -11311,129 +11127,25 @@
           <a:p>
             <a:pPr algn="ctr"/>
             <a:r>
-              <a:rPr lang="pt-BR" sz="2000" dirty="0" smtClean="0"/>
-              <a:t>O campo resultante produzido por estas fontes é denominado </a:t>
-            </a:r>
-            <a:r>
-              <a:rPr lang="pt-BR" sz="2000" b="1" dirty="0" smtClean="0"/>
-              <a:t>campo externo</a:t>
-            </a:r>
-            <a:r>
-              <a:rPr lang="pt-BR" sz="2000" dirty="0"/>
-              <a:t> (</a:t>
-            </a:r>
-            <a:r>
-              <a:rPr lang="pt-BR" sz="2000" dirty="0" err="1"/>
-              <a:t>Langel</a:t>
-            </a:r>
-            <a:r>
-              <a:rPr lang="pt-BR" sz="2000" dirty="0"/>
-              <a:t> e </a:t>
-            </a:r>
-            <a:r>
-              <a:rPr lang="pt-BR" sz="2000" dirty="0" err="1"/>
-              <a:t>Hinze</a:t>
-            </a:r>
-            <a:r>
-              <a:rPr lang="pt-BR" sz="2000" dirty="0"/>
-              <a:t>, 1998; </a:t>
-            </a:r>
-            <a:r>
-              <a:rPr lang="pt-BR" sz="2000" dirty="0" err="1"/>
-              <a:t>Hulot</a:t>
-            </a:r>
-            <a:r>
-              <a:rPr lang="pt-BR" sz="2000" dirty="0"/>
-              <a:t> et al., 2015).</a:t>
-            </a:r>
-            <a:endParaRPr lang="pt-BR" sz="2000" dirty="0"/>
-          </a:p>
-        </p:txBody>
-      </p:sp>
-      <p:sp>
-        <p:nvSpPr>
-          <p:cNvPr id="24" name="Chave direita 23"/>
-          <p:cNvSpPr/>
-          <p:nvPr/>
-        </p:nvSpPr>
-        <p:spPr>
-          <a:xfrm>
-            <a:off x="4715800" y="106760"/>
-            <a:ext cx="288032" cy="2818184"/>
-          </a:xfrm>
-          <a:prstGeom prst="rightBrace">
-            <a:avLst/>
-          </a:prstGeom>
-          <a:ln w="28575">
-            <a:solidFill>
-              <a:schemeClr val="tx1"/>
-            </a:solidFill>
-          </a:ln>
-        </p:spPr>
-        <p:style>
-          <a:lnRef idx="1">
-            <a:schemeClr val="accent1"/>
-          </a:lnRef>
-          <a:fillRef idx="0">
-            <a:schemeClr val="accent1"/>
-          </a:fillRef>
-          <a:effectRef idx="0">
-            <a:schemeClr val="accent1"/>
-          </a:effectRef>
-          <a:fontRef idx="minor">
-            <a:schemeClr val="tx1"/>
-          </a:fontRef>
-        </p:style>
-        <p:txBody>
-          <a:bodyPr rtlCol="0" anchor="ctr"/>
-          <a:lstStyle/>
-          <a:p>
-            <a:pPr algn="ctr"/>
-            <a:endParaRPr lang="pt-BR"/>
-          </a:p>
-        </p:txBody>
-      </p:sp>
-      <p:sp>
-        <p:nvSpPr>
-          <p:cNvPr id="4" name="Retângulo 3"/>
-          <p:cNvSpPr/>
-          <p:nvPr/>
-        </p:nvSpPr>
-        <p:spPr>
-          <a:xfrm>
-            <a:off x="5148064" y="1198493"/>
-            <a:ext cx="910377" cy="646331"/>
-          </a:xfrm>
-          <a:prstGeom prst="rect">
-            <a:avLst/>
-          </a:prstGeom>
-        </p:spPr>
-        <p:txBody>
-          <a:bodyPr wrap="none">
-            <a:spAutoFit/>
-          </a:bodyPr>
-          <a:lstStyle/>
-          <a:p>
-            <a:pPr algn="ctr"/>
-            <a:r>
-              <a:rPr lang="pt-BR" dirty="0" smtClean="0"/>
-              <a:t>Campo</a:t>
-            </a:r>
-          </a:p>
-          <a:p>
-            <a:pPr algn="ctr"/>
-            <a:r>
-              <a:rPr lang="pt-BR" dirty="0" smtClean="0"/>
-              <a:t>externo</a:t>
-            </a:r>
-            <a:endParaRPr lang="pt-BR" dirty="0"/>
+              <a:rPr lang="pt-BR" sz="2400" dirty="0" smtClean="0"/>
+              <a:t>As variações temporais destes campos vão de frações de segundo até dias e as variações da amplitude vão de dezenas até milhares de </a:t>
+            </a:r>
+            <a:r>
+              <a:rPr lang="pt-BR" sz="2400" dirty="0" err="1" smtClean="0"/>
+              <a:t>nanotesla</a:t>
+            </a:r>
+            <a:r>
+              <a:rPr lang="pt-BR" sz="2400" dirty="0" smtClean="0"/>
+              <a:t>.</a:t>
+            </a:r>
+            <a:endParaRPr lang="pt-BR" sz="2400" dirty="0"/>
           </a:p>
         </p:txBody>
       </p:sp>
     </p:spTree>
     <p:extLst>
       <p:ext uri="{BB962C8B-B14F-4D97-AF65-F5344CB8AC3E}">
-        <p14:creationId xmlns:p14="http://schemas.microsoft.com/office/powerpoint/2010/main" val="1270300713"/>
+        <p14:creationId xmlns:p14="http://schemas.microsoft.com/office/powerpoint/2010/main" val="393487669"/>
       </p:ext>
     </p:extLst>
   </p:cSld>
@@ -11713,6 +11425,5295 @@
           <a:chExt cx="0" cy="0"/>
         </a:xfrm>
       </p:grpSpPr>
+      <p:pic>
+        <p:nvPicPr>
+          <p:cNvPr id="17" name="Picture 2"/>
+          <p:cNvPicPr>
+            <a:picLocks noChangeAspect="1" noChangeArrowheads="1"/>
+          </p:cNvPicPr>
+          <p:nvPr/>
+        </p:nvPicPr>
+        <p:blipFill rotWithShape="1">
+          <a:blip r:embed="rId2">
+            <a:extLst>
+              <a:ext uri="{28A0092B-C50C-407E-A947-70E740481C1C}">
+                <a14:useLocalDpi xmlns:a14="http://schemas.microsoft.com/office/drawing/2010/main" val="0"/>
+              </a:ext>
+            </a:extLst>
+          </a:blip>
+          <a:srcRect l="25921" t="13054" r="35526" b="10876"/>
+          <a:stretch/>
+        </p:blipFill>
+        <p:spPr bwMode="auto">
+          <a:xfrm>
+            <a:off x="251520" y="962264"/>
+            <a:ext cx="4104000" cy="4554968"/>
+          </a:xfrm>
+          <a:prstGeom prst="rect">
+            <a:avLst/>
+          </a:prstGeom>
+          <a:noFill/>
+          <a:ln>
+            <a:noFill/>
+          </a:ln>
+          <a:extLst>
+            <a:ext uri="{909E8E84-426E-40DD-AFC4-6F175D3DCCD1}">
+              <a14:hiddenFill xmlns:a14="http://schemas.microsoft.com/office/drawing/2010/main">
+                <a:solidFill>
+                  <a:schemeClr val="accent1"/>
+                </a:solidFill>
+              </a14:hiddenFill>
+            </a:ext>
+            <a:ext uri="{91240B29-F687-4F45-9708-019B960494DF}">
+              <a14:hiddenLine xmlns:a14="http://schemas.microsoft.com/office/drawing/2010/main" w="9525">
+                <a:solidFill>
+                  <a:schemeClr val="tx1"/>
+                </a:solidFill>
+                <a:miter lim="800000"/>
+                <a:headEnd/>
+                <a:tailEnd/>
+              </a14:hiddenLine>
+            </a:ext>
+          </a:extLst>
+        </p:spPr>
+      </p:pic>
+      <p:sp>
+        <p:nvSpPr>
+          <p:cNvPr id="15" name="Rosca 14"/>
+          <p:cNvSpPr/>
+          <p:nvPr/>
+        </p:nvSpPr>
+        <p:spPr>
+          <a:xfrm>
+            <a:off x="1067848" y="3689736"/>
+            <a:ext cx="2448272" cy="720080"/>
+          </a:xfrm>
+          <a:prstGeom prst="donut">
+            <a:avLst>
+              <a:gd name="adj" fmla="val 31630"/>
+            </a:avLst>
+          </a:prstGeom>
+          <a:solidFill>
+            <a:srgbClr val="00A761"/>
+          </a:solidFill>
+          <a:ln>
+            <a:solidFill>
+              <a:srgbClr val="00A761"/>
+            </a:solidFill>
+          </a:ln>
+        </p:spPr>
+        <p:style>
+          <a:lnRef idx="2">
+            <a:schemeClr val="accent1">
+              <a:shade val="50000"/>
+            </a:schemeClr>
+          </a:lnRef>
+          <a:fillRef idx="1">
+            <a:schemeClr val="accent1"/>
+          </a:fillRef>
+          <a:effectRef idx="0">
+            <a:schemeClr val="accent1"/>
+          </a:effectRef>
+          <a:fontRef idx="minor">
+            <a:schemeClr val="lt1"/>
+          </a:fontRef>
+        </p:style>
+        <p:txBody>
+          <a:bodyPr rtlCol="0" anchor="ctr"/>
+          <a:lstStyle/>
+          <a:p>
+            <a:pPr algn="ctr"/>
+            <a:endParaRPr lang="pt-BR">
+              <a:solidFill>
+                <a:schemeClr val="tx1"/>
+              </a:solidFill>
+            </a:endParaRPr>
+          </a:p>
+        </p:txBody>
+      </p:sp>
+      <p:sp>
+        <p:nvSpPr>
+          <p:cNvPr id="16" name="Retângulo 15"/>
+          <p:cNvSpPr/>
+          <p:nvPr/>
+        </p:nvSpPr>
+        <p:spPr>
+          <a:xfrm>
+            <a:off x="971600" y="4221088"/>
+            <a:ext cx="864096" cy="216024"/>
+          </a:xfrm>
+          <a:prstGeom prst="rect">
+            <a:avLst/>
+          </a:prstGeom>
+          <a:solidFill>
+            <a:srgbClr val="00A761"/>
+          </a:solidFill>
+          <a:ln>
+            <a:solidFill>
+              <a:srgbClr val="00A761"/>
+            </a:solidFill>
+          </a:ln>
+        </p:spPr>
+        <p:style>
+          <a:lnRef idx="2">
+            <a:schemeClr val="accent1">
+              <a:shade val="50000"/>
+            </a:schemeClr>
+          </a:lnRef>
+          <a:fillRef idx="1">
+            <a:schemeClr val="accent1"/>
+          </a:fillRef>
+          <a:effectRef idx="0">
+            <a:schemeClr val="accent1"/>
+          </a:effectRef>
+          <a:fontRef idx="minor">
+            <a:schemeClr val="lt1"/>
+          </a:fontRef>
+        </p:style>
+        <p:txBody>
+          <a:bodyPr rtlCol="0" anchor="ctr"/>
+          <a:lstStyle/>
+          <a:p>
+            <a:pPr algn="ctr"/>
+            <a:endParaRPr lang="pt-BR"/>
+          </a:p>
+        </p:txBody>
+      </p:sp>
+      <p:sp>
+        <p:nvSpPr>
+          <p:cNvPr id="7" name="CaixaDeTexto 6"/>
+          <p:cNvSpPr txBox="1"/>
+          <p:nvPr/>
+        </p:nvSpPr>
+        <p:spPr>
+          <a:xfrm>
+            <a:off x="5148064" y="3116585"/>
+            <a:ext cx="1800200" cy="369332"/>
+          </a:xfrm>
+          <a:prstGeom prst="rect">
+            <a:avLst/>
+          </a:prstGeom>
+          <a:noFill/>
+        </p:spPr>
+        <p:txBody>
+          <a:bodyPr wrap="square" rtlCol="0">
+            <a:spAutoFit/>
+          </a:bodyPr>
+          <a:lstStyle/>
+          <a:p>
+            <a:r>
+              <a:rPr lang="pt-BR" dirty="0" smtClean="0"/>
+              <a:t>Litosfera</a:t>
+            </a:r>
+            <a:endParaRPr lang="pt-BR" dirty="0"/>
+          </a:p>
+        </p:txBody>
+      </p:sp>
+      <p:sp>
+        <p:nvSpPr>
+          <p:cNvPr id="9" name="CaixaDeTexto 8"/>
+          <p:cNvSpPr txBox="1"/>
+          <p:nvPr/>
+        </p:nvSpPr>
+        <p:spPr>
+          <a:xfrm>
+            <a:off x="5148064" y="4484737"/>
+            <a:ext cx="1654318" cy="369332"/>
+          </a:xfrm>
+          <a:prstGeom prst="rect">
+            <a:avLst/>
+          </a:prstGeom>
+          <a:noFill/>
+        </p:spPr>
+        <p:txBody>
+          <a:bodyPr wrap="square" rtlCol="0">
+            <a:spAutoFit/>
+          </a:bodyPr>
+          <a:lstStyle/>
+          <a:p>
+            <a:r>
+              <a:rPr lang="pt-BR" dirty="0" smtClean="0"/>
+              <a:t>Núcleo externo</a:t>
+            </a:r>
+            <a:endParaRPr lang="pt-BR" dirty="0"/>
+          </a:p>
+        </p:txBody>
+      </p:sp>
+      <p:cxnSp>
+        <p:nvCxnSpPr>
+          <p:cNvPr id="12" name="Conector de seta reta 11"/>
+          <p:cNvCxnSpPr/>
+          <p:nvPr/>
+        </p:nvCxnSpPr>
+        <p:spPr>
+          <a:xfrm flipH="1">
+            <a:off x="2915816" y="4700761"/>
+            <a:ext cx="2160000" cy="0"/>
+          </a:xfrm>
+          <a:prstGeom prst="straightConnector1">
+            <a:avLst/>
+          </a:prstGeom>
+          <a:ln w="38100">
+            <a:solidFill>
+              <a:schemeClr val="tx1"/>
+            </a:solidFill>
+            <a:tailEnd type="arrow"/>
+          </a:ln>
+        </p:spPr>
+        <p:style>
+          <a:lnRef idx="1">
+            <a:schemeClr val="accent1"/>
+          </a:lnRef>
+          <a:fillRef idx="0">
+            <a:schemeClr val="accent1"/>
+          </a:fillRef>
+          <a:effectRef idx="0">
+            <a:schemeClr val="accent1"/>
+          </a:effectRef>
+          <a:fontRef idx="minor">
+            <a:schemeClr val="tx1"/>
+          </a:fontRef>
+        </p:style>
+      </p:cxnSp>
+      <p:cxnSp>
+        <p:nvCxnSpPr>
+          <p:cNvPr id="18" name="Conector de seta reta 17"/>
+          <p:cNvCxnSpPr/>
+          <p:nvPr/>
+        </p:nvCxnSpPr>
+        <p:spPr>
+          <a:xfrm flipH="1">
+            <a:off x="3059832" y="3332609"/>
+            <a:ext cx="1944000" cy="0"/>
+          </a:xfrm>
+          <a:prstGeom prst="straightConnector1">
+            <a:avLst/>
+          </a:prstGeom>
+          <a:ln w="38100">
+            <a:solidFill>
+              <a:schemeClr val="tx1"/>
+            </a:solidFill>
+            <a:tailEnd type="arrow"/>
+          </a:ln>
+        </p:spPr>
+        <p:style>
+          <a:lnRef idx="1">
+            <a:schemeClr val="accent1"/>
+          </a:lnRef>
+          <a:fillRef idx="0">
+            <a:schemeClr val="accent1"/>
+          </a:fillRef>
+          <a:effectRef idx="0">
+            <a:schemeClr val="accent1"/>
+          </a:effectRef>
+          <a:fontRef idx="minor">
+            <a:schemeClr val="tx1"/>
+          </a:fontRef>
+        </p:style>
+      </p:cxnSp>
+      <p:sp>
+        <p:nvSpPr>
+          <p:cNvPr id="20" name="Retângulo 19"/>
+          <p:cNvSpPr/>
+          <p:nvPr/>
+        </p:nvSpPr>
+        <p:spPr>
+          <a:xfrm>
+            <a:off x="92472" y="5589240"/>
+            <a:ext cx="2601161" cy="307777"/>
+          </a:xfrm>
+          <a:prstGeom prst="rect">
+            <a:avLst/>
+          </a:prstGeom>
+        </p:spPr>
+        <p:txBody>
+          <a:bodyPr wrap="none">
+            <a:spAutoFit/>
+          </a:bodyPr>
+          <a:lstStyle/>
+          <a:p>
+            <a:r>
+              <a:rPr lang="en-US" sz="1400" dirty="0" err="1" smtClean="0"/>
+              <a:t>Modificado</a:t>
+            </a:r>
+            <a:r>
+              <a:rPr lang="en-US" sz="1400" dirty="0" smtClean="0"/>
+              <a:t> de </a:t>
+            </a:r>
+            <a:r>
+              <a:rPr lang="en-US" sz="1400" dirty="0" err="1" smtClean="0"/>
+              <a:t>Hulot</a:t>
+            </a:r>
+            <a:r>
+              <a:rPr lang="en-US" sz="1400" dirty="0" smtClean="0"/>
+              <a:t> et al. (2015)</a:t>
+            </a:r>
+            <a:endParaRPr lang="pt-BR" sz="1400" dirty="0"/>
+          </a:p>
+        </p:txBody>
+      </p:sp>
+      <p:sp>
+        <p:nvSpPr>
+          <p:cNvPr id="2" name="CaixaDeTexto 1"/>
+          <p:cNvSpPr txBox="1"/>
+          <p:nvPr/>
+        </p:nvSpPr>
+        <p:spPr>
+          <a:xfrm>
+            <a:off x="5192025" y="4869160"/>
+            <a:ext cx="2548327" cy="338554"/>
+          </a:xfrm>
+          <a:prstGeom prst="rect">
+            <a:avLst/>
+          </a:prstGeom>
+          <a:noFill/>
+        </p:spPr>
+        <p:txBody>
+          <a:bodyPr wrap="square" rtlCol="0">
+            <a:spAutoFit/>
+          </a:bodyPr>
+          <a:lstStyle/>
+          <a:p>
+            <a:r>
+              <a:rPr lang="pt-BR" sz="1600" dirty="0" smtClean="0"/>
+              <a:t>Fonte: correntes elétricas</a:t>
+            </a:r>
+            <a:endParaRPr lang="pt-BR" sz="1600" dirty="0"/>
+          </a:p>
+        </p:txBody>
+      </p:sp>
+      <p:sp>
+        <p:nvSpPr>
+          <p:cNvPr id="13" name="CaixaDeTexto 12"/>
+          <p:cNvSpPr txBox="1"/>
+          <p:nvPr/>
+        </p:nvSpPr>
+        <p:spPr>
+          <a:xfrm>
+            <a:off x="5192025" y="5178678"/>
+            <a:ext cx="2548327" cy="338554"/>
+          </a:xfrm>
+          <a:prstGeom prst="rect">
+            <a:avLst/>
+          </a:prstGeom>
+          <a:noFill/>
+        </p:spPr>
+        <p:txBody>
+          <a:bodyPr wrap="square" rtlCol="0">
+            <a:spAutoFit/>
+          </a:bodyPr>
+          <a:lstStyle/>
+          <a:p>
+            <a:r>
+              <a:rPr lang="pt-BR" sz="1600" dirty="0" smtClean="0"/>
+              <a:t>Campo principal</a:t>
+            </a:r>
+            <a:endParaRPr lang="pt-BR" sz="1600" dirty="0"/>
+          </a:p>
+        </p:txBody>
+      </p:sp>
+      <p:sp>
+        <p:nvSpPr>
+          <p:cNvPr id="14" name="CaixaDeTexto 13"/>
+          <p:cNvSpPr txBox="1"/>
+          <p:nvPr/>
+        </p:nvSpPr>
+        <p:spPr>
+          <a:xfrm>
+            <a:off x="5192025" y="3429000"/>
+            <a:ext cx="2548327" cy="338554"/>
+          </a:xfrm>
+          <a:prstGeom prst="rect">
+            <a:avLst/>
+          </a:prstGeom>
+          <a:noFill/>
+        </p:spPr>
+        <p:txBody>
+          <a:bodyPr wrap="square" rtlCol="0">
+            <a:spAutoFit/>
+          </a:bodyPr>
+          <a:lstStyle/>
+          <a:p>
+            <a:r>
+              <a:rPr lang="pt-BR" sz="1600" dirty="0" smtClean="0"/>
+              <a:t>Fonte: rochas magnetizadas</a:t>
+            </a:r>
+            <a:endParaRPr lang="pt-BR" sz="1600" dirty="0"/>
+          </a:p>
+        </p:txBody>
+      </p:sp>
+      <p:sp>
+        <p:nvSpPr>
+          <p:cNvPr id="23" name="CaixaDeTexto 22"/>
+          <p:cNvSpPr txBox="1"/>
+          <p:nvPr/>
+        </p:nvSpPr>
+        <p:spPr>
+          <a:xfrm>
+            <a:off x="5191497" y="3738518"/>
+            <a:ext cx="1914595" cy="338554"/>
+          </a:xfrm>
+          <a:prstGeom prst="rect">
+            <a:avLst/>
+          </a:prstGeom>
+          <a:noFill/>
+        </p:spPr>
+        <p:txBody>
+          <a:bodyPr wrap="square" rtlCol="0">
+            <a:spAutoFit/>
+          </a:bodyPr>
+          <a:lstStyle/>
+          <a:p>
+            <a:r>
+              <a:rPr lang="pt-BR" sz="1600" dirty="0" smtClean="0"/>
+              <a:t>Campo </a:t>
+            </a:r>
+            <a:r>
+              <a:rPr lang="pt-BR" sz="1600" dirty="0" err="1" smtClean="0"/>
+              <a:t>crustal</a:t>
+            </a:r>
+            <a:endParaRPr lang="pt-BR" sz="1600" dirty="0"/>
+          </a:p>
+        </p:txBody>
+      </p:sp>
+      <p:sp>
+        <p:nvSpPr>
+          <p:cNvPr id="3" name="Chave direita 2"/>
+          <p:cNvSpPr/>
+          <p:nvPr/>
+        </p:nvSpPr>
+        <p:spPr>
+          <a:xfrm>
+            <a:off x="7480895" y="2924944"/>
+            <a:ext cx="288032" cy="2818184"/>
+          </a:xfrm>
+          <a:prstGeom prst="rightBrace">
+            <a:avLst/>
+          </a:prstGeom>
+          <a:ln w="28575">
+            <a:solidFill>
+              <a:schemeClr val="tx1"/>
+            </a:solidFill>
+          </a:ln>
+        </p:spPr>
+        <p:style>
+          <a:lnRef idx="1">
+            <a:schemeClr val="accent1"/>
+          </a:lnRef>
+          <a:fillRef idx="0">
+            <a:schemeClr val="accent1"/>
+          </a:fillRef>
+          <a:effectRef idx="0">
+            <a:schemeClr val="accent1"/>
+          </a:effectRef>
+          <a:fontRef idx="minor">
+            <a:schemeClr val="tx1"/>
+          </a:fontRef>
+        </p:style>
+        <p:txBody>
+          <a:bodyPr rtlCol="0" anchor="ctr"/>
+          <a:lstStyle/>
+          <a:p>
+            <a:pPr algn="ctr"/>
+            <a:endParaRPr lang="pt-BR"/>
+          </a:p>
+        </p:txBody>
+      </p:sp>
+      <p:sp>
+        <p:nvSpPr>
+          <p:cNvPr id="5" name="CaixaDeTexto 4"/>
+          <p:cNvSpPr txBox="1"/>
+          <p:nvPr/>
+        </p:nvSpPr>
+        <p:spPr>
+          <a:xfrm>
+            <a:off x="7821885" y="3740274"/>
+            <a:ext cx="1224136" cy="1200329"/>
+          </a:xfrm>
+          <a:prstGeom prst="rect">
+            <a:avLst/>
+          </a:prstGeom>
+          <a:noFill/>
+        </p:spPr>
+        <p:txBody>
+          <a:bodyPr wrap="square" rtlCol="0">
+            <a:spAutoFit/>
+          </a:bodyPr>
+          <a:lstStyle/>
+          <a:p>
+            <a:pPr algn="ctr"/>
+            <a:r>
+              <a:rPr lang="pt-BR" dirty="0" smtClean="0"/>
+              <a:t>Campo total</a:t>
+            </a:r>
+          </a:p>
+          <a:p>
+            <a:pPr algn="ctr"/>
+            <a:r>
+              <a:rPr lang="pt-BR" dirty="0" smtClean="0"/>
+              <a:t>(ou campo interno)</a:t>
+            </a:r>
+            <a:endParaRPr lang="pt-BR" dirty="0"/>
+          </a:p>
+        </p:txBody>
+      </p:sp>
+      <p:sp>
+        <p:nvSpPr>
+          <p:cNvPr id="26" name="CaixaDeTexto 25"/>
+          <p:cNvSpPr txBox="1"/>
+          <p:nvPr/>
+        </p:nvSpPr>
+        <p:spPr>
+          <a:xfrm>
+            <a:off x="167748" y="544034"/>
+            <a:ext cx="1800200" cy="369332"/>
+          </a:xfrm>
+          <a:prstGeom prst="rect">
+            <a:avLst/>
+          </a:prstGeom>
+          <a:noFill/>
+        </p:spPr>
+        <p:txBody>
+          <a:bodyPr wrap="square" rtlCol="0">
+            <a:spAutoFit/>
+          </a:bodyPr>
+          <a:lstStyle/>
+          <a:p>
+            <a:r>
+              <a:rPr lang="pt-BR" dirty="0" smtClean="0">
+                <a:solidFill>
+                  <a:srgbClr val="FF0000"/>
+                </a:solidFill>
+              </a:rPr>
+              <a:t>Ionosfera</a:t>
+            </a:r>
+            <a:endParaRPr lang="pt-BR" dirty="0">
+              <a:solidFill>
+                <a:srgbClr val="FF0000"/>
+              </a:solidFill>
+            </a:endParaRPr>
+          </a:p>
+        </p:txBody>
+      </p:sp>
+      <p:cxnSp>
+        <p:nvCxnSpPr>
+          <p:cNvPr id="28" name="Conector de seta reta 27"/>
+          <p:cNvCxnSpPr/>
+          <p:nvPr/>
+        </p:nvCxnSpPr>
+        <p:spPr>
+          <a:xfrm>
+            <a:off x="1193826" y="834389"/>
+            <a:ext cx="641870" cy="1730515"/>
+          </a:xfrm>
+          <a:prstGeom prst="straightConnector1">
+            <a:avLst/>
+          </a:prstGeom>
+          <a:ln w="38100">
+            <a:solidFill>
+              <a:schemeClr val="tx1"/>
+            </a:solidFill>
+            <a:tailEnd type="arrow"/>
+          </a:ln>
+        </p:spPr>
+        <p:style>
+          <a:lnRef idx="1">
+            <a:schemeClr val="accent1"/>
+          </a:lnRef>
+          <a:fillRef idx="0">
+            <a:schemeClr val="accent1"/>
+          </a:fillRef>
+          <a:effectRef idx="0">
+            <a:schemeClr val="accent1"/>
+          </a:effectRef>
+          <a:fontRef idx="minor">
+            <a:schemeClr val="tx1"/>
+          </a:fontRef>
+        </p:style>
+      </p:cxnSp>
+      <p:sp>
+        <p:nvSpPr>
+          <p:cNvPr id="29" name="CaixaDeTexto 28"/>
+          <p:cNvSpPr txBox="1"/>
+          <p:nvPr/>
+        </p:nvSpPr>
+        <p:spPr>
+          <a:xfrm>
+            <a:off x="2699792" y="567730"/>
+            <a:ext cx="1800200" cy="369332"/>
+          </a:xfrm>
+          <a:prstGeom prst="rect">
+            <a:avLst/>
+          </a:prstGeom>
+          <a:noFill/>
+        </p:spPr>
+        <p:txBody>
+          <a:bodyPr wrap="square" rtlCol="0">
+            <a:spAutoFit/>
+          </a:bodyPr>
+          <a:lstStyle/>
+          <a:p>
+            <a:r>
+              <a:rPr lang="pt-BR" dirty="0" smtClean="0">
+                <a:solidFill>
+                  <a:srgbClr val="FF0000"/>
+                </a:solidFill>
+              </a:rPr>
+              <a:t>Magnetosfera</a:t>
+            </a:r>
+            <a:endParaRPr lang="pt-BR" dirty="0">
+              <a:solidFill>
+                <a:srgbClr val="FF0000"/>
+              </a:solidFill>
+            </a:endParaRPr>
+          </a:p>
+        </p:txBody>
+      </p:sp>
+      <p:cxnSp>
+        <p:nvCxnSpPr>
+          <p:cNvPr id="30" name="Conector de seta reta 29"/>
+          <p:cNvCxnSpPr/>
+          <p:nvPr/>
+        </p:nvCxnSpPr>
+        <p:spPr>
+          <a:xfrm flipH="1">
+            <a:off x="2195737" y="834389"/>
+            <a:ext cx="576063" cy="290355"/>
+          </a:xfrm>
+          <a:prstGeom prst="straightConnector1">
+            <a:avLst/>
+          </a:prstGeom>
+          <a:ln w="38100">
+            <a:solidFill>
+              <a:schemeClr val="tx1"/>
+            </a:solidFill>
+            <a:tailEnd type="arrow"/>
+          </a:ln>
+        </p:spPr>
+        <p:style>
+          <a:lnRef idx="1">
+            <a:schemeClr val="accent1"/>
+          </a:lnRef>
+          <a:fillRef idx="0">
+            <a:schemeClr val="accent1"/>
+          </a:fillRef>
+          <a:effectRef idx="0">
+            <a:schemeClr val="accent1"/>
+          </a:effectRef>
+          <a:fontRef idx="minor">
+            <a:schemeClr val="tx1"/>
+          </a:fontRef>
+        </p:style>
+      </p:cxnSp>
+      <p:sp>
+        <p:nvSpPr>
+          <p:cNvPr id="31" name="CaixaDeTexto 30"/>
+          <p:cNvSpPr txBox="1"/>
+          <p:nvPr/>
+        </p:nvSpPr>
+        <p:spPr>
+          <a:xfrm>
+            <a:off x="35496" y="282134"/>
+            <a:ext cx="2316661" cy="338554"/>
+          </a:xfrm>
+          <a:prstGeom prst="rect">
+            <a:avLst/>
+          </a:prstGeom>
+          <a:noFill/>
+        </p:spPr>
+        <p:txBody>
+          <a:bodyPr wrap="square" rtlCol="0">
+            <a:spAutoFit/>
+          </a:bodyPr>
+          <a:lstStyle/>
+          <a:p>
+            <a:r>
+              <a:rPr lang="pt-BR" sz="1600" dirty="0" smtClean="0"/>
+              <a:t>Fonte: correntes elétricas</a:t>
+            </a:r>
+            <a:endParaRPr lang="pt-BR" sz="1600" dirty="0"/>
+          </a:p>
+        </p:txBody>
+      </p:sp>
+      <p:sp>
+        <p:nvSpPr>
+          <p:cNvPr id="32" name="CaixaDeTexto 31"/>
+          <p:cNvSpPr txBox="1"/>
+          <p:nvPr/>
+        </p:nvSpPr>
+        <p:spPr>
+          <a:xfrm>
+            <a:off x="2527729" y="279698"/>
+            <a:ext cx="2316661" cy="338554"/>
+          </a:xfrm>
+          <a:prstGeom prst="rect">
+            <a:avLst/>
+          </a:prstGeom>
+          <a:noFill/>
+        </p:spPr>
+        <p:txBody>
+          <a:bodyPr wrap="square" rtlCol="0">
+            <a:spAutoFit/>
+          </a:bodyPr>
+          <a:lstStyle/>
+          <a:p>
+            <a:r>
+              <a:rPr lang="pt-BR" sz="1600" dirty="0" smtClean="0"/>
+              <a:t>Fonte: correntes elétricas</a:t>
+            </a:r>
+            <a:endParaRPr lang="pt-BR" sz="1600" dirty="0"/>
+          </a:p>
+        </p:txBody>
+      </p:sp>
+      <p:sp>
+        <p:nvSpPr>
+          <p:cNvPr id="25" name="CaixaDeTexto 24"/>
+          <p:cNvSpPr txBox="1"/>
+          <p:nvPr/>
+        </p:nvSpPr>
+        <p:spPr>
+          <a:xfrm>
+            <a:off x="6444208" y="121856"/>
+            <a:ext cx="2547764" cy="1938992"/>
+          </a:xfrm>
+          <a:prstGeom prst="rect">
+            <a:avLst/>
+          </a:prstGeom>
+          <a:noFill/>
+        </p:spPr>
+        <p:txBody>
+          <a:bodyPr wrap="square" rtlCol="0">
+            <a:spAutoFit/>
+          </a:bodyPr>
+          <a:lstStyle/>
+          <a:p>
+            <a:pPr algn="ctr"/>
+            <a:r>
+              <a:rPr lang="pt-BR" sz="2000" dirty="0" smtClean="0"/>
+              <a:t>O campo resultante produzido por estas fontes é denominado </a:t>
+            </a:r>
+            <a:r>
+              <a:rPr lang="pt-BR" sz="2000" b="1" dirty="0" smtClean="0"/>
+              <a:t>campo externo</a:t>
+            </a:r>
+            <a:r>
+              <a:rPr lang="pt-BR" sz="2000" dirty="0"/>
+              <a:t> (</a:t>
+            </a:r>
+            <a:r>
+              <a:rPr lang="pt-BR" sz="2000" dirty="0" err="1"/>
+              <a:t>Langel</a:t>
+            </a:r>
+            <a:r>
+              <a:rPr lang="pt-BR" sz="2000" dirty="0"/>
+              <a:t> e </a:t>
+            </a:r>
+            <a:r>
+              <a:rPr lang="pt-BR" sz="2000" dirty="0" err="1"/>
+              <a:t>Hinze</a:t>
+            </a:r>
+            <a:r>
+              <a:rPr lang="pt-BR" sz="2000" dirty="0"/>
+              <a:t>, 1998; </a:t>
+            </a:r>
+            <a:r>
+              <a:rPr lang="pt-BR" sz="2000" dirty="0" err="1"/>
+              <a:t>Hulot</a:t>
+            </a:r>
+            <a:r>
+              <a:rPr lang="pt-BR" sz="2000" dirty="0"/>
+              <a:t> et al., 2015).</a:t>
+            </a:r>
+          </a:p>
+        </p:txBody>
+      </p:sp>
+      <p:sp>
+        <p:nvSpPr>
+          <p:cNvPr id="24" name="Chave direita 23"/>
+          <p:cNvSpPr/>
+          <p:nvPr/>
+        </p:nvSpPr>
+        <p:spPr>
+          <a:xfrm>
+            <a:off x="4715800" y="106760"/>
+            <a:ext cx="288032" cy="2818184"/>
+          </a:xfrm>
+          <a:prstGeom prst="rightBrace">
+            <a:avLst/>
+          </a:prstGeom>
+          <a:ln w="28575">
+            <a:solidFill>
+              <a:schemeClr val="tx1"/>
+            </a:solidFill>
+          </a:ln>
+        </p:spPr>
+        <p:style>
+          <a:lnRef idx="1">
+            <a:schemeClr val="accent1"/>
+          </a:lnRef>
+          <a:fillRef idx="0">
+            <a:schemeClr val="accent1"/>
+          </a:fillRef>
+          <a:effectRef idx="0">
+            <a:schemeClr val="accent1"/>
+          </a:effectRef>
+          <a:fontRef idx="minor">
+            <a:schemeClr val="tx1"/>
+          </a:fontRef>
+        </p:style>
+        <p:txBody>
+          <a:bodyPr rtlCol="0" anchor="ctr"/>
+          <a:lstStyle/>
+          <a:p>
+            <a:pPr algn="ctr"/>
+            <a:endParaRPr lang="pt-BR"/>
+          </a:p>
+        </p:txBody>
+      </p:sp>
+      <p:sp>
+        <p:nvSpPr>
+          <p:cNvPr id="4" name="Retângulo 3"/>
+          <p:cNvSpPr/>
+          <p:nvPr/>
+        </p:nvSpPr>
+        <p:spPr>
+          <a:xfrm>
+            <a:off x="5148064" y="1198493"/>
+            <a:ext cx="910377" cy="646331"/>
+          </a:xfrm>
+          <a:prstGeom prst="rect">
+            <a:avLst/>
+          </a:prstGeom>
+        </p:spPr>
+        <p:txBody>
+          <a:bodyPr wrap="none">
+            <a:spAutoFit/>
+          </a:bodyPr>
+          <a:lstStyle/>
+          <a:p>
+            <a:pPr algn="ctr"/>
+            <a:r>
+              <a:rPr lang="pt-BR" dirty="0" smtClean="0"/>
+              <a:t>Campo</a:t>
+            </a:r>
+          </a:p>
+          <a:p>
+            <a:pPr algn="ctr"/>
+            <a:r>
+              <a:rPr lang="pt-BR" dirty="0" smtClean="0"/>
+              <a:t>externo</a:t>
+            </a:r>
+            <a:endParaRPr lang="pt-BR" dirty="0"/>
+          </a:p>
+        </p:txBody>
+      </p:sp>
+    </p:spTree>
+    <p:extLst>
+      <p:ext uri="{BB962C8B-B14F-4D97-AF65-F5344CB8AC3E}">
+        <p14:creationId xmlns:p14="http://schemas.microsoft.com/office/powerpoint/2010/main" val="583871509"/>
+      </p:ext>
+    </p:extLst>
+  </p:cSld>
+  <p:clrMapOvr>
+    <a:masterClrMapping/>
+  </p:clrMapOvr>
+  <p:timing>
+    <p:tnLst>
+      <p:par>
+        <p:cTn id="1" dur="indefinite" restart="never" nodeType="tmRoot"/>
+      </p:par>
+    </p:tnLst>
+  </p:timing>
+</p:sld>
+</file>
+
+<file path=ppt/slides/slide21.xml><?xml version="1.0" encoding="utf-8"?>
+<p:sld xmlns:a="http://schemas.openxmlformats.org/drawingml/2006/main" xmlns:r="http://schemas.openxmlformats.org/officeDocument/2006/relationships" xmlns:p="http://schemas.openxmlformats.org/presentationml/2006/main">
+  <p:cSld>
+    <p:spTree>
+      <p:nvGrpSpPr>
+        <p:cNvPr id="1" name=""/>
+        <p:cNvGrpSpPr/>
+        <p:nvPr/>
+      </p:nvGrpSpPr>
+      <p:grpSpPr>
+        <a:xfrm>
+          <a:off x="0" y="0"/>
+          <a:ext cx="0" cy="0"/>
+          <a:chOff x="0" y="0"/>
+          <a:chExt cx="0" cy="0"/>
+        </a:xfrm>
+      </p:grpSpPr>
+      <p:pic>
+        <p:nvPicPr>
+          <p:cNvPr id="17" name="Picture 2"/>
+          <p:cNvPicPr>
+            <a:picLocks noChangeAspect="1" noChangeArrowheads="1"/>
+          </p:cNvPicPr>
+          <p:nvPr/>
+        </p:nvPicPr>
+        <p:blipFill rotWithShape="1">
+          <a:blip r:embed="rId2">
+            <a:extLst>
+              <a:ext uri="{28A0092B-C50C-407E-A947-70E740481C1C}">
+                <a14:useLocalDpi xmlns:a14="http://schemas.microsoft.com/office/drawing/2010/main" val="0"/>
+              </a:ext>
+            </a:extLst>
+          </a:blip>
+          <a:srcRect l="25921" t="13054" r="35526" b="10876"/>
+          <a:stretch/>
+        </p:blipFill>
+        <p:spPr bwMode="auto">
+          <a:xfrm>
+            <a:off x="251520" y="962264"/>
+            <a:ext cx="4104000" cy="4554968"/>
+          </a:xfrm>
+          <a:prstGeom prst="rect">
+            <a:avLst/>
+          </a:prstGeom>
+          <a:noFill/>
+          <a:ln>
+            <a:noFill/>
+          </a:ln>
+          <a:extLst>
+            <a:ext uri="{909E8E84-426E-40DD-AFC4-6F175D3DCCD1}">
+              <a14:hiddenFill xmlns:a14="http://schemas.microsoft.com/office/drawing/2010/main">
+                <a:solidFill>
+                  <a:schemeClr val="accent1"/>
+                </a:solidFill>
+              </a14:hiddenFill>
+            </a:ext>
+            <a:ext uri="{91240B29-F687-4F45-9708-019B960494DF}">
+              <a14:hiddenLine xmlns:a14="http://schemas.microsoft.com/office/drawing/2010/main" w="9525">
+                <a:solidFill>
+                  <a:schemeClr val="tx1"/>
+                </a:solidFill>
+                <a:miter lim="800000"/>
+                <a:headEnd/>
+                <a:tailEnd/>
+              </a14:hiddenLine>
+            </a:ext>
+          </a:extLst>
+        </p:spPr>
+      </p:pic>
+      <p:sp>
+        <p:nvSpPr>
+          <p:cNvPr id="15" name="Rosca 14"/>
+          <p:cNvSpPr/>
+          <p:nvPr/>
+        </p:nvSpPr>
+        <p:spPr>
+          <a:xfrm>
+            <a:off x="1067848" y="3689736"/>
+            <a:ext cx="2448272" cy="720080"/>
+          </a:xfrm>
+          <a:prstGeom prst="donut">
+            <a:avLst>
+              <a:gd name="adj" fmla="val 31630"/>
+            </a:avLst>
+          </a:prstGeom>
+          <a:solidFill>
+            <a:srgbClr val="00A761"/>
+          </a:solidFill>
+          <a:ln>
+            <a:solidFill>
+              <a:srgbClr val="00A761"/>
+            </a:solidFill>
+          </a:ln>
+        </p:spPr>
+        <p:style>
+          <a:lnRef idx="2">
+            <a:schemeClr val="accent1">
+              <a:shade val="50000"/>
+            </a:schemeClr>
+          </a:lnRef>
+          <a:fillRef idx="1">
+            <a:schemeClr val="accent1"/>
+          </a:fillRef>
+          <a:effectRef idx="0">
+            <a:schemeClr val="accent1"/>
+          </a:effectRef>
+          <a:fontRef idx="minor">
+            <a:schemeClr val="lt1"/>
+          </a:fontRef>
+        </p:style>
+        <p:txBody>
+          <a:bodyPr rtlCol="0" anchor="ctr"/>
+          <a:lstStyle/>
+          <a:p>
+            <a:pPr algn="ctr"/>
+            <a:endParaRPr lang="pt-BR">
+              <a:solidFill>
+                <a:schemeClr val="tx1"/>
+              </a:solidFill>
+            </a:endParaRPr>
+          </a:p>
+        </p:txBody>
+      </p:sp>
+      <p:sp>
+        <p:nvSpPr>
+          <p:cNvPr id="16" name="Retângulo 15"/>
+          <p:cNvSpPr/>
+          <p:nvPr/>
+        </p:nvSpPr>
+        <p:spPr>
+          <a:xfrm>
+            <a:off x="971600" y="4221088"/>
+            <a:ext cx="864096" cy="216024"/>
+          </a:xfrm>
+          <a:prstGeom prst="rect">
+            <a:avLst/>
+          </a:prstGeom>
+          <a:solidFill>
+            <a:srgbClr val="00A761"/>
+          </a:solidFill>
+          <a:ln>
+            <a:solidFill>
+              <a:srgbClr val="00A761"/>
+            </a:solidFill>
+          </a:ln>
+        </p:spPr>
+        <p:style>
+          <a:lnRef idx="2">
+            <a:schemeClr val="accent1">
+              <a:shade val="50000"/>
+            </a:schemeClr>
+          </a:lnRef>
+          <a:fillRef idx="1">
+            <a:schemeClr val="accent1"/>
+          </a:fillRef>
+          <a:effectRef idx="0">
+            <a:schemeClr val="accent1"/>
+          </a:effectRef>
+          <a:fontRef idx="minor">
+            <a:schemeClr val="lt1"/>
+          </a:fontRef>
+        </p:style>
+        <p:txBody>
+          <a:bodyPr rtlCol="0" anchor="ctr"/>
+          <a:lstStyle/>
+          <a:p>
+            <a:pPr algn="ctr"/>
+            <a:endParaRPr lang="pt-BR"/>
+          </a:p>
+        </p:txBody>
+      </p:sp>
+      <p:sp>
+        <p:nvSpPr>
+          <p:cNvPr id="7" name="CaixaDeTexto 6"/>
+          <p:cNvSpPr txBox="1"/>
+          <p:nvPr/>
+        </p:nvSpPr>
+        <p:spPr>
+          <a:xfrm>
+            <a:off x="5148064" y="3116585"/>
+            <a:ext cx="1800200" cy="369332"/>
+          </a:xfrm>
+          <a:prstGeom prst="rect">
+            <a:avLst/>
+          </a:prstGeom>
+          <a:noFill/>
+        </p:spPr>
+        <p:txBody>
+          <a:bodyPr wrap="square" rtlCol="0">
+            <a:spAutoFit/>
+          </a:bodyPr>
+          <a:lstStyle/>
+          <a:p>
+            <a:r>
+              <a:rPr lang="pt-BR" dirty="0" smtClean="0"/>
+              <a:t>Litosfera</a:t>
+            </a:r>
+            <a:endParaRPr lang="pt-BR" dirty="0"/>
+          </a:p>
+        </p:txBody>
+      </p:sp>
+      <p:sp>
+        <p:nvSpPr>
+          <p:cNvPr id="9" name="CaixaDeTexto 8"/>
+          <p:cNvSpPr txBox="1"/>
+          <p:nvPr/>
+        </p:nvSpPr>
+        <p:spPr>
+          <a:xfrm>
+            <a:off x="5148064" y="4484737"/>
+            <a:ext cx="1654318" cy="369332"/>
+          </a:xfrm>
+          <a:prstGeom prst="rect">
+            <a:avLst/>
+          </a:prstGeom>
+          <a:noFill/>
+        </p:spPr>
+        <p:txBody>
+          <a:bodyPr wrap="square" rtlCol="0">
+            <a:spAutoFit/>
+          </a:bodyPr>
+          <a:lstStyle/>
+          <a:p>
+            <a:r>
+              <a:rPr lang="pt-BR" dirty="0" smtClean="0"/>
+              <a:t>Núcleo externo</a:t>
+            </a:r>
+            <a:endParaRPr lang="pt-BR" dirty="0"/>
+          </a:p>
+        </p:txBody>
+      </p:sp>
+      <p:cxnSp>
+        <p:nvCxnSpPr>
+          <p:cNvPr id="12" name="Conector de seta reta 11"/>
+          <p:cNvCxnSpPr/>
+          <p:nvPr/>
+        </p:nvCxnSpPr>
+        <p:spPr>
+          <a:xfrm flipH="1">
+            <a:off x="2915816" y="4700761"/>
+            <a:ext cx="2160000" cy="0"/>
+          </a:xfrm>
+          <a:prstGeom prst="straightConnector1">
+            <a:avLst/>
+          </a:prstGeom>
+          <a:ln w="38100">
+            <a:solidFill>
+              <a:schemeClr val="tx1"/>
+            </a:solidFill>
+            <a:tailEnd type="arrow"/>
+          </a:ln>
+        </p:spPr>
+        <p:style>
+          <a:lnRef idx="1">
+            <a:schemeClr val="accent1"/>
+          </a:lnRef>
+          <a:fillRef idx="0">
+            <a:schemeClr val="accent1"/>
+          </a:fillRef>
+          <a:effectRef idx="0">
+            <a:schemeClr val="accent1"/>
+          </a:effectRef>
+          <a:fontRef idx="minor">
+            <a:schemeClr val="tx1"/>
+          </a:fontRef>
+        </p:style>
+      </p:cxnSp>
+      <p:cxnSp>
+        <p:nvCxnSpPr>
+          <p:cNvPr id="18" name="Conector de seta reta 17"/>
+          <p:cNvCxnSpPr/>
+          <p:nvPr/>
+        </p:nvCxnSpPr>
+        <p:spPr>
+          <a:xfrm flipH="1">
+            <a:off x="3059832" y="3332609"/>
+            <a:ext cx="1944000" cy="0"/>
+          </a:xfrm>
+          <a:prstGeom prst="straightConnector1">
+            <a:avLst/>
+          </a:prstGeom>
+          <a:ln w="38100">
+            <a:solidFill>
+              <a:schemeClr val="tx1"/>
+            </a:solidFill>
+            <a:tailEnd type="arrow"/>
+          </a:ln>
+        </p:spPr>
+        <p:style>
+          <a:lnRef idx="1">
+            <a:schemeClr val="accent1"/>
+          </a:lnRef>
+          <a:fillRef idx="0">
+            <a:schemeClr val="accent1"/>
+          </a:fillRef>
+          <a:effectRef idx="0">
+            <a:schemeClr val="accent1"/>
+          </a:effectRef>
+          <a:fontRef idx="minor">
+            <a:schemeClr val="tx1"/>
+          </a:fontRef>
+        </p:style>
+      </p:cxnSp>
+      <p:sp>
+        <p:nvSpPr>
+          <p:cNvPr id="20" name="Retângulo 19"/>
+          <p:cNvSpPr/>
+          <p:nvPr/>
+        </p:nvSpPr>
+        <p:spPr>
+          <a:xfrm>
+            <a:off x="92472" y="5589240"/>
+            <a:ext cx="2601161" cy="307777"/>
+          </a:xfrm>
+          <a:prstGeom prst="rect">
+            <a:avLst/>
+          </a:prstGeom>
+        </p:spPr>
+        <p:txBody>
+          <a:bodyPr wrap="none">
+            <a:spAutoFit/>
+          </a:bodyPr>
+          <a:lstStyle/>
+          <a:p>
+            <a:r>
+              <a:rPr lang="en-US" sz="1400" dirty="0" err="1" smtClean="0"/>
+              <a:t>Modificado</a:t>
+            </a:r>
+            <a:r>
+              <a:rPr lang="en-US" sz="1400" dirty="0" smtClean="0"/>
+              <a:t> de </a:t>
+            </a:r>
+            <a:r>
+              <a:rPr lang="en-US" sz="1400" dirty="0" err="1" smtClean="0"/>
+              <a:t>Hulot</a:t>
+            </a:r>
+            <a:r>
+              <a:rPr lang="en-US" sz="1400" dirty="0" smtClean="0"/>
+              <a:t> et al. (2015)</a:t>
+            </a:r>
+            <a:endParaRPr lang="pt-BR" sz="1400" dirty="0"/>
+          </a:p>
+        </p:txBody>
+      </p:sp>
+      <p:sp>
+        <p:nvSpPr>
+          <p:cNvPr id="2" name="CaixaDeTexto 1"/>
+          <p:cNvSpPr txBox="1"/>
+          <p:nvPr/>
+        </p:nvSpPr>
+        <p:spPr>
+          <a:xfrm>
+            <a:off x="5192025" y="4869160"/>
+            <a:ext cx="2548327" cy="338554"/>
+          </a:xfrm>
+          <a:prstGeom prst="rect">
+            <a:avLst/>
+          </a:prstGeom>
+          <a:noFill/>
+        </p:spPr>
+        <p:txBody>
+          <a:bodyPr wrap="square" rtlCol="0">
+            <a:spAutoFit/>
+          </a:bodyPr>
+          <a:lstStyle/>
+          <a:p>
+            <a:r>
+              <a:rPr lang="pt-BR" sz="1600" dirty="0" smtClean="0"/>
+              <a:t>Fonte: correntes elétricas</a:t>
+            </a:r>
+            <a:endParaRPr lang="pt-BR" sz="1600" dirty="0"/>
+          </a:p>
+        </p:txBody>
+      </p:sp>
+      <p:sp>
+        <p:nvSpPr>
+          <p:cNvPr id="13" name="CaixaDeTexto 12"/>
+          <p:cNvSpPr txBox="1"/>
+          <p:nvPr/>
+        </p:nvSpPr>
+        <p:spPr>
+          <a:xfrm>
+            <a:off x="5192025" y="5178678"/>
+            <a:ext cx="2548327" cy="338554"/>
+          </a:xfrm>
+          <a:prstGeom prst="rect">
+            <a:avLst/>
+          </a:prstGeom>
+          <a:noFill/>
+        </p:spPr>
+        <p:txBody>
+          <a:bodyPr wrap="square" rtlCol="0">
+            <a:spAutoFit/>
+          </a:bodyPr>
+          <a:lstStyle/>
+          <a:p>
+            <a:r>
+              <a:rPr lang="pt-BR" sz="1600" dirty="0" smtClean="0"/>
+              <a:t>Campo principal</a:t>
+            </a:r>
+            <a:endParaRPr lang="pt-BR" sz="1600" dirty="0"/>
+          </a:p>
+        </p:txBody>
+      </p:sp>
+      <p:sp>
+        <p:nvSpPr>
+          <p:cNvPr id="14" name="CaixaDeTexto 13"/>
+          <p:cNvSpPr txBox="1"/>
+          <p:nvPr/>
+        </p:nvSpPr>
+        <p:spPr>
+          <a:xfrm>
+            <a:off x="5192025" y="3429000"/>
+            <a:ext cx="2548327" cy="338554"/>
+          </a:xfrm>
+          <a:prstGeom prst="rect">
+            <a:avLst/>
+          </a:prstGeom>
+          <a:noFill/>
+        </p:spPr>
+        <p:txBody>
+          <a:bodyPr wrap="square" rtlCol="0">
+            <a:spAutoFit/>
+          </a:bodyPr>
+          <a:lstStyle/>
+          <a:p>
+            <a:r>
+              <a:rPr lang="pt-BR" sz="1600" dirty="0" smtClean="0"/>
+              <a:t>Fonte: rochas magnetizadas</a:t>
+            </a:r>
+            <a:endParaRPr lang="pt-BR" sz="1600" dirty="0"/>
+          </a:p>
+        </p:txBody>
+      </p:sp>
+      <p:sp>
+        <p:nvSpPr>
+          <p:cNvPr id="23" name="CaixaDeTexto 22"/>
+          <p:cNvSpPr txBox="1"/>
+          <p:nvPr/>
+        </p:nvSpPr>
+        <p:spPr>
+          <a:xfrm>
+            <a:off x="5191497" y="3738518"/>
+            <a:ext cx="1914595" cy="338554"/>
+          </a:xfrm>
+          <a:prstGeom prst="rect">
+            <a:avLst/>
+          </a:prstGeom>
+          <a:noFill/>
+        </p:spPr>
+        <p:txBody>
+          <a:bodyPr wrap="square" rtlCol="0">
+            <a:spAutoFit/>
+          </a:bodyPr>
+          <a:lstStyle/>
+          <a:p>
+            <a:r>
+              <a:rPr lang="pt-BR" sz="1600" dirty="0" smtClean="0"/>
+              <a:t>Campo </a:t>
+            </a:r>
+            <a:r>
+              <a:rPr lang="pt-BR" sz="1600" dirty="0" err="1" smtClean="0"/>
+              <a:t>crustal</a:t>
+            </a:r>
+            <a:endParaRPr lang="pt-BR" sz="1600" dirty="0"/>
+          </a:p>
+        </p:txBody>
+      </p:sp>
+      <p:sp>
+        <p:nvSpPr>
+          <p:cNvPr id="3" name="Chave direita 2"/>
+          <p:cNvSpPr/>
+          <p:nvPr/>
+        </p:nvSpPr>
+        <p:spPr>
+          <a:xfrm>
+            <a:off x="7480895" y="2924944"/>
+            <a:ext cx="288032" cy="2818184"/>
+          </a:xfrm>
+          <a:prstGeom prst="rightBrace">
+            <a:avLst/>
+          </a:prstGeom>
+          <a:ln w="28575">
+            <a:solidFill>
+              <a:schemeClr val="tx1"/>
+            </a:solidFill>
+          </a:ln>
+        </p:spPr>
+        <p:style>
+          <a:lnRef idx="1">
+            <a:schemeClr val="accent1"/>
+          </a:lnRef>
+          <a:fillRef idx="0">
+            <a:schemeClr val="accent1"/>
+          </a:fillRef>
+          <a:effectRef idx="0">
+            <a:schemeClr val="accent1"/>
+          </a:effectRef>
+          <a:fontRef idx="minor">
+            <a:schemeClr val="tx1"/>
+          </a:fontRef>
+        </p:style>
+        <p:txBody>
+          <a:bodyPr rtlCol="0" anchor="ctr"/>
+          <a:lstStyle/>
+          <a:p>
+            <a:pPr algn="ctr"/>
+            <a:endParaRPr lang="pt-BR"/>
+          </a:p>
+        </p:txBody>
+      </p:sp>
+      <p:sp>
+        <p:nvSpPr>
+          <p:cNvPr id="5" name="CaixaDeTexto 4"/>
+          <p:cNvSpPr txBox="1"/>
+          <p:nvPr/>
+        </p:nvSpPr>
+        <p:spPr>
+          <a:xfrm>
+            <a:off x="7821885" y="3740274"/>
+            <a:ext cx="1224136" cy="1200329"/>
+          </a:xfrm>
+          <a:prstGeom prst="rect">
+            <a:avLst/>
+          </a:prstGeom>
+          <a:noFill/>
+        </p:spPr>
+        <p:txBody>
+          <a:bodyPr wrap="square" rtlCol="0">
+            <a:spAutoFit/>
+          </a:bodyPr>
+          <a:lstStyle/>
+          <a:p>
+            <a:pPr algn="ctr"/>
+            <a:r>
+              <a:rPr lang="pt-BR" dirty="0" smtClean="0"/>
+              <a:t>Campo total</a:t>
+            </a:r>
+          </a:p>
+          <a:p>
+            <a:pPr algn="ctr"/>
+            <a:r>
+              <a:rPr lang="pt-BR" dirty="0" smtClean="0"/>
+              <a:t>(ou campo interno)</a:t>
+            </a:r>
+            <a:endParaRPr lang="pt-BR" dirty="0"/>
+          </a:p>
+        </p:txBody>
+      </p:sp>
+      <p:sp>
+        <p:nvSpPr>
+          <p:cNvPr id="26" name="CaixaDeTexto 25"/>
+          <p:cNvSpPr txBox="1"/>
+          <p:nvPr/>
+        </p:nvSpPr>
+        <p:spPr>
+          <a:xfrm>
+            <a:off x="167748" y="544034"/>
+            <a:ext cx="1800200" cy="369332"/>
+          </a:xfrm>
+          <a:prstGeom prst="rect">
+            <a:avLst/>
+          </a:prstGeom>
+          <a:noFill/>
+        </p:spPr>
+        <p:txBody>
+          <a:bodyPr wrap="square" rtlCol="0">
+            <a:spAutoFit/>
+          </a:bodyPr>
+          <a:lstStyle/>
+          <a:p>
+            <a:r>
+              <a:rPr lang="pt-BR" dirty="0" smtClean="0">
+                <a:solidFill>
+                  <a:srgbClr val="FF0000"/>
+                </a:solidFill>
+              </a:rPr>
+              <a:t>Ionosfera</a:t>
+            </a:r>
+            <a:endParaRPr lang="pt-BR" dirty="0">
+              <a:solidFill>
+                <a:srgbClr val="FF0000"/>
+              </a:solidFill>
+            </a:endParaRPr>
+          </a:p>
+        </p:txBody>
+      </p:sp>
+      <p:cxnSp>
+        <p:nvCxnSpPr>
+          <p:cNvPr id="28" name="Conector de seta reta 27"/>
+          <p:cNvCxnSpPr/>
+          <p:nvPr/>
+        </p:nvCxnSpPr>
+        <p:spPr>
+          <a:xfrm>
+            <a:off x="1193826" y="834389"/>
+            <a:ext cx="641870" cy="1730515"/>
+          </a:xfrm>
+          <a:prstGeom prst="straightConnector1">
+            <a:avLst/>
+          </a:prstGeom>
+          <a:ln w="38100">
+            <a:solidFill>
+              <a:schemeClr val="tx1"/>
+            </a:solidFill>
+            <a:tailEnd type="arrow"/>
+          </a:ln>
+        </p:spPr>
+        <p:style>
+          <a:lnRef idx="1">
+            <a:schemeClr val="accent1"/>
+          </a:lnRef>
+          <a:fillRef idx="0">
+            <a:schemeClr val="accent1"/>
+          </a:fillRef>
+          <a:effectRef idx="0">
+            <a:schemeClr val="accent1"/>
+          </a:effectRef>
+          <a:fontRef idx="minor">
+            <a:schemeClr val="tx1"/>
+          </a:fontRef>
+        </p:style>
+      </p:cxnSp>
+      <p:sp>
+        <p:nvSpPr>
+          <p:cNvPr id="29" name="CaixaDeTexto 28"/>
+          <p:cNvSpPr txBox="1"/>
+          <p:nvPr/>
+        </p:nvSpPr>
+        <p:spPr>
+          <a:xfrm>
+            <a:off x="2699792" y="567730"/>
+            <a:ext cx="1800200" cy="369332"/>
+          </a:xfrm>
+          <a:prstGeom prst="rect">
+            <a:avLst/>
+          </a:prstGeom>
+          <a:noFill/>
+        </p:spPr>
+        <p:txBody>
+          <a:bodyPr wrap="square" rtlCol="0">
+            <a:spAutoFit/>
+          </a:bodyPr>
+          <a:lstStyle/>
+          <a:p>
+            <a:r>
+              <a:rPr lang="pt-BR" dirty="0" smtClean="0">
+                <a:solidFill>
+                  <a:srgbClr val="FF0000"/>
+                </a:solidFill>
+              </a:rPr>
+              <a:t>Magnetosfera</a:t>
+            </a:r>
+            <a:endParaRPr lang="pt-BR" dirty="0">
+              <a:solidFill>
+                <a:srgbClr val="FF0000"/>
+              </a:solidFill>
+            </a:endParaRPr>
+          </a:p>
+        </p:txBody>
+      </p:sp>
+      <p:cxnSp>
+        <p:nvCxnSpPr>
+          <p:cNvPr id="30" name="Conector de seta reta 29"/>
+          <p:cNvCxnSpPr/>
+          <p:nvPr/>
+        </p:nvCxnSpPr>
+        <p:spPr>
+          <a:xfrm flipH="1">
+            <a:off x="2195737" y="834389"/>
+            <a:ext cx="576063" cy="290355"/>
+          </a:xfrm>
+          <a:prstGeom prst="straightConnector1">
+            <a:avLst/>
+          </a:prstGeom>
+          <a:ln w="38100">
+            <a:solidFill>
+              <a:schemeClr val="tx1"/>
+            </a:solidFill>
+            <a:tailEnd type="arrow"/>
+          </a:ln>
+        </p:spPr>
+        <p:style>
+          <a:lnRef idx="1">
+            <a:schemeClr val="accent1"/>
+          </a:lnRef>
+          <a:fillRef idx="0">
+            <a:schemeClr val="accent1"/>
+          </a:fillRef>
+          <a:effectRef idx="0">
+            <a:schemeClr val="accent1"/>
+          </a:effectRef>
+          <a:fontRef idx="minor">
+            <a:schemeClr val="tx1"/>
+          </a:fontRef>
+        </p:style>
+      </p:cxnSp>
+      <p:sp>
+        <p:nvSpPr>
+          <p:cNvPr id="31" name="CaixaDeTexto 30"/>
+          <p:cNvSpPr txBox="1"/>
+          <p:nvPr/>
+        </p:nvSpPr>
+        <p:spPr>
+          <a:xfrm>
+            <a:off x="35496" y="282134"/>
+            <a:ext cx="2316661" cy="338554"/>
+          </a:xfrm>
+          <a:prstGeom prst="rect">
+            <a:avLst/>
+          </a:prstGeom>
+          <a:noFill/>
+        </p:spPr>
+        <p:txBody>
+          <a:bodyPr wrap="square" rtlCol="0">
+            <a:spAutoFit/>
+          </a:bodyPr>
+          <a:lstStyle/>
+          <a:p>
+            <a:r>
+              <a:rPr lang="pt-BR" sz="1600" dirty="0" smtClean="0"/>
+              <a:t>Fonte: correntes elétricas</a:t>
+            </a:r>
+            <a:endParaRPr lang="pt-BR" sz="1600" dirty="0"/>
+          </a:p>
+        </p:txBody>
+      </p:sp>
+      <p:sp>
+        <p:nvSpPr>
+          <p:cNvPr id="32" name="CaixaDeTexto 31"/>
+          <p:cNvSpPr txBox="1"/>
+          <p:nvPr/>
+        </p:nvSpPr>
+        <p:spPr>
+          <a:xfrm>
+            <a:off x="2527729" y="279698"/>
+            <a:ext cx="2316661" cy="338554"/>
+          </a:xfrm>
+          <a:prstGeom prst="rect">
+            <a:avLst/>
+          </a:prstGeom>
+          <a:noFill/>
+        </p:spPr>
+        <p:txBody>
+          <a:bodyPr wrap="square" rtlCol="0">
+            <a:spAutoFit/>
+          </a:bodyPr>
+          <a:lstStyle/>
+          <a:p>
+            <a:r>
+              <a:rPr lang="pt-BR" sz="1600" dirty="0" smtClean="0"/>
+              <a:t>Fonte: correntes elétricas</a:t>
+            </a:r>
+            <a:endParaRPr lang="pt-BR" sz="1600" dirty="0"/>
+          </a:p>
+        </p:txBody>
+      </p:sp>
+      <p:sp>
+        <p:nvSpPr>
+          <p:cNvPr id="25" name="CaixaDeTexto 24"/>
+          <p:cNvSpPr txBox="1"/>
+          <p:nvPr/>
+        </p:nvSpPr>
+        <p:spPr>
+          <a:xfrm>
+            <a:off x="6316820" y="116632"/>
+            <a:ext cx="2802540" cy="2365556"/>
+          </a:xfrm>
+          <a:prstGeom prst="rect">
+            <a:avLst/>
+          </a:prstGeom>
+          <a:noFill/>
+        </p:spPr>
+        <p:txBody>
+          <a:bodyPr wrap="square" rtlCol="0">
+            <a:spAutoFit/>
+          </a:bodyPr>
+          <a:lstStyle/>
+          <a:p>
+            <a:pPr algn="ctr"/>
+            <a:r>
+              <a:rPr lang="pt-BR" sz="2000" dirty="0" smtClean="0"/>
+              <a:t>À grosso modo, dias em que o campo externo atinge amplitudes baixas (dezenas de </a:t>
+            </a:r>
+            <a:r>
+              <a:rPr lang="pt-BR" sz="2000" dirty="0" err="1" smtClean="0"/>
+              <a:t>nanotesla</a:t>
+            </a:r>
+            <a:r>
+              <a:rPr lang="pt-BR" sz="2000" dirty="0" smtClean="0"/>
+              <a:t>) são considerados </a:t>
+            </a:r>
+            <a:r>
+              <a:rPr lang="pt-BR" sz="2000" b="1" dirty="0" smtClean="0"/>
+              <a:t>dias magneticamente calmos</a:t>
+            </a:r>
+            <a:r>
+              <a:rPr lang="pt-BR" sz="2000" dirty="0" smtClean="0"/>
+              <a:t>.</a:t>
+            </a:r>
+            <a:endParaRPr lang="pt-BR" sz="2000" dirty="0"/>
+          </a:p>
+        </p:txBody>
+      </p:sp>
+      <p:sp>
+        <p:nvSpPr>
+          <p:cNvPr id="24" name="Chave direita 23"/>
+          <p:cNvSpPr/>
+          <p:nvPr/>
+        </p:nvSpPr>
+        <p:spPr>
+          <a:xfrm>
+            <a:off x="4715800" y="106760"/>
+            <a:ext cx="288032" cy="2818184"/>
+          </a:xfrm>
+          <a:prstGeom prst="rightBrace">
+            <a:avLst/>
+          </a:prstGeom>
+          <a:ln w="28575">
+            <a:solidFill>
+              <a:schemeClr val="tx1"/>
+            </a:solidFill>
+          </a:ln>
+        </p:spPr>
+        <p:style>
+          <a:lnRef idx="1">
+            <a:schemeClr val="accent1"/>
+          </a:lnRef>
+          <a:fillRef idx="0">
+            <a:schemeClr val="accent1"/>
+          </a:fillRef>
+          <a:effectRef idx="0">
+            <a:schemeClr val="accent1"/>
+          </a:effectRef>
+          <a:fontRef idx="minor">
+            <a:schemeClr val="tx1"/>
+          </a:fontRef>
+        </p:style>
+        <p:txBody>
+          <a:bodyPr rtlCol="0" anchor="ctr"/>
+          <a:lstStyle/>
+          <a:p>
+            <a:pPr algn="ctr"/>
+            <a:endParaRPr lang="pt-BR"/>
+          </a:p>
+        </p:txBody>
+      </p:sp>
+      <p:sp>
+        <p:nvSpPr>
+          <p:cNvPr id="4" name="Retângulo 3"/>
+          <p:cNvSpPr/>
+          <p:nvPr/>
+        </p:nvSpPr>
+        <p:spPr>
+          <a:xfrm>
+            <a:off x="5148064" y="1198493"/>
+            <a:ext cx="910377" cy="646331"/>
+          </a:xfrm>
+          <a:prstGeom prst="rect">
+            <a:avLst/>
+          </a:prstGeom>
+        </p:spPr>
+        <p:txBody>
+          <a:bodyPr wrap="none">
+            <a:spAutoFit/>
+          </a:bodyPr>
+          <a:lstStyle/>
+          <a:p>
+            <a:pPr algn="ctr"/>
+            <a:r>
+              <a:rPr lang="pt-BR" dirty="0" smtClean="0"/>
+              <a:t>Campo</a:t>
+            </a:r>
+          </a:p>
+          <a:p>
+            <a:pPr algn="ctr"/>
+            <a:r>
+              <a:rPr lang="pt-BR" dirty="0" smtClean="0"/>
+              <a:t>externo</a:t>
+            </a:r>
+            <a:endParaRPr lang="pt-BR" dirty="0"/>
+          </a:p>
+        </p:txBody>
+      </p:sp>
+    </p:spTree>
+    <p:extLst>
+      <p:ext uri="{BB962C8B-B14F-4D97-AF65-F5344CB8AC3E}">
+        <p14:creationId xmlns:p14="http://schemas.microsoft.com/office/powerpoint/2010/main" val="1270300713"/>
+      </p:ext>
+    </p:extLst>
+  </p:cSld>
+  <p:clrMapOvr>
+    <a:masterClrMapping/>
+  </p:clrMapOvr>
+  <p:timing>
+    <p:tnLst>
+      <p:par>
+        <p:cTn id="1" dur="indefinite" restart="never" nodeType="tmRoot"/>
+      </p:par>
+    </p:tnLst>
+  </p:timing>
+</p:sld>
+</file>
+
+<file path=ppt/slides/slide22.xml><?xml version="1.0" encoding="utf-8"?>
+<p:sld xmlns:a="http://schemas.openxmlformats.org/drawingml/2006/main" xmlns:r="http://schemas.openxmlformats.org/officeDocument/2006/relationships" xmlns:p="http://schemas.openxmlformats.org/presentationml/2006/main">
+  <p:cSld>
+    <p:spTree>
+      <p:nvGrpSpPr>
+        <p:cNvPr id="1" name=""/>
+        <p:cNvGrpSpPr/>
+        <p:nvPr/>
+      </p:nvGrpSpPr>
+      <p:grpSpPr>
+        <a:xfrm>
+          <a:off x="0" y="0"/>
+          <a:ext cx="0" cy="0"/>
+          <a:chOff x="0" y="0"/>
+          <a:chExt cx="0" cy="0"/>
+        </a:xfrm>
+      </p:grpSpPr>
+      <p:pic>
+        <p:nvPicPr>
+          <p:cNvPr id="17" name="Picture 2"/>
+          <p:cNvPicPr>
+            <a:picLocks noChangeAspect="1" noChangeArrowheads="1"/>
+          </p:cNvPicPr>
+          <p:nvPr/>
+        </p:nvPicPr>
+        <p:blipFill rotWithShape="1">
+          <a:blip r:embed="rId2">
+            <a:extLst>
+              <a:ext uri="{28A0092B-C50C-407E-A947-70E740481C1C}">
+                <a14:useLocalDpi xmlns:a14="http://schemas.microsoft.com/office/drawing/2010/main" val="0"/>
+              </a:ext>
+            </a:extLst>
+          </a:blip>
+          <a:srcRect l="25921" t="13054" r="35526" b="10876"/>
+          <a:stretch/>
+        </p:blipFill>
+        <p:spPr bwMode="auto">
+          <a:xfrm>
+            <a:off x="251520" y="962264"/>
+            <a:ext cx="4104000" cy="4554968"/>
+          </a:xfrm>
+          <a:prstGeom prst="rect">
+            <a:avLst/>
+          </a:prstGeom>
+          <a:noFill/>
+          <a:ln>
+            <a:noFill/>
+          </a:ln>
+          <a:extLst>
+            <a:ext uri="{909E8E84-426E-40DD-AFC4-6F175D3DCCD1}">
+              <a14:hiddenFill xmlns:a14="http://schemas.microsoft.com/office/drawing/2010/main">
+                <a:solidFill>
+                  <a:schemeClr val="accent1"/>
+                </a:solidFill>
+              </a14:hiddenFill>
+            </a:ext>
+            <a:ext uri="{91240B29-F687-4F45-9708-019B960494DF}">
+              <a14:hiddenLine xmlns:a14="http://schemas.microsoft.com/office/drawing/2010/main" w="9525">
+                <a:solidFill>
+                  <a:schemeClr val="tx1"/>
+                </a:solidFill>
+                <a:miter lim="800000"/>
+                <a:headEnd/>
+                <a:tailEnd/>
+              </a14:hiddenLine>
+            </a:ext>
+          </a:extLst>
+        </p:spPr>
+      </p:pic>
+      <p:sp>
+        <p:nvSpPr>
+          <p:cNvPr id="15" name="Rosca 14"/>
+          <p:cNvSpPr/>
+          <p:nvPr/>
+        </p:nvSpPr>
+        <p:spPr>
+          <a:xfrm>
+            <a:off x="1067848" y="3689736"/>
+            <a:ext cx="2448272" cy="720080"/>
+          </a:xfrm>
+          <a:prstGeom prst="donut">
+            <a:avLst>
+              <a:gd name="adj" fmla="val 31630"/>
+            </a:avLst>
+          </a:prstGeom>
+          <a:solidFill>
+            <a:srgbClr val="00A761"/>
+          </a:solidFill>
+          <a:ln>
+            <a:solidFill>
+              <a:srgbClr val="00A761"/>
+            </a:solidFill>
+          </a:ln>
+        </p:spPr>
+        <p:style>
+          <a:lnRef idx="2">
+            <a:schemeClr val="accent1">
+              <a:shade val="50000"/>
+            </a:schemeClr>
+          </a:lnRef>
+          <a:fillRef idx="1">
+            <a:schemeClr val="accent1"/>
+          </a:fillRef>
+          <a:effectRef idx="0">
+            <a:schemeClr val="accent1"/>
+          </a:effectRef>
+          <a:fontRef idx="minor">
+            <a:schemeClr val="lt1"/>
+          </a:fontRef>
+        </p:style>
+        <p:txBody>
+          <a:bodyPr rtlCol="0" anchor="ctr"/>
+          <a:lstStyle/>
+          <a:p>
+            <a:pPr algn="ctr"/>
+            <a:endParaRPr lang="pt-BR">
+              <a:solidFill>
+                <a:schemeClr val="tx1"/>
+              </a:solidFill>
+            </a:endParaRPr>
+          </a:p>
+        </p:txBody>
+      </p:sp>
+      <p:sp>
+        <p:nvSpPr>
+          <p:cNvPr id="16" name="Retângulo 15"/>
+          <p:cNvSpPr/>
+          <p:nvPr/>
+        </p:nvSpPr>
+        <p:spPr>
+          <a:xfrm>
+            <a:off x="971600" y="4221088"/>
+            <a:ext cx="864096" cy="216024"/>
+          </a:xfrm>
+          <a:prstGeom prst="rect">
+            <a:avLst/>
+          </a:prstGeom>
+          <a:solidFill>
+            <a:srgbClr val="00A761"/>
+          </a:solidFill>
+          <a:ln>
+            <a:solidFill>
+              <a:srgbClr val="00A761"/>
+            </a:solidFill>
+          </a:ln>
+        </p:spPr>
+        <p:style>
+          <a:lnRef idx="2">
+            <a:schemeClr val="accent1">
+              <a:shade val="50000"/>
+            </a:schemeClr>
+          </a:lnRef>
+          <a:fillRef idx="1">
+            <a:schemeClr val="accent1"/>
+          </a:fillRef>
+          <a:effectRef idx="0">
+            <a:schemeClr val="accent1"/>
+          </a:effectRef>
+          <a:fontRef idx="minor">
+            <a:schemeClr val="lt1"/>
+          </a:fontRef>
+        </p:style>
+        <p:txBody>
+          <a:bodyPr rtlCol="0" anchor="ctr"/>
+          <a:lstStyle/>
+          <a:p>
+            <a:pPr algn="ctr"/>
+            <a:endParaRPr lang="pt-BR"/>
+          </a:p>
+        </p:txBody>
+      </p:sp>
+      <p:sp>
+        <p:nvSpPr>
+          <p:cNvPr id="7" name="CaixaDeTexto 6"/>
+          <p:cNvSpPr txBox="1"/>
+          <p:nvPr/>
+        </p:nvSpPr>
+        <p:spPr>
+          <a:xfrm>
+            <a:off x="5148064" y="3116585"/>
+            <a:ext cx="1800200" cy="369332"/>
+          </a:xfrm>
+          <a:prstGeom prst="rect">
+            <a:avLst/>
+          </a:prstGeom>
+          <a:noFill/>
+        </p:spPr>
+        <p:txBody>
+          <a:bodyPr wrap="square" rtlCol="0">
+            <a:spAutoFit/>
+          </a:bodyPr>
+          <a:lstStyle/>
+          <a:p>
+            <a:r>
+              <a:rPr lang="pt-BR" dirty="0" smtClean="0"/>
+              <a:t>Litosfera</a:t>
+            </a:r>
+            <a:endParaRPr lang="pt-BR" dirty="0"/>
+          </a:p>
+        </p:txBody>
+      </p:sp>
+      <p:sp>
+        <p:nvSpPr>
+          <p:cNvPr id="9" name="CaixaDeTexto 8"/>
+          <p:cNvSpPr txBox="1"/>
+          <p:nvPr/>
+        </p:nvSpPr>
+        <p:spPr>
+          <a:xfrm>
+            <a:off x="5148064" y="4484737"/>
+            <a:ext cx="1654318" cy="369332"/>
+          </a:xfrm>
+          <a:prstGeom prst="rect">
+            <a:avLst/>
+          </a:prstGeom>
+          <a:noFill/>
+        </p:spPr>
+        <p:txBody>
+          <a:bodyPr wrap="square" rtlCol="0">
+            <a:spAutoFit/>
+          </a:bodyPr>
+          <a:lstStyle/>
+          <a:p>
+            <a:r>
+              <a:rPr lang="pt-BR" dirty="0" smtClean="0"/>
+              <a:t>Núcleo externo</a:t>
+            </a:r>
+            <a:endParaRPr lang="pt-BR" dirty="0"/>
+          </a:p>
+        </p:txBody>
+      </p:sp>
+      <p:cxnSp>
+        <p:nvCxnSpPr>
+          <p:cNvPr id="12" name="Conector de seta reta 11"/>
+          <p:cNvCxnSpPr/>
+          <p:nvPr/>
+        </p:nvCxnSpPr>
+        <p:spPr>
+          <a:xfrm flipH="1">
+            <a:off x="2915816" y="4700761"/>
+            <a:ext cx="2160000" cy="0"/>
+          </a:xfrm>
+          <a:prstGeom prst="straightConnector1">
+            <a:avLst/>
+          </a:prstGeom>
+          <a:ln w="38100">
+            <a:solidFill>
+              <a:schemeClr val="tx1"/>
+            </a:solidFill>
+            <a:tailEnd type="arrow"/>
+          </a:ln>
+        </p:spPr>
+        <p:style>
+          <a:lnRef idx="1">
+            <a:schemeClr val="accent1"/>
+          </a:lnRef>
+          <a:fillRef idx="0">
+            <a:schemeClr val="accent1"/>
+          </a:fillRef>
+          <a:effectRef idx="0">
+            <a:schemeClr val="accent1"/>
+          </a:effectRef>
+          <a:fontRef idx="minor">
+            <a:schemeClr val="tx1"/>
+          </a:fontRef>
+        </p:style>
+      </p:cxnSp>
+      <p:cxnSp>
+        <p:nvCxnSpPr>
+          <p:cNvPr id="18" name="Conector de seta reta 17"/>
+          <p:cNvCxnSpPr/>
+          <p:nvPr/>
+        </p:nvCxnSpPr>
+        <p:spPr>
+          <a:xfrm flipH="1">
+            <a:off x="3059832" y="3332609"/>
+            <a:ext cx="1944000" cy="0"/>
+          </a:xfrm>
+          <a:prstGeom prst="straightConnector1">
+            <a:avLst/>
+          </a:prstGeom>
+          <a:ln w="38100">
+            <a:solidFill>
+              <a:schemeClr val="tx1"/>
+            </a:solidFill>
+            <a:tailEnd type="arrow"/>
+          </a:ln>
+        </p:spPr>
+        <p:style>
+          <a:lnRef idx="1">
+            <a:schemeClr val="accent1"/>
+          </a:lnRef>
+          <a:fillRef idx="0">
+            <a:schemeClr val="accent1"/>
+          </a:fillRef>
+          <a:effectRef idx="0">
+            <a:schemeClr val="accent1"/>
+          </a:effectRef>
+          <a:fontRef idx="minor">
+            <a:schemeClr val="tx1"/>
+          </a:fontRef>
+        </p:style>
+      </p:cxnSp>
+      <p:sp>
+        <p:nvSpPr>
+          <p:cNvPr id="20" name="Retângulo 19"/>
+          <p:cNvSpPr/>
+          <p:nvPr/>
+        </p:nvSpPr>
+        <p:spPr>
+          <a:xfrm>
+            <a:off x="92472" y="5589240"/>
+            <a:ext cx="2601161" cy="307777"/>
+          </a:xfrm>
+          <a:prstGeom prst="rect">
+            <a:avLst/>
+          </a:prstGeom>
+        </p:spPr>
+        <p:txBody>
+          <a:bodyPr wrap="none">
+            <a:spAutoFit/>
+          </a:bodyPr>
+          <a:lstStyle/>
+          <a:p>
+            <a:r>
+              <a:rPr lang="en-US" sz="1400" dirty="0" err="1" smtClean="0"/>
+              <a:t>Modificado</a:t>
+            </a:r>
+            <a:r>
+              <a:rPr lang="en-US" sz="1400" dirty="0" smtClean="0"/>
+              <a:t> de </a:t>
+            </a:r>
+            <a:r>
+              <a:rPr lang="en-US" sz="1400" dirty="0" err="1" smtClean="0"/>
+              <a:t>Hulot</a:t>
+            </a:r>
+            <a:r>
+              <a:rPr lang="en-US" sz="1400" dirty="0" smtClean="0"/>
+              <a:t> et al. (2015)</a:t>
+            </a:r>
+            <a:endParaRPr lang="pt-BR" sz="1400" dirty="0"/>
+          </a:p>
+        </p:txBody>
+      </p:sp>
+      <p:sp>
+        <p:nvSpPr>
+          <p:cNvPr id="2" name="CaixaDeTexto 1"/>
+          <p:cNvSpPr txBox="1"/>
+          <p:nvPr/>
+        </p:nvSpPr>
+        <p:spPr>
+          <a:xfrm>
+            <a:off x="5192025" y="4869160"/>
+            <a:ext cx="2548327" cy="338554"/>
+          </a:xfrm>
+          <a:prstGeom prst="rect">
+            <a:avLst/>
+          </a:prstGeom>
+          <a:noFill/>
+        </p:spPr>
+        <p:txBody>
+          <a:bodyPr wrap="square" rtlCol="0">
+            <a:spAutoFit/>
+          </a:bodyPr>
+          <a:lstStyle/>
+          <a:p>
+            <a:r>
+              <a:rPr lang="pt-BR" sz="1600" dirty="0" smtClean="0"/>
+              <a:t>Fonte: correntes elétricas</a:t>
+            </a:r>
+            <a:endParaRPr lang="pt-BR" sz="1600" dirty="0"/>
+          </a:p>
+        </p:txBody>
+      </p:sp>
+      <p:sp>
+        <p:nvSpPr>
+          <p:cNvPr id="13" name="CaixaDeTexto 12"/>
+          <p:cNvSpPr txBox="1"/>
+          <p:nvPr/>
+        </p:nvSpPr>
+        <p:spPr>
+          <a:xfrm>
+            <a:off x="5192025" y="5178678"/>
+            <a:ext cx="2548327" cy="338554"/>
+          </a:xfrm>
+          <a:prstGeom prst="rect">
+            <a:avLst/>
+          </a:prstGeom>
+          <a:noFill/>
+        </p:spPr>
+        <p:txBody>
+          <a:bodyPr wrap="square" rtlCol="0">
+            <a:spAutoFit/>
+          </a:bodyPr>
+          <a:lstStyle/>
+          <a:p>
+            <a:r>
+              <a:rPr lang="pt-BR" sz="1600" dirty="0" smtClean="0"/>
+              <a:t>Campo principal</a:t>
+            </a:r>
+            <a:endParaRPr lang="pt-BR" sz="1600" dirty="0"/>
+          </a:p>
+        </p:txBody>
+      </p:sp>
+      <p:sp>
+        <p:nvSpPr>
+          <p:cNvPr id="14" name="CaixaDeTexto 13"/>
+          <p:cNvSpPr txBox="1"/>
+          <p:nvPr/>
+        </p:nvSpPr>
+        <p:spPr>
+          <a:xfrm>
+            <a:off x="5192025" y="3429000"/>
+            <a:ext cx="2548327" cy="338554"/>
+          </a:xfrm>
+          <a:prstGeom prst="rect">
+            <a:avLst/>
+          </a:prstGeom>
+          <a:noFill/>
+        </p:spPr>
+        <p:txBody>
+          <a:bodyPr wrap="square" rtlCol="0">
+            <a:spAutoFit/>
+          </a:bodyPr>
+          <a:lstStyle/>
+          <a:p>
+            <a:r>
+              <a:rPr lang="pt-BR" sz="1600" dirty="0" smtClean="0"/>
+              <a:t>Fonte: rochas magnetizadas</a:t>
+            </a:r>
+            <a:endParaRPr lang="pt-BR" sz="1600" dirty="0"/>
+          </a:p>
+        </p:txBody>
+      </p:sp>
+      <p:sp>
+        <p:nvSpPr>
+          <p:cNvPr id="23" name="CaixaDeTexto 22"/>
+          <p:cNvSpPr txBox="1"/>
+          <p:nvPr/>
+        </p:nvSpPr>
+        <p:spPr>
+          <a:xfrm>
+            <a:off x="5191497" y="3738518"/>
+            <a:ext cx="1914595" cy="338554"/>
+          </a:xfrm>
+          <a:prstGeom prst="rect">
+            <a:avLst/>
+          </a:prstGeom>
+          <a:noFill/>
+        </p:spPr>
+        <p:txBody>
+          <a:bodyPr wrap="square" rtlCol="0">
+            <a:spAutoFit/>
+          </a:bodyPr>
+          <a:lstStyle/>
+          <a:p>
+            <a:r>
+              <a:rPr lang="pt-BR" sz="1600" dirty="0" smtClean="0"/>
+              <a:t>Campo </a:t>
+            </a:r>
+            <a:r>
+              <a:rPr lang="pt-BR" sz="1600" dirty="0" err="1" smtClean="0"/>
+              <a:t>crustal</a:t>
+            </a:r>
+            <a:endParaRPr lang="pt-BR" sz="1600" dirty="0"/>
+          </a:p>
+        </p:txBody>
+      </p:sp>
+      <p:sp>
+        <p:nvSpPr>
+          <p:cNvPr id="3" name="Chave direita 2"/>
+          <p:cNvSpPr/>
+          <p:nvPr/>
+        </p:nvSpPr>
+        <p:spPr>
+          <a:xfrm>
+            <a:off x="7480895" y="2924944"/>
+            <a:ext cx="288032" cy="2818184"/>
+          </a:xfrm>
+          <a:prstGeom prst="rightBrace">
+            <a:avLst/>
+          </a:prstGeom>
+          <a:ln w="28575">
+            <a:solidFill>
+              <a:schemeClr val="tx1"/>
+            </a:solidFill>
+          </a:ln>
+        </p:spPr>
+        <p:style>
+          <a:lnRef idx="1">
+            <a:schemeClr val="accent1"/>
+          </a:lnRef>
+          <a:fillRef idx="0">
+            <a:schemeClr val="accent1"/>
+          </a:fillRef>
+          <a:effectRef idx="0">
+            <a:schemeClr val="accent1"/>
+          </a:effectRef>
+          <a:fontRef idx="minor">
+            <a:schemeClr val="tx1"/>
+          </a:fontRef>
+        </p:style>
+        <p:txBody>
+          <a:bodyPr rtlCol="0" anchor="ctr"/>
+          <a:lstStyle/>
+          <a:p>
+            <a:pPr algn="ctr"/>
+            <a:endParaRPr lang="pt-BR"/>
+          </a:p>
+        </p:txBody>
+      </p:sp>
+      <p:sp>
+        <p:nvSpPr>
+          <p:cNvPr id="5" name="CaixaDeTexto 4"/>
+          <p:cNvSpPr txBox="1"/>
+          <p:nvPr/>
+        </p:nvSpPr>
+        <p:spPr>
+          <a:xfrm>
+            <a:off x="7821885" y="3740274"/>
+            <a:ext cx="1224136" cy="1200329"/>
+          </a:xfrm>
+          <a:prstGeom prst="rect">
+            <a:avLst/>
+          </a:prstGeom>
+          <a:noFill/>
+        </p:spPr>
+        <p:txBody>
+          <a:bodyPr wrap="square" rtlCol="0">
+            <a:spAutoFit/>
+          </a:bodyPr>
+          <a:lstStyle/>
+          <a:p>
+            <a:pPr algn="ctr"/>
+            <a:r>
+              <a:rPr lang="pt-BR" dirty="0" smtClean="0"/>
+              <a:t>Campo total</a:t>
+            </a:r>
+          </a:p>
+          <a:p>
+            <a:pPr algn="ctr"/>
+            <a:r>
+              <a:rPr lang="pt-BR" dirty="0" smtClean="0"/>
+              <a:t>(ou campo interno)</a:t>
+            </a:r>
+            <a:endParaRPr lang="pt-BR" dirty="0"/>
+          </a:p>
+        </p:txBody>
+      </p:sp>
+      <p:sp>
+        <p:nvSpPr>
+          <p:cNvPr id="26" name="CaixaDeTexto 25"/>
+          <p:cNvSpPr txBox="1"/>
+          <p:nvPr/>
+        </p:nvSpPr>
+        <p:spPr>
+          <a:xfrm>
+            <a:off x="167748" y="544034"/>
+            <a:ext cx="1800200" cy="369332"/>
+          </a:xfrm>
+          <a:prstGeom prst="rect">
+            <a:avLst/>
+          </a:prstGeom>
+          <a:noFill/>
+        </p:spPr>
+        <p:txBody>
+          <a:bodyPr wrap="square" rtlCol="0">
+            <a:spAutoFit/>
+          </a:bodyPr>
+          <a:lstStyle/>
+          <a:p>
+            <a:r>
+              <a:rPr lang="pt-BR" dirty="0" smtClean="0">
+                <a:solidFill>
+                  <a:srgbClr val="FF0000"/>
+                </a:solidFill>
+              </a:rPr>
+              <a:t>Ionosfera</a:t>
+            </a:r>
+            <a:endParaRPr lang="pt-BR" dirty="0">
+              <a:solidFill>
+                <a:srgbClr val="FF0000"/>
+              </a:solidFill>
+            </a:endParaRPr>
+          </a:p>
+        </p:txBody>
+      </p:sp>
+      <p:cxnSp>
+        <p:nvCxnSpPr>
+          <p:cNvPr id="28" name="Conector de seta reta 27"/>
+          <p:cNvCxnSpPr/>
+          <p:nvPr/>
+        </p:nvCxnSpPr>
+        <p:spPr>
+          <a:xfrm>
+            <a:off x="1193826" y="834389"/>
+            <a:ext cx="641870" cy="1730515"/>
+          </a:xfrm>
+          <a:prstGeom prst="straightConnector1">
+            <a:avLst/>
+          </a:prstGeom>
+          <a:ln w="38100">
+            <a:solidFill>
+              <a:schemeClr val="tx1"/>
+            </a:solidFill>
+            <a:tailEnd type="arrow"/>
+          </a:ln>
+        </p:spPr>
+        <p:style>
+          <a:lnRef idx="1">
+            <a:schemeClr val="accent1"/>
+          </a:lnRef>
+          <a:fillRef idx="0">
+            <a:schemeClr val="accent1"/>
+          </a:fillRef>
+          <a:effectRef idx="0">
+            <a:schemeClr val="accent1"/>
+          </a:effectRef>
+          <a:fontRef idx="minor">
+            <a:schemeClr val="tx1"/>
+          </a:fontRef>
+        </p:style>
+      </p:cxnSp>
+      <p:sp>
+        <p:nvSpPr>
+          <p:cNvPr id="29" name="CaixaDeTexto 28"/>
+          <p:cNvSpPr txBox="1"/>
+          <p:nvPr/>
+        </p:nvSpPr>
+        <p:spPr>
+          <a:xfrm>
+            <a:off x="2699792" y="567730"/>
+            <a:ext cx="1800200" cy="369332"/>
+          </a:xfrm>
+          <a:prstGeom prst="rect">
+            <a:avLst/>
+          </a:prstGeom>
+          <a:noFill/>
+        </p:spPr>
+        <p:txBody>
+          <a:bodyPr wrap="square" rtlCol="0">
+            <a:spAutoFit/>
+          </a:bodyPr>
+          <a:lstStyle/>
+          <a:p>
+            <a:r>
+              <a:rPr lang="pt-BR" dirty="0" smtClean="0">
+                <a:solidFill>
+                  <a:srgbClr val="FF0000"/>
+                </a:solidFill>
+              </a:rPr>
+              <a:t>Magnetosfera</a:t>
+            </a:r>
+            <a:endParaRPr lang="pt-BR" dirty="0">
+              <a:solidFill>
+                <a:srgbClr val="FF0000"/>
+              </a:solidFill>
+            </a:endParaRPr>
+          </a:p>
+        </p:txBody>
+      </p:sp>
+      <p:cxnSp>
+        <p:nvCxnSpPr>
+          <p:cNvPr id="30" name="Conector de seta reta 29"/>
+          <p:cNvCxnSpPr/>
+          <p:nvPr/>
+        </p:nvCxnSpPr>
+        <p:spPr>
+          <a:xfrm flipH="1">
+            <a:off x="2195737" y="834389"/>
+            <a:ext cx="576063" cy="290355"/>
+          </a:xfrm>
+          <a:prstGeom prst="straightConnector1">
+            <a:avLst/>
+          </a:prstGeom>
+          <a:ln w="38100">
+            <a:solidFill>
+              <a:schemeClr val="tx1"/>
+            </a:solidFill>
+            <a:tailEnd type="arrow"/>
+          </a:ln>
+        </p:spPr>
+        <p:style>
+          <a:lnRef idx="1">
+            <a:schemeClr val="accent1"/>
+          </a:lnRef>
+          <a:fillRef idx="0">
+            <a:schemeClr val="accent1"/>
+          </a:fillRef>
+          <a:effectRef idx="0">
+            <a:schemeClr val="accent1"/>
+          </a:effectRef>
+          <a:fontRef idx="minor">
+            <a:schemeClr val="tx1"/>
+          </a:fontRef>
+        </p:style>
+      </p:cxnSp>
+      <p:sp>
+        <p:nvSpPr>
+          <p:cNvPr id="31" name="CaixaDeTexto 30"/>
+          <p:cNvSpPr txBox="1"/>
+          <p:nvPr/>
+        </p:nvSpPr>
+        <p:spPr>
+          <a:xfrm>
+            <a:off x="35496" y="282134"/>
+            <a:ext cx="2316661" cy="338554"/>
+          </a:xfrm>
+          <a:prstGeom prst="rect">
+            <a:avLst/>
+          </a:prstGeom>
+          <a:noFill/>
+        </p:spPr>
+        <p:txBody>
+          <a:bodyPr wrap="square" rtlCol="0">
+            <a:spAutoFit/>
+          </a:bodyPr>
+          <a:lstStyle/>
+          <a:p>
+            <a:r>
+              <a:rPr lang="pt-BR" sz="1600" dirty="0" smtClean="0"/>
+              <a:t>Fonte: correntes elétricas</a:t>
+            </a:r>
+            <a:endParaRPr lang="pt-BR" sz="1600" dirty="0"/>
+          </a:p>
+        </p:txBody>
+      </p:sp>
+      <p:sp>
+        <p:nvSpPr>
+          <p:cNvPr id="32" name="CaixaDeTexto 31"/>
+          <p:cNvSpPr txBox="1"/>
+          <p:nvPr/>
+        </p:nvSpPr>
+        <p:spPr>
+          <a:xfrm>
+            <a:off x="2527729" y="279698"/>
+            <a:ext cx="2316661" cy="338554"/>
+          </a:xfrm>
+          <a:prstGeom prst="rect">
+            <a:avLst/>
+          </a:prstGeom>
+          <a:noFill/>
+        </p:spPr>
+        <p:txBody>
+          <a:bodyPr wrap="square" rtlCol="0">
+            <a:spAutoFit/>
+          </a:bodyPr>
+          <a:lstStyle/>
+          <a:p>
+            <a:r>
+              <a:rPr lang="pt-BR" sz="1600" dirty="0" smtClean="0"/>
+              <a:t>Fonte: correntes elétricas</a:t>
+            </a:r>
+            <a:endParaRPr lang="pt-BR" sz="1600" dirty="0"/>
+          </a:p>
+        </p:txBody>
+      </p:sp>
+      <p:sp>
+        <p:nvSpPr>
+          <p:cNvPr id="24" name="Chave direita 23"/>
+          <p:cNvSpPr/>
+          <p:nvPr/>
+        </p:nvSpPr>
+        <p:spPr>
+          <a:xfrm>
+            <a:off x="4715800" y="106760"/>
+            <a:ext cx="288032" cy="2818184"/>
+          </a:xfrm>
+          <a:prstGeom prst="rightBrace">
+            <a:avLst/>
+          </a:prstGeom>
+          <a:ln w="28575">
+            <a:solidFill>
+              <a:schemeClr val="tx1"/>
+            </a:solidFill>
+          </a:ln>
+        </p:spPr>
+        <p:style>
+          <a:lnRef idx="1">
+            <a:schemeClr val="accent1"/>
+          </a:lnRef>
+          <a:fillRef idx="0">
+            <a:schemeClr val="accent1"/>
+          </a:fillRef>
+          <a:effectRef idx="0">
+            <a:schemeClr val="accent1"/>
+          </a:effectRef>
+          <a:fontRef idx="minor">
+            <a:schemeClr val="tx1"/>
+          </a:fontRef>
+        </p:style>
+        <p:txBody>
+          <a:bodyPr rtlCol="0" anchor="ctr"/>
+          <a:lstStyle/>
+          <a:p>
+            <a:pPr algn="ctr"/>
+            <a:endParaRPr lang="pt-BR"/>
+          </a:p>
+        </p:txBody>
+      </p:sp>
+      <p:sp>
+        <p:nvSpPr>
+          <p:cNvPr id="4" name="Retângulo 3"/>
+          <p:cNvSpPr/>
+          <p:nvPr/>
+        </p:nvSpPr>
+        <p:spPr>
+          <a:xfrm>
+            <a:off x="5148064" y="1198493"/>
+            <a:ext cx="910377" cy="646331"/>
+          </a:xfrm>
+          <a:prstGeom prst="rect">
+            <a:avLst/>
+          </a:prstGeom>
+        </p:spPr>
+        <p:txBody>
+          <a:bodyPr wrap="none">
+            <a:spAutoFit/>
+          </a:bodyPr>
+          <a:lstStyle/>
+          <a:p>
+            <a:pPr algn="ctr"/>
+            <a:r>
+              <a:rPr lang="pt-BR" dirty="0" smtClean="0"/>
+              <a:t>Campo</a:t>
+            </a:r>
+          </a:p>
+          <a:p>
+            <a:pPr algn="ctr"/>
+            <a:r>
+              <a:rPr lang="pt-BR" dirty="0" smtClean="0"/>
+              <a:t>externo</a:t>
+            </a:r>
+            <a:endParaRPr lang="pt-BR" dirty="0"/>
+          </a:p>
+        </p:txBody>
+      </p:sp>
+      <p:sp>
+        <p:nvSpPr>
+          <p:cNvPr id="27" name="CaixaDeTexto 26"/>
+          <p:cNvSpPr txBox="1"/>
+          <p:nvPr/>
+        </p:nvSpPr>
+        <p:spPr>
+          <a:xfrm>
+            <a:off x="6316820" y="116632"/>
+            <a:ext cx="2802540" cy="2246769"/>
+          </a:xfrm>
+          <a:prstGeom prst="rect">
+            <a:avLst/>
+          </a:prstGeom>
+          <a:noFill/>
+        </p:spPr>
+        <p:txBody>
+          <a:bodyPr wrap="square" rtlCol="0">
+            <a:spAutoFit/>
+          </a:bodyPr>
+          <a:lstStyle/>
+          <a:p>
+            <a:pPr algn="ctr"/>
+            <a:r>
+              <a:rPr lang="pt-BR" sz="2000" dirty="0" smtClean="0"/>
+              <a:t>Por outro lado, dias em que o campo externo atinge amplitudes altas (milhares de </a:t>
+            </a:r>
+            <a:r>
+              <a:rPr lang="pt-BR" sz="2000" dirty="0" err="1" smtClean="0"/>
+              <a:t>nanotesla</a:t>
+            </a:r>
+            <a:r>
+              <a:rPr lang="pt-BR" sz="2000" dirty="0" smtClean="0"/>
+              <a:t>) são considerados </a:t>
+            </a:r>
+            <a:r>
+              <a:rPr lang="pt-BR" sz="2000" b="1" dirty="0" smtClean="0"/>
+              <a:t>dias magneticamente perturbados</a:t>
+            </a:r>
+            <a:r>
+              <a:rPr lang="pt-BR" sz="2000" dirty="0" smtClean="0"/>
+              <a:t>.</a:t>
+            </a:r>
+            <a:endParaRPr lang="pt-BR" sz="2000" dirty="0"/>
+          </a:p>
+        </p:txBody>
+      </p:sp>
+    </p:spTree>
+    <p:extLst>
+      <p:ext uri="{BB962C8B-B14F-4D97-AF65-F5344CB8AC3E}">
+        <p14:creationId xmlns:p14="http://schemas.microsoft.com/office/powerpoint/2010/main" val="2216700225"/>
+      </p:ext>
+    </p:extLst>
+  </p:cSld>
+  <p:clrMapOvr>
+    <a:masterClrMapping/>
+  </p:clrMapOvr>
+  <p:timing>
+    <p:tnLst>
+      <p:par>
+        <p:cTn id="1" dur="indefinite" restart="never" nodeType="tmRoot"/>
+      </p:par>
+    </p:tnLst>
+  </p:timing>
+</p:sld>
+</file>
+
+<file path=ppt/slides/slide23.xml><?xml version="1.0" encoding="utf-8"?>
+<p:sld xmlns:a="http://schemas.openxmlformats.org/drawingml/2006/main" xmlns:r="http://schemas.openxmlformats.org/officeDocument/2006/relationships" xmlns:p="http://schemas.openxmlformats.org/presentationml/2006/main">
+  <p:cSld>
+    <p:spTree>
+      <p:nvGrpSpPr>
+        <p:cNvPr id="1" name=""/>
+        <p:cNvGrpSpPr/>
+        <p:nvPr/>
+      </p:nvGrpSpPr>
+      <p:grpSpPr>
+        <a:xfrm>
+          <a:off x="0" y="0"/>
+          <a:ext cx="0" cy="0"/>
+          <a:chOff x="0" y="0"/>
+          <a:chExt cx="0" cy="0"/>
+        </a:xfrm>
+      </p:grpSpPr>
+      <p:pic>
+        <p:nvPicPr>
+          <p:cNvPr id="17" name="Picture 2"/>
+          <p:cNvPicPr>
+            <a:picLocks noChangeAspect="1" noChangeArrowheads="1"/>
+          </p:cNvPicPr>
+          <p:nvPr/>
+        </p:nvPicPr>
+        <p:blipFill rotWithShape="1">
+          <a:blip r:embed="rId2">
+            <a:extLst>
+              <a:ext uri="{28A0092B-C50C-407E-A947-70E740481C1C}">
+                <a14:useLocalDpi xmlns:a14="http://schemas.microsoft.com/office/drawing/2010/main" val="0"/>
+              </a:ext>
+            </a:extLst>
+          </a:blip>
+          <a:srcRect l="25921" t="13054" r="35526" b="10876"/>
+          <a:stretch/>
+        </p:blipFill>
+        <p:spPr bwMode="auto">
+          <a:xfrm>
+            <a:off x="251520" y="962264"/>
+            <a:ext cx="4104000" cy="4554968"/>
+          </a:xfrm>
+          <a:prstGeom prst="rect">
+            <a:avLst/>
+          </a:prstGeom>
+          <a:noFill/>
+          <a:ln>
+            <a:noFill/>
+          </a:ln>
+          <a:extLst>
+            <a:ext uri="{909E8E84-426E-40DD-AFC4-6F175D3DCCD1}">
+              <a14:hiddenFill xmlns:a14="http://schemas.microsoft.com/office/drawing/2010/main">
+                <a:solidFill>
+                  <a:schemeClr val="accent1"/>
+                </a:solidFill>
+              </a14:hiddenFill>
+            </a:ext>
+            <a:ext uri="{91240B29-F687-4F45-9708-019B960494DF}">
+              <a14:hiddenLine xmlns:a14="http://schemas.microsoft.com/office/drawing/2010/main" w="9525">
+                <a:solidFill>
+                  <a:schemeClr val="tx1"/>
+                </a:solidFill>
+                <a:miter lim="800000"/>
+                <a:headEnd/>
+                <a:tailEnd/>
+              </a14:hiddenLine>
+            </a:ext>
+          </a:extLst>
+        </p:spPr>
+      </p:pic>
+      <p:sp>
+        <p:nvSpPr>
+          <p:cNvPr id="7" name="CaixaDeTexto 6"/>
+          <p:cNvSpPr txBox="1"/>
+          <p:nvPr/>
+        </p:nvSpPr>
+        <p:spPr>
+          <a:xfrm>
+            <a:off x="5148064" y="3116585"/>
+            <a:ext cx="1800200" cy="369332"/>
+          </a:xfrm>
+          <a:prstGeom prst="rect">
+            <a:avLst/>
+          </a:prstGeom>
+          <a:noFill/>
+        </p:spPr>
+        <p:txBody>
+          <a:bodyPr wrap="square" rtlCol="0">
+            <a:spAutoFit/>
+          </a:bodyPr>
+          <a:lstStyle/>
+          <a:p>
+            <a:r>
+              <a:rPr lang="pt-BR" dirty="0" smtClean="0"/>
+              <a:t>Litosfera</a:t>
+            </a:r>
+            <a:endParaRPr lang="pt-BR" dirty="0"/>
+          </a:p>
+        </p:txBody>
+      </p:sp>
+      <p:sp>
+        <p:nvSpPr>
+          <p:cNvPr id="9" name="CaixaDeTexto 8"/>
+          <p:cNvSpPr txBox="1"/>
+          <p:nvPr/>
+        </p:nvSpPr>
+        <p:spPr>
+          <a:xfrm>
+            <a:off x="5148064" y="4484737"/>
+            <a:ext cx="1654318" cy="369332"/>
+          </a:xfrm>
+          <a:prstGeom prst="rect">
+            <a:avLst/>
+          </a:prstGeom>
+          <a:noFill/>
+        </p:spPr>
+        <p:txBody>
+          <a:bodyPr wrap="square" rtlCol="0">
+            <a:spAutoFit/>
+          </a:bodyPr>
+          <a:lstStyle/>
+          <a:p>
+            <a:r>
+              <a:rPr lang="pt-BR" dirty="0" smtClean="0"/>
+              <a:t>Núcleo externo</a:t>
+            </a:r>
+            <a:endParaRPr lang="pt-BR" dirty="0"/>
+          </a:p>
+        </p:txBody>
+      </p:sp>
+      <p:cxnSp>
+        <p:nvCxnSpPr>
+          <p:cNvPr id="12" name="Conector de seta reta 11"/>
+          <p:cNvCxnSpPr/>
+          <p:nvPr/>
+        </p:nvCxnSpPr>
+        <p:spPr>
+          <a:xfrm flipH="1">
+            <a:off x="2915816" y="4700761"/>
+            <a:ext cx="2160000" cy="0"/>
+          </a:xfrm>
+          <a:prstGeom prst="straightConnector1">
+            <a:avLst/>
+          </a:prstGeom>
+          <a:ln w="38100">
+            <a:solidFill>
+              <a:schemeClr val="tx1"/>
+            </a:solidFill>
+            <a:tailEnd type="arrow"/>
+          </a:ln>
+        </p:spPr>
+        <p:style>
+          <a:lnRef idx="1">
+            <a:schemeClr val="accent1"/>
+          </a:lnRef>
+          <a:fillRef idx="0">
+            <a:schemeClr val="accent1"/>
+          </a:fillRef>
+          <a:effectRef idx="0">
+            <a:schemeClr val="accent1"/>
+          </a:effectRef>
+          <a:fontRef idx="minor">
+            <a:schemeClr val="tx1"/>
+          </a:fontRef>
+        </p:style>
+      </p:cxnSp>
+      <p:cxnSp>
+        <p:nvCxnSpPr>
+          <p:cNvPr id="18" name="Conector de seta reta 17"/>
+          <p:cNvCxnSpPr/>
+          <p:nvPr/>
+        </p:nvCxnSpPr>
+        <p:spPr>
+          <a:xfrm flipH="1">
+            <a:off x="3059832" y="3332609"/>
+            <a:ext cx="1944000" cy="0"/>
+          </a:xfrm>
+          <a:prstGeom prst="straightConnector1">
+            <a:avLst/>
+          </a:prstGeom>
+          <a:ln w="38100">
+            <a:solidFill>
+              <a:schemeClr val="tx1"/>
+            </a:solidFill>
+            <a:tailEnd type="arrow"/>
+          </a:ln>
+        </p:spPr>
+        <p:style>
+          <a:lnRef idx="1">
+            <a:schemeClr val="accent1"/>
+          </a:lnRef>
+          <a:fillRef idx="0">
+            <a:schemeClr val="accent1"/>
+          </a:fillRef>
+          <a:effectRef idx="0">
+            <a:schemeClr val="accent1"/>
+          </a:effectRef>
+          <a:fontRef idx="minor">
+            <a:schemeClr val="tx1"/>
+          </a:fontRef>
+        </p:style>
+      </p:cxnSp>
+      <p:sp>
+        <p:nvSpPr>
+          <p:cNvPr id="20" name="Retângulo 19"/>
+          <p:cNvSpPr/>
+          <p:nvPr/>
+        </p:nvSpPr>
+        <p:spPr>
+          <a:xfrm>
+            <a:off x="92472" y="5589240"/>
+            <a:ext cx="2601161" cy="307777"/>
+          </a:xfrm>
+          <a:prstGeom prst="rect">
+            <a:avLst/>
+          </a:prstGeom>
+        </p:spPr>
+        <p:txBody>
+          <a:bodyPr wrap="none">
+            <a:spAutoFit/>
+          </a:bodyPr>
+          <a:lstStyle/>
+          <a:p>
+            <a:r>
+              <a:rPr lang="en-US" sz="1400" dirty="0" err="1" smtClean="0"/>
+              <a:t>Modificado</a:t>
+            </a:r>
+            <a:r>
+              <a:rPr lang="en-US" sz="1400" dirty="0" smtClean="0"/>
+              <a:t> de </a:t>
+            </a:r>
+            <a:r>
+              <a:rPr lang="en-US" sz="1400" dirty="0" err="1" smtClean="0"/>
+              <a:t>Hulot</a:t>
+            </a:r>
+            <a:r>
+              <a:rPr lang="en-US" sz="1400" dirty="0" smtClean="0"/>
+              <a:t> et al. (2015)</a:t>
+            </a:r>
+            <a:endParaRPr lang="pt-BR" sz="1400" dirty="0"/>
+          </a:p>
+        </p:txBody>
+      </p:sp>
+      <p:sp>
+        <p:nvSpPr>
+          <p:cNvPr id="2" name="CaixaDeTexto 1"/>
+          <p:cNvSpPr txBox="1"/>
+          <p:nvPr/>
+        </p:nvSpPr>
+        <p:spPr>
+          <a:xfrm>
+            <a:off x="5192025" y="4869160"/>
+            <a:ext cx="2548327" cy="338554"/>
+          </a:xfrm>
+          <a:prstGeom prst="rect">
+            <a:avLst/>
+          </a:prstGeom>
+          <a:noFill/>
+        </p:spPr>
+        <p:txBody>
+          <a:bodyPr wrap="square" rtlCol="0">
+            <a:spAutoFit/>
+          </a:bodyPr>
+          <a:lstStyle/>
+          <a:p>
+            <a:r>
+              <a:rPr lang="pt-BR" sz="1600" dirty="0" smtClean="0"/>
+              <a:t>Fonte: correntes elétricas</a:t>
+            </a:r>
+            <a:endParaRPr lang="pt-BR" sz="1600" dirty="0"/>
+          </a:p>
+        </p:txBody>
+      </p:sp>
+      <p:sp>
+        <p:nvSpPr>
+          <p:cNvPr id="13" name="CaixaDeTexto 12"/>
+          <p:cNvSpPr txBox="1"/>
+          <p:nvPr/>
+        </p:nvSpPr>
+        <p:spPr>
+          <a:xfrm>
+            <a:off x="5192025" y="5178678"/>
+            <a:ext cx="2548327" cy="338554"/>
+          </a:xfrm>
+          <a:prstGeom prst="rect">
+            <a:avLst/>
+          </a:prstGeom>
+          <a:noFill/>
+        </p:spPr>
+        <p:txBody>
+          <a:bodyPr wrap="square" rtlCol="0">
+            <a:spAutoFit/>
+          </a:bodyPr>
+          <a:lstStyle/>
+          <a:p>
+            <a:r>
+              <a:rPr lang="pt-BR" sz="1600" dirty="0" smtClean="0"/>
+              <a:t>Campo principal</a:t>
+            </a:r>
+            <a:endParaRPr lang="pt-BR" sz="1600" dirty="0"/>
+          </a:p>
+        </p:txBody>
+      </p:sp>
+      <p:sp>
+        <p:nvSpPr>
+          <p:cNvPr id="14" name="CaixaDeTexto 13"/>
+          <p:cNvSpPr txBox="1"/>
+          <p:nvPr/>
+        </p:nvSpPr>
+        <p:spPr>
+          <a:xfrm>
+            <a:off x="5192025" y="3429000"/>
+            <a:ext cx="2548327" cy="338554"/>
+          </a:xfrm>
+          <a:prstGeom prst="rect">
+            <a:avLst/>
+          </a:prstGeom>
+          <a:noFill/>
+        </p:spPr>
+        <p:txBody>
+          <a:bodyPr wrap="square" rtlCol="0">
+            <a:spAutoFit/>
+          </a:bodyPr>
+          <a:lstStyle/>
+          <a:p>
+            <a:r>
+              <a:rPr lang="pt-BR" sz="1600" dirty="0" smtClean="0"/>
+              <a:t>Fonte: rochas magnetizadas</a:t>
+            </a:r>
+            <a:endParaRPr lang="pt-BR" sz="1600" dirty="0"/>
+          </a:p>
+        </p:txBody>
+      </p:sp>
+      <p:sp>
+        <p:nvSpPr>
+          <p:cNvPr id="23" name="CaixaDeTexto 22"/>
+          <p:cNvSpPr txBox="1"/>
+          <p:nvPr/>
+        </p:nvSpPr>
+        <p:spPr>
+          <a:xfrm>
+            <a:off x="5191497" y="3738518"/>
+            <a:ext cx="1914595" cy="338554"/>
+          </a:xfrm>
+          <a:prstGeom prst="rect">
+            <a:avLst/>
+          </a:prstGeom>
+          <a:noFill/>
+        </p:spPr>
+        <p:txBody>
+          <a:bodyPr wrap="square" rtlCol="0">
+            <a:spAutoFit/>
+          </a:bodyPr>
+          <a:lstStyle/>
+          <a:p>
+            <a:r>
+              <a:rPr lang="pt-BR" sz="1600" dirty="0" smtClean="0"/>
+              <a:t>Campo </a:t>
+            </a:r>
+            <a:r>
+              <a:rPr lang="pt-BR" sz="1600" dirty="0" err="1" smtClean="0"/>
+              <a:t>crustal</a:t>
+            </a:r>
+            <a:endParaRPr lang="pt-BR" sz="1600" dirty="0"/>
+          </a:p>
+        </p:txBody>
+      </p:sp>
+      <p:sp>
+        <p:nvSpPr>
+          <p:cNvPr id="3" name="Chave direita 2"/>
+          <p:cNvSpPr/>
+          <p:nvPr/>
+        </p:nvSpPr>
+        <p:spPr>
+          <a:xfrm>
+            <a:off x="7480895" y="2924944"/>
+            <a:ext cx="288032" cy="2818184"/>
+          </a:xfrm>
+          <a:prstGeom prst="rightBrace">
+            <a:avLst/>
+          </a:prstGeom>
+          <a:ln w="28575">
+            <a:solidFill>
+              <a:schemeClr val="tx1"/>
+            </a:solidFill>
+          </a:ln>
+        </p:spPr>
+        <p:style>
+          <a:lnRef idx="1">
+            <a:schemeClr val="accent1"/>
+          </a:lnRef>
+          <a:fillRef idx="0">
+            <a:schemeClr val="accent1"/>
+          </a:fillRef>
+          <a:effectRef idx="0">
+            <a:schemeClr val="accent1"/>
+          </a:effectRef>
+          <a:fontRef idx="minor">
+            <a:schemeClr val="tx1"/>
+          </a:fontRef>
+        </p:style>
+        <p:txBody>
+          <a:bodyPr rtlCol="0" anchor="ctr"/>
+          <a:lstStyle/>
+          <a:p>
+            <a:pPr algn="ctr"/>
+            <a:endParaRPr lang="pt-BR"/>
+          </a:p>
+        </p:txBody>
+      </p:sp>
+      <p:sp>
+        <p:nvSpPr>
+          <p:cNvPr id="5" name="CaixaDeTexto 4"/>
+          <p:cNvSpPr txBox="1"/>
+          <p:nvPr/>
+        </p:nvSpPr>
+        <p:spPr>
+          <a:xfrm>
+            <a:off x="7821885" y="3740274"/>
+            <a:ext cx="1224136" cy="1200329"/>
+          </a:xfrm>
+          <a:prstGeom prst="rect">
+            <a:avLst/>
+          </a:prstGeom>
+          <a:noFill/>
+        </p:spPr>
+        <p:txBody>
+          <a:bodyPr wrap="square" rtlCol="0">
+            <a:spAutoFit/>
+          </a:bodyPr>
+          <a:lstStyle/>
+          <a:p>
+            <a:pPr algn="ctr"/>
+            <a:r>
+              <a:rPr lang="pt-BR" dirty="0" smtClean="0"/>
+              <a:t>Campo total</a:t>
+            </a:r>
+          </a:p>
+          <a:p>
+            <a:pPr algn="ctr"/>
+            <a:r>
+              <a:rPr lang="pt-BR" dirty="0" smtClean="0"/>
+              <a:t>(ou campo interno)</a:t>
+            </a:r>
+            <a:endParaRPr lang="pt-BR" dirty="0"/>
+          </a:p>
+        </p:txBody>
+      </p:sp>
+      <p:sp>
+        <p:nvSpPr>
+          <p:cNvPr id="26" name="CaixaDeTexto 25"/>
+          <p:cNvSpPr txBox="1"/>
+          <p:nvPr/>
+        </p:nvSpPr>
+        <p:spPr>
+          <a:xfrm>
+            <a:off x="167748" y="544034"/>
+            <a:ext cx="1800200" cy="369332"/>
+          </a:xfrm>
+          <a:prstGeom prst="rect">
+            <a:avLst/>
+          </a:prstGeom>
+          <a:noFill/>
+        </p:spPr>
+        <p:txBody>
+          <a:bodyPr wrap="square" rtlCol="0">
+            <a:spAutoFit/>
+          </a:bodyPr>
+          <a:lstStyle/>
+          <a:p>
+            <a:r>
+              <a:rPr lang="pt-BR" dirty="0" smtClean="0"/>
+              <a:t>Ionosfera</a:t>
+            </a:r>
+            <a:endParaRPr lang="pt-BR" dirty="0"/>
+          </a:p>
+        </p:txBody>
+      </p:sp>
+      <p:cxnSp>
+        <p:nvCxnSpPr>
+          <p:cNvPr id="28" name="Conector de seta reta 27"/>
+          <p:cNvCxnSpPr/>
+          <p:nvPr/>
+        </p:nvCxnSpPr>
+        <p:spPr>
+          <a:xfrm>
+            <a:off x="1193826" y="834389"/>
+            <a:ext cx="641870" cy="1730515"/>
+          </a:xfrm>
+          <a:prstGeom prst="straightConnector1">
+            <a:avLst/>
+          </a:prstGeom>
+          <a:ln w="38100">
+            <a:solidFill>
+              <a:schemeClr val="tx1"/>
+            </a:solidFill>
+            <a:tailEnd type="arrow"/>
+          </a:ln>
+        </p:spPr>
+        <p:style>
+          <a:lnRef idx="1">
+            <a:schemeClr val="accent1"/>
+          </a:lnRef>
+          <a:fillRef idx="0">
+            <a:schemeClr val="accent1"/>
+          </a:fillRef>
+          <a:effectRef idx="0">
+            <a:schemeClr val="accent1"/>
+          </a:effectRef>
+          <a:fontRef idx="minor">
+            <a:schemeClr val="tx1"/>
+          </a:fontRef>
+        </p:style>
+      </p:cxnSp>
+      <p:sp>
+        <p:nvSpPr>
+          <p:cNvPr id="29" name="CaixaDeTexto 28"/>
+          <p:cNvSpPr txBox="1"/>
+          <p:nvPr/>
+        </p:nvSpPr>
+        <p:spPr>
+          <a:xfrm>
+            <a:off x="2699792" y="567730"/>
+            <a:ext cx="1800200" cy="369332"/>
+          </a:xfrm>
+          <a:prstGeom prst="rect">
+            <a:avLst/>
+          </a:prstGeom>
+          <a:noFill/>
+        </p:spPr>
+        <p:txBody>
+          <a:bodyPr wrap="square" rtlCol="0">
+            <a:spAutoFit/>
+          </a:bodyPr>
+          <a:lstStyle/>
+          <a:p>
+            <a:r>
+              <a:rPr lang="pt-BR" dirty="0" smtClean="0"/>
+              <a:t>Magnetosfera</a:t>
+            </a:r>
+            <a:endParaRPr lang="pt-BR" dirty="0"/>
+          </a:p>
+        </p:txBody>
+      </p:sp>
+      <p:cxnSp>
+        <p:nvCxnSpPr>
+          <p:cNvPr id="30" name="Conector de seta reta 29"/>
+          <p:cNvCxnSpPr/>
+          <p:nvPr/>
+        </p:nvCxnSpPr>
+        <p:spPr>
+          <a:xfrm flipH="1">
+            <a:off x="2195737" y="834389"/>
+            <a:ext cx="576063" cy="290355"/>
+          </a:xfrm>
+          <a:prstGeom prst="straightConnector1">
+            <a:avLst/>
+          </a:prstGeom>
+          <a:ln w="38100">
+            <a:solidFill>
+              <a:schemeClr val="tx1"/>
+            </a:solidFill>
+            <a:tailEnd type="arrow"/>
+          </a:ln>
+        </p:spPr>
+        <p:style>
+          <a:lnRef idx="1">
+            <a:schemeClr val="accent1"/>
+          </a:lnRef>
+          <a:fillRef idx="0">
+            <a:schemeClr val="accent1"/>
+          </a:fillRef>
+          <a:effectRef idx="0">
+            <a:schemeClr val="accent1"/>
+          </a:effectRef>
+          <a:fontRef idx="minor">
+            <a:schemeClr val="tx1"/>
+          </a:fontRef>
+        </p:style>
+      </p:cxnSp>
+      <p:sp>
+        <p:nvSpPr>
+          <p:cNvPr id="31" name="CaixaDeTexto 30"/>
+          <p:cNvSpPr txBox="1"/>
+          <p:nvPr/>
+        </p:nvSpPr>
+        <p:spPr>
+          <a:xfrm>
+            <a:off x="35496" y="282134"/>
+            <a:ext cx="2316661" cy="338554"/>
+          </a:xfrm>
+          <a:prstGeom prst="rect">
+            <a:avLst/>
+          </a:prstGeom>
+          <a:noFill/>
+        </p:spPr>
+        <p:txBody>
+          <a:bodyPr wrap="square" rtlCol="0">
+            <a:spAutoFit/>
+          </a:bodyPr>
+          <a:lstStyle/>
+          <a:p>
+            <a:r>
+              <a:rPr lang="pt-BR" sz="1600" dirty="0" smtClean="0"/>
+              <a:t>Fonte: correntes elétricas</a:t>
+            </a:r>
+            <a:endParaRPr lang="pt-BR" sz="1600" dirty="0"/>
+          </a:p>
+        </p:txBody>
+      </p:sp>
+      <p:sp>
+        <p:nvSpPr>
+          <p:cNvPr id="32" name="CaixaDeTexto 31"/>
+          <p:cNvSpPr txBox="1"/>
+          <p:nvPr/>
+        </p:nvSpPr>
+        <p:spPr>
+          <a:xfrm>
+            <a:off x="2527729" y="279698"/>
+            <a:ext cx="2316661" cy="338554"/>
+          </a:xfrm>
+          <a:prstGeom prst="rect">
+            <a:avLst/>
+          </a:prstGeom>
+          <a:noFill/>
+        </p:spPr>
+        <p:txBody>
+          <a:bodyPr wrap="square" rtlCol="0">
+            <a:spAutoFit/>
+          </a:bodyPr>
+          <a:lstStyle/>
+          <a:p>
+            <a:r>
+              <a:rPr lang="pt-BR" sz="1600" dirty="0" smtClean="0"/>
+              <a:t>Fonte: correntes elétricas</a:t>
+            </a:r>
+            <a:endParaRPr lang="pt-BR" sz="1600" dirty="0"/>
+          </a:p>
+        </p:txBody>
+      </p:sp>
+      <p:sp>
+        <p:nvSpPr>
+          <p:cNvPr id="24" name="Chave direita 23"/>
+          <p:cNvSpPr/>
+          <p:nvPr/>
+        </p:nvSpPr>
+        <p:spPr>
+          <a:xfrm>
+            <a:off x="4715800" y="106760"/>
+            <a:ext cx="288032" cy="2818184"/>
+          </a:xfrm>
+          <a:prstGeom prst="rightBrace">
+            <a:avLst/>
+          </a:prstGeom>
+          <a:ln w="28575">
+            <a:solidFill>
+              <a:schemeClr val="tx1"/>
+            </a:solidFill>
+          </a:ln>
+        </p:spPr>
+        <p:style>
+          <a:lnRef idx="1">
+            <a:schemeClr val="accent1"/>
+          </a:lnRef>
+          <a:fillRef idx="0">
+            <a:schemeClr val="accent1"/>
+          </a:fillRef>
+          <a:effectRef idx="0">
+            <a:schemeClr val="accent1"/>
+          </a:effectRef>
+          <a:fontRef idx="minor">
+            <a:schemeClr val="tx1"/>
+          </a:fontRef>
+        </p:style>
+        <p:txBody>
+          <a:bodyPr rtlCol="0" anchor="ctr"/>
+          <a:lstStyle/>
+          <a:p>
+            <a:pPr algn="ctr"/>
+            <a:endParaRPr lang="pt-BR"/>
+          </a:p>
+        </p:txBody>
+      </p:sp>
+      <p:sp>
+        <p:nvSpPr>
+          <p:cNvPr id="4" name="Retângulo 3"/>
+          <p:cNvSpPr/>
+          <p:nvPr/>
+        </p:nvSpPr>
+        <p:spPr>
+          <a:xfrm>
+            <a:off x="5148064" y="1198493"/>
+            <a:ext cx="910377" cy="646331"/>
+          </a:xfrm>
+          <a:prstGeom prst="rect">
+            <a:avLst/>
+          </a:prstGeom>
+        </p:spPr>
+        <p:txBody>
+          <a:bodyPr wrap="none">
+            <a:spAutoFit/>
+          </a:bodyPr>
+          <a:lstStyle/>
+          <a:p>
+            <a:pPr algn="ctr"/>
+            <a:r>
+              <a:rPr lang="pt-BR" dirty="0" smtClean="0"/>
+              <a:t>Campo</a:t>
+            </a:r>
+          </a:p>
+          <a:p>
+            <a:pPr algn="ctr"/>
+            <a:r>
+              <a:rPr lang="pt-BR" dirty="0" smtClean="0"/>
+              <a:t>externo</a:t>
+            </a:r>
+            <a:endParaRPr lang="pt-BR" dirty="0"/>
+          </a:p>
+        </p:txBody>
+      </p:sp>
+      <p:sp>
+        <p:nvSpPr>
+          <p:cNvPr id="27" name="CaixaDeTexto 26"/>
+          <p:cNvSpPr txBox="1"/>
+          <p:nvPr/>
+        </p:nvSpPr>
+        <p:spPr>
+          <a:xfrm>
+            <a:off x="6316820" y="116632"/>
+            <a:ext cx="2802540" cy="2554545"/>
+          </a:xfrm>
+          <a:prstGeom prst="rect">
+            <a:avLst/>
+          </a:prstGeom>
+          <a:noFill/>
+        </p:spPr>
+        <p:txBody>
+          <a:bodyPr wrap="square" rtlCol="0">
+            <a:spAutoFit/>
+          </a:bodyPr>
+          <a:lstStyle/>
+          <a:p>
+            <a:pPr algn="ctr"/>
+            <a:r>
+              <a:rPr lang="pt-BR" sz="2000" dirty="0" smtClean="0"/>
+              <a:t>Por fim, outras fontes do campo geomagnético são correntes elétricas induzidas na crosta, manto e oceanos. Estas correntes são produzidas por variações temporais do campo geomagnético.</a:t>
+            </a:r>
+            <a:endParaRPr lang="pt-BR" sz="2000" dirty="0"/>
+          </a:p>
+        </p:txBody>
+      </p:sp>
+      <p:sp>
+        <p:nvSpPr>
+          <p:cNvPr id="25" name="CaixaDeTexto 24"/>
+          <p:cNvSpPr txBox="1"/>
+          <p:nvPr/>
+        </p:nvSpPr>
+        <p:spPr>
+          <a:xfrm>
+            <a:off x="3059832" y="5708873"/>
+            <a:ext cx="2664297" cy="646331"/>
+          </a:xfrm>
+          <a:prstGeom prst="rect">
+            <a:avLst/>
+          </a:prstGeom>
+          <a:noFill/>
+        </p:spPr>
+        <p:txBody>
+          <a:bodyPr wrap="square" rtlCol="0">
+            <a:spAutoFit/>
+          </a:bodyPr>
+          <a:lstStyle/>
+          <a:p>
+            <a:r>
+              <a:rPr lang="pt-BR" dirty="0" smtClean="0"/>
+              <a:t>Crosta, manto e oceanos</a:t>
+            </a:r>
+            <a:endParaRPr lang="pt-BR" dirty="0"/>
+          </a:p>
+        </p:txBody>
+      </p:sp>
+      <p:sp>
+        <p:nvSpPr>
+          <p:cNvPr id="33" name="CaixaDeTexto 32"/>
+          <p:cNvSpPr txBox="1"/>
+          <p:nvPr/>
+        </p:nvSpPr>
+        <p:spPr>
+          <a:xfrm>
+            <a:off x="3103793" y="6093296"/>
+            <a:ext cx="2548327" cy="338554"/>
+          </a:xfrm>
+          <a:prstGeom prst="rect">
+            <a:avLst/>
+          </a:prstGeom>
+          <a:noFill/>
+        </p:spPr>
+        <p:txBody>
+          <a:bodyPr wrap="square" rtlCol="0">
+            <a:spAutoFit/>
+          </a:bodyPr>
+          <a:lstStyle/>
+          <a:p>
+            <a:r>
+              <a:rPr lang="pt-BR" sz="1600" dirty="0" smtClean="0"/>
+              <a:t>Fonte: correntes elétricas</a:t>
+            </a:r>
+            <a:endParaRPr lang="pt-BR" sz="1600" dirty="0"/>
+          </a:p>
+        </p:txBody>
+      </p:sp>
+    </p:spTree>
+    <p:extLst>
+      <p:ext uri="{BB962C8B-B14F-4D97-AF65-F5344CB8AC3E}">
+        <p14:creationId xmlns:p14="http://schemas.microsoft.com/office/powerpoint/2010/main" val="1932823606"/>
+      </p:ext>
+    </p:extLst>
+  </p:cSld>
+  <p:clrMapOvr>
+    <a:masterClrMapping/>
+  </p:clrMapOvr>
+  <p:timing>
+    <p:tnLst>
+      <p:par>
+        <p:cTn id="1" dur="indefinite" restart="never" nodeType="tmRoot"/>
+      </p:par>
+    </p:tnLst>
+  </p:timing>
+</p:sld>
+</file>
+
+<file path=ppt/slides/slide24.xml><?xml version="1.0" encoding="utf-8"?>
+<p:sld xmlns:a="http://schemas.openxmlformats.org/drawingml/2006/main" xmlns:r="http://schemas.openxmlformats.org/officeDocument/2006/relationships" xmlns:p="http://schemas.openxmlformats.org/presentationml/2006/main">
+  <p:cSld>
+    <p:spTree>
+      <p:nvGrpSpPr>
+        <p:cNvPr id="1" name=""/>
+        <p:cNvGrpSpPr/>
+        <p:nvPr/>
+      </p:nvGrpSpPr>
+      <p:grpSpPr>
+        <a:xfrm>
+          <a:off x="0" y="0"/>
+          <a:ext cx="0" cy="0"/>
+          <a:chOff x="0" y="0"/>
+          <a:chExt cx="0" cy="0"/>
+        </a:xfrm>
+      </p:grpSpPr>
+      <p:pic>
+        <p:nvPicPr>
+          <p:cNvPr id="17" name="Picture 2"/>
+          <p:cNvPicPr>
+            <a:picLocks noChangeAspect="1" noChangeArrowheads="1"/>
+          </p:cNvPicPr>
+          <p:nvPr/>
+        </p:nvPicPr>
+        <p:blipFill rotWithShape="1">
+          <a:blip r:embed="rId2">
+            <a:extLst>
+              <a:ext uri="{28A0092B-C50C-407E-A947-70E740481C1C}">
+                <a14:useLocalDpi xmlns:a14="http://schemas.microsoft.com/office/drawing/2010/main" val="0"/>
+              </a:ext>
+            </a:extLst>
+          </a:blip>
+          <a:srcRect l="25921" t="13054" r="35526" b="10876"/>
+          <a:stretch/>
+        </p:blipFill>
+        <p:spPr bwMode="auto">
+          <a:xfrm>
+            <a:off x="251520" y="962264"/>
+            <a:ext cx="4104000" cy="4554968"/>
+          </a:xfrm>
+          <a:prstGeom prst="rect">
+            <a:avLst/>
+          </a:prstGeom>
+          <a:noFill/>
+          <a:ln>
+            <a:noFill/>
+          </a:ln>
+          <a:extLst>
+            <a:ext uri="{909E8E84-426E-40DD-AFC4-6F175D3DCCD1}">
+              <a14:hiddenFill xmlns:a14="http://schemas.microsoft.com/office/drawing/2010/main">
+                <a:solidFill>
+                  <a:schemeClr val="accent1"/>
+                </a:solidFill>
+              </a14:hiddenFill>
+            </a:ext>
+            <a:ext uri="{91240B29-F687-4F45-9708-019B960494DF}">
+              <a14:hiddenLine xmlns:a14="http://schemas.microsoft.com/office/drawing/2010/main" w="9525">
+                <a:solidFill>
+                  <a:schemeClr val="tx1"/>
+                </a:solidFill>
+                <a:miter lim="800000"/>
+                <a:headEnd/>
+                <a:tailEnd/>
+              </a14:hiddenLine>
+            </a:ext>
+          </a:extLst>
+        </p:spPr>
+      </p:pic>
+      <p:sp>
+        <p:nvSpPr>
+          <p:cNvPr id="7" name="CaixaDeTexto 6"/>
+          <p:cNvSpPr txBox="1"/>
+          <p:nvPr/>
+        </p:nvSpPr>
+        <p:spPr>
+          <a:xfrm>
+            <a:off x="5148064" y="3116585"/>
+            <a:ext cx="1800200" cy="369332"/>
+          </a:xfrm>
+          <a:prstGeom prst="rect">
+            <a:avLst/>
+          </a:prstGeom>
+          <a:noFill/>
+        </p:spPr>
+        <p:txBody>
+          <a:bodyPr wrap="square" rtlCol="0">
+            <a:spAutoFit/>
+          </a:bodyPr>
+          <a:lstStyle/>
+          <a:p>
+            <a:r>
+              <a:rPr lang="pt-BR" dirty="0" smtClean="0"/>
+              <a:t>Litosfera</a:t>
+            </a:r>
+            <a:endParaRPr lang="pt-BR" dirty="0"/>
+          </a:p>
+        </p:txBody>
+      </p:sp>
+      <p:sp>
+        <p:nvSpPr>
+          <p:cNvPr id="9" name="CaixaDeTexto 8"/>
+          <p:cNvSpPr txBox="1"/>
+          <p:nvPr/>
+        </p:nvSpPr>
+        <p:spPr>
+          <a:xfrm>
+            <a:off x="5148064" y="4484737"/>
+            <a:ext cx="1654318" cy="369332"/>
+          </a:xfrm>
+          <a:prstGeom prst="rect">
+            <a:avLst/>
+          </a:prstGeom>
+          <a:noFill/>
+        </p:spPr>
+        <p:txBody>
+          <a:bodyPr wrap="square" rtlCol="0">
+            <a:spAutoFit/>
+          </a:bodyPr>
+          <a:lstStyle/>
+          <a:p>
+            <a:r>
+              <a:rPr lang="pt-BR" dirty="0" smtClean="0"/>
+              <a:t>Núcleo externo</a:t>
+            </a:r>
+            <a:endParaRPr lang="pt-BR" dirty="0"/>
+          </a:p>
+        </p:txBody>
+      </p:sp>
+      <p:cxnSp>
+        <p:nvCxnSpPr>
+          <p:cNvPr id="12" name="Conector de seta reta 11"/>
+          <p:cNvCxnSpPr/>
+          <p:nvPr/>
+        </p:nvCxnSpPr>
+        <p:spPr>
+          <a:xfrm flipH="1">
+            <a:off x="2915816" y="4700761"/>
+            <a:ext cx="2160000" cy="0"/>
+          </a:xfrm>
+          <a:prstGeom prst="straightConnector1">
+            <a:avLst/>
+          </a:prstGeom>
+          <a:ln w="38100">
+            <a:solidFill>
+              <a:schemeClr val="tx1"/>
+            </a:solidFill>
+            <a:tailEnd type="arrow"/>
+          </a:ln>
+        </p:spPr>
+        <p:style>
+          <a:lnRef idx="1">
+            <a:schemeClr val="accent1"/>
+          </a:lnRef>
+          <a:fillRef idx="0">
+            <a:schemeClr val="accent1"/>
+          </a:fillRef>
+          <a:effectRef idx="0">
+            <a:schemeClr val="accent1"/>
+          </a:effectRef>
+          <a:fontRef idx="minor">
+            <a:schemeClr val="tx1"/>
+          </a:fontRef>
+        </p:style>
+      </p:cxnSp>
+      <p:cxnSp>
+        <p:nvCxnSpPr>
+          <p:cNvPr id="18" name="Conector de seta reta 17"/>
+          <p:cNvCxnSpPr/>
+          <p:nvPr/>
+        </p:nvCxnSpPr>
+        <p:spPr>
+          <a:xfrm flipH="1">
+            <a:off x="3059832" y="3332609"/>
+            <a:ext cx="1944000" cy="0"/>
+          </a:xfrm>
+          <a:prstGeom prst="straightConnector1">
+            <a:avLst/>
+          </a:prstGeom>
+          <a:ln w="38100">
+            <a:solidFill>
+              <a:schemeClr val="tx1"/>
+            </a:solidFill>
+            <a:tailEnd type="arrow"/>
+          </a:ln>
+        </p:spPr>
+        <p:style>
+          <a:lnRef idx="1">
+            <a:schemeClr val="accent1"/>
+          </a:lnRef>
+          <a:fillRef idx="0">
+            <a:schemeClr val="accent1"/>
+          </a:fillRef>
+          <a:effectRef idx="0">
+            <a:schemeClr val="accent1"/>
+          </a:effectRef>
+          <a:fontRef idx="minor">
+            <a:schemeClr val="tx1"/>
+          </a:fontRef>
+        </p:style>
+      </p:cxnSp>
+      <p:sp>
+        <p:nvSpPr>
+          <p:cNvPr id="20" name="Retângulo 19"/>
+          <p:cNvSpPr/>
+          <p:nvPr/>
+        </p:nvSpPr>
+        <p:spPr>
+          <a:xfrm>
+            <a:off x="92472" y="5589240"/>
+            <a:ext cx="2601161" cy="307777"/>
+          </a:xfrm>
+          <a:prstGeom prst="rect">
+            <a:avLst/>
+          </a:prstGeom>
+        </p:spPr>
+        <p:txBody>
+          <a:bodyPr wrap="none">
+            <a:spAutoFit/>
+          </a:bodyPr>
+          <a:lstStyle/>
+          <a:p>
+            <a:r>
+              <a:rPr lang="en-US" sz="1400" dirty="0" err="1" smtClean="0"/>
+              <a:t>Modificado</a:t>
+            </a:r>
+            <a:r>
+              <a:rPr lang="en-US" sz="1400" dirty="0" smtClean="0"/>
+              <a:t> de </a:t>
+            </a:r>
+            <a:r>
+              <a:rPr lang="en-US" sz="1400" dirty="0" err="1" smtClean="0"/>
+              <a:t>Hulot</a:t>
+            </a:r>
+            <a:r>
+              <a:rPr lang="en-US" sz="1400" dirty="0" smtClean="0"/>
+              <a:t> et al. (2015)</a:t>
+            </a:r>
+            <a:endParaRPr lang="pt-BR" sz="1400" dirty="0"/>
+          </a:p>
+        </p:txBody>
+      </p:sp>
+      <p:sp>
+        <p:nvSpPr>
+          <p:cNvPr id="2" name="CaixaDeTexto 1"/>
+          <p:cNvSpPr txBox="1"/>
+          <p:nvPr/>
+        </p:nvSpPr>
+        <p:spPr>
+          <a:xfrm>
+            <a:off x="5192025" y="4869160"/>
+            <a:ext cx="2548327" cy="338554"/>
+          </a:xfrm>
+          <a:prstGeom prst="rect">
+            <a:avLst/>
+          </a:prstGeom>
+          <a:noFill/>
+        </p:spPr>
+        <p:txBody>
+          <a:bodyPr wrap="square" rtlCol="0">
+            <a:spAutoFit/>
+          </a:bodyPr>
+          <a:lstStyle/>
+          <a:p>
+            <a:r>
+              <a:rPr lang="pt-BR" sz="1600" dirty="0" smtClean="0"/>
+              <a:t>Fonte: correntes elétricas</a:t>
+            </a:r>
+            <a:endParaRPr lang="pt-BR" sz="1600" dirty="0"/>
+          </a:p>
+        </p:txBody>
+      </p:sp>
+      <p:sp>
+        <p:nvSpPr>
+          <p:cNvPr id="13" name="CaixaDeTexto 12"/>
+          <p:cNvSpPr txBox="1"/>
+          <p:nvPr/>
+        </p:nvSpPr>
+        <p:spPr>
+          <a:xfrm>
+            <a:off x="5192025" y="5178678"/>
+            <a:ext cx="2548327" cy="338554"/>
+          </a:xfrm>
+          <a:prstGeom prst="rect">
+            <a:avLst/>
+          </a:prstGeom>
+          <a:noFill/>
+        </p:spPr>
+        <p:txBody>
+          <a:bodyPr wrap="square" rtlCol="0">
+            <a:spAutoFit/>
+          </a:bodyPr>
+          <a:lstStyle/>
+          <a:p>
+            <a:r>
+              <a:rPr lang="pt-BR" sz="1600" dirty="0" smtClean="0"/>
+              <a:t>Campo principal</a:t>
+            </a:r>
+            <a:endParaRPr lang="pt-BR" sz="1600" dirty="0"/>
+          </a:p>
+        </p:txBody>
+      </p:sp>
+      <p:sp>
+        <p:nvSpPr>
+          <p:cNvPr id="14" name="CaixaDeTexto 13"/>
+          <p:cNvSpPr txBox="1"/>
+          <p:nvPr/>
+        </p:nvSpPr>
+        <p:spPr>
+          <a:xfrm>
+            <a:off x="5192025" y="3429000"/>
+            <a:ext cx="2548327" cy="338554"/>
+          </a:xfrm>
+          <a:prstGeom prst="rect">
+            <a:avLst/>
+          </a:prstGeom>
+          <a:noFill/>
+        </p:spPr>
+        <p:txBody>
+          <a:bodyPr wrap="square" rtlCol="0">
+            <a:spAutoFit/>
+          </a:bodyPr>
+          <a:lstStyle/>
+          <a:p>
+            <a:r>
+              <a:rPr lang="pt-BR" sz="1600" dirty="0" smtClean="0"/>
+              <a:t>Fonte: rochas magnetizadas</a:t>
+            </a:r>
+            <a:endParaRPr lang="pt-BR" sz="1600" dirty="0"/>
+          </a:p>
+        </p:txBody>
+      </p:sp>
+      <p:sp>
+        <p:nvSpPr>
+          <p:cNvPr id="23" name="CaixaDeTexto 22"/>
+          <p:cNvSpPr txBox="1"/>
+          <p:nvPr/>
+        </p:nvSpPr>
+        <p:spPr>
+          <a:xfrm>
+            <a:off x="5191497" y="3738518"/>
+            <a:ext cx="1914595" cy="338554"/>
+          </a:xfrm>
+          <a:prstGeom prst="rect">
+            <a:avLst/>
+          </a:prstGeom>
+          <a:noFill/>
+        </p:spPr>
+        <p:txBody>
+          <a:bodyPr wrap="square" rtlCol="0">
+            <a:spAutoFit/>
+          </a:bodyPr>
+          <a:lstStyle/>
+          <a:p>
+            <a:r>
+              <a:rPr lang="pt-BR" sz="1600" dirty="0" smtClean="0"/>
+              <a:t>Campo </a:t>
+            </a:r>
+            <a:r>
+              <a:rPr lang="pt-BR" sz="1600" dirty="0" err="1" smtClean="0"/>
+              <a:t>crustal</a:t>
+            </a:r>
+            <a:endParaRPr lang="pt-BR" sz="1600" dirty="0"/>
+          </a:p>
+        </p:txBody>
+      </p:sp>
+      <p:sp>
+        <p:nvSpPr>
+          <p:cNvPr id="3" name="Chave direita 2"/>
+          <p:cNvSpPr/>
+          <p:nvPr/>
+        </p:nvSpPr>
+        <p:spPr>
+          <a:xfrm>
+            <a:off x="7480895" y="2924944"/>
+            <a:ext cx="288032" cy="2818184"/>
+          </a:xfrm>
+          <a:prstGeom prst="rightBrace">
+            <a:avLst/>
+          </a:prstGeom>
+          <a:ln w="28575">
+            <a:solidFill>
+              <a:schemeClr val="tx1"/>
+            </a:solidFill>
+          </a:ln>
+        </p:spPr>
+        <p:style>
+          <a:lnRef idx="1">
+            <a:schemeClr val="accent1"/>
+          </a:lnRef>
+          <a:fillRef idx="0">
+            <a:schemeClr val="accent1"/>
+          </a:fillRef>
+          <a:effectRef idx="0">
+            <a:schemeClr val="accent1"/>
+          </a:effectRef>
+          <a:fontRef idx="minor">
+            <a:schemeClr val="tx1"/>
+          </a:fontRef>
+        </p:style>
+        <p:txBody>
+          <a:bodyPr rtlCol="0" anchor="ctr"/>
+          <a:lstStyle/>
+          <a:p>
+            <a:pPr algn="ctr"/>
+            <a:endParaRPr lang="pt-BR"/>
+          </a:p>
+        </p:txBody>
+      </p:sp>
+      <p:sp>
+        <p:nvSpPr>
+          <p:cNvPr id="5" name="CaixaDeTexto 4"/>
+          <p:cNvSpPr txBox="1"/>
+          <p:nvPr/>
+        </p:nvSpPr>
+        <p:spPr>
+          <a:xfrm>
+            <a:off x="7821885" y="3740274"/>
+            <a:ext cx="1224136" cy="1200329"/>
+          </a:xfrm>
+          <a:prstGeom prst="rect">
+            <a:avLst/>
+          </a:prstGeom>
+          <a:noFill/>
+        </p:spPr>
+        <p:txBody>
+          <a:bodyPr wrap="square" rtlCol="0">
+            <a:spAutoFit/>
+          </a:bodyPr>
+          <a:lstStyle/>
+          <a:p>
+            <a:pPr algn="ctr"/>
+            <a:r>
+              <a:rPr lang="pt-BR" dirty="0" smtClean="0"/>
+              <a:t>Campo total</a:t>
+            </a:r>
+          </a:p>
+          <a:p>
+            <a:pPr algn="ctr"/>
+            <a:r>
+              <a:rPr lang="pt-BR" dirty="0" smtClean="0"/>
+              <a:t>(ou campo interno)</a:t>
+            </a:r>
+            <a:endParaRPr lang="pt-BR" dirty="0"/>
+          </a:p>
+        </p:txBody>
+      </p:sp>
+      <p:sp>
+        <p:nvSpPr>
+          <p:cNvPr id="26" name="CaixaDeTexto 25"/>
+          <p:cNvSpPr txBox="1"/>
+          <p:nvPr/>
+        </p:nvSpPr>
+        <p:spPr>
+          <a:xfrm>
+            <a:off x="167748" y="544034"/>
+            <a:ext cx="1800200" cy="369332"/>
+          </a:xfrm>
+          <a:prstGeom prst="rect">
+            <a:avLst/>
+          </a:prstGeom>
+          <a:noFill/>
+        </p:spPr>
+        <p:txBody>
+          <a:bodyPr wrap="square" rtlCol="0">
+            <a:spAutoFit/>
+          </a:bodyPr>
+          <a:lstStyle/>
+          <a:p>
+            <a:r>
+              <a:rPr lang="pt-BR" dirty="0" smtClean="0"/>
+              <a:t>Ionosfera</a:t>
+            </a:r>
+            <a:endParaRPr lang="pt-BR" dirty="0"/>
+          </a:p>
+        </p:txBody>
+      </p:sp>
+      <p:cxnSp>
+        <p:nvCxnSpPr>
+          <p:cNvPr id="28" name="Conector de seta reta 27"/>
+          <p:cNvCxnSpPr/>
+          <p:nvPr/>
+        </p:nvCxnSpPr>
+        <p:spPr>
+          <a:xfrm>
+            <a:off x="1193826" y="834389"/>
+            <a:ext cx="641870" cy="1730515"/>
+          </a:xfrm>
+          <a:prstGeom prst="straightConnector1">
+            <a:avLst/>
+          </a:prstGeom>
+          <a:ln w="38100">
+            <a:solidFill>
+              <a:schemeClr val="tx1"/>
+            </a:solidFill>
+            <a:tailEnd type="arrow"/>
+          </a:ln>
+        </p:spPr>
+        <p:style>
+          <a:lnRef idx="1">
+            <a:schemeClr val="accent1"/>
+          </a:lnRef>
+          <a:fillRef idx="0">
+            <a:schemeClr val="accent1"/>
+          </a:fillRef>
+          <a:effectRef idx="0">
+            <a:schemeClr val="accent1"/>
+          </a:effectRef>
+          <a:fontRef idx="minor">
+            <a:schemeClr val="tx1"/>
+          </a:fontRef>
+        </p:style>
+      </p:cxnSp>
+      <p:sp>
+        <p:nvSpPr>
+          <p:cNvPr id="29" name="CaixaDeTexto 28"/>
+          <p:cNvSpPr txBox="1"/>
+          <p:nvPr/>
+        </p:nvSpPr>
+        <p:spPr>
+          <a:xfrm>
+            <a:off x="2699792" y="567730"/>
+            <a:ext cx="1800200" cy="369332"/>
+          </a:xfrm>
+          <a:prstGeom prst="rect">
+            <a:avLst/>
+          </a:prstGeom>
+          <a:noFill/>
+        </p:spPr>
+        <p:txBody>
+          <a:bodyPr wrap="square" rtlCol="0">
+            <a:spAutoFit/>
+          </a:bodyPr>
+          <a:lstStyle/>
+          <a:p>
+            <a:r>
+              <a:rPr lang="pt-BR" dirty="0" smtClean="0"/>
+              <a:t>Magnetosfera</a:t>
+            </a:r>
+            <a:endParaRPr lang="pt-BR" dirty="0"/>
+          </a:p>
+        </p:txBody>
+      </p:sp>
+      <p:cxnSp>
+        <p:nvCxnSpPr>
+          <p:cNvPr id="30" name="Conector de seta reta 29"/>
+          <p:cNvCxnSpPr/>
+          <p:nvPr/>
+        </p:nvCxnSpPr>
+        <p:spPr>
+          <a:xfrm flipH="1">
+            <a:off x="2195737" y="834389"/>
+            <a:ext cx="576063" cy="290355"/>
+          </a:xfrm>
+          <a:prstGeom prst="straightConnector1">
+            <a:avLst/>
+          </a:prstGeom>
+          <a:ln w="38100">
+            <a:solidFill>
+              <a:schemeClr val="tx1"/>
+            </a:solidFill>
+            <a:tailEnd type="arrow"/>
+          </a:ln>
+        </p:spPr>
+        <p:style>
+          <a:lnRef idx="1">
+            <a:schemeClr val="accent1"/>
+          </a:lnRef>
+          <a:fillRef idx="0">
+            <a:schemeClr val="accent1"/>
+          </a:fillRef>
+          <a:effectRef idx="0">
+            <a:schemeClr val="accent1"/>
+          </a:effectRef>
+          <a:fontRef idx="minor">
+            <a:schemeClr val="tx1"/>
+          </a:fontRef>
+        </p:style>
+      </p:cxnSp>
+      <p:sp>
+        <p:nvSpPr>
+          <p:cNvPr id="31" name="CaixaDeTexto 30"/>
+          <p:cNvSpPr txBox="1"/>
+          <p:nvPr/>
+        </p:nvSpPr>
+        <p:spPr>
+          <a:xfrm>
+            <a:off x="35496" y="282134"/>
+            <a:ext cx="2316661" cy="338554"/>
+          </a:xfrm>
+          <a:prstGeom prst="rect">
+            <a:avLst/>
+          </a:prstGeom>
+          <a:noFill/>
+        </p:spPr>
+        <p:txBody>
+          <a:bodyPr wrap="square" rtlCol="0">
+            <a:spAutoFit/>
+          </a:bodyPr>
+          <a:lstStyle/>
+          <a:p>
+            <a:r>
+              <a:rPr lang="pt-BR" sz="1600" dirty="0" smtClean="0"/>
+              <a:t>Fonte: correntes elétricas</a:t>
+            </a:r>
+            <a:endParaRPr lang="pt-BR" sz="1600" dirty="0"/>
+          </a:p>
+        </p:txBody>
+      </p:sp>
+      <p:sp>
+        <p:nvSpPr>
+          <p:cNvPr id="32" name="CaixaDeTexto 31"/>
+          <p:cNvSpPr txBox="1"/>
+          <p:nvPr/>
+        </p:nvSpPr>
+        <p:spPr>
+          <a:xfrm>
+            <a:off x="2527729" y="279698"/>
+            <a:ext cx="2316661" cy="338554"/>
+          </a:xfrm>
+          <a:prstGeom prst="rect">
+            <a:avLst/>
+          </a:prstGeom>
+          <a:noFill/>
+        </p:spPr>
+        <p:txBody>
+          <a:bodyPr wrap="square" rtlCol="0">
+            <a:spAutoFit/>
+          </a:bodyPr>
+          <a:lstStyle/>
+          <a:p>
+            <a:r>
+              <a:rPr lang="pt-BR" sz="1600" dirty="0" smtClean="0"/>
+              <a:t>Fonte: correntes elétricas</a:t>
+            </a:r>
+            <a:endParaRPr lang="pt-BR" sz="1600" dirty="0"/>
+          </a:p>
+        </p:txBody>
+      </p:sp>
+      <p:sp>
+        <p:nvSpPr>
+          <p:cNvPr id="24" name="Chave direita 23"/>
+          <p:cNvSpPr/>
+          <p:nvPr/>
+        </p:nvSpPr>
+        <p:spPr>
+          <a:xfrm>
+            <a:off x="4715800" y="106760"/>
+            <a:ext cx="288032" cy="2818184"/>
+          </a:xfrm>
+          <a:prstGeom prst="rightBrace">
+            <a:avLst/>
+          </a:prstGeom>
+          <a:ln w="28575">
+            <a:solidFill>
+              <a:schemeClr val="tx1"/>
+            </a:solidFill>
+          </a:ln>
+        </p:spPr>
+        <p:style>
+          <a:lnRef idx="1">
+            <a:schemeClr val="accent1"/>
+          </a:lnRef>
+          <a:fillRef idx="0">
+            <a:schemeClr val="accent1"/>
+          </a:fillRef>
+          <a:effectRef idx="0">
+            <a:schemeClr val="accent1"/>
+          </a:effectRef>
+          <a:fontRef idx="minor">
+            <a:schemeClr val="tx1"/>
+          </a:fontRef>
+        </p:style>
+        <p:txBody>
+          <a:bodyPr rtlCol="0" anchor="ctr"/>
+          <a:lstStyle/>
+          <a:p>
+            <a:pPr algn="ctr"/>
+            <a:endParaRPr lang="pt-BR"/>
+          </a:p>
+        </p:txBody>
+      </p:sp>
+      <p:sp>
+        <p:nvSpPr>
+          <p:cNvPr id="4" name="Retângulo 3"/>
+          <p:cNvSpPr/>
+          <p:nvPr/>
+        </p:nvSpPr>
+        <p:spPr>
+          <a:xfrm>
+            <a:off x="5148064" y="1198493"/>
+            <a:ext cx="910377" cy="646331"/>
+          </a:xfrm>
+          <a:prstGeom prst="rect">
+            <a:avLst/>
+          </a:prstGeom>
+        </p:spPr>
+        <p:txBody>
+          <a:bodyPr wrap="none">
+            <a:spAutoFit/>
+          </a:bodyPr>
+          <a:lstStyle/>
+          <a:p>
+            <a:pPr algn="ctr"/>
+            <a:r>
+              <a:rPr lang="pt-BR" dirty="0" smtClean="0"/>
+              <a:t>Campo</a:t>
+            </a:r>
+          </a:p>
+          <a:p>
+            <a:pPr algn="ctr"/>
+            <a:r>
+              <a:rPr lang="pt-BR" dirty="0" smtClean="0"/>
+              <a:t>externo</a:t>
+            </a:r>
+            <a:endParaRPr lang="pt-BR" dirty="0"/>
+          </a:p>
+        </p:txBody>
+      </p:sp>
+      <p:sp>
+        <p:nvSpPr>
+          <p:cNvPr id="27" name="CaixaDeTexto 26"/>
+          <p:cNvSpPr txBox="1"/>
+          <p:nvPr/>
+        </p:nvSpPr>
+        <p:spPr>
+          <a:xfrm>
+            <a:off x="6316820" y="116632"/>
+            <a:ext cx="2802540" cy="1323439"/>
+          </a:xfrm>
+          <a:prstGeom prst="rect">
+            <a:avLst/>
+          </a:prstGeom>
+          <a:noFill/>
+        </p:spPr>
+        <p:txBody>
+          <a:bodyPr wrap="square" rtlCol="0">
+            <a:spAutoFit/>
+          </a:bodyPr>
+          <a:lstStyle/>
+          <a:p>
+            <a:pPr algn="ctr"/>
+            <a:r>
+              <a:rPr lang="pt-BR" sz="2000" dirty="0" smtClean="0"/>
+              <a:t>Estas componentes do campo geomagnético são denominadas </a:t>
+            </a:r>
+            <a:r>
+              <a:rPr lang="pt-BR" sz="2000" b="1" dirty="0" smtClean="0"/>
+              <a:t>campos induzidos</a:t>
+            </a:r>
+            <a:r>
+              <a:rPr lang="pt-BR" sz="2000" dirty="0" smtClean="0"/>
+              <a:t>. </a:t>
+            </a:r>
+            <a:endParaRPr lang="pt-BR" sz="2000" dirty="0"/>
+          </a:p>
+        </p:txBody>
+      </p:sp>
+      <p:sp>
+        <p:nvSpPr>
+          <p:cNvPr id="25" name="CaixaDeTexto 24"/>
+          <p:cNvSpPr txBox="1"/>
+          <p:nvPr/>
+        </p:nvSpPr>
+        <p:spPr>
+          <a:xfrm>
+            <a:off x="3059832" y="5708873"/>
+            <a:ext cx="2664297" cy="646331"/>
+          </a:xfrm>
+          <a:prstGeom prst="rect">
+            <a:avLst/>
+          </a:prstGeom>
+          <a:noFill/>
+        </p:spPr>
+        <p:txBody>
+          <a:bodyPr wrap="square" rtlCol="0">
+            <a:spAutoFit/>
+          </a:bodyPr>
+          <a:lstStyle/>
+          <a:p>
+            <a:r>
+              <a:rPr lang="pt-BR" dirty="0" smtClean="0"/>
+              <a:t>Crosta, manto e oceanos</a:t>
+            </a:r>
+            <a:endParaRPr lang="pt-BR" dirty="0"/>
+          </a:p>
+        </p:txBody>
+      </p:sp>
+      <p:sp>
+        <p:nvSpPr>
+          <p:cNvPr id="33" name="CaixaDeTexto 32"/>
+          <p:cNvSpPr txBox="1"/>
+          <p:nvPr/>
+        </p:nvSpPr>
+        <p:spPr>
+          <a:xfrm>
+            <a:off x="3103793" y="6093296"/>
+            <a:ext cx="2548327" cy="338554"/>
+          </a:xfrm>
+          <a:prstGeom prst="rect">
+            <a:avLst/>
+          </a:prstGeom>
+          <a:noFill/>
+        </p:spPr>
+        <p:txBody>
+          <a:bodyPr wrap="square" rtlCol="0">
+            <a:spAutoFit/>
+          </a:bodyPr>
+          <a:lstStyle/>
+          <a:p>
+            <a:r>
+              <a:rPr lang="pt-BR" sz="1600" dirty="0" smtClean="0"/>
+              <a:t>Fonte: correntes elétricas</a:t>
+            </a:r>
+            <a:endParaRPr lang="pt-BR" sz="1600" dirty="0"/>
+          </a:p>
+        </p:txBody>
+      </p:sp>
+      <p:sp>
+        <p:nvSpPr>
+          <p:cNvPr id="34" name="CaixaDeTexto 33"/>
+          <p:cNvSpPr txBox="1"/>
+          <p:nvPr/>
+        </p:nvSpPr>
+        <p:spPr>
+          <a:xfrm>
+            <a:off x="3103793" y="6402814"/>
+            <a:ext cx="2548327" cy="338554"/>
+          </a:xfrm>
+          <a:prstGeom prst="rect">
+            <a:avLst/>
+          </a:prstGeom>
+          <a:noFill/>
+        </p:spPr>
+        <p:txBody>
+          <a:bodyPr wrap="square" rtlCol="0">
+            <a:spAutoFit/>
+          </a:bodyPr>
+          <a:lstStyle/>
+          <a:p>
+            <a:r>
+              <a:rPr lang="pt-BR" sz="1600" dirty="0" smtClean="0"/>
+              <a:t>Campos induzidos</a:t>
+            </a:r>
+            <a:endParaRPr lang="pt-BR" sz="1600" dirty="0"/>
+          </a:p>
+        </p:txBody>
+      </p:sp>
+    </p:spTree>
+    <p:extLst>
+      <p:ext uri="{BB962C8B-B14F-4D97-AF65-F5344CB8AC3E}">
+        <p14:creationId xmlns:p14="http://schemas.microsoft.com/office/powerpoint/2010/main" val="3876370915"/>
+      </p:ext>
+    </p:extLst>
+  </p:cSld>
+  <p:clrMapOvr>
+    <a:masterClrMapping/>
+  </p:clrMapOvr>
+  <p:timing>
+    <p:tnLst>
+      <p:par>
+        <p:cTn id="1" dur="indefinite" restart="never" nodeType="tmRoot"/>
+      </p:par>
+    </p:tnLst>
+  </p:timing>
+</p:sld>
+</file>
+
+<file path=ppt/slides/slide25.xml><?xml version="1.0" encoding="utf-8"?>
+<p:sld xmlns:a="http://schemas.openxmlformats.org/drawingml/2006/main" xmlns:r="http://schemas.openxmlformats.org/officeDocument/2006/relationships" xmlns:p="http://schemas.openxmlformats.org/presentationml/2006/main">
+  <p:cSld>
+    <p:spTree>
+      <p:nvGrpSpPr>
+        <p:cNvPr id="1" name=""/>
+        <p:cNvGrpSpPr/>
+        <p:nvPr/>
+      </p:nvGrpSpPr>
+      <p:grpSpPr>
+        <a:xfrm>
+          <a:off x="0" y="0"/>
+          <a:ext cx="0" cy="0"/>
+          <a:chOff x="0" y="0"/>
+          <a:chExt cx="0" cy="0"/>
+        </a:xfrm>
+      </p:grpSpPr>
+      <p:pic>
+        <p:nvPicPr>
+          <p:cNvPr id="17" name="Picture 2"/>
+          <p:cNvPicPr>
+            <a:picLocks noChangeAspect="1" noChangeArrowheads="1"/>
+          </p:cNvPicPr>
+          <p:nvPr/>
+        </p:nvPicPr>
+        <p:blipFill rotWithShape="1">
+          <a:blip r:embed="rId2">
+            <a:extLst>
+              <a:ext uri="{28A0092B-C50C-407E-A947-70E740481C1C}">
+                <a14:useLocalDpi xmlns:a14="http://schemas.microsoft.com/office/drawing/2010/main" val="0"/>
+              </a:ext>
+            </a:extLst>
+          </a:blip>
+          <a:srcRect l="25921" t="13054" r="35526" b="10876"/>
+          <a:stretch/>
+        </p:blipFill>
+        <p:spPr bwMode="auto">
+          <a:xfrm>
+            <a:off x="251520" y="962264"/>
+            <a:ext cx="4104000" cy="4554968"/>
+          </a:xfrm>
+          <a:prstGeom prst="rect">
+            <a:avLst/>
+          </a:prstGeom>
+          <a:noFill/>
+          <a:ln>
+            <a:noFill/>
+          </a:ln>
+          <a:extLst>
+            <a:ext uri="{909E8E84-426E-40DD-AFC4-6F175D3DCCD1}">
+              <a14:hiddenFill xmlns:a14="http://schemas.microsoft.com/office/drawing/2010/main">
+                <a:solidFill>
+                  <a:schemeClr val="accent1"/>
+                </a:solidFill>
+              </a14:hiddenFill>
+            </a:ext>
+            <a:ext uri="{91240B29-F687-4F45-9708-019B960494DF}">
+              <a14:hiddenLine xmlns:a14="http://schemas.microsoft.com/office/drawing/2010/main" w="9525">
+                <a:solidFill>
+                  <a:schemeClr val="tx1"/>
+                </a:solidFill>
+                <a:miter lim="800000"/>
+                <a:headEnd/>
+                <a:tailEnd/>
+              </a14:hiddenLine>
+            </a:ext>
+          </a:extLst>
+        </p:spPr>
+      </p:pic>
+      <p:sp>
+        <p:nvSpPr>
+          <p:cNvPr id="7" name="CaixaDeTexto 6"/>
+          <p:cNvSpPr txBox="1"/>
+          <p:nvPr/>
+        </p:nvSpPr>
+        <p:spPr>
+          <a:xfrm>
+            <a:off x="5148064" y="3116585"/>
+            <a:ext cx="1800200" cy="369332"/>
+          </a:xfrm>
+          <a:prstGeom prst="rect">
+            <a:avLst/>
+          </a:prstGeom>
+          <a:noFill/>
+        </p:spPr>
+        <p:txBody>
+          <a:bodyPr wrap="square" rtlCol="0">
+            <a:spAutoFit/>
+          </a:bodyPr>
+          <a:lstStyle/>
+          <a:p>
+            <a:r>
+              <a:rPr lang="pt-BR" dirty="0" smtClean="0"/>
+              <a:t>Litosfera</a:t>
+            </a:r>
+            <a:endParaRPr lang="pt-BR" dirty="0"/>
+          </a:p>
+        </p:txBody>
+      </p:sp>
+      <p:sp>
+        <p:nvSpPr>
+          <p:cNvPr id="9" name="CaixaDeTexto 8"/>
+          <p:cNvSpPr txBox="1"/>
+          <p:nvPr/>
+        </p:nvSpPr>
+        <p:spPr>
+          <a:xfrm>
+            <a:off x="5148064" y="4484737"/>
+            <a:ext cx="1654318" cy="369332"/>
+          </a:xfrm>
+          <a:prstGeom prst="rect">
+            <a:avLst/>
+          </a:prstGeom>
+          <a:noFill/>
+        </p:spPr>
+        <p:txBody>
+          <a:bodyPr wrap="square" rtlCol="0">
+            <a:spAutoFit/>
+          </a:bodyPr>
+          <a:lstStyle/>
+          <a:p>
+            <a:r>
+              <a:rPr lang="pt-BR" dirty="0" smtClean="0"/>
+              <a:t>Núcleo externo</a:t>
+            </a:r>
+            <a:endParaRPr lang="pt-BR" dirty="0"/>
+          </a:p>
+        </p:txBody>
+      </p:sp>
+      <p:cxnSp>
+        <p:nvCxnSpPr>
+          <p:cNvPr id="12" name="Conector de seta reta 11"/>
+          <p:cNvCxnSpPr/>
+          <p:nvPr/>
+        </p:nvCxnSpPr>
+        <p:spPr>
+          <a:xfrm flipH="1">
+            <a:off x="2915816" y="4700761"/>
+            <a:ext cx="2160000" cy="0"/>
+          </a:xfrm>
+          <a:prstGeom prst="straightConnector1">
+            <a:avLst/>
+          </a:prstGeom>
+          <a:ln w="38100">
+            <a:solidFill>
+              <a:schemeClr val="tx1"/>
+            </a:solidFill>
+            <a:tailEnd type="arrow"/>
+          </a:ln>
+        </p:spPr>
+        <p:style>
+          <a:lnRef idx="1">
+            <a:schemeClr val="accent1"/>
+          </a:lnRef>
+          <a:fillRef idx="0">
+            <a:schemeClr val="accent1"/>
+          </a:fillRef>
+          <a:effectRef idx="0">
+            <a:schemeClr val="accent1"/>
+          </a:effectRef>
+          <a:fontRef idx="minor">
+            <a:schemeClr val="tx1"/>
+          </a:fontRef>
+        </p:style>
+      </p:cxnSp>
+      <p:cxnSp>
+        <p:nvCxnSpPr>
+          <p:cNvPr id="18" name="Conector de seta reta 17"/>
+          <p:cNvCxnSpPr/>
+          <p:nvPr/>
+        </p:nvCxnSpPr>
+        <p:spPr>
+          <a:xfrm flipH="1">
+            <a:off x="3059832" y="3332609"/>
+            <a:ext cx="1944000" cy="0"/>
+          </a:xfrm>
+          <a:prstGeom prst="straightConnector1">
+            <a:avLst/>
+          </a:prstGeom>
+          <a:ln w="38100">
+            <a:solidFill>
+              <a:schemeClr val="tx1"/>
+            </a:solidFill>
+            <a:tailEnd type="arrow"/>
+          </a:ln>
+        </p:spPr>
+        <p:style>
+          <a:lnRef idx="1">
+            <a:schemeClr val="accent1"/>
+          </a:lnRef>
+          <a:fillRef idx="0">
+            <a:schemeClr val="accent1"/>
+          </a:fillRef>
+          <a:effectRef idx="0">
+            <a:schemeClr val="accent1"/>
+          </a:effectRef>
+          <a:fontRef idx="minor">
+            <a:schemeClr val="tx1"/>
+          </a:fontRef>
+        </p:style>
+      </p:cxnSp>
+      <p:sp>
+        <p:nvSpPr>
+          <p:cNvPr id="20" name="Retângulo 19"/>
+          <p:cNvSpPr/>
+          <p:nvPr/>
+        </p:nvSpPr>
+        <p:spPr>
+          <a:xfrm>
+            <a:off x="92472" y="5589240"/>
+            <a:ext cx="2601161" cy="307777"/>
+          </a:xfrm>
+          <a:prstGeom prst="rect">
+            <a:avLst/>
+          </a:prstGeom>
+        </p:spPr>
+        <p:txBody>
+          <a:bodyPr wrap="none">
+            <a:spAutoFit/>
+          </a:bodyPr>
+          <a:lstStyle/>
+          <a:p>
+            <a:r>
+              <a:rPr lang="en-US" sz="1400" dirty="0" err="1" smtClean="0"/>
+              <a:t>Modificado</a:t>
+            </a:r>
+            <a:r>
+              <a:rPr lang="en-US" sz="1400" dirty="0" smtClean="0"/>
+              <a:t> de </a:t>
+            </a:r>
+            <a:r>
+              <a:rPr lang="en-US" sz="1400" dirty="0" err="1" smtClean="0"/>
+              <a:t>Hulot</a:t>
+            </a:r>
+            <a:r>
+              <a:rPr lang="en-US" sz="1400" dirty="0" smtClean="0"/>
+              <a:t> et al. (2015)</a:t>
+            </a:r>
+            <a:endParaRPr lang="pt-BR" sz="1400" dirty="0"/>
+          </a:p>
+        </p:txBody>
+      </p:sp>
+      <p:sp>
+        <p:nvSpPr>
+          <p:cNvPr id="2" name="CaixaDeTexto 1"/>
+          <p:cNvSpPr txBox="1"/>
+          <p:nvPr/>
+        </p:nvSpPr>
+        <p:spPr>
+          <a:xfrm>
+            <a:off x="5192025" y="4869160"/>
+            <a:ext cx="2548327" cy="338554"/>
+          </a:xfrm>
+          <a:prstGeom prst="rect">
+            <a:avLst/>
+          </a:prstGeom>
+          <a:noFill/>
+        </p:spPr>
+        <p:txBody>
+          <a:bodyPr wrap="square" rtlCol="0">
+            <a:spAutoFit/>
+          </a:bodyPr>
+          <a:lstStyle/>
+          <a:p>
+            <a:r>
+              <a:rPr lang="pt-BR" sz="1600" dirty="0" smtClean="0"/>
+              <a:t>Fonte: correntes elétricas</a:t>
+            </a:r>
+            <a:endParaRPr lang="pt-BR" sz="1600" dirty="0"/>
+          </a:p>
+        </p:txBody>
+      </p:sp>
+      <p:sp>
+        <p:nvSpPr>
+          <p:cNvPr id="13" name="CaixaDeTexto 12"/>
+          <p:cNvSpPr txBox="1"/>
+          <p:nvPr/>
+        </p:nvSpPr>
+        <p:spPr>
+          <a:xfrm>
+            <a:off x="5192025" y="5178678"/>
+            <a:ext cx="2548327" cy="338554"/>
+          </a:xfrm>
+          <a:prstGeom prst="rect">
+            <a:avLst/>
+          </a:prstGeom>
+          <a:noFill/>
+        </p:spPr>
+        <p:txBody>
+          <a:bodyPr wrap="square" rtlCol="0">
+            <a:spAutoFit/>
+          </a:bodyPr>
+          <a:lstStyle/>
+          <a:p>
+            <a:r>
+              <a:rPr lang="pt-BR" sz="1600" dirty="0" smtClean="0"/>
+              <a:t>Campo principal</a:t>
+            </a:r>
+            <a:endParaRPr lang="pt-BR" sz="1600" dirty="0"/>
+          </a:p>
+        </p:txBody>
+      </p:sp>
+      <p:sp>
+        <p:nvSpPr>
+          <p:cNvPr id="14" name="CaixaDeTexto 13"/>
+          <p:cNvSpPr txBox="1"/>
+          <p:nvPr/>
+        </p:nvSpPr>
+        <p:spPr>
+          <a:xfrm>
+            <a:off x="5192025" y="3429000"/>
+            <a:ext cx="2548327" cy="338554"/>
+          </a:xfrm>
+          <a:prstGeom prst="rect">
+            <a:avLst/>
+          </a:prstGeom>
+          <a:noFill/>
+        </p:spPr>
+        <p:txBody>
+          <a:bodyPr wrap="square" rtlCol="0">
+            <a:spAutoFit/>
+          </a:bodyPr>
+          <a:lstStyle/>
+          <a:p>
+            <a:r>
+              <a:rPr lang="pt-BR" sz="1600" dirty="0" smtClean="0"/>
+              <a:t>Fonte: rochas magnetizadas</a:t>
+            </a:r>
+            <a:endParaRPr lang="pt-BR" sz="1600" dirty="0"/>
+          </a:p>
+        </p:txBody>
+      </p:sp>
+      <p:sp>
+        <p:nvSpPr>
+          <p:cNvPr id="23" name="CaixaDeTexto 22"/>
+          <p:cNvSpPr txBox="1"/>
+          <p:nvPr/>
+        </p:nvSpPr>
+        <p:spPr>
+          <a:xfrm>
+            <a:off x="5191497" y="3738518"/>
+            <a:ext cx="1914595" cy="338554"/>
+          </a:xfrm>
+          <a:prstGeom prst="rect">
+            <a:avLst/>
+          </a:prstGeom>
+          <a:noFill/>
+        </p:spPr>
+        <p:txBody>
+          <a:bodyPr wrap="square" rtlCol="0">
+            <a:spAutoFit/>
+          </a:bodyPr>
+          <a:lstStyle/>
+          <a:p>
+            <a:r>
+              <a:rPr lang="pt-BR" sz="1600" dirty="0" smtClean="0"/>
+              <a:t>Campo </a:t>
+            </a:r>
+            <a:r>
+              <a:rPr lang="pt-BR" sz="1600" dirty="0" err="1" smtClean="0"/>
+              <a:t>crustal</a:t>
+            </a:r>
+            <a:endParaRPr lang="pt-BR" sz="1600" dirty="0"/>
+          </a:p>
+        </p:txBody>
+      </p:sp>
+      <p:sp>
+        <p:nvSpPr>
+          <p:cNvPr id="3" name="Chave direita 2"/>
+          <p:cNvSpPr/>
+          <p:nvPr/>
+        </p:nvSpPr>
+        <p:spPr>
+          <a:xfrm>
+            <a:off x="7480895" y="2924944"/>
+            <a:ext cx="288032" cy="2818184"/>
+          </a:xfrm>
+          <a:prstGeom prst="rightBrace">
+            <a:avLst/>
+          </a:prstGeom>
+          <a:ln w="28575">
+            <a:solidFill>
+              <a:schemeClr val="tx1"/>
+            </a:solidFill>
+          </a:ln>
+        </p:spPr>
+        <p:style>
+          <a:lnRef idx="1">
+            <a:schemeClr val="accent1"/>
+          </a:lnRef>
+          <a:fillRef idx="0">
+            <a:schemeClr val="accent1"/>
+          </a:fillRef>
+          <a:effectRef idx="0">
+            <a:schemeClr val="accent1"/>
+          </a:effectRef>
+          <a:fontRef idx="minor">
+            <a:schemeClr val="tx1"/>
+          </a:fontRef>
+        </p:style>
+        <p:txBody>
+          <a:bodyPr rtlCol="0" anchor="ctr"/>
+          <a:lstStyle/>
+          <a:p>
+            <a:pPr algn="ctr"/>
+            <a:endParaRPr lang="pt-BR"/>
+          </a:p>
+        </p:txBody>
+      </p:sp>
+      <p:sp>
+        <p:nvSpPr>
+          <p:cNvPr id="5" name="CaixaDeTexto 4"/>
+          <p:cNvSpPr txBox="1"/>
+          <p:nvPr/>
+        </p:nvSpPr>
+        <p:spPr>
+          <a:xfrm>
+            <a:off x="7821885" y="3740274"/>
+            <a:ext cx="1224136" cy="1200329"/>
+          </a:xfrm>
+          <a:prstGeom prst="rect">
+            <a:avLst/>
+          </a:prstGeom>
+          <a:noFill/>
+        </p:spPr>
+        <p:txBody>
+          <a:bodyPr wrap="square" rtlCol="0">
+            <a:spAutoFit/>
+          </a:bodyPr>
+          <a:lstStyle/>
+          <a:p>
+            <a:pPr algn="ctr"/>
+            <a:r>
+              <a:rPr lang="pt-BR" dirty="0" smtClean="0"/>
+              <a:t>Campo total</a:t>
+            </a:r>
+          </a:p>
+          <a:p>
+            <a:pPr algn="ctr"/>
+            <a:r>
+              <a:rPr lang="pt-BR" dirty="0" smtClean="0"/>
+              <a:t>(ou campo interno)</a:t>
+            </a:r>
+            <a:endParaRPr lang="pt-BR" dirty="0"/>
+          </a:p>
+        </p:txBody>
+      </p:sp>
+      <p:sp>
+        <p:nvSpPr>
+          <p:cNvPr id="26" name="CaixaDeTexto 25"/>
+          <p:cNvSpPr txBox="1"/>
+          <p:nvPr/>
+        </p:nvSpPr>
+        <p:spPr>
+          <a:xfrm>
+            <a:off x="167748" y="544034"/>
+            <a:ext cx="1800200" cy="369332"/>
+          </a:xfrm>
+          <a:prstGeom prst="rect">
+            <a:avLst/>
+          </a:prstGeom>
+          <a:noFill/>
+        </p:spPr>
+        <p:txBody>
+          <a:bodyPr wrap="square" rtlCol="0">
+            <a:spAutoFit/>
+          </a:bodyPr>
+          <a:lstStyle/>
+          <a:p>
+            <a:r>
+              <a:rPr lang="pt-BR" dirty="0" smtClean="0"/>
+              <a:t>Ionosfera</a:t>
+            </a:r>
+            <a:endParaRPr lang="pt-BR" dirty="0"/>
+          </a:p>
+        </p:txBody>
+      </p:sp>
+      <p:cxnSp>
+        <p:nvCxnSpPr>
+          <p:cNvPr id="28" name="Conector de seta reta 27"/>
+          <p:cNvCxnSpPr/>
+          <p:nvPr/>
+        </p:nvCxnSpPr>
+        <p:spPr>
+          <a:xfrm>
+            <a:off x="1193826" y="834389"/>
+            <a:ext cx="641870" cy="1730515"/>
+          </a:xfrm>
+          <a:prstGeom prst="straightConnector1">
+            <a:avLst/>
+          </a:prstGeom>
+          <a:ln w="38100">
+            <a:solidFill>
+              <a:schemeClr val="tx1"/>
+            </a:solidFill>
+            <a:tailEnd type="arrow"/>
+          </a:ln>
+        </p:spPr>
+        <p:style>
+          <a:lnRef idx="1">
+            <a:schemeClr val="accent1"/>
+          </a:lnRef>
+          <a:fillRef idx="0">
+            <a:schemeClr val="accent1"/>
+          </a:fillRef>
+          <a:effectRef idx="0">
+            <a:schemeClr val="accent1"/>
+          </a:effectRef>
+          <a:fontRef idx="minor">
+            <a:schemeClr val="tx1"/>
+          </a:fontRef>
+        </p:style>
+      </p:cxnSp>
+      <p:sp>
+        <p:nvSpPr>
+          <p:cNvPr id="29" name="CaixaDeTexto 28"/>
+          <p:cNvSpPr txBox="1"/>
+          <p:nvPr/>
+        </p:nvSpPr>
+        <p:spPr>
+          <a:xfrm>
+            <a:off x="2699792" y="567730"/>
+            <a:ext cx="1800200" cy="369332"/>
+          </a:xfrm>
+          <a:prstGeom prst="rect">
+            <a:avLst/>
+          </a:prstGeom>
+          <a:noFill/>
+        </p:spPr>
+        <p:txBody>
+          <a:bodyPr wrap="square" rtlCol="0">
+            <a:spAutoFit/>
+          </a:bodyPr>
+          <a:lstStyle/>
+          <a:p>
+            <a:r>
+              <a:rPr lang="pt-BR" dirty="0" smtClean="0"/>
+              <a:t>Magnetosfera</a:t>
+            </a:r>
+            <a:endParaRPr lang="pt-BR" dirty="0"/>
+          </a:p>
+        </p:txBody>
+      </p:sp>
+      <p:cxnSp>
+        <p:nvCxnSpPr>
+          <p:cNvPr id="30" name="Conector de seta reta 29"/>
+          <p:cNvCxnSpPr/>
+          <p:nvPr/>
+        </p:nvCxnSpPr>
+        <p:spPr>
+          <a:xfrm flipH="1">
+            <a:off x="2195737" y="834389"/>
+            <a:ext cx="576063" cy="290355"/>
+          </a:xfrm>
+          <a:prstGeom prst="straightConnector1">
+            <a:avLst/>
+          </a:prstGeom>
+          <a:ln w="38100">
+            <a:solidFill>
+              <a:schemeClr val="tx1"/>
+            </a:solidFill>
+            <a:tailEnd type="arrow"/>
+          </a:ln>
+        </p:spPr>
+        <p:style>
+          <a:lnRef idx="1">
+            <a:schemeClr val="accent1"/>
+          </a:lnRef>
+          <a:fillRef idx="0">
+            <a:schemeClr val="accent1"/>
+          </a:fillRef>
+          <a:effectRef idx="0">
+            <a:schemeClr val="accent1"/>
+          </a:effectRef>
+          <a:fontRef idx="minor">
+            <a:schemeClr val="tx1"/>
+          </a:fontRef>
+        </p:style>
+      </p:cxnSp>
+      <p:sp>
+        <p:nvSpPr>
+          <p:cNvPr id="31" name="CaixaDeTexto 30"/>
+          <p:cNvSpPr txBox="1"/>
+          <p:nvPr/>
+        </p:nvSpPr>
+        <p:spPr>
+          <a:xfrm>
+            <a:off x="35496" y="282134"/>
+            <a:ext cx="2316661" cy="338554"/>
+          </a:xfrm>
+          <a:prstGeom prst="rect">
+            <a:avLst/>
+          </a:prstGeom>
+          <a:noFill/>
+        </p:spPr>
+        <p:txBody>
+          <a:bodyPr wrap="square" rtlCol="0">
+            <a:spAutoFit/>
+          </a:bodyPr>
+          <a:lstStyle/>
+          <a:p>
+            <a:r>
+              <a:rPr lang="pt-BR" sz="1600" dirty="0" smtClean="0"/>
+              <a:t>Fonte: correntes elétricas</a:t>
+            </a:r>
+            <a:endParaRPr lang="pt-BR" sz="1600" dirty="0"/>
+          </a:p>
+        </p:txBody>
+      </p:sp>
+      <p:sp>
+        <p:nvSpPr>
+          <p:cNvPr id="32" name="CaixaDeTexto 31"/>
+          <p:cNvSpPr txBox="1"/>
+          <p:nvPr/>
+        </p:nvSpPr>
+        <p:spPr>
+          <a:xfrm>
+            <a:off x="2527729" y="279698"/>
+            <a:ext cx="2316661" cy="338554"/>
+          </a:xfrm>
+          <a:prstGeom prst="rect">
+            <a:avLst/>
+          </a:prstGeom>
+          <a:noFill/>
+        </p:spPr>
+        <p:txBody>
+          <a:bodyPr wrap="square" rtlCol="0">
+            <a:spAutoFit/>
+          </a:bodyPr>
+          <a:lstStyle/>
+          <a:p>
+            <a:r>
+              <a:rPr lang="pt-BR" sz="1600" dirty="0" smtClean="0"/>
+              <a:t>Fonte: correntes elétricas</a:t>
+            </a:r>
+            <a:endParaRPr lang="pt-BR" sz="1600" dirty="0"/>
+          </a:p>
+        </p:txBody>
+      </p:sp>
+      <p:sp>
+        <p:nvSpPr>
+          <p:cNvPr id="24" name="Chave direita 23"/>
+          <p:cNvSpPr/>
+          <p:nvPr/>
+        </p:nvSpPr>
+        <p:spPr>
+          <a:xfrm>
+            <a:off x="4715800" y="106760"/>
+            <a:ext cx="288032" cy="2818184"/>
+          </a:xfrm>
+          <a:prstGeom prst="rightBrace">
+            <a:avLst/>
+          </a:prstGeom>
+          <a:ln w="28575">
+            <a:solidFill>
+              <a:schemeClr val="tx1"/>
+            </a:solidFill>
+          </a:ln>
+        </p:spPr>
+        <p:style>
+          <a:lnRef idx="1">
+            <a:schemeClr val="accent1"/>
+          </a:lnRef>
+          <a:fillRef idx="0">
+            <a:schemeClr val="accent1"/>
+          </a:fillRef>
+          <a:effectRef idx="0">
+            <a:schemeClr val="accent1"/>
+          </a:effectRef>
+          <a:fontRef idx="minor">
+            <a:schemeClr val="tx1"/>
+          </a:fontRef>
+        </p:style>
+        <p:txBody>
+          <a:bodyPr rtlCol="0" anchor="ctr"/>
+          <a:lstStyle/>
+          <a:p>
+            <a:pPr algn="ctr"/>
+            <a:endParaRPr lang="pt-BR"/>
+          </a:p>
+        </p:txBody>
+      </p:sp>
+      <p:sp>
+        <p:nvSpPr>
+          <p:cNvPr id="4" name="Retângulo 3"/>
+          <p:cNvSpPr/>
+          <p:nvPr/>
+        </p:nvSpPr>
+        <p:spPr>
+          <a:xfrm>
+            <a:off x="5148064" y="1198493"/>
+            <a:ext cx="910377" cy="646331"/>
+          </a:xfrm>
+          <a:prstGeom prst="rect">
+            <a:avLst/>
+          </a:prstGeom>
+        </p:spPr>
+        <p:txBody>
+          <a:bodyPr wrap="none">
+            <a:spAutoFit/>
+          </a:bodyPr>
+          <a:lstStyle/>
+          <a:p>
+            <a:pPr algn="ctr"/>
+            <a:r>
+              <a:rPr lang="pt-BR" dirty="0" smtClean="0"/>
+              <a:t>Campo</a:t>
+            </a:r>
+          </a:p>
+          <a:p>
+            <a:pPr algn="ctr"/>
+            <a:r>
+              <a:rPr lang="pt-BR" dirty="0" smtClean="0"/>
+              <a:t>externo</a:t>
+            </a:r>
+            <a:endParaRPr lang="pt-BR" dirty="0"/>
+          </a:p>
+        </p:txBody>
+      </p:sp>
+      <p:sp>
+        <p:nvSpPr>
+          <p:cNvPr id="25" name="CaixaDeTexto 24"/>
+          <p:cNvSpPr txBox="1"/>
+          <p:nvPr/>
+        </p:nvSpPr>
+        <p:spPr>
+          <a:xfrm>
+            <a:off x="3059832" y="5708873"/>
+            <a:ext cx="2664297" cy="646331"/>
+          </a:xfrm>
+          <a:prstGeom prst="rect">
+            <a:avLst/>
+          </a:prstGeom>
+          <a:noFill/>
+        </p:spPr>
+        <p:txBody>
+          <a:bodyPr wrap="square" rtlCol="0">
+            <a:spAutoFit/>
+          </a:bodyPr>
+          <a:lstStyle/>
+          <a:p>
+            <a:r>
+              <a:rPr lang="pt-BR" dirty="0" smtClean="0"/>
+              <a:t>Crosta, manto e oceanos</a:t>
+            </a:r>
+            <a:endParaRPr lang="pt-BR" dirty="0"/>
+          </a:p>
+        </p:txBody>
+      </p:sp>
+      <p:sp>
+        <p:nvSpPr>
+          <p:cNvPr id="33" name="CaixaDeTexto 32"/>
+          <p:cNvSpPr txBox="1"/>
+          <p:nvPr/>
+        </p:nvSpPr>
+        <p:spPr>
+          <a:xfrm>
+            <a:off x="3103793" y="6093296"/>
+            <a:ext cx="2548327" cy="338554"/>
+          </a:xfrm>
+          <a:prstGeom prst="rect">
+            <a:avLst/>
+          </a:prstGeom>
+          <a:noFill/>
+        </p:spPr>
+        <p:txBody>
+          <a:bodyPr wrap="square" rtlCol="0">
+            <a:spAutoFit/>
+          </a:bodyPr>
+          <a:lstStyle/>
+          <a:p>
+            <a:r>
+              <a:rPr lang="pt-BR" sz="1600" dirty="0" smtClean="0"/>
+              <a:t>Fonte: correntes elétricas</a:t>
+            </a:r>
+            <a:endParaRPr lang="pt-BR" sz="1600" dirty="0"/>
+          </a:p>
+        </p:txBody>
+      </p:sp>
+      <p:sp>
+        <p:nvSpPr>
+          <p:cNvPr id="34" name="CaixaDeTexto 33"/>
+          <p:cNvSpPr txBox="1"/>
+          <p:nvPr/>
+        </p:nvSpPr>
+        <p:spPr>
+          <a:xfrm>
+            <a:off x="3103793" y="6402814"/>
+            <a:ext cx="2548327" cy="338554"/>
+          </a:xfrm>
+          <a:prstGeom prst="rect">
+            <a:avLst/>
+          </a:prstGeom>
+          <a:noFill/>
+        </p:spPr>
+        <p:txBody>
+          <a:bodyPr wrap="square" rtlCol="0">
+            <a:spAutoFit/>
+          </a:bodyPr>
+          <a:lstStyle/>
+          <a:p>
+            <a:r>
+              <a:rPr lang="pt-BR" sz="1600" dirty="0" smtClean="0"/>
+              <a:t>Campos induzidos</a:t>
+            </a:r>
+            <a:endParaRPr lang="pt-BR" sz="1600" dirty="0"/>
+          </a:p>
+        </p:txBody>
+      </p:sp>
+      <p:sp>
+        <p:nvSpPr>
+          <p:cNvPr id="35" name="CaixaDeTexto 34"/>
+          <p:cNvSpPr txBox="1"/>
+          <p:nvPr/>
+        </p:nvSpPr>
+        <p:spPr>
+          <a:xfrm>
+            <a:off x="5988375" y="59377"/>
+            <a:ext cx="3082794" cy="2862322"/>
+          </a:xfrm>
+          <a:prstGeom prst="rect">
+            <a:avLst/>
+          </a:prstGeom>
+          <a:noFill/>
+        </p:spPr>
+        <p:txBody>
+          <a:bodyPr wrap="square" rtlCol="0">
+            <a:spAutoFit/>
+          </a:bodyPr>
+          <a:lstStyle/>
+          <a:p>
+            <a:pPr algn="ctr"/>
+            <a:r>
+              <a:rPr lang="pt-BR" sz="2000" dirty="0" smtClean="0"/>
+              <a:t>Estes campos, </a:t>
+            </a:r>
+            <a:r>
+              <a:rPr lang="pt-BR" sz="2000" dirty="0" smtClean="0"/>
+              <a:t>sobretudo a parcela produzida por variações temporais do campo externo, podem atingir amplitudes significativas. Contudo, sempre menores que as observadas para o campo externo.</a:t>
+            </a:r>
+            <a:endParaRPr lang="pt-BR" sz="2000" dirty="0"/>
+          </a:p>
+        </p:txBody>
+      </p:sp>
+    </p:spTree>
+    <p:extLst>
+      <p:ext uri="{BB962C8B-B14F-4D97-AF65-F5344CB8AC3E}">
+        <p14:creationId xmlns:p14="http://schemas.microsoft.com/office/powerpoint/2010/main" val="3704463915"/>
+      </p:ext>
+    </p:extLst>
+  </p:cSld>
+  <p:clrMapOvr>
+    <a:masterClrMapping/>
+  </p:clrMapOvr>
+  <p:timing>
+    <p:tnLst>
+      <p:par>
+        <p:cTn id="1" dur="indefinite" restart="never" nodeType="tmRoot"/>
+      </p:par>
+    </p:tnLst>
+  </p:timing>
+</p:sld>
+</file>
+
+<file path=ppt/slides/slide26.xml><?xml version="1.0" encoding="utf-8"?>
+<p:sld xmlns:a="http://schemas.openxmlformats.org/drawingml/2006/main" xmlns:r="http://schemas.openxmlformats.org/officeDocument/2006/relationships" xmlns:p="http://schemas.openxmlformats.org/presentationml/2006/main">
+  <p:cSld>
+    <p:spTree>
+      <p:nvGrpSpPr>
+        <p:cNvPr id="1" name=""/>
+        <p:cNvGrpSpPr/>
+        <p:nvPr/>
+      </p:nvGrpSpPr>
+      <p:grpSpPr>
+        <a:xfrm>
+          <a:off x="0" y="0"/>
+          <a:ext cx="0" cy="0"/>
+          <a:chOff x="0" y="0"/>
+          <a:chExt cx="0" cy="0"/>
+        </a:xfrm>
+      </p:grpSpPr>
       <p:sp>
         <p:nvSpPr>
           <p:cNvPr id="2" name="Título 1"/>
@@ -12137,7 +17138,7 @@
         <p:spPr>
           <a:xfrm>
             <a:off x="874048" y="3883971"/>
-            <a:ext cx="7379885" cy="1754326"/>
+            <a:ext cx="7379885" cy="1200329"/>
           </a:xfrm>
           <a:prstGeom prst="rect">
             <a:avLst/>
@@ -12153,7 +17154,15 @@
             <a:pPr algn="ctr"/>
             <a:r>
               <a:rPr lang="pt-BR" sz="3600" dirty="0" smtClean="0"/>
-              <a:t>Nesse sentido, é importante definirmos o que é uma anomalia de campo total</a:t>
+              <a:t>Nesse sentido, é </a:t>
+            </a:r>
+            <a:r>
+              <a:rPr lang="pt-BR" sz="3600" dirty="0" smtClean="0"/>
+              <a:t>preciso definir o </a:t>
+            </a:r>
+            <a:r>
+              <a:rPr lang="pt-BR" sz="3600" dirty="0" smtClean="0"/>
+              <a:t>que é uma anomalia de campo total</a:t>
             </a:r>
             <a:endParaRPr lang="pt-BR" sz="3600" dirty="0"/>
           </a:p>
@@ -12221,7 +17230,15 @@
             <a:pPr algn="ctr"/>
             <a:r>
               <a:rPr lang="pt-BR" sz="3600" dirty="0" smtClean="0"/>
-              <a:t>Para tanto, é importante definirmos alguns elementos da estrutura interna da Terra e também do campo magnético terrestre ou </a:t>
+              <a:t>Para tanto, é </a:t>
+            </a:r>
+            <a:r>
+              <a:rPr lang="pt-BR" sz="3600" dirty="0" smtClean="0"/>
+              <a:t>importante definirmos </a:t>
+            </a:r>
+            <a:r>
+              <a:rPr lang="pt-BR" sz="3600" dirty="0" smtClean="0"/>
+              <a:t>alguns elementos da estrutura interna da Terra e também do campo magnético terrestre ou </a:t>
             </a:r>
             <a:r>
               <a:rPr lang="pt-BR" sz="3600" b="1" dirty="0" smtClean="0"/>
@@ -12328,7 +17345,15 @@
             <a:pPr algn="ctr"/>
             <a:r>
               <a:rPr lang="pt-BR" sz="3600" dirty="0" smtClean="0"/>
-              <a:t>Além disso, também é importante ressaltar que o campo geomagnético é produzido por dois tipos de </a:t>
+              <a:t>Além disso, também é importante ressaltar que o campo geomagnético é produzido por </a:t>
+            </a:r>
+            <a:r>
+              <a:rPr lang="pt-BR" sz="3600" dirty="0" smtClean="0"/>
+              <a:t>apenas dois </a:t>
+            </a:r>
+            <a:r>
+              <a:rPr lang="pt-BR" sz="3600" dirty="0" smtClean="0"/>
+              <a:t>tipos de </a:t>
             </a:r>
             <a:r>
               <a:rPr lang="pt-BR" sz="3600" b="1" dirty="0" smtClean="0"/>
